--- a/docs/diagrams/ModelComponentClassDiagram.pptx
+++ b/docs/diagrams/ModelComponentClassDiagram.pptx
@@ -208,7 +208,7 @@
           <a:p>
             <a:fld id="{F5CC4B3F-88C1-4FFA-B1B6-F41C21DC6924}" type="datetimeFigureOut">
               <a:rPr lang="en-US" smtClean="0"/>
-              <a:t>6/27/2018</a:t>
+              <a:t>10/7/2018</a:t>
             </a:fld>
             <a:endParaRPr lang="en-US"/>
           </a:p>
@@ -654,7 +654,7 @@
           <a:p>
             <a:fld id="{78C97017-6FC3-485B-9764-EAC9E56C1D49}" type="datetimeFigureOut">
               <a:rPr lang="en-US" smtClean="0"/>
-              <a:t>6/27/2018</a:t>
+              <a:t>10/7/2018</a:t>
             </a:fld>
             <a:endParaRPr lang="en-US"/>
           </a:p>
@@ -822,7 +822,7 @@
           <a:p>
             <a:fld id="{78C97017-6FC3-485B-9764-EAC9E56C1D49}" type="datetimeFigureOut">
               <a:rPr lang="en-US" smtClean="0"/>
-              <a:t>6/27/2018</a:t>
+              <a:t>10/7/2018</a:t>
             </a:fld>
             <a:endParaRPr lang="en-US"/>
           </a:p>
@@ -1000,7 +1000,7 @@
           <a:p>
             <a:fld id="{78C97017-6FC3-485B-9764-EAC9E56C1D49}" type="datetimeFigureOut">
               <a:rPr lang="en-US" smtClean="0"/>
-              <a:t>6/27/2018</a:t>
+              <a:t>10/7/2018</a:t>
             </a:fld>
             <a:endParaRPr lang="en-US"/>
           </a:p>
@@ -1168,7 +1168,7 @@
           <a:p>
             <a:fld id="{78C97017-6FC3-485B-9764-EAC9E56C1D49}" type="datetimeFigureOut">
               <a:rPr lang="en-US" smtClean="0"/>
-              <a:t>6/27/2018</a:t>
+              <a:t>10/7/2018</a:t>
             </a:fld>
             <a:endParaRPr lang="en-US"/>
           </a:p>
@@ -1413,7 +1413,7 @@
           <a:p>
             <a:fld id="{78C97017-6FC3-485B-9764-EAC9E56C1D49}" type="datetimeFigureOut">
               <a:rPr lang="en-US" smtClean="0"/>
-              <a:t>6/27/2018</a:t>
+              <a:t>10/7/2018</a:t>
             </a:fld>
             <a:endParaRPr lang="en-US"/>
           </a:p>
@@ -1698,7 +1698,7 @@
           <a:p>
             <a:fld id="{78C97017-6FC3-485B-9764-EAC9E56C1D49}" type="datetimeFigureOut">
               <a:rPr lang="en-US" smtClean="0"/>
-              <a:t>6/27/2018</a:t>
+              <a:t>10/7/2018</a:t>
             </a:fld>
             <a:endParaRPr lang="en-US"/>
           </a:p>
@@ -2117,7 +2117,7 @@
           <a:p>
             <a:fld id="{78C97017-6FC3-485B-9764-EAC9E56C1D49}" type="datetimeFigureOut">
               <a:rPr lang="en-US" smtClean="0"/>
-              <a:t>6/27/2018</a:t>
+              <a:t>10/7/2018</a:t>
             </a:fld>
             <a:endParaRPr lang="en-US"/>
           </a:p>
@@ -2234,7 +2234,7 @@
           <a:p>
             <a:fld id="{78C97017-6FC3-485B-9764-EAC9E56C1D49}" type="datetimeFigureOut">
               <a:rPr lang="en-US" smtClean="0"/>
-              <a:t>6/27/2018</a:t>
+              <a:t>10/7/2018</a:t>
             </a:fld>
             <a:endParaRPr lang="en-US"/>
           </a:p>
@@ -2329,7 +2329,7 @@
           <a:p>
             <a:fld id="{78C97017-6FC3-485B-9764-EAC9E56C1D49}" type="datetimeFigureOut">
               <a:rPr lang="en-US" smtClean="0"/>
-              <a:t>6/27/2018</a:t>
+              <a:t>10/7/2018</a:t>
             </a:fld>
             <a:endParaRPr lang="en-US"/>
           </a:p>
@@ -2604,7 +2604,7 @@
           <a:p>
             <a:fld id="{78C97017-6FC3-485B-9764-EAC9E56C1D49}" type="datetimeFigureOut">
               <a:rPr lang="en-US" smtClean="0"/>
-              <a:t>6/27/2018</a:t>
+              <a:t>10/7/2018</a:t>
             </a:fld>
             <a:endParaRPr lang="en-US"/>
           </a:p>
@@ -2856,7 +2856,7 @@
           <a:p>
             <a:fld id="{78C97017-6FC3-485B-9764-EAC9E56C1D49}" type="datetimeFigureOut">
               <a:rPr lang="en-US" smtClean="0"/>
-              <a:t>6/27/2018</a:t>
+              <a:t>10/7/2018</a:t>
             </a:fld>
             <a:endParaRPr lang="en-US"/>
           </a:p>
@@ -3067,7 +3067,7 @@
           <a:p>
             <a:fld id="{78C97017-6FC3-485B-9764-EAC9E56C1D49}" type="datetimeFigureOut">
               <a:rPr lang="en-US" smtClean="0"/>
-              <a:t>6/27/2018</a:t>
+              <a:t>10/7/2018</a:t>
             </a:fld>
             <a:endParaRPr lang="en-US"/>
           </a:p>
@@ -3450,8 +3450,8 @@
         </p:nvSpPr>
         <p:spPr>
           <a:xfrm>
-            <a:off x="1119865" y="1600200"/>
-            <a:ext cx="7490735" cy="3124200"/>
+            <a:off x="381000" y="1339853"/>
+            <a:ext cx="8458200" cy="3403260"/>
           </a:xfrm>
           <a:prstGeom prst="roundRect">
             <a:avLst>
@@ -3511,7 +3511,7 @@
         </p:nvSpPr>
         <p:spPr>
           <a:xfrm>
-            <a:off x="2877180" y="3463240"/>
+            <a:off x="2138315" y="3463240"/>
             <a:ext cx="1093635" cy="346760"/>
           </a:xfrm>
           <a:prstGeom prst="rect">
@@ -3570,7 +3570,7 @@
         </p:nvSpPr>
         <p:spPr>
           <a:xfrm rot="16200000">
-            <a:off x="1661548" y="3097750"/>
+            <a:off x="922683" y="3097750"/>
             <a:ext cx="1093635" cy="346760"/>
           </a:xfrm>
           <a:prstGeom prst="rect">
@@ -3633,7 +3633,7 @@
         </p:nvCxnSpPr>
         <p:spPr>
           <a:xfrm rot="5400000" flipH="1" flipV="1">
-            <a:off x="4131507" y="1281685"/>
+            <a:off x="3392642" y="1281685"/>
             <a:ext cx="613122" cy="4459404"/>
           </a:xfrm>
           <a:prstGeom prst="bentConnector3">
@@ -3674,7 +3674,7 @@
         </p:nvSpPr>
         <p:spPr>
           <a:xfrm rot="16200000">
-            <a:off x="956202" y="2861202"/>
+            <a:off x="217337" y="2861202"/>
             <a:ext cx="1093635" cy="346760"/>
           </a:xfrm>
           <a:prstGeom prst="rect">
@@ -3744,7 +3744,7 @@
         </p:nvSpPr>
         <p:spPr>
           <a:xfrm rot="16200000">
-            <a:off x="1626910" y="2952291"/>
+            <a:off x="888045" y="2952291"/>
             <a:ext cx="270504" cy="175523"/>
           </a:xfrm>
           <a:prstGeom prst="triangle">
@@ -3794,7 +3794,7 @@
         </p:nvCxnSpPr>
         <p:spPr>
           <a:xfrm>
-            <a:off x="2609828" y="3636620"/>
+            <a:off x="1870963" y="3636620"/>
             <a:ext cx="267352" cy="0"/>
           </a:xfrm>
           <a:prstGeom prst="straightConnector1">
@@ -3832,7 +3832,7 @@
         </p:nvCxnSpPr>
         <p:spPr>
           <a:xfrm>
-            <a:off x="910091" y="3040053"/>
+            <a:off x="171226" y="3040053"/>
             <a:ext cx="419548" cy="2860"/>
           </a:xfrm>
           <a:prstGeom prst="bentConnector3">
@@ -3877,7 +3877,7 @@
         </p:nvCxnSpPr>
         <p:spPr>
           <a:xfrm flipV="1">
-            <a:off x="1849924" y="3040052"/>
+            <a:off x="1111059" y="3040052"/>
             <a:ext cx="216105" cy="1"/>
           </a:xfrm>
           <a:prstGeom prst="line">
@@ -3916,7 +3916,7 @@
         </p:nvSpPr>
         <p:spPr>
           <a:xfrm>
-            <a:off x="2373780" y="3549930"/>
+            <a:off x="1634915" y="3549930"/>
             <a:ext cx="236048" cy="173380"/>
           </a:xfrm>
           <a:prstGeom prst="flowChartDecision">
@@ -3961,7 +3961,7 @@
         </p:nvSpPr>
         <p:spPr>
           <a:xfrm>
-            <a:off x="2825280" y="2846162"/>
+            <a:off x="2086415" y="2846162"/>
             <a:ext cx="1490560" cy="334856"/>
           </a:xfrm>
           <a:prstGeom prst="rect">
@@ -3994,7 +3994,7 @@
           <a:p>
             <a:pPr algn="ctr"/>
             <a:r>
-              <a:rPr lang="en-US" sz="1050" dirty="0" err="1" smtClean="0">
+              <a:rPr lang="en-US" sz="1050" dirty="0" err="1">
                 <a:solidFill>
                   <a:srgbClr val="7030A0"/>
                 </a:solidFill>
@@ -4020,7 +4020,7 @@
         </p:nvCxnSpPr>
         <p:spPr>
           <a:xfrm>
-            <a:off x="2624360" y="3003033"/>
+            <a:off x="1885495" y="3003033"/>
             <a:ext cx="200920" cy="10557"/>
           </a:xfrm>
           <a:prstGeom prst="straightConnector1">
@@ -4058,7 +4058,7 @@
         </p:nvSpPr>
         <p:spPr>
           <a:xfrm>
-            <a:off x="2388312" y="2916343"/>
+            <a:off x="1649447" y="2916343"/>
             <a:ext cx="236048" cy="173380"/>
           </a:xfrm>
           <a:prstGeom prst="flowChartDecision">
@@ -4103,7 +4103,7 @@
         </p:nvSpPr>
         <p:spPr>
           <a:xfrm>
-            <a:off x="4692650" y="2846162"/>
+            <a:off x="3953785" y="2846162"/>
             <a:ext cx="1156969" cy="346760"/>
           </a:xfrm>
           <a:prstGeom prst="rect">
@@ -4141,7 +4141,7 @@
                   <a:srgbClr val="7030A0"/>
                 </a:solidFill>
               </a:rPr>
-              <a:t>UniquePersonList</a:t>
+              <a:t>UniqueLoanList</a:t>
             </a:r>
             <a:endParaRPr lang="en-SG" sz="1050" dirty="0">
               <a:solidFill>
@@ -4159,7 +4159,7 @@
         </p:nvSpPr>
         <p:spPr>
           <a:xfrm>
-            <a:off x="4324972" y="2920532"/>
+            <a:off x="3586107" y="2920532"/>
             <a:ext cx="236048" cy="173380"/>
           </a:xfrm>
           <a:prstGeom prst="flowChartDecision">
@@ -4206,7 +4206,7 @@
         </p:nvSpPr>
         <p:spPr>
           <a:xfrm>
-            <a:off x="6313677" y="2858066"/>
+            <a:off x="5574812" y="2858066"/>
             <a:ext cx="708186" cy="346760"/>
           </a:xfrm>
           <a:prstGeom prst="rect">
@@ -4244,7 +4244,7 @@
                   <a:srgbClr val="7030A0"/>
                 </a:solidFill>
               </a:rPr>
-              <a:t>Person</a:t>
+              <a:t>Loan</a:t>
             </a:r>
             <a:endParaRPr lang="en-SG" sz="1050" dirty="0">
               <a:solidFill>
@@ -4262,7 +4262,7 @@
         </p:nvSpPr>
         <p:spPr>
           <a:xfrm>
-            <a:off x="5858751" y="2941676"/>
+            <a:off x="5119886" y="2941676"/>
             <a:ext cx="236048" cy="173380"/>
           </a:xfrm>
           <a:prstGeom prst="flowChartDecision">
@@ -4310,7 +4310,7 @@
         </p:nvCxnSpPr>
         <p:spPr>
           <a:xfrm>
-            <a:off x="6094799" y="3028366"/>
+            <a:off x="5355934" y="3028366"/>
             <a:ext cx="218878" cy="3080"/>
           </a:xfrm>
           <a:prstGeom prst="bentConnector3">
@@ -4348,7 +4348,7 @@
         </p:nvSpPr>
         <p:spPr>
           <a:xfrm>
-            <a:off x="7712397" y="2564238"/>
+            <a:off x="6973532" y="2564238"/>
             <a:ext cx="708186" cy="285783"/>
           </a:xfrm>
           <a:prstGeom prst="rect">
@@ -4404,7 +4404,7 @@
         </p:nvSpPr>
         <p:spPr>
           <a:xfrm>
-            <a:off x="7041947" y="2948201"/>
+            <a:off x="6303082" y="2948201"/>
             <a:ext cx="236048" cy="173380"/>
           </a:xfrm>
           <a:prstGeom prst="flowChartDecision">
@@ -4453,7 +4453,7 @@
         </p:nvCxnSpPr>
         <p:spPr>
           <a:xfrm flipV="1">
-            <a:off x="7277995" y="2706821"/>
+            <a:off x="6539130" y="2706821"/>
             <a:ext cx="434402" cy="327761"/>
           </a:xfrm>
           <a:prstGeom prst="bentConnector3">
@@ -4491,7 +4491,7 @@
         </p:nvSpPr>
         <p:spPr>
           <a:xfrm>
-            <a:off x="7712397" y="2887216"/>
+            <a:off x="6973532" y="2887216"/>
             <a:ext cx="708186" cy="285783"/>
           </a:xfrm>
           <a:prstGeom prst="rect">
@@ -4550,7 +4550,7 @@
         </p:nvCxnSpPr>
         <p:spPr>
           <a:xfrm flipV="1">
-            <a:off x="7277995" y="3030108"/>
+            <a:off x="6539130" y="3030108"/>
             <a:ext cx="434402" cy="4783"/>
           </a:xfrm>
           <a:prstGeom prst="bentConnector3">
@@ -4588,7 +4588,7 @@
         </p:nvSpPr>
         <p:spPr>
           <a:xfrm>
-            <a:off x="7712397" y="3210194"/>
+            <a:off x="6973532" y="3210194"/>
             <a:ext cx="708186" cy="285783"/>
           </a:xfrm>
           <a:prstGeom prst="rect">
@@ -4647,7 +4647,7 @@
         </p:nvCxnSpPr>
         <p:spPr>
           <a:xfrm>
-            <a:off x="7277995" y="3034891"/>
+            <a:off x="6539130" y="3034891"/>
             <a:ext cx="434402" cy="318195"/>
           </a:xfrm>
           <a:prstGeom prst="bentConnector3">
@@ -4685,7 +4685,7 @@
         </p:nvSpPr>
         <p:spPr>
           <a:xfrm>
-            <a:off x="7712397" y="3533171"/>
+            <a:off x="6973532" y="3533171"/>
             <a:ext cx="708186" cy="285783"/>
           </a:xfrm>
           <a:prstGeom prst="rect">
@@ -4744,7 +4744,7 @@
         </p:nvCxnSpPr>
         <p:spPr>
           <a:xfrm>
-            <a:off x="7277995" y="3034891"/>
+            <a:off x="6539130" y="3034891"/>
             <a:ext cx="434402" cy="641172"/>
           </a:xfrm>
           <a:prstGeom prst="bentConnector3">
@@ -4784,7 +4784,7 @@
         </p:nvCxnSpPr>
         <p:spPr>
           <a:xfrm rot="5400000">
-            <a:off x="3553611" y="2687559"/>
+            <a:off x="2814746" y="2687559"/>
             <a:ext cx="293825" cy="5938"/>
           </a:xfrm>
           <a:prstGeom prst="bentConnector3">
@@ -4825,7 +4825,7 @@
         </p:nvSpPr>
         <p:spPr>
           <a:xfrm rot="10800000" flipV="1">
-            <a:off x="3562299" y="2386554"/>
+            <a:off x="2823434" y="2386554"/>
             <a:ext cx="282387" cy="157062"/>
           </a:xfrm>
           <a:prstGeom prst="triangle">
@@ -4873,7 +4873,7 @@
         </p:nvSpPr>
         <p:spPr>
           <a:xfrm>
-            <a:off x="1260922" y="1998350"/>
+            <a:off x="522057" y="1998350"/>
             <a:ext cx="1443661" cy="364396"/>
           </a:xfrm>
           <a:prstGeom prst="rect">
@@ -4944,7 +4944,7 @@
         </p:nvSpPr>
         <p:spPr>
           <a:xfrm rot="16200000">
-            <a:off x="6362886" y="3586305"/>
+            <a:off x="5624021" y="3586305"/>
             <a:ext cx="881018" cy="261610"/>
           </a:xfrm>
           <a:prstGeom prst="rect">
@@ -4983,7 +4983,7 @@
         </p:nvSpPr>
         <p:spPr>
           <a:xfrm>
-            <a:off x="2057401" y="4239491"/>
+            <a:off x="1318536" y="4239491"/>
             <a:ext cx="1066800" cy="346760"/>
           </a:xfrm>
           <a:prstGeom prst="rect">
@@ -5023,14 +5023,6 @@
               </a:rPr>
               <a:t>&lt;&lt;interface&gt;&gt;</a:t>
             </a:r>
-            <a:r>
-              <a:rPr lang="en-US" sz="1050">
-                <a:solidFill>
-                  <a:srgbClr val="7030A0"/>
-                </a:solidFill>
-              </a:rPr>
-              <a:t/>
-            </a:r>
             <a:br>
               <a:rPr lang="en-US" sz="1050">
                 <a:solidFill>
@@ -5065,7 +5057,7 @@
         </p:nvCxnSpPr>
         <p:spPr>
           <a:xfrm rot="16200000" flipH="1">
-            <a:off x="1364475" y="3719944"/>
+            <a:off x="625610" y="3719944"/>
             <a:ext cx="831471" cy="554381"/>
           </a:xfrm>
           <a:prstGeom prst="bentConnector2">
@@ -5104,7 +5096,7 @@
         </p:nvSpPr>
         <p:spPr>
           <a:xfrm>
-            <a:off x="4429979" y="3111479"/>
+            <a:off x="3691114" y="3111479"/>
             <a:ext cx="189257" cy="178683"/>
           </a:xfrm>
           <a:prstGeom prst="rect">
@@ -5143,7 +5135,7 @@
         </p:nvSpPr>
         <p:spPr>
           <a:xfrm>
-            <a:off x="6135256" y="3097917"/>
+            <a:off x="5396391" y="3097917"/>
             <a:ext cx="189257" cy="178683"/>
           </a:xfrm>
           <a:prstGeom prst="rect">
@@ -5182,7 +5174,7 @@
         </p:nvSpPr>
         <p:spPr>
           <a:xfrm>
-            <a:off x="2573394" y="2756715"/>
+            <a:off x="1834529" y="2756715"/>
             <a:ext cx="170110" cy="137542"/>
           </a:xfrm>
           <a:prstGeom prst="rect">
@@ -5221,7 +5213,7 @@
         </p:nvSpPr>
         <p:spPr>
           <a:xfrm>
-            <a:off x="2707070" y="3667737"/>
+            <a:off x="1968205" y="3667737"/>
             <a:ext cx="189257" cy="178683"/>
           </a:xfrm>
           <a:prstGeom prst="rect">
@@ -5260,7 +5252,7 @@
         </p:nvSpPr>
         <p:spPr>
           <a:xfrm>
-            <a:off x="6449896" y="3204826"/>
+            <a:off x="5711031" y="3204826"/>
             <a:ext cx="189257" cy="178683"/>
           </a:xfrm>
           <a:prstGeom prst="rect">
@@ -5305,7 +5297,7 @@
         </p:nvSpPr>
         <p:spPr>
           <a:xfrm>
-            <a:off x="7712397" y="2228817"/>
+            <a:off x="6973532" y="2228817"/>
             <a:ext cx="708186" cy="285783"/>
           </a:xfrm>
           <a:prstGeom prst="rect">
@@ -5371,7 +5363,7 @@
         </p:nvCxnSpPr>
         <p:spPr>
           <a:xfrm flipV="1">
-            <a:off x="7277995" y="2371709"/>
+            <a:off x="6539130" y="2371709"/>
             <a:ext cx="434402" cy="663182"/>
           </a:xfrm>
           <a:prstGeom prst="bentConnector3">
@@ -5417,7 +5409,7 @@
         </p:nvSpPr>
         <p:spPr>
           <a:xfrm>
-            <a:off x="7466243" y="2255711"/>
+            <a:off x="6727378" y="2255711"/>
             <a:ext cx="189257" cy="178683"/>
           </a:xfrm>
           <a:prstGeom prst="rect">
@@ -5456,7 +5448,7 @@
         </p:nvSpPr>
         <p:spPr>
           <a:xfrm>
-            <a:off x="3170181" y="1998350"/>
+            <a:off x="2431316" y="1998350"/>
             <a:ext cx="1060683" cy="364396"/>
           </a:xfrm>
           <a:prstGeom prst="rect">
@@ -5515,7 +5507,7 @@
         </p:nvCxnSpPr>
         <p:spPr>
           <a:xfrm>
-            <a:off x="4324972" y="3007222"/>
+            <a:off x="3586107" y="3007222"/>
             <a:ext cx="367678" cy="12320"/>
           </a:xfrm>
           <a:prstGeom prst="straightConnector1">
@@ -5553,7 +5545,7 @@
         </p:nvSpPr>
         <p:spPr>
           <a:xfrm rot="16200000">
-            <a:off x="2669073" y="2069158"/>
+            <a:off x="1930208" y="2069158"/>
             <a:ext cx="271014" cy="187417"/>
           </a:xfrm>
           <a:prstGeom prst="triangle">
@@ -5608,7 +5600,7 @@
         </p:nvCxnSpPr>
         <p:spPr>
           <a:xfrm>
-            <a:off x="2898289" y="2177727"/>
+            <a:off x="2159424" y="2177727"/>
             <a:ext cx="271892" cy="2821"/>
           </a:xfrm>
           <a:prstGeom prst="bentConnector3">
@@ -5641,6 +5633,377 @@
           </a:fontRef>
         </p:style>
       </p:cxnSp>
+      <p:sp>
+        <p:nvSpPr>
+          <p:cNvPr id="56" name="Rectangle 8">
+            <a:extLst>
+              <a:ext uri="{FF2B5EF4-FFF2-40B4-BE49-F238E27FC236}">
+                <a16:creationId xmlns:a16="http://schemas.microsoft.com/office/drawing/2014/main" id="{7C242852-2260-4B53-B3D0-1F9D384D8359}"/>
+              </a:ext>
+            </a:extLst>
+          </p:cNvPr>
+          <p:cNvSpPr/>
+          <p:nvPr/>
+        </p:nvSpPr>
+        <p:spPr>
+          <a:xfrm>
+            <a:off x="7608038" y="1594426"/>
+            <a:ext cx="998782" cy="442264"/>
+          </a:xfrm>
+          <a:prstGeom prst="rect">
+            <a:avLst/>
+          </a:prstGeom>
+          <a:ln w="19050">
+            <a:solidFill>
+              <a:srgbClr val="7030A0"/>
+            </a:solidFill>
+          </a:ln>
+          <a:effectLst/>
+        </p:spPr>
+        <p:style>
+          <a:lnRef idx="1">
+            <a:schemeClr val="accent4"/>
+          </a:lnRef>
+          <a:fillRef idx="2">
+            <a:schemeClr val="accent4"/>
+          </a:fillRef>
+          <a:effectRef idx="1">
+            <a:schemeClr val="accent4"/>
+          </a:effectRef>
+          <a:fontRef idx="minor">
+            <a:schemeClr val="dk1"/>
+          </a:fontRef>
+        </p:style>
+        <p:txBody>
+          <a:bodyPr rtlCol="0" anchor="ctr"/>
+          <a:lstStyle/>
+          <a:p>
+            <a:pPr algn="ctr"/>
+            <a:r>
+              <a:rPr lang="en-US" sz="1050" dirty="0">
+                <a:solidFill>
+                  <a:srgbClr val="7030A0"/>
+                </a:solidFill>
+              </a:rPr>
+              <a:t>{abstract}</a:t>
+            </a:r>
+          </a:p>
+          <a:p>
+            <a:pPr algn="ctr"/>
+            <a:r>
+              <a:rPr lang="en-US" sz="1050" dirty="0" err="1">
+                <a:solidFill>
+                  <a:srgbClr val="7030A0"/>
+                </a:solidFill>
+              </a:rPr>
+              <a:t>DataField</a:t>
+            </a:r>
+            <a:endParaRPr lang="en-US" sz="1050" dirty="0">
+              <a:solidFill>
+                <a:srgbClr val="7030A0"/>
+              </a:solidFill>
+            </a:endParaRPr>
+          </a:p>
+        </p:txBody>
+      </p:sp>
+      <p:cxnSp>
+        <p:nvCxnSpPr>
+          <p:cNvPr id="57" name="Elbow Connector 106">
+            <a:extLst>
+              <a:ext uri="{FF2B5EF4-FFF2-40B4-BE49-F238E27FC236}">
+                <a16:creationId xmlns:a16="http://schemas.microsoft.com/office/drawing/2014/main" id="{07D7295B-5C2D-425A-9895-0197F8048D91}"/>
+              </a:ext>
+            </a:extLst>
+          </p:cNvPr>
+          <p:cNvCxnSpPr>
+            <a:cxnSpLocks/>
+            <a:stCxn id="52" idx="3"/>
+            <a:endCxn id="56" idx="2"/>
+          </p:cNvCxnSpPr>
+          <p:nvPr/>
+        </p:nvCxnSpPr>
+        <p:spPr>
+          <a:xfrm flipV="1">
+            <a:off x="7681718" y="2036690"/>
+            <a:ext cx="425711" cy="335019"/>
+          </a:xfrm>
+          <a:prstGeom prst="bentConnector2">
+            <a:avLst/>
+          </a:prstGeom>
+          <a:ln w="19050">
+            <a:solidFill>
+              <a:srgbClr val="7030A0"/>
+            </a:solidFill>
+            <a:prstDash val="solid"/>
+            <a:headEnd type="none" w="med" len="med"/>
+            <a:tailEnd type="triangle" w="med" len="med"/>
+          </a:ln>
+          <a:effectLst/>
+        </p:spPr>
+        <p:style>
+          <a:lnRef idx="1">
+            <a:schemeClr val="accent2"/>
+          </a:lnRef>
+          <a:fillRef idx="2">
+            <a:schemeClr val="accent2"/>
+          </a:fillRef>
+          <a:effectRef idx="1">
+            <a:schemeClr val="accent2"/>
+          </a:effectRef>
+          <a:fontRef idx="minor">
+            <a:schemeClr val="dk1"/>
+          </a:fontRef>
+        </p:style>
+      </p:cxnSp>
+      <p:cxnSp>
+        <p:nvCxnSpPr>
+          <p:cNvPr id="71" name="Elbow Connector 106">
+            <a:extLst>
+              <a:ext uri="{FF2B5EF4-FFF2-40B4-BE49-F238E27FC236}">
+                <a16:creationId xmlns:a16="http://schemas.microsoft.com/office/drawing/2014/main" id="{BB44A3CD-63F5-4EEE-9102-3051C3296A6B}"/>
+              </a:ext>
+            </a:extLst>
+          </p:cNvPr>
+          <p:cNvCxnSpPr>
+            <a:cxnSpLocks/>
+            <a:stCxn id="76" idx="3"/>
+            <a:endCxn id="56" idx="2"/>
+          </p:cNvCxnSpPr>
+          <p:nvPr/>
+        </p:nvCxnSpPr>
+        <p:spPr>
+          <a:xfrm flipV="1">
+            <a:off x="7681718" y="2036690"/>
+            <a:ext cx="425711" cy="670440"/>
+          </a:xfrm>
+          <a:prstGeom prst="bentConnector2">
+            <a:avLst/>
+          </a:prstGeom>
+          <a:ln w="19050">
+            <a:solidFill>
+              <a:srgbClr val="7030A0"/>
+            </a:solidFill>
+            <a:prstDash val="solid"/>
+            <a:headEnd type="none" w="med" len="med"/>
+            <a:tailEnd type="triangle" w="med" len="med"/>
+          </a:ln>
+          <a:effectLst/>
+        </p:spPr>
+        <p:style>
+          <a:lnRef idx="1">
+            <a:schemeClr val="accent2"/>
+          </a:lnRef>
+          <a:fillRef idx="2">
+            <a:schemeClr val="accent2"/>
+          </a:fillRef>
+          <a:effectRef idx="1">
+            <a:schemeClr val="accent2"/>
+          </a:effectRef>
+          <a:fontRef idx="minor">
+            <a:schemeClr val="dk1"/>
+          </a:fontRef>
+        </p:style>
+      </p:cxnSp>
+      <p:cxnSp>
+        <p:nvCxnSpPr>
+          <p:cNvPr id="72" name="Elbow Connector 106">
+            <a:extLst>
+              <a:ext uri="{FF2B5EF4-FFF2-40B4-BE49-F238E27FC236}">
+                <a16:creationId xmlns:a16="http://schemas.microsoft.com/office/drawing/2014/main" id="{FD78641A-8B9A-4AA5-B198-8676613C093F}"/>
+              </a:ext>
+            </a:extLst>
+          </p:cNvPr>
+          <p:cNvCxnSpPr>
+            <a:cxnSpLocks/>
+            <a:stCxn id="80" idx="3"/>
+            <a:endCxn id="56" idx="2"/>
+          </p:cNvCxnSpPr>
+          <p:nvPr/>
+        </p:nvCxnSpPr>
+        <p:spPr>
+          <a:xfrm flipV="1">
+            <a:off x="7681718" y="2036690"/>
+            <a:ext cx="425711" cy="993418"/>
+          </a:xfrm>
+          <a:prstGeom prst="bentConnector2">
+            <a:avLst/>
+          </a:prstGeom>
+          <a:ln w="19050">
+            <a:solidFill>
+              <a:srgbClr val="7030A0"/>
+            </a:solidFill>
+            <a:prstDash val="solid"/>
+            <a:headEnd type="none" w="med" len="med"/>
+            <a:tailEnd type="triangle" w="med" len="med"/>
+          </a:ln>
+          <a:effectLst/>
+        </p:spPr>
+        <p:style>
+          <a:lnRef idx="1">
+            <a:schemeClr val="accent2"/>
+          </a:lnRef>
+          <a:fillRef idx="2">
+            <a:schemeClr val="accent2"/>
+          </a:fillRef>
+          <a:effectRef idx="1">
+            <a:schemeClr val="accent2"/>
+          </a:effectRef>
+          <a:fontRef idx="minor">
+            <a:schemeClr val="dk1"/>
+          </a:fontRef>
+        </p:style>
+      </p:cxnSp>
+      <p:cxnSp>
+        <p:nvCxnSpPr>
+          <p:cNvPr id="73" name="Elbow Connector 106">
+            <a:extLst>
+              <a:ext uri="{FF2B5EF4-FFF2-40B4-BE49-F238E27FC236}">
+                <a16:creationId xmlns:a16="http://schemas.microsoft.com/office/drawing/2014/main" id="{5CFC7354-B732-4B87-A033-0A8A7E51163B}"/>
+              </a:ext>
+            </a:extLst>
+          </p:cNvPr>
+          <p:cNvCxnSpPr>
+            <a:cxnSpLocks/>
+            <a:stCxn id="83" idx="3"/>
+            <a:endCxn id="56" idx="2"/>
+          </p:cNvCxnSpPr>
+          <p:nvPr/>
+        </p:nvCxnSpPr>
+        <p:spPr>
+          <a:xfrm flipV="1">
+            <a:off x="7681718" y="2036690"/>
+            <a:ext cx="425711" cy="1316396"/>
+          </a:xfrm>
+          <a:prstGeom prst="bentConnector2">
+            <a:avLst/>
+          </a:prstGeom>
+          <a:ln w="19050">
+            <a:solidFill>
+              <a:srgbClr val="7030A0"/>
+            </a:solidFill>
+            <a:prstDash val="solid"/>
+            <a:headEnd type="none" w="med" len="med"/>
+            <a:tailEnd type="triangle" w="med" len="med"/>
+          </a:ln>
+          <a:effectLst/>
+        </p:spPr>
+        <p:style>
+          <a:lnRef idx="1">
+            <a:schemeClr val="accent2"/>
+          </a:lnRef>
+          <a:fillRef idx="2">
+            <a:schemeClr val="accent2"/>
+          </a:fillRef>
+          <a:effectRef idx="1">
+            <a:schemeClr val="accent2"/>
+          </a:effectRef>
+          <a:fontRef idx="minor">
+            <a:schemeClr val="dk1"/>
+          </a:fontRef>
+        </p:style>
+      </p:cxnSp>
+      <p:cxnSp>
+        <p:nvCxnSpPr>
+          <p:cNvPr id="74" name="Elbow Connector 106">
+            <a:extLst>
+              <a:ext uri="{FF2B5EF4-FFF2-40B4-BE49-F238E27FC236}">
+                <a16:creationId xmlns:a16="http://schemas.microsoft.com/office/drawing/2014/main" id="{4216EDB4-D77D-4B3D-A69B-CB5669B42D79}"/>
+              </a:ext>
+            </a:extLst>
+          </p:cNvPr>
+          <p:cNvCxnSpPr>
+            <a:cxnSpLocks/>
+            <a:stCxn id="85" idx="3"/>
+            <a:endCxn id="56" idx="2"/>
+          </p:cNvCxnSpPr>
+          <p:nvPr/>
+        </p:nvCxnSpPr>
+        <p:spPr>
+          <a:xfrm flipV="1">
+            <a:off x="7681718" y="2036690"/>
+            <a:ext cx="425711" cy="1639373"/>
+          </a:xfrm>
+          <a:prstGeom prst="bentConnector2">
+            <a:avLst/>
+          </a:prstGeom>
+          <a:ln w="19050">
+            <a:solidFill>
+              <a:srgbClr val="7030A0"/>
+            </a:solidFill>
+            <a:prstDash val="solid"/>
+            <a:headEnd type="none" w="med" len="med"/>
+            <a:tailEnd type="triangle" w="med" len="med"/>
+          </a:ln>
+          <a:effectLst/>
+        </p:spPr>
+        <p:style>
+          <a:lnRef idx="1">
+            <a:schemeClr val="accent2"/>
+          </a:lnRef>
+          <a:fillRef idx="2">
+            <a:schemeClr val="accent2"/>
+          </a:fillRef>
+          <a:effectRef idx="1">
+            <a:schemeClr val="accent2"/>
+          </a:effectRef>
+          <a:fontRef idx="minor">
+            <a:schemeClr val="dk1"/>
+          </a:fontRef>
+        </p:style>
+      </p:cxnSp>
+      <p:sp>
+        <p:nvSpPr>
+          <p:cNvPr id="67" name="Isosceles Triangle 102">
+            <a:extLst>
+              <a:ext uri="{FF2B5EF4-FFF2-40B4-BE49-F238E27FC236}">
+                <a16:creationId xmlns:a16="http://schemas.microsoft.com/office/drawing/2014/main" id="{1FF4CB8B-8CEC-447C-9C68-562E5B836F78}"/>
+              </a:ext>
+            </a:extLst>
+          </p:cNvPr>
+          <p:cNvSpPr/>
+          <p:nvPr/>
+        </p:nvSpPr>
+        <p:spPr>
+          <a:xfrm>
+            <a:off x="7972177" y="2060773"/>
+            <a:ext cx="270504" cy="175523"/>
+          </a:xfrm>
+          <a:prstGeom prst="triangle">
+            <a:avLst/>
+          </a:prstGeom>
+          <a:solidFill>
+            <a:srgbClr val="7030A0"/>
+          </a:solidFill>
+          <a:ln w="19050">
+            <a:solidFill>
+              <a:srgbClr val="7030A0"/>
+            </a:solidFill>
+          </a:ln>
+          <a:effectLst/>
+        </p:spPr>
+        <p:style>
+          <a:lnRef idx="1">
+            <a:schemeClr val="accent6"/>
+          </a:lnRef>
+          <a:fillRef idx="2">
+            <a:schemeClr val="accent6"/>
+          </a:fillRef>
+          <a:effectRef idx="1">
+            <a:schemeClr val="accent6"/>
+          </a:effectRef>
+          <a:fontRef idx="minor">
+            <a:schemeClr val="dk1"/>
+          </a:fontRef>
+        </p:style>
+        <p:txBody>
+          <a:bodyPr rtlCol="0" anchor="ctr"/>
+          <a:lstStyle/>
+          <a:p>
+            <a:pPr algn="ctr"/>
+            <a:endParaRPr lang="en-SG" sz="1050"/>
+          </a:p>
+        </p:txBody>
+      </p:sp>
     </p:spTree>
     <p:extLst>
       <p:ext uri="{BB962C8B-B14F-4D97-AF65-F5344CB8AC3E}">

--- a/docs/diagrams/ModelComponentClassDiagram.pptx
+++ b/docs/diagrams/ModelComponentClassDiagram.pptx
@@ -208,7 +208,7 @@
           <a:p>
             <a:fld id="{F5CC4B3F-88C1-4FFA-B1B6-F41C21DC6924}" type="datetimeFigureOut">
               <a:rPr lang="en-US" smtClean="0"/>
-              <a:t>10/17/2018</a:t>
+              <a:t>10/21/2018</a:t>
             </a:fld>
             <a:endParaRPr lang="en-US"/>
           </a:p>
@@ -654,7 +654,7 @@
           <a:p>
             <a:fld id="{78C97017-6FC3-485B-9764-EAC9E56C1D49}" type="datetimeFigureOut">
               <a:rPr lang="en-US" smtClean="0"/>
-              <a:t>10/17/2018</a:t>
+              <a:t>10/21/2018</a:t>
             </a:fld>
             <a:endParaRPr lang="en-US"/>
           </a:p>
@@ -822,7 +822,7 @@
           <a:p>
             <a:fld id="{78C97017-6FC3-485B-9764-EAC9E56C1D49}" type="datetimeFigureOut">
               <a:rPr lang="en-US" smtClean="0"/>
-              <a:t>10/17/2018</a:t>
+              <a:t>10/21/2018</a:t>
             </a:fld>
             <a:endParaRPr lang="en-US"/>
           </a:p>
@@ -1000,7 +1000,7 @@
           <a:p>
             <a:fld id="{78C97017-6FC3-485B-9764-EAC9E56C1D49}" type="datetimeFigureOut">
               <a:rPr lang="en-US" smtClean="0"/>
-              <a:t>10/17/2018</a:t>
+              <a:t>10/21/2018</a:t>
             </a:fld>
             <a:endParaRPr lang="en-US"/>
           </a:p>
@@ -1168,7 +1168,7 @@
           <a:p>
             <a:fld id="{78C97017-6FC3-485B-9764-EAC9E56C1D49}" type="datetimeFigureOut">
               <a:rPr lang="en-US" smtClean="0"/>
-              <a:t>10/17/2018</a:t>
+              <a:t>10/21/2018</a:t>
             </a:fld>
             <a:endParaRPr lang="en-US"/>
           </a:p>
@@ -1413,7 +1413,7 @@
           <a:p>
             <a:fld id="{78C97017-6FC3-485B-9764-EAC9E56C1D49}" type="datetimeFigureOut">
               <a:rPr lang="en-US" smtClean="0"/>
-              <a:t>10/17/2018</a:t>
+              <a:t>10/21/2018</a:t>
             </a:fld>
             <a:endParaRPr lang="en-US"/>
           </a:p>
@@ -1698,7 +1698,7 @@
           <a:p>
             <a:fld id="{78C97017-6FC3-485B-9764-EAC9E56C1D49}" type="datetimeFigureOut">
               <a:rPr lang="en-US" smtClean="0"/>
-              <a:t>10/17/2018</a:t>
+              <a:t>10/21/2018</a:t>
             </a:fld>
             <a:endParaRPr lang="en-US"/>
           </a:p>
@@ -2117,7 +2117,7 @@
           <a:p>
             <a:fld id="{78C97017-6FC3-485B-9764-EAC9E56C1D49}" type="datetimeFigureOut">
               <a:rPr lang="en-US" smtClean="0"/>
-              <a:t>10/17/2018</a:t>
+              <a:t>10/21/2018</a:t>
             </a:fld>
             <a:endParaRPr lang="en-US"/>
           </a:p>
@@ -2234,7 +2234,7 @@
           <a:p>
             <a:fld id="{78C97017-6FC3-485B-9764-EAC9E56C1D49}" type="datetimeFigureOut">
               <a:rPr lang="en-US" smtClean="0"/>
-              <a:t>10/17/2018</a:t>
+              <a:t>10/21/2018</a:t>
             </a:fld>
             <a:endParaRPr lang="en-US"/>
           </a:p>
@@ -2329,7 +2329,7 @@
           <a:p>
             <a:fld id="{78C97017-6FC3-485B-9764-EAC9E56C1D49}" type="datetimeFigureOut">
               <a:rPr lang="en-US" smtClean="0"/>
-              <a:t>10/17/2018</a:t>
+              <a:t>10/21/2018</a:t>
             </a:fld>
             <a:endParaRPr lang="en-US"/>
           </a:p>
@@ -2604,7 +2604,7 @@
           <a:p>
             <a:fld id="{78C97017-6FC3-485B-9764-EAC9E56C1D49}" type="datetimeFigureOut">
               <a:rPr lang="en-US" smtClean="0"/>
-              <a:t>10/17/2018</a:t>
+              <a:t>10/21/2018</a:t>
             </a:fld>
             <a:endParaRPr lang="en-US"/>
           </a:p>
@@ -2856,7 +2856,7 @@
           <a:p>
             <a:fld id="{78C97017-6FC3-485B-9764-EAC9E56C1D49}" type="datetimeFigureOut">
               <a:rPr lang="en-US" smtClean="0"/>
-              <a:t>10/17/2018</a:t>
+              <a:t>10/21/2018</a:t>
             </a:fld>
             <a:endParaRPr lang="en-US"/>
           </a:p>
@@ -3067,7 +3067,7 @@
           <a:p>
             <a:fld id="{78C97017-6FC3-485B-9764-EAC9E56C1D49}" type="datetimeFigureOut">
               <a:rPr lang="en-US" smtClean="0"/>
-              <a:t>10/17/2018</a:t>
+              <a:t>10/21/2018</a:t>
             </a:fld>
             <a:endParaRPr lang="en-US"/>
           </a:p>
@@ -4000,7 +4000,7 @@
                   <a:srgbClr val="7030A0"/>
                 </a:solidFill>
               </a:rPr>
-              <a:t>VersionedAddressBook</a:t>
+              <a:t>VersionedLoanBook</a:t>
             </a:r>
             <a:endParaRPr lang="en-SG" sz="1050" dirty="0">
               <a:solidFill>
@@ -4786,14 +4786,16 @@
         <p:nvCxnSpPr>
           <p:cNvPr id="97" name="Elbow Connector 63"/>
           <p:cNvCxnSpPr>
+            <a:cxnSpLocks/>
             <a:stCxn id="99" idx="3"/>
+            <a:endCxn id="46" idx="0"/>
           </p:cNvCxnSpPr>
           <p:nvPr/>
         </p:nvCxnSpPr>
         <p:spPr>
           <a:xfrm rot="5400000">
-            <a:off x="2814746" y="2687559"/>
-            <a:ext cx="293825" cy="5938"/>
+            <a:off x="2692500" y="2664187"/>
+            <a:ext cx="321170" cy="42780"/>
           </a:xfrm>
           <a:prstGeom prst="bentConnector3">
             <a:avLst>
@@ -4833,7 +4835,7 @@
         </p:nvSpPr>
         <p:spPr>
           <a:xfrm rot="10800000" flipV="1">
-            <a:off x="2823434" y="2386554"/>
+            <a:off x="2733282" y="2367930"/>
             <a:ext cx="282387" cy="157062"/>
           </a:xfrm>
           <a:prstGeom prst="triangle">
@@ -4934,7 +4936,7 @@
                   <a:srgbClr val="7030A0"/>
                 </a:solidFill>
               </a:rPr>
-              <a:t>ReadOnlyAddressBook</a:t>
+              <a:t>ReadOnlyLoanBook</a:t>
             </a:r>
             <a:endParaRPr lang="en-SG" sz="1050" dirty="0">
               <a:solidFill>
@@ -5458,8 +5460,8 @@
         </p:nvSpPr>
         <p:spPr>
           <a:xfrm>
-            <a:off x="2431316" y="1998350"/>
-            <a:ext cx="1060683" cy="364396"/>
+            <a:off x="2431317" y="1998350"/>
+            <a:ext cx="897996" cy="364396"/>
           </a:xfrm>
           <a:prstGeom prst="rect">
             <a:avLst/>
@@ -5496,7 +5498,7 @@
                   <a:srgbClr val="7030A0"/>
                 </a:solidFill>
               </a:rPr>
-              <a:t>AddressBook</a:t>
+              <a:t>LoanBook</a:t>
             </a:r>
             <a:endParaRPr lang="en-SG" sz="1050" dirty="0">
               <a:solidFill>
@@ -5606,6 +5608,7 @@
         <p:nvCxnSpPr>
           <p:cNvPr id="69" name="Elbow Connector 63"/>
           <p:cNvCxnSpPr>
+            <a:cxnSpLocks/>
             <a:stCxn id="68" idx="3"/>
             <a:endCxn id="55" idx="1"/>
           </p:cNvCxnSpPr>
@@ -5614,7 +5617,7 @@
         <p:spPr>
           <a:xfrm>
             <a:off x="2159424" y="2177727"/>
-            <a:ext cx="271892" cy="2821"/>
+            <a:ext cx="271893" cy="2821"/>
           </a:xfrm>
           <a:prstGeom prst="bentConnector3">
             <a:avLst>

--- a/docs/diagrams/ModelComponentClassDiagram.pptx
+++ b/docs/diagrams/ModelComponentClassDiagram.pptx
@@ -208,7 +208,7 @@
           <a:p>
             <a:fld id="{F5CC4B3F-88C1-4FFA-B1B6-F41C21DC6924}" type="datetimeFigureOut">
               <a:rPr lang="en-US" smtClean="0"/>
-              <a:t>10/17/2018</a:t>
+              <a:t>10/22/2018</a:t>
             </a:fld>
             <a:endParaRPr lang="en-US"/>
           </a:p>
@@ -654,7 +654,7 @@
           <a:p>
             <a:fld id="{78C97017-6FC3-485B-9764-EAC9E56C1D49}" type="datetimeFigureOut">
               <a:rPr lang="en-US" smtClean="0"/>
-              <a:t>10/17/2018</a:t>
+              <a:t>10/22/2018</a:t>
             </a:fld>
             <a:endParaRPr lang="en-US"/>
           </a:p>
@@ -822,7 +822,7 @@
           <a:p>
             <a:fld id="{78C97017-6FC3-485B-9764-EAC9E56C1D49}" type="datetimeFigureOut">
               <a:rPr lang="en-US" smtClean="0"/>
-              <a:t>10/17/2018</a:t>
+              <a:t>10/22/2018</a:t>
             </a:fld>
             <a:endParaRPr lang="en-US"/>
           </a:p>
@@ -1000,7 +1000,7 @@
           <a:p>
             <a:fld id="{78C97017-6FC3-485B-9764-EAC9E56C1D49}" type="datetimeFigureOut">
               <a:rPr lang="en-US" smtClean="0"/>
-              <a:t>10/17/2018</a:t>
+              <a:t>10/22/2018</a:t>
             </a:fld>
             <a:endParaRPr lang="en-US"/>
           </a:p>
@@ -1168,7 +1168,7 @@
           <a:p>
             <a:fld id="{78C97017-6FC3-485B-9764-EAC9E56C1D49}" type="datetimeFigureOut">
               <a:rPr lang="en-US" smtClean="0"/>
-              <a:t>10/17/2018</a:t>
+              <a:t>10/22/2018</a:t>
             </a:fld>
             <a:endParaRPr lang="en-US"/>
           </a:p>
@@ -1413,7 +1413,7 @@
           <a:p>
             <a:fld id="{78C97017-6FC3-485B-9764-EAC9E56C1D49}" type="datetimeFigureOut">
               <a:rPr lang="en-US" smtClean="0"/>
-              <a:t>10/17/2018</a:t>
+              <a:t>10/22/2018</a:t>
             </a:fld>
             <a:endParaRPr lang="en-US"/>
           </a:p>
@@ -1698,7 +1698,7 @@
           <a:p>
             <a:fld id="{78C97017-6FC3-485B-9764-EAC9E56C1D49}" type="datetimeFigureOut">
               <a:rPr lang="en-US" smtClean="0"/>
-              <a:t>10/17/2018</a:t>
+              <a:t>10/22/2018</a:t>
             </a:fld>
             <a:endParaRPr lang="en-US"/>
           </a:p>
@@ -2117,7 +2117,7 @@
           <a:p>
             <a:fld id="{78C97017-6FC3-485B-9764-EAC9E56C1D49}" type="datetimeFigureOut">
               <a:rPr lang="en-US" smtClean="0"/>
-              <a:t>10/17/2018</a:t>
+              <a:t>10/22/2018</a:t>
             </a:fld>
             <a:endParaRPr lang="en-US"/>
           </a:p>
@@ -2234,7 +2234,7 @@
           <a:p>
             <a:fld id="{78C97017-6FC3-485B-9764-EAC9E56C1D49}" type="datetimeFigureOut">
               <a:rPr lang="en-US" smtClean="0"/>
-              <a:t>10/17/2018</a:t>
+              <a:t>10/22/2018</a:t>
             </a:fld>
             <a:endParaRPr lang="en-US"/>
           </a:p>
@@ -2329,7 +2329,7 @@
           <a:p>
             <a:fld id="{78C97017-6FC3-485B-9764-EAC9E56C1D49}" type="datetimeFigureOut">
               <a:rPr lang="en-US" smtClean="0"/>
-              <a:t>10/17/2018</a:t>
+              <a:t>10/22/2018</a:t>
             </a:fld>
             <a:endParaRPr lang="en-US"/>
           </a:p>
@@ -2604,7 +2604,7 @@
           <a:p>
             <a:fld id="{78C97017-6FC3-485B-9764-EAC9E56C1D49}" type="datetimeFigureOut">
               <a:rPr lang="en-US" smtClean="0"/>
-              <a:t>10/17/2018</a:t>
+              <a:t>10/22/2018</a:t>
             </a:fld>
             <a:endParaRPr lang="en-US"/>
           </a:p>
@@ -2856,7 +2856,7 @@
           <a:p>
             <a:fld id="{78C97017-6FC3-485B-9764-EAC9E56C1D49}" type="datetimeFigureOut">
               <a:rPr lang="en-US" smtClean="0"/>
-              <a:t>10/17/2018</a:t>
+              <a:t>10/22/2018</a:t>
             </a:fld>
             <a:endParaRPr lang="en-US"/>
           </a:p>
@@ -3067,7 +3067,7 @@
           <a:p>
             <a:fld id="{78C97017-6FC3-485B-9764-EAC9E56C1D49}" type="datetimeFigureOut">
               <a:rPr lang="en-US" smtClean="0"/>
-              <a:t>10/17/2018</a:t>
+              <a:t>10/22/2018</a:t>
             </a:fld>
             <a:endParaRPr lang="en-US"/>
           </a:p>
@@ -3450,7 +3450,7 @@
         </p:nvSpPr>
         <p:spPr>
           <a:xfrm>
-            <a:off x="381000" y="1339853"/>
+            <a:off x="381000" y="1367856"/>
             <a:ext cx="8458200" cy="3610286"/>
           </a:xfrm>
           <a:prstGeom prst="roundRect">
@@ -4263,7 +4263,7 @@
         </p:nvSpPr>
         <p:spPr>
           <a:xfrm>
-            <a:off x="5277999" y="3645585"/>
+            <a:off x="5277247" y="3646422"/>
             <a:ext cx="236048" cy="173380"/>
           </a:xfrm>
           <a:prstGeom prst="flowChartDecision">
@@ -4311,8 +4311,8 @@
         </p:nvCxnSpPr>
         <p:spPr>
           <a:xfrm>
-            <a:off x="5514047" y="3732275"/>
-            <a:ext cx="192738" cy="837"/>
+            <a:off x="5513295" y="3733112"/>
+            <a:ext cx="193490" cy="12700"/>
           </a:xfrm>
           <a:prstGeom prst="bentConnector3">
             <a:avLst/>
@@ -4405,7 +4405,7 @@
         </p:nvSpPr>
         <p:spPr>
           <a:xfrm>
-            <a:off x="6422212" y="3636790"/>
+            <a:off x="6426701" y="3582810"/>
             <a:ext cx="236048" cy="173380"/>
           </a:xfrm>
           <a:prstGeom prst="flowChartDecision">
@@ -4456,8 +4456,8 @@
         </p:nvCxnSpPr>
         <p:spPr>
           <a:xfrm flipV="1">
-            <a:off x="6658260" y="2707130"/>
-            <a:ext cx="315272" cy="1016350"/>
+            <a:off x="6662749" y="2707130"/>
+            <a:ext cx="310783" cy="962370"/>
           </a:xfrm>
           <a:prstGeom prst="bentConnector3">
             <a:avLst>
@@ -4556,8 +4556,8 @@
         </p:nvCxnSpPr>
         <p:spPr>
           <a:xfrm flipV="1">
-            <a:off x="6658260" y="3030108"/>
-            <a:ext cx="315272" cy="693372"/>
+            <a:off x="6662749" y="3030108"/>
+            <a:ext cx="310783" cy="639392"/>
           </a:xfrm>
           <a:prstGeom prst="bentConnector3">
             <a:avLst/>
@@ -4654,8 +4654,8 @@
         </p:nvCxnSpPr>
         <p:spPr>
           <a:xfrm flipV="1">
-            <a:off x="6658260" y="3353086"/>
-            <a:ext cx="315272" cy="370394"/>
+            <a:off x="6662749" y="3353086"/>
+            <a:ext cx="310783" cy="316414"/>
           </a:xfrm>
           <a:prstGeom prst="bentConnector3">
             <a:avLst/>
@@ -4751,9 +4751,9 @@
           <p:nvPr/>
         </p:nvCxnSpPr>
         <p:spPr>
-          <a:xfrm flipV="1">
-            <a:off x="6658260" y="3676063"/>
-            <a:ext cx="315272" cy="47417"/>
+          <a:xfrm>
+            <a:off x="6662749" y="3669500"/>
+            <a:ext cx="310783" cy="6563"/>
           </a:xfrm>
           <a:prstGeom prst="bentConnector3">
             <a:avLst/>
@@ -4952,7 +4952,7 @@
         </p:nvSpPr>
         <p:spPr>
           <a:xfrm>
-            <a:off x="5189346" y="3288380"/>
+            <a:off x="6006628" y="3266744"/>
             <a:ext cx="881018" cy="261610"/>
           </a:xfrm>
           <a:prstGeom prst="rect">
@@ -5373,8 +5373,8 @@
         </p:nvCxnSpPr>
         <p:spPr>
           <a:xfrm flipV="1">
-            <a:off x="6658260" y="2371709"/>
-            <a:ext cx="315272" cy="1351771"/>
+            <a:off x="6662749" y="2371709"/>
+            <a:ext cx="310783" cy="1297791"/>
           </a:xfrm>
           <a:prstGeom prst="bentConnector3">
             <a:avLst>
@@ -6368,8 +6368,8 @@
         </p:nvCxnSpPr>
         <p:spPr>
           <a:xfrm>
-            <a:off x="6658260" y="3723480"/>
-            <a:ext cx="315272" cy="269154"/>
+            <a:off x="6662749" y="3669500"/>
+            <a:ext cx="310783" cy="323134"/>
           </a:xfrm>
           <a:prstGeom prst="bentConnector3">
             <a:avLst>
@@ -6418,8 +6418,8 @@
         </p:nvCxnSpPr>
         <p:spPr>
           <a:xfrm>
-            <a:off x="6658260" y="3723480"/>
-            <a:ext cx="315272" cy="592132"/>
+            <a:off x="6662749" y="3669500"/>
+            <a:ext cx="310783" cy="646112"/>
           </a:xfrm>
           <a:prstGeom prst="bentConnector3">
             <a:avLst>
@@ -6468,8 +6468,8 @@
         </p:nvCxnSpPr>
         <p:spPr>
           <a:xfrm>
-            <a:off x="6658260" y="3723480"/>
-            <a:ext cx="315272" cy="915109"/>
+            <a:off x="6662749" y="3669500"/>
+            <a:ext cx="310783" cy="969089"/>
           </a:xfrm>
           <a:prstGeom prst="bentConnector3">
             <a:avLst>
@@ -6687,7 +6687,7 @@
         </p:nvSpPr>
         <p:spPr>
           <a:xfrm>
-            <a:off x="5258913" y="2772245"/>
+            <a:off x="5251979" y="2756715"/>
             <a:ext cx="236048" cy="173380"/>
           </a:xfrm>
           <a:prstGeom prst="flowChartDecision">
@@ -6738,7 +6738,7 @@
         </p:nvSpPr>
         <p:spPr>
           <a:xfrm>
-            <a:off x="5184426" y="3028693"/>
+            <a:off x="6016426" y="3036658"/>
             <a:ext cx="881018" cy="261610"/>
           </a:xfrm>
           <a:prstGeom prst="rect">
@@ -6970,9 +6970,9 @@
           <p:nvPr/>
         </p:nvCxnSpPr>
         <p:spPr>
-          <a:xfrm flipV="1">
-            <a:off x="5494961" y="2854538"/>
-            <a:ext cx="211824" cy="4397"/>
+          <a:xfrm>
+            <a:off x="5488027" y="2843405"/>
+            <a:ext cx="218758" cy="11133"/>
           </a:xfrm>
           <a:prstGeom prst="bentConnector3">
             <a:avLst>
@@ -7270,6 +7270,514 @@
           </a:p>
         </p:txBody>
       </p:sp>
+      <p:sp>
+        <p:nvSpPr>
+          <p:cNvPr id="92" name="Rectangle 8">
+            <a:extLst>
+              <a:ext uri="{FF2B5EF4-FFF2-40B4-BE49-F238E27FC236}">
+                <a16:creationId xmlns:a16="http://schemas.microsoft.com/office/drawing/2014/main" id="{9FAFC4EC-F7C4-4A87-AE1A-F06695D2C825}"/>
+              </a:ext>
+            </a:extLst>
+          </p:cNvPr>
+          <p:cNvSpPr/>
+          <p:nvPr/>
+        </p:nvSpPr>
+        <p:spPr>
+          <a:xfrm>
+            <a:off x="3473948" y="4297712"/>
+            <a:ext cx="797803" cy="442264"/>
+          </a:xfrm>
+          <a:prstGeom prst="rect">
+            <a:avLst/>
+          </a:prstGeom>
+          <a:ln w="19050">
+            <a:solidFill>
+              <a:srgbClr val="7030A0"/>
+            </a:solidFill>
+          </a:ln>
+          <a:effectLst/>
+        </p:spPr>
+        <p:style>
+          <a:lnRef idx="1">
+            <a:schemeClr val="accent4"/>
+          </a:lnRef>
+          <a:fillRef idx="2">
+            <a:schemeClr val="accent4"/>
+          </a:fillRef>
+          <a:effectRef idx="1">
+            <a:schemeClr val="accent4"/>
+          </a:effectRef>
+          <a:fontRef idx="minor">
+            <a:schemeClr val="dk1"/>
+          </a:fontRef>
+        </p:style>
+        <p:txBody>
+          <a:bodyPr rtlCol="0" anchor="ctr"/>
+          <a:lstStyle/>
+          <a:p>
+            <a:pPr algn="ctr"/>
+            <a:r>
+              <a:rPr lang="en-US" sz="1050" dirty="0">
+                <a:solidFill>
+                  <a:srgbClr val="7030A0"/>
+                </a:solidFill>
+              </a:rPr>
+              <a:t>{abstract}</a:t>
+            </a:r>
+          </a:p>
+          <a:p>
+            <a:pPr algn="ctr"/>
+            <a:r>
+              <a:rPr lang="en-US" sz="1050" dirty="0" err="1">
+                <a:solidFill>
+                  <a:srgbClr val="7030A0"/>
+                </a:solidFill>
+              </a:rPr>
+              <a:t>UniqueList</a:t>
+            </a:r>
+            <a:endParaRPr lang="en-US" sz="1050" dirty="0">
+              <a:solidFill>
+                <a:srgbClr val="7030A0"/>
+              </a:solidFill>
+            </a:endParaRPr>
+          </a:p>
+        </p:txBody>
+      </p:sp>
+      <p:sp>
+        <p:nvSpPr>
+          <p:cNvPr id="93" name="Isosceles Triangle 102">
+            <a:extLst>
+              <a:ext uri="{FF2B5EF4-FFF2-40B4-BE49-F238E27FC236}">
+                <a16:creationId xmlns:a16="http://schemas.microsoft.com/office/drawing/2014/main" id="{F7D0CA35-4414-49F4-A21B-8633FFFB4BB7}"/>
+              </a:ext>
+            </a:extLst>
+          </p:cNvPr>
+          <p:cNvSpPr/>
+          <p:nvPr/>
+        </p:nvSpPr>
+        <p:spPr>
+          <a:xfrm rot="10800000">
+            <a:off x="3739804" y="4116305"/>
+            <a:ext cx="270504" cy="175523"/>
+          </a:xfrm>
+          <a:prstGeom prst="triangle">
+            <a:avLst/>
+          </a:prstGeom>
+          <a:solidFill>
+            <a:srgbClr val="7030A0"/>
+          </a:solidFill>
+          <a:ln w="19050">
+            <a:solidFill>
+              <a:srgbClr val="7030A0"/>
+            </a:solidFill>
+          </a:ln>
+          <a:effectLst/>
+        </p:spPr>
+        <p:style>
+          <a:lnRef idx="1">
+            <a:schemeClr val="accent6"/>
+          </a:lnRef>
+          <a:fillRef idx="2">
+            <a:schemeClr val="accent6"/>
+          </a:fillRef>
+          <a:effectRef idx="1">
+            <a:schemeClr val="accent6"/>
+          </a:effectRef>
+          <a:fontRef idx="minor">
+            <a:schemeClr val="dk1"/>
+          </a:fontRef>
+        </p:style>
+        <p:txBody>
+          <a:bodyPr rtlCol="0" anchor="ctr"/>
+          <a:lstStyle/>
+          <a:p>
+            <a:pPr algn="ctr"/>
+            <a:endParaRPr lang="en-SG" sz="1050"/>
+          </a:p>
+        </p:txBody>
+      </p:sp>
+      <p:sp>
+        <p:nvSpPr>
+          <p:cNvPr id="94" name="Rectangle 8">
+            <a:extLst>
+              <a:ext uri="{FF2B5EF4-FFF2-40B4-BE49-F238E27FC236}">
+                <a16:creationId xmlns:a16="http://schemas.microsoft.com/office/drawing/2014/main" id="{EF8876E1-E3D1-4911-B3DB-05EDBAF5442A}"/>
+              </a:ext>
+            </a:extLst>
+          </p:cNvPr>
+          <p:cNvSpPr/>
+          <p:nvPr/>
+        </p:nvSpPr>
+        <p:spPr>
+          <a:xfrm>
+            <a:off x="4911376" y="4326404"/>
+            <a:ext cx="1008734" cy="346760"/>
+          </a:xfrm>
+          <a:prstGeom prst="rect">
+            <a:avLst/>
+          </a:prstGeom>
+          <a:ln w="19050">
+            <a:solidFill>
+              <a:srgbClr val="7030A0"/>
+            </a:solidFill>
+          </a:ln>
+          <a:effectLst/>
+        </p:spPr>
+        <p:style>
+          <a:lnRef idx="1">
+            <a:schemeClr val="accent4"/>
+          </a:lnRef>
+          <a:fillRef idx="2">
+            <a:schemeClr val="accent4"/>
+          </a:fillRef>
+          <a:effectRef idx="1">
+            <a:schemeClr val="accent4"/>
+          </a:effectRef>
+          <a:fontRef idx="minor">
+            <a:schemeClr val="dk1"/>
+          </a:fontRef>
+        </p:style>
+        <p:txBody>
+          <a:bodyPr rtlCol="0" anchor="ctr"/>
+          <a:lstStyle/>
+          <a:p>
+            <a:pPr algn="ctr"/>
+            <a:r>
+              <a:rPr lang="en-US" sz="1050" dirty="0">
+                <a:solidFill>
+                  <a:srgbClr val="7030A0"/>
+                </a:solidFill>
+              </a:rPr>
+              <a:t>&lt;&lt;interface&gt;&gt;</a:t>
+            </a:r>
+            <a:br>
+              <a:rPr lang="en-US" sz="1050" dirty="0">
+                <a:solidFill>
+                  <a:srgbClr val="7030A0"/>
+                </a:solidFill>
+              </a:rPr>
+            </a:br>
+            <a:r>
+              <a:rPr lang="en-US" sz="1050" dirty="0" err="1">
+                <a:solidFill>
+                  <a:srgbClr val="7030A0"/>
+                </a:solidFill>
+              </a:rPr>
+              <a:t>UniqueListItem</a:t>
+            </a:r>
+            <a:endParaRPr lang="en-SG" sz="1050" dirty="0">
+              <a:solidFill>
+                <a:srgbClr val="7030A0"/>
+              </a:solidFill>
+            </a:endParaRPr>
+          </a:p>
+        </p:txBody>
+      </p:sp>
+      <p:cxnSp>
+        <p:nvCxnSpPr>
+          <p:cNvPr id="95" name="Elbow Connector 106">
+            <a:extLst>
+              <a:ext uri="{FF2B5EF4-FFF2-40B4-BE49-F238E27FC236}">
+                <a16:creationId xmlns:a16="http://schemas.microsoft.com/office/drawing/2014/main" id="{F54E8C7B-4D38-41B3-B1C1-7F17E384D2BD}"/>
+              </a:ext>
+            </a:extLst>
+          </p:cNvPr>
+          <p:cNvCxnSpPr>
+            <a:cxnSpLocks/>
+            <a:endCxn id="93" idx="3"/>
+          </p:cNvCxnSpPr>
+          <p:nvPr/>
+        </p:nvCxnSpPr>
+        <p:spPr>
+          <a:xfrm rot="5400000">
+            <a:off x="3424631" y="3453459"/>
+            <a:ext cx="1113272" cy="212421"/>
+          </a:xfrm>
+          <a:prstGeom prst="bentConnector3">
+            <a:avLst>
+              <a:gd name="adj1" fmla="val -5442"/>
+            </a:avLst>
+          </a:prstGeom>
+          <a:ln w="19050">
+            <a:solidFill>
+              <a:srgbClr val="7030A0"/>
+            </a:solidFill>
+            <a:prstDash val="solid"/>
+            <a:headEnd type="none" w="med" len="med"/>
+            <a:tailEnd type="none" w="med" len="med"/>
+          </a:ln>
+          <a:effectLst/>
+        </p:spPr>
+        <p:style>
+          <a:lnRef idx="1">
+            <a:schemeClr val="accent2"/>
+          </a:lnRef>
+          <a:fillRef idx="2">
+            <a:schemeClr val="accent2"/>
+          </a:fillRef>
+          <a:effectRef idx="1">
+            <a:schemeClr val="accent2"/>
+          </a:effectRef>
+          <a:fontRef idx="minor">
+            <a:schemeClr val="dk1"/>
+          </a:fontRef>
+        </p:style>
+      </p:cxnSp>
+      <p:cxnSp>
+        <p:nvCxnSpPr>
+          <p:cNvPr id="98" name="Elbow Connector 106">
+            <a:extLst>
+              <a:ext uri="{FF2B5EF4-FFF2-40B4-BE49-F238E27FC236}">
+                <a16:creationId xmlns:a16="http://schemas.microsoft.com/office/drawing/2014/main" id="{6B8C2F4C-7BB0-4F19-8516-42CF82F25BDE}"/>
+              </a:ext>
+            </a:extLst>
+          </p:cNvPr>
+          <p:cNvCxnSpPr>
+            <a:cxnSpLocks/>
+            <a:endCxn id="93" idx="3"/>
+          </p:cNvCxnSpPr>
+          <p:nvPr/>
+        </p:nvCxnSpPr>
+        <p:spPr>
+          <a:xfrm rot="5400000">
+            <a:off x="3863106" y="3856574"/>
+            <a:ext cx="271682" cy="247781"/>
+          </a:xfrm>
+          <a:prstGeom prst="bentConnector3">
+            <a:avLst>
+              <a:gd name="adj1" fmla="val -486"/>
+            </a:avLst>
+          </a:prstGeom>
+          <a:ln w="19050">
+            <a:solidFill>
+              <a:srgbClr val="7030A0"/>
+            </a:solidFill>
+            <a:prstDash val="solid"/>
+            <a:headEnd type="none" w="med" len="med"/>
+            <a:tailEnd type="none" w="med" len="med"/>
+          </a:ln>
+          <a:effectLst/>
+        </p:spPr>
+        <p:style>
+          <a:lnRef idx="1">
+            <a:schemeClr val="accent2"/>
+          </a:lnRef>
+          <a:fillRef idx="2">
+            <a:schemeClr val="accent2"/>
+          </a:fillRef>
+          <a:effectRef idx="1">
+            <a:schemeClr val="accent2"/>
+          </a:effectRef>
+          <a:fontRef idx="minor">
+            <a:schemeClr val="dk1"/>
+          </a:fontRef>
+        </p:style>
+      </p:cxnSp>
+      <p:cxnSp>
+        <p:nvCxnSpPr>
+          <p:cNvPr id="109" name="Elbow Connector 122">
+            <a:extLst>
+              <a:ext uri="{FF2B5EF4-FFF2-40B4-BE49-F238E27FC236}">
+                <a16:creationId xmlns:a16="http://schemas.microsoft.com/office/drawing/2014/main" id="{4B5D03A6-B6C4-4C2E-B196-414DAC4AB8D7}"/>
+              </a:ext>
+            </a:extLst>
+          </p:cNvPr>
+          <p:cNvCxnSpPr>
+            <a:cxnSpLocks/>
+            <a:stCxn id="92" idx="3"/>
+            <a:endCxn id="94" idx="1"/>
+          </p:cNvCxnSpPr>
+          <p:nvPr/>
+        </p:nvCxnSpPr>
+        <p:spPr>
+          <a:xfrm flipV="1">
+            <a:off x="4271751" y="4499784"/>
+            <a:ext cx="639625" cy="19060"/>
+          </a:xfrm>
+          <a:prstGeom prst="bentConnector3">
+            <a:avLst>
+              <a:gd name="adj1" fmla="val 50000"/>
+            </a:avLst>
+          </a:prstGeom>
+          <a:ln w="19050">
+            <a:solidFill>
+              <a:srgbClr val="7030A0"/>
+            </a:solidFill>
+            <a:prstDash val="sysDot"/>
+            <a:headEnd type="none" w="med" len="med"/>
+            <a:tailEnd type="arrow" w="med" len="med"/>
+          </a:ln>
+          <a:effectLst/>
+        </p:spPr>
+        <p:style>
+          <a:lnRef idx="1">
+            <a:schemeClr val="accent2"/>
+          </a:lnRef>
+          <a:fillRef idx="2">
+            <a:schemeClr val="accent2"/>
+          </a:fillRef>
+          <a:effectRef idx="1">
+            <a:schemeClr val="accent2"/>
+          </a:effectRef>
+          <a:fontRef idx="minor">
+            <a:schemeClr val="dk1"/>
+          </a:fontRef>
+        </p:style>
+      </p:cxnSp>
+      <p:sp>
+        <p:nvSpPr>
+          <p:cNvPr id="113" name="Isosceles Triangle 102">
+            <a:extLst>
+              <a:ext uri="{FF2B5EF4-FFF2-40B4-BE49-F238E27FC236}">
+                <a16:creationId xmlns:a16="http://schemas.microsoft.com/office/drawing/2014/main" id="{7C5E2AC6-E7DC-4B01-B955-FD66591FADF0}"/>
+              </a:ext>
+            </a:extLst>
+          </p:cNvPr>
+          <p:cNvSpPr/>
+          <p:nvPr/>
+        </p:nvSpPr>
+        <p:spPr>
+          <a:xfrm flipV="1">
+            <a:off x="5391222" y="4169342"/>
+            <a:ext cx="282387" cy="157062"/>
+          </a:xfrm>
+          <a:prstGeom prst="triangle">
+            <a:avLst/>
+          </a:prstGeom>
+          <a:ln w="19050">
+            <a:solidFill>
+              <a:srgbClr val="7030A0"/>
+            </a:solidFill>
+          </a:ln>
+          <a:effectLst/>
+        </p:spPr>
+        <p:style>
+          <a:lnRef idx="1">
+            <a:schemeClr val="accent4"/>
+          </a:lnRef>
+          <a:fillRef idx="2">
+            <a:schemeClr val="accent4"/>
+          </a:fillRef>
+          <a:effectRef idx="1">
+            <a:schemeClr val="accent4"/>
+          </a:effectRef>
+          <a:fontRef idx="minor">
+            <a:schemeClr val="dk1"/>
+          </a:fontRef>
+        </p:style>
+        <p:txBody>
+          <a:bodyPr rtlCol="0" anchor="ctr"/>
+          <a:lstStyle/>
+          <a:p>
+            <a:pPr algn="ctr"/>
+            <a:endParaRPr lang="en-SG" sz="1050" b="1">
+              <a:solidFill>
+                <a:srgbClr val="92D050"/>
+              </a:solidFill>
+            </a:endParaRPr>
+          </a:p>
+        </p:txBody>
+      </p:sp>
+      <p:cxnSp>
+        <p:nvCxnSpPr>
+          <p:cNvPr id="115" name="Elbow Connector 63">
+            <a:extLst>
+              <a:ext uri="{FF2B5EF4-FFF2-40B4-BE49-F238E27FC236}">
+                <a16:creationId xmlns:a16="http://schemas.microsoft.com/office/drawing/2014/main" id="{76C0288F-388A-4546-921E-EA9097F44541}"/>
+              </a:ext>
+            </a:extLst>
+          </p:cNvPr>
+          <p:cNvCxnSpPr>
+            <a:cxnSpLocks/>
+            <a:endCxn id="113" idx="3"/>
+          </p:cNvCxnSpPr>
+          <p:nvPr/>
+        </p:nvCxnSpPr>
+        <p:spPr>
+          <a:xfrm rot="5400000">
+            <a:off x="5028052" y="3490605"/>
+            <a:ext cx="1183101" cy="174372"/>
+          </a:xfrm>
+          <a:prstGeom prst="bentConnector3">
+            <a:avLst>
+              <a:gd name="adj1" fmla="val -238"/>
+            </a:avLst>
+          </a:prstGeom>
+          <a:ln w="19050">
+            <a:solidFill>
+              <a:srgbClr val="7030A0"/>
+            </a:solidFill>
+            <a:prstDash val="sysDot"/>
+            <a:headEnd type="none" w="med" len="med"/>
+            <a:tailEnd type="none" w="med" len="med"/>
+          </a:ln>
+          <a:effectLst/>
+        </p:spPr>
+        <p:style>
+          <a:lnRef idx="1">
+            <a:schemeClr val="accent2"/>
+          </a:lnRef>
+          <a:fillRef idx="2">
+            <a:schemeClr val="accent2"/>
+          </a:fillRef>
+          <a:effectRef idx="1">
+            <a:schemeClr val="accent2"/>
+          </a:effectRef>
+          <a:fontRef idx="minor">
+            <a:schemeClr val="dk1"/>
+          </a:fontRef>
+        </p:style>
+      </p:cxnSp>
+      <p:cxnSp>
+        <p:nvCxnSpPr>
+          <p:cNvPr id="121" name="Elbow Connector 63">
+            <a:extLst>
+              <a:ext uri="{FF2B5EF4-FFF2-40B4-BE49-F238E27FC236}">
+                <a16:creationId xmlns:a16="http://schemas.microsoft.com/office/drawing/2014/main" id="{9CC24216-58E6-4BCC-9FF6-A704D6B90FFF}"/>
+              </a:ext>
+            </a:extLst>
+          </p:cNvPr>
+          <p:cNvCxnSpPr>
+            <a:cxnSpLocks/>
+            <a:endCxn id="113" idx="3"/>
+          </p:cNvCxnSpPr>
+          <p:nvPr/>
+        </p:nvCxnSpPr>
+        <p:spPr>
+          <a:xfrm rot="5400000">
+            <a:off x="5485575" y="3943675"/>
+            <a:ext cx="272509" cy="178825"/>
+          </a:xfrm>
+          <a:prstGeom prst="bentConnector3">
+            <a:avLst>
+              <a:gd name="adj1" fmla="val -5925"/>
+            </a:avLst>
+          </a:prstGeom>
+          <a:ln w="19050">
+            <a:solidFill>
+              <a:srgbClr val="7030A0"/>
+            </a:solidFill>
+            <a:prstDash val="sysDot"/>
+            <a:headEnd type="none" w="med" len="med"/>
+            <a:tailEnd type="none" w="med" len="med"/>
+          </a:ln>
+          <a:effectLst/>
+        </p:spPr>
+        <p:style>
+          <a:lnRef idx="1">
+            <a:schemeClr val="accent2"/>
+          </a:lnRef>
+          <a:fillRef idx="2">
+            <a:schemeClr val="accent2"/>
+          </a:fillRef>
+          <a:effectRef idx="1">
+            <a:schemeClr val="accent2"/>
+          </a:effectRef>
+          <a:fontRef idx="minor">
+            <a:schemeClr val="dk1"/>
+          </a:fontRef>
+        </p:style>
+      </p:cxnSp>
     </p:spTree>
     <p:extLst>
       <p:ext uri="{BB962C8B-B14F-4D97-AF65-F5344CB8AC3E}">

--- a/docs/diagrams/ModelComponentClassDiagram.pptx
+++ b/docs/diagrams/ModelComponentClassDiagram.pptx
@@ -208,7 +208,7 @@
           <a:p>
             <a:fld id="{F5CC4B3F-88C1-4FFA-B1B6-F41C21DC6924}" type="datetimeFigureOut">
               <a:rPr lang="en-US" smtClean="0"/>
-              <a:t>10/17/2018</a:t>
+              <a:t>10/22/2018</a:t>
             </a:fld>
             <a:endParaRPr lang="en-US"/>
           </a:p>
@@ -654,7 +654,7 @@
           <a:p>
             <a:fld id="{78C97017-6FC3-485B-9764-EAC9E56C1D49}" type="datetimeFigureOut">
               <a:rPr lang="en-US" smtClean="0"/>
-              <a:t>10/17/2018</a:t>
+              <a:t>10/22/2018</a:t>
             </a:fld>
             <a:endParaRPr lang="en-US"/>
           </a:p>
@@ -822,7 +822,7 @@
           <a:p>
             <a:fld id="{78C97017-6FC3-485B-9764-EAC9E56C1D49}" type="datetimeFigureOut">
               <a:rPr lang="en-US" smtClean="0"/>
-              <a:t>10/17/2018</a:t>
+              <a:t>10/22/2018</a:t>
             </a:fld>
             <a:endParaRPr lang="en-US"/>
           </a:p>
@@ -1000,7 +1000,7 @@
           <a:p>
             <a:fld id="{78C97017-6FC3-485B-9764-EAC9E56C1D49}" type="datetimeFigureOut">
               <a:rPr lang="en-US" smtClean="0"/>
-              <a:t>10/17/2018</a:t>
+              <a:t>10/22/2018</a:t>
             </a:fld>
             <a:endParaRPr lang="en-US"/>
           </a:p>
@@ -1168,7 +1168,7 @@
           <a:p>
             <a:fld id="{78C97017-6FC3-485B-9764-EAC9E56C1D49}" type="datetimeFigureOut">
               <a:rPr lang="en-US" smtClean="0"/>
-              <a:t>10/17/2018</a:t>
+              <a:t>10/22/2018</a:t>
             </a:fld>
             <a:endParaRPr lang="en-US"/>
           </a:p>
@@ -1413,7 +1413,7 @@
           <a:p>
             <a:fld id="{78C97017-6FC3-485B-9764-EAC9E56C1D49}" type="datetimeFigureOut">
               <a:rPr lang="en-US" smtClean="0"/>
-              <a:t>10/17/2018</a:t>
+              <a:t>10/22/2018</a:t>
             </a:fld>
             <a:endParaRPr lang="en-US"/>
           </a:p>
@@ -1698,7 +1698,7 @@
           <a:p>
             <a:fld id="{78C97017-6FC3-485B-9764-EAC9E56C1D49}" type="datetimeFigureOut">
               <a:rPr lang="en-US" smtClean="0"/>
-              <a:t>10/17/2018</a:t>
+              <a:t>10/22/2018</a:t>
             </a:fld>
             <a:endParaRPr lang="en-US"/>
           </a:p>
@@ -2117,7 +2117,7 @@
           <a:p>
             <a:fld id="{78C97017-6FC3-485B-9764-EAC9E56C1D49}" type="datetimeFigureOut">
               <a:rPr lang="en-US" smtClean="0"/>
-              <a:t>10/17/2018</a:t>
+              <a:t>10/22/2018</a:t>
             </a:fld>
             <a:endParaRPr lang="en-US"/>
           </a:p>
@@ -2234,7 +2234,7 @@
           <a:p>
             <a:fld id="{78C97017-6FC3-485B-9764-EAC9E56C1D49}" type="datetimeFigureOut">
               <a:rPr lang="en-US" smtClean="0"/>
-              <a:t>10/17/2018</a:t>
+              <a:t>10/22/2018</a:t>
             </a:fld>
             <a:endParaRPr lang="en-US"/>
           </a:p>
@@ -2329,7 +2329,7 @@
           <a:p>
             <a:fld id="{78C97017-6FC3-485B-9764-EAC9E56C1D49}" type="datetimeFigureOut">
               <a:rPr lang="en-US" smtClean="0"/>
-              <a:t>10/17/2018</a:t>
+              <a:t>10/22/2018</a:t>
             </a:fld>
             <a:endParaRPr lang="en-US"/>
           </a:p>
@@ -2604,7 +2604,7 @@
           <a:p>
             <a:fld id="{78C97017-6FC3-485B-9764-EAC9E56C1D49}" type="datetimeFigureOut">
               <a:rPr lang="en-US" smtClean="0"/>
-              <a:t>10/17/2018</a:t>
+              <a:t>10/22/2018</a:t>
             </a:fld>
             <a:endParaRPr lang="en-US"/>
           </a:p>
@@ -2856,7 +2856,7 @@
           <a:p>
             <a:fld id="{78C97017-6FC3-485B-9764-EAC9E56C1D49}" type="datetimeFigureOut">
               <a:rPr lang="en-US" smtClean="0"/>
-              <a:t>10/17/2018</a:t>
+              <a:t>10/22/2018</a:t>
             </a:fld>
             <a:endParaRPr lang="en-US"/>
           </a:p>
@@ -3067,7 +3067,7 @@
           <a:p>
             <a:fld id="{78C97017-6FC3-485B-9764-EAC9E56C1D49}" type="datetimeFigureOut">
               <a:rPr lang="en-US" smtClean="0"/>
-              <a:t>10/17/2018</a:t>
+              <a:t>10/22/2018</a:t>
             </a:fld>
             <a:endParaRPr lang="en-US"/>
           </a:p>
@@ -3450,7 +3450,7 @@
         </p:nvSpPr>
         <p:spPr>
           <a:xfrm>
-            <a:off x="381000" y="1339853"/>
+            <a:off x="381000" y="1367856"/>
             <a:ext cx="8458200" cy="3610286"/>
           </a:xfrm>
           <a:prstGeom prst="roundRect">
@@ -4000,7 +4000,7 @@
                   <a:srgbClr val="7030A0"/>
                 </a:solidFill>
               </a:rPr>
-              <a:t>VersionedAddressBook</a:t>
+              <a:t>VersionedLoanBook</a:t>
             </a:r>
             <a:endParaRPr lang="en-SG" sz="1050" dirty="0">
               <a:solidFill>
@@ -4263,7 +4263,7 @@
         </p:nvSpPr>
         <p:spPr>
           <a:xfrm>
-            <a:off x="5277999" y="3645585"/>
+            <a:off x="5277247" y="3646422"/>
             <a:ext cx="236048" cy="173380"/>
           </a:xfrm>
           <a:prstGeom prst="flowChartDecision">
@@ -4311,8 +4311,8 @@
         </p:nvCxnSpPr>
         <p:spPr>
           <a:xfrm>
-            <a:off x="5514047" y="3732275"/>
-            <a:ext cx="192738" cy="837"/>
+            <a:off x="5513295" y="3733112"/>
+            <a:ext cx="193490" cy="12700"/>
           </a:xfrm>
           <a:prstGeom prst="bentConnector3">
             <a:avLst/>
@@ -4405,7 +4405,7 @@
         </p:nvSpPr>
         <p:spPr>
           <a:xfrm>
-            <a:off x="6422212" y="3636790"/>
+            <a:off x="6426701" y="3582810"/>
             <a:ext cx="236048" cy="173380"/>
           </a:xfrm>
           <a:prstGeom prst="flowChartDecision">
@@ -4456,8 +4456,8 @@
         </p:nvCxnSpPr>
         <p:spPr>
           <a:xfrm flipV="1">
-            <a:off x="6658260" y="2707130"/>
-            <a:ext cx="315272" cy="1016350"/>
+            <a:off x="6662749" y="2707130"/>
+            <a:ext cx="310783" cy="962370"/>
           </a:xfrm>
           <a:prstGeom prst="bentConnector3">
             <a:avLst>
@@ -4556,8 +4556,8 @@
         </p:nvCxnSpPr>
         <p:spPr>
           <a:xfrm flipV="1">
-            <a:off x="6658260" y="3030108"/>
-            <a:ext cx="315272" cy="693372"/>
+            <a:off x="6662749" y="3030108"/>
+            <a:ext cx="310783" cy="639392"/>
           </a:xfrm>
           <a:prstGeom prst="bentConnector3">
             <a:avLst/>
@@ -4654,8 +4654,8 @@
         </p:nvCxnSpPr>
         <p:spPr>
           <a:xfrm flipV="1">
-            <a:off x="6658260" y="3353086"/>
-            <a:ext cx="315272" cy="370394"/>
+            <a:off x="6662749" y="3353086"/>
+            <a:ext cx="310783" cy="316414"/>
           </a:xfrm>
           <a:prstGeom prst="bentConnector3">
             <a:avLst/>
@@ -4751,9 +4751,9 @@
           <p:nvPr/>
         </p:nvCxnSpPr>
         <p:spPr>
-          <a:xfrm flipV="1">
-            <a:off x="6658260" y="3676063"/>
-            <a:ext cx="315272" cy="47417"/>
+          <a:xfrm>
+            <a:off x="6662749" y="3669500"/>
+            <a:ext cx="310783" cy="6563"/>
           </a:xfrm>
           <a:prstGeom prst="bentConnector3">
             <a:avLst/>
@@ -4934,7 +4934,7 @@
                   <a:srgbClr val="7030A0"/>
                 </a:solidFill>
               </a:rPr>
-              <a:t>ReadOnlyAddressBook</a:t>
+              <a:t>ReadOnlyLoanBook</a:t>
             </a:r>
             <a:endParaRPr lang="en-SG" sz="1050" dirty="0">
               <a:solidFill>
@@ -4952,7 +4952,7 @@
         </p:nvSpPr>
         <p:spPr>
           <a:xfrm>
-            <a:off x="5189346" y="3288380"/>
+            <a:off x="6006628" y="3266744"/>
             <a:ext cx="881018" cy="261610"/>
           </a:xfrm>
           <a:prstGeom prst="rect">
@@ -5373,8 +5373,8 @@
         </p:nvCxnSpPr>
         <p:spPr>
           <a:xfrm flipV="1">
-            <a:off x="6658260" y="2371709"/>
-            <a:ext cx="315272" cy="1351771"/>
+            <a:off x="6662749" y="2371709"/>
+            <a:ext cx="310783" cy="1297791"/>
           </a:xfrm>
           <a:prstGeom prst="bentConnector3">
             <a:avLst>
@@ -5496,7 +5496,7 @@
                   <a:srgbClr val="7030A0"/>
                 </a:solidFill>
               </a:rPr>
-              <a:t>AddressBook</a:t>
+              <a:t>LoanBook</a:t>
             </a:r>
             <a:endParaRPr lang="en-SG" sz="1050" dirty="0">
               <a:solidFill>
@@ -6368,8 +6368,8 @@
         </p:nvCxnSpPr>
         <p:spPr>
           <a:xfrm>
-            <a:off x="6658260" y="3723480"/>
-            <a:ext cx="315272" cy="269154"/>
+            <a:off x="6662749" y="3669500"/>
+            <a:ext cx="310783" cy="323134"/>
           </a:xfrm>
           <a:prstGeom prst="bentConnector3">
             <a:avLst>
@@ -6418,8 +6418,8 @@
         </p:nvCxnSpPr>
         <p:spPr>
           <a:xfrm>
-            <a:off x="6658260" y="3723480"/>
-            <a:ext cx="315272" cy="592132"/>
+            <a:off x="6662749" y="3669500"/>
+            <a:ext cx="310783" cy="646112"/>
           </a:xfrm>
           <a:prstGeom prst="bentConnector3">
             <a:avLst>
@@ -6468,8 +6468,8 @@
         </p:nvCxnSpPr>
         <p:spPr>
           <a:xfrm>
-            <a:off x="6658260" y="3723480"/>
-            <a:ext cx="315272" cy="915109"/>
+            <a:off x="6662749" y="3669500"/>
+            <a:ext cx="310783" cy="969089"/>
           </a:xfrm>
           <a:prstGeom prst="bentConnector3">
             <a:avLst>
@@ -6687,7 +6687,7 @@
         </p:nvSpPr>
         <p:spPr>
           <a:xfrm>
-            <a:off x="5258913" y="2772245"/>
+            <a:off x="5251979" y="2756715"/>
             <a:ext cx="236048" cy="173380"/>
           </a:xfrm>
           <a:prstGeom prst="flowChartDecision">
@@ -6738,7 +6738,7 @@
         </p:nvSpPr>
         <p:spPr>
           <a:xfrm>
-            <a:off x="5184426" y="3028693"/>
+            <a:off x="6016426" y="3036658"/>
             <a:ext cx="881018" cy="261610"/>
           </a:xfrm>
           <a:prstGeom prst="rect">
@@ -6970,9 +6970,9 @@
           <p:nvPr/>
         </p:nvCxnSpPr>
         <p:spPr>
-          <a:xfrm flipV="1">
-            <a:off x="5494961" y="2854538"/>
-            <a:ext cx="211824" cy="4397"/>
+          <a:xfrm>
+            <a:off x="5488027" y="2843405"/>
+            <a:ext cx="218758" cy="11133"/>
           </a:xfrm>
           <a:prstGeom prst="bentConnector3">
             <a:avLst>
@@ -7070,8 +7070,8 @@
         </p:nvSpPr>
         <p:spPr>
           <a:xfrm>
-            <a:off x="6164978" y="1877260"/>
-            <a:ext cx="722668" cy="285783"/>
+            <a:off x="6363624" y="1877260"/>
+            <a:ext cx="524021" cy="285783"/>
           </a:xfrm>
           <a:prstGeom prst="rect">
             <a:avLst/>
@@ -7136,12 +7136,12 @@
         </p:nvCxnSpPr>
         <p:spPr>
           <a:xfrm rot="5400000" flipH="1" flipV="1">
-            <a:off x="6158268" y="2063915"/>
-            <a:ext cx="268915" cy="467173"/>
+            <a:off x="6207930" y="2014253"/>
+            <a:ext cx="268915" cy="566496"/>
           </a:xfrm>
           <a:prstGeom prst="bentConnector3">
             <a:avLst>
-              <a:gd name="adj1" fmla="val 35832"/>
+              <a:gd name="adj1" fmla="val 50000"/>
             </a:avLst>
           </a:prstGeom>
           <a:ln w="19050">
@@ -7186,8 +7186,8 @@
         </p:nvCxnSpPr>
         <p:spPr>
           <a:xfrm rot="5400000" flipH="1" flipV="1">
-            <a:off x="7036324" y="1305546"/>
-            <a:ext cx="61702" cy="1081726"/>
+            <a:off x="7085985" y="1355208"/>
+            <a:ext cx="61702" cy="982403"/>
           </a:xfrm>
           <a:prstGeom prst="bentConnector2">
             <a:avLst/>
@@ -7270,6 +7270,514 @@
           </a:p>
         </p:txBody>
       </p:sp>
+      <p:sp>
+        <p:nvSpPr>
+          <p:cNvPr id="92" name="Rectangle 8">
+            <a:extLst>
+              <a:ext uri="{FF2B5EF4-FFF2-40B4-BE49-F238E27FC236}">
+                <a16:creationId xmlns:a16="http://schemas.microsoft.com/office/drawing/2014/main" id="{9FAFC4EC-F7C4-4A87-AE1A-F06695D2C825}"/>
+              </a:ext>
+            </a:extLst>
+          </p:cNvPr>
+          <p:cNvSpPr/>
+          <p:nvPr/>
+        </p:nvSpPr>
+        <p:spPr>
+          <a:xfrm>
+            <a:off x="3473948" y="4297712"/>
+            <a:ext cx="797803" cy="442264"/>
+          </a:xfrm>
+          <a:prstGeom prst="rect">
+            <a:avLst/>
+          </a:prstGeom>
+          <a:ln w="19050">
+            <a:solidFill>
+              <a:srgbClr val="7030A0"/>
+            </a:solidFill>
+          </a:ln>
+          <a:effectLst/>
+        </p:spPr>
+        <p:style>
+          <a:lnRef idx="1">
+            <a:schemeClr val="accent4"/>
+          </a:lnRef>
+          <a:fillRef idx="2">
+            <a:schemeClr val="accent4"/>
+          </a:fillRef>
+          <a:effectRef idx="1">
+            <a:schemeClr val="accent4"/>
+          </a:effectRef>
+          <a:fontRef idx="minor">
+            <a:schemeClr val="dk1"/>
+          </a:fontRef>
+        </p:style>
+        <p:txBody>
+          <a:bodyPr rtlCol="0" anchor="ctr"/>
+          <a:lstStyle/>
+          <a:p>
+            <a:pPr algn="ctr"/>
+            <a:r>
+              <a:rPr lang="en-US" sz="1050" dirty="0">
+                <a:solidFill>
+                  <a:srgbClr val="7030A0"/>
+                </a:solidFill>
+              </a:rPr>
+              <a:t>{abstract}</a:t>
+            </a:r>
+          </a:p>
+          <a:p>
+            <a:pPr algn="ctr"/>
+            <a:r>
+              <a:rPr lang="en-US" sz="1050" dirty="0" err="1">
+                <a:solidFill>
+                  <a:srgbClr val="7030A0"/>
+                </a:solidFill>
+              </a:rPr>
+              <a:t>UniqueList</a:t>
+            </a:r>
+            <a:endParaRPr lang="en-US" sz="1050" dirty="0">
+              <a:solidFill>
+                <a:srgbClr val="7030A0"/>
+              </a:solidFill>
+            </a:endParaRPr>
+          </a:p>
+        </p:txBody>
+      </p:sp>
+      <p:sp>
+        <p:nvSpPr>
+          <p:cNvPr id="93" name="Isosceles Triangle 102">
+            <a:extLst>
+              <a:ext uri="{FF2B5EF4-FFF2-40B4-BE49-F238E27FC236}">
+                <a16:creationId xmlns:a16="http://schemas.microsoft.com/office/drawing/2014/main" id="{F7D0CA35-4414-49F4-A21B-8633FFFB4BB7}"/>
+              </a:ext>
+            </a:extLst>
+          </p:cNvPr>
+          <p:cNvSpPr/>
+          <p:nvPr/>
+        </p:nvSpPr>
+        <p:spPr>
+          <a:xfrm rot="10800000">
+            <a:off x="3739804" y="4116305"/>
+            <a:ext cx="270504" cy="175523"/>
+          </a:xfrm>
+          <a:prstGeom prst="triangle">
+            <a:avLst/>
+          </a:prstGeom>
+          <a:solidFill>
+            <a:srgbClr val="7030A0"/>
+          </a:solidFill>
+          <a:ln w="19050">
+            <a:solidFill>
+              <a:srgbClr val="7030A0"/>
+            </a:solidFill>
+          </a:ln>
+          <a:effectLst/>
+        </p:spPr>
+        <p:style>
+          <a:lnRef idx="1">
+            <a:schemeClr val="accent6"/>
+          </a:lnRef>
+          <a:fillRef idx="2">
+            <a:schemeClr val="accent6"/>
+          </a:fillRef>
+          <a:effectRef idx="1">
+            <a:schemeClr val="accent6"/>
+          </a:effectRef>
+          <a:fontRef idx="minor">
+            <a:schemeClr val="dk1"/>
+          </a:fontRef>
+        </p:style>
+        <p:txBody>
+          <a:bodyPr rtlCol="0" anchor="ctr"/>
+          <a:lstStyle/>
+          <a:p>
+            <a:pPr algn="ctr"/>
+            <a:endParaRPr lang="en-SG" sz="1050"/>
+          </a:p>
+        </p:txBody>
+      </p:sp>
+      <p:sp>
+        <p:nvSpPr>
+          <p:cNvPr id="94" name="Rectangle 8">
+            <a:extLst>
+              <a:ext uri="{FF2B5EF4-FFF2-40B4-BE49-F238E27FC236}">
+                <a16:creationId xmlns:a16="http://schemas.microsoft.com/office/drawing/2014/main" id="{EF8876E1-E3D1-4911-B3DB-05EDBAF5442A}"/>
+              </a:ext>
+            </a:extLst>
+          </p:cNvPr>
+          <p:cNvSpPr/>
+          <p:nvPr/>
+        </p:nvSpPr>
+        <p:spPr>
+          <a:xfrm>
+            <a:off x="4911376" y="4326404"/>
+            <a:ext cx="1008734" cy="346760"/>
+          </a:xfrm>
+          <a:prstGeom prst="rect">
+            <a:avLst/>
+          </a:prstGeom>
+          <a:ln w="19050">
+            <a:solidFill>
+              <a:srgbClr val="7030A0"/>
+            </a:solidFill>
+          </a:ln>
+          <a:effectLst/>
+        </p:spPr>
+        <p:style>
+          <a:lnRef idx="1">
+            <a:schemeClr val="accent4"/>
+          </a:lnRef>
+          <a:fillRef idx="2">
+            <a:schemeClr val="accent4"/>
+          </a:fillRef>
+          <a:effectRef idx="1">
+            <a:schemeClr val="accent4"/>
+          </a:effectRef>
+          <a:fontRef idx="minor">
+            <a:schemeClr val="dk1"/>
+          </a:fontRef>
+        </p:style>
+        <p:txBody>
+          <a:bodyPr rtlCol="0" anchor="ctr"/>
+          <a:lstStyle/>
+          <a:p>
+            <a:pPr algn="ctr"/>
+            <a:r>
+              <a:rPr lang="en-US" sz="1050" dirty="0">
+                <a:solidFill>
+                  <a:srgbClr val="7030A0"/>
+                </a:solidFill>
+              </a:rPr>
+              <a:t>&lt;&lt;interface&gt;&gt;</a:t>
+            </a:r>
+            <a:br>
+              <a:rPr lang="en-US" sz="1050" dirty="0">
+                <a:solidFill>
+                  <a:srgbClr val="7030A0"/>
+                </a:solidFill>
+              </a:rPr>
+            </a:br>
+            <a:r>
+              <a:rPr lang="en-US" sz="1050" dirty="0" err="1">
+                <a:solidFill>
+                  <a:srgbClr val="7030A0"/>
+                </a:solidFill>
+              </a:rPr>
+              <a:t>UniqueListItem</a:t>
+            </a:r>
+            <a:endParaRPr lang="en-SG" sz="1050" dirty="0">
+              <a:solidFill>
+                <a:srgbClr val="7030A0"/>
+              </a:solidFill>
+            </a:endParaRPr>
+          </a:p>
+        </p:txBody>
+      </p:sp>
+      <p:cxnSp>
+        <p:nvCxnSpPr>
+          <p:cNvPr id="95" name="Elbow Connector 106">
+            <a:extLst>
+              <a:ext uri="{FF2B5EF4-FFF2-40B4-BE49-F238E27FC236}">
+                <a16:creationId xmlns:a16="http://schemas.microsoft.com/office/drawing/2014/main" id="{F54E8C7B-4D38-41B3-B1C1-7F17E384D2BD}"/>
+              </a:ext>
+            </a:extLst>
+          </p:cNvPr>
+          <p:cNvCxnSpPr>
+            <a:cxnSpLocks/>
+            <a:endCxn id="93" idx="3"/>
+          </p:cNvCxnSpPr>
+          <p:nvPr/>
+        </p:nvCxnSpPr>
+        <p:spPr>
+          <a:xfrm rot="5400000">
+            <a:off x="3424631" y="3453459"/>
+            <a:ext cx="1113272" cy="212421"/>
+          </a:xfrm>
+          <a:prstGeom prst="bentConnector3">
+            <a:avLst>
+              <a:gd name="adj1" fmla="val -5442"/>
+            </a:avLst>
+          </a:prstGeom>
+          <a:ln w="19050">
+            <a:solidFill>
+              <a:srgbClr val="7030A0"/>
+            </a:solidFill>
+            <a:prstDash val="solid"/>
+            <a:headEnd type="none" w="med" len="med"/>
+            <a:tailEnd type="none" w="med" len="med"/>
+          </a:ln>
+          <a:effectLst/>
+        </p:spPr>
+        <p:style>
+          <a:lnRef idx="1">
+            <a:schemeClr val="accent2"/>
+          </a:lnRef>
+          <a:fillRef idx="2">
+            <a:schemeClr val="accent2"/>
+          </a:fillRef>
+          <a:effectRef idx="1">
+            <a:schemeClr val="accent2"/>
+          </a:effectRef>
+          <a:fontRef idx="minor">
+            <a:schemeClr val="dk1"/>
+          </a:fontRef>
+        </p:style>
+      </p:cxnSp>
+      <p:cxnSp>
+        <p:nvCxnSpPr>
+          <p:cNvPr id="98" name="Elbow Connector 106">
+            <a:extLst>
+              <a:ext uri="{FF2B5EF4-FFF2-40B4-BE49-F238E27FC236}">
+                <a16:creationId xmlns:a16="http://schemas.microsoft.com/office/drawing/2014/main" id="{6B8C2F4C-7BB0-4F19-8516-42CF82F25BDE}"/>
+              </a:ext>
+            </a:extLst>
+          </p:cNvPr>
+          <p:cNvCxnSpPr>
+            <a:cxnSpLocks/>
+            <a:endCxn id="93" idx="3"/>
+          </p:cNvCxnSpPr>
+          <p:nvPr/>
+        </p:nvCxnSpPr>
+        <p:spPr>
+          <a:xfrm rot="5400000">
+            <a:off x="3863106" y="3856574"/>
+            <a:ext cx="271682" cy="247781"/>
+          </a:xfrm>
+          <a:prstGeom prst="bentConnector3">
+            <a:avLst>
+              <a:gd name="adj1" fmla="val -486"/>
+            </a:avLst>
+          </a:prstGeom>
+          <a:ln w="19050">
+            <a:solidFill>
+              <a:srgbClr val="7030A0"/>
+            </a:solidFill>
+            <a:prstDash val="solid"/>
+            <a:headEnd type="none" w="med" len="med"/>
+            <a:tailEnd type="none" w="med" len="med"/>
+          </a:ln>
+          <a:effectLst/>
+        </p:spPr>
+        <p:style>
+          <a:lnRef idx="1">
+            <a:schemeClr val="accent2"/>
+          </a:lnRef>
+          <a:fillRef idx="2">
+            <a:schemeClr val="accent2"/>
+          </a:fillRef>
+          <a:effectRef idx="1">
+            <a:schemeClr val="accent2"/>
+          </a:effectRef>
+          <a:fontRef idx="minor">
+            <a:schemeClr val="dk1"/>
+          </a:fontRef>
+        </p:style>
+      </p:cxnSp>
+      <p:cxnSp>
+        <p:nvCxnSpPr>
+          <p:cNvPr id="109" name="Elbow Connector 122">
+            <a:extLst>
+              <a:ext uri="{FF2B5EF4-FFF2-40B4-BE49-F238E27FC236}">
+                <a16:creationId xmlns:a16="http://schemas.microsoft.com/office/drawing/2014/main" id="{4B5D03A6-B6C4-4C2E-B196-414DAC4AB8D7}"/>
+              </a:ext>
+            </a:extLst>
+          </p:cNvPr>
+          <p:cNvCxnSpPr>
+            <a:cxnSpLocks/>
+            <a:stCxn id="92" idx="3"/>
+            <a:endCxn id="94" idx="1"/>
+          </p:cNvCxnSpPr>
+          <p:nvPr/>
+        </p:nvCxnSpPr>
+        <p:spPr>
+          <a:xfrm flipV="1">
+            <a:off x="4271751" y="4499784"/>
+            <a:ext cx="639625" cy="19060"/>
+          </a:xfrm>
+          <a:prstGeom prst="bentConnector3">
+            <a:avLst>
+              <a:gd name="adj1" fmla="val 50000"/>
+            </a:avLst>
+          </a:prstGeom>
+          <a:ln w="19050">
+            <a:solidFill>
+              <a:srgbClr val="7030A0"/>
+            </a:solidFill>
+            <a:prstDash val="sysDot"/>
+            <a:headEnd type="none" w="med" len="med"/>
+            <a:tailEnd type="arrow" w="med" len="med"/>
+          </a:ln>
+          <a:effectLst/>
+        </p:spPr>
+        <p:style>
+          <a:lnRef idx="1">
+            <a:schemeClr val="accent2"/>
+          </a:lnRef>
+          <a:fillRef idx="2">
+            <a:schemeClr val="accent2"/>
+          </a:fillRef>
+          <a:effectRef idx="1">
+            <a:schemeClr val="accent2"/>
+          </a:effectRef>
+          <a:fontRef idx="minor">
+            <a:schemeClr val="dk1"/>
+          </a:fontRef>
+        </p:style>
+      </p:cxnSp>
+      <p:sp>
+        <p:nvSpPr>
+          <p:cNvPr id="113" name="Isosceles Triangle 102">
+            <a:extLst>
+              <a:ext uri="{FF2B5EF4-FFF2-40B4-BE49-F238E27FC236}">
+                <a16:creationId xmlns:a16="http://schemas.microsoft.com/office/drawing/2014/main" id="{7C5E2AC6-E7DC-4B01-B955-FD66591FADF0}"/>
+              </a:ext>
+            </a:extLst>
+          </p:cNvPr>
+          <p:cNvSpPr/>
+          <p:nvPr/>
+        </p:nvSpPr>
+        <p:spPr>
+          <a:xfrm flipV="1">
+            <a:off x="5391222" y="4169342"/>
+            <a:ext cx="282387" cy="157062"/>
+          </a:xfrm>
+          <a:prstGeom prst="triangle">
+            <a:avLst/>
+          </a:prstGeom>
+          <a:ln w="19050">
+            <a:solidFill>
+              <a:srgbClr val="7030A0"/>
+            </a:solidFill>
+          </a:ln>
+          <a:effectLst/>
+        </p:spPr>
+        <p:style>
+          <a:lnRef idx="1">
+            <a:schemeClr val="accent4"/>
+          </a:lnRef>
+          <a:fillRef idx="2">
+            <a:schemeClr val="accent4"/>
+          </a:fillRef>
+          <a:effectRef idx="1">
+            <a:schemeClr val="accent4"/>
+          </a:effectRef>
+          <a:fontRef idx="minor">
+            <a:schemeClr val="dk1"/>
+          </a:fontRef>
+        </p:style>
+        <p:txBody>
+          <a:bodyPr rtlCol="0" anchor="ctr"/>
+          <a:lstStyle/>
+          <a:p>
+            <a:pPr algn="ctr"/>
+            <a:endParaRPr lang="en-SG" sz="1050" b="1">
+              <a:solidFill>
+                <a:srgbClr val="92D050"/>
+              </a:solidFill>
+            </a:endParaRPr>
+          </a:p>
+        </p:txBody>
+      </p:sp>
+      <p:cxnSp>
+        <p:nvCxnSpPr>
+          <p:cNvPr id="115" name="Elbow Connector 63">
+            <a:extLst>
+              <a:ext uri="{FF2B5EF4-FFF2-40B4-BE49-F238E27FC236}">
+                <a16:creationId xmlns:a16="http://schemas.microsoft.com/office/drawing/2014/main" id="{76C0288F-388A-4546-921E-EA9097F44541}"/>
+              </a:ext>
+            </a:extLst>
+          </p:cNvPr>
+          <p:cNvCxnSpPr>
+            <a:cxnSpLocks/>
+            <a:endCxn id="113" idx="3"/>
+          </p:cNvCxnSpPr>
+          <p:nvPr/>
+        </p:nvCxnSpPr>
+        <p:spPr>
+          <a:xfrm rot="5400000">
+            <a:off x="5028052" y="3490605"/>
+            <a:ext cx="1183101" cy="174372"/>
+          </a:xfrm>
+          <a:prstGeom prst="bentConnector3">
+            <a:avLst>
+              <a:gd name="adj1" fmla="val -238"/>
+            </a:avLst>
+          </a:prstGeom>
+          <a:ln w="19050">
+            <a:solidFill>
+              <a:srgbClr val="7030A0"/>
+            </a:solidFill>
+            <a:prstDash val="sysDot"/>
+            <a:headEnd type="none" w="med" len="med"/>
+            <a:tailEnd type="none" w="med" len="med"/>
+          </a:ln>
+          <a:effectLst/>
+        </p:spPr>
+        <p:style>
+          <a:lnRef idx="1">
+            <a:schemeClr val="accent2"/>
+          </a:lnRef>
+          <a:fillRef idx="2">
+            <a:schemeClr val="accent2"/>
+          </a:fillRef>
+          <a:effectRef idx="1">
+            <a:schemeClr val="accent2"/>
+          </a:effectRef>
+          <a:fontRef idx="minor">
+            <a:schemeClr val="dk1"/>
+          </a:fontRef>
+        </p:style>
+      </p:cxnSp>
+      <p:cxnSp>
+        <p:nvCxnSpPr>
+          <p:cNvPr id="121" name="Elbow Connector 63">
+            <a:extLst>
+              <a:ext uri="{FF2B5EF4-FFF2-40B4-BE49-F238E27FC236}">
+                <a16:creationId xmlns:a16="http://schemas.microsoft.com/office/drawing/2014/main" id="{9CC24216-58E6-4BCC-9FF6-A704D6B90FFF}"/>
+              </a:ext>
+            </a:extLst>
+          </p:cNvPr>
+          <p:cNvCxnSpPr>
+            <a:cxnSpLocks/>
+            <a:endCxn id="113" idx="3"/>
+          </p:cNvCxnSpPr>
+          <p:nvPr/>
+        </p:nvCxnSpPr>
+        <p:spPr>
+          <a:xfrm rot="5400000">
+            <a:off x="5485575" y="3943675"/>
+            <a:ext cx="272509" cy="178825"/>
+          </a:xfrm>
+          <a:prstGeom prst="bentConnector3">
+            <a:avLst>
+              <a:gd name="adj1" fmla="val -5925"/>
+            </a:avLst>
+          </a:prstGeom>
+          <a:ln w="19050">
+            <a:solidFill>
+              <a:srgbClr val="7030A0"/>
+            </a:solidFill>
+            <a:prstDash val="sysDot"/>
+            <a:headEnd type="none" w="med" len="med"/>
+            <a:tailEnd type="none" w="med" len="med"/>
+          </a:ln>
+          <a:effectLst/>
+        </p:spPr>
+        <p:style>
+          <a:lnRef idx="1">
+            <a:schemeClr val="accent2"/>
+          </a:lnRef>
+          <a:fillRef idx="2">
+            <a:schemeClr val="accent2"/>
+          </a:fillRef>
+          <a:effectRef idx="1">
+            <a:schemeClr val="accent2"/>
+          </a:effectRef>
+          <a:fontRef idx="minor">
+            <a:schemeClr val="dk1"/>
+          </a:fontRef>
+        </p:style>
+      </p:cxnSp>
     </p:spTree>
     <p:extLst>
       <p:ext uri="{BB962C8B-B14F-4D97-AF65-F5344CB8AC3E}">

--- a/docs/diagrams/ModelComponentClassDiagram.pptx
+++ b/docs/diagrams/ModelComponentClassDiagram.pptx
@@ -8,7 +8,7 @@
     <p:notesMasterId r:id="rId3"/>
   </p:notesMasterIdLst>
   <p:sldIdLst>
-    <p:sldId id="263" r:id="rId2"/>
+    <p:sldId id="264" r:id="rId2"/>
   </p:sldIdLst>
   <p:sldSz cx="9144000" cy="6858000" type="screen4x3"/>
   <p:notesSz cx="6858000" cy="9144000"/>
@@ -208,7 +208,7 @@
           <a:p>
             <a:fld id="{F5CC4B3F-88C1-4FFA-B1B6-F41C21DC6924}" type="datetimeFigureOut">
               <a:rPr lang="en-US" smtClean="0"/>
-              <a:t>10/22/2018</a:t>
+              <a:t>10/30/2018</a:t>
             </a:fld>
             <a:endParaRPr lang="en-US"/>
           </a:p>
@@ -654,7 +654,7 @@
           <a:p>
             <a:fld id="{78C97017-6FC3-485B-9764-EAC9E56C1D49}" type="datetimeFigureOut">
               <a:rPr lang="en-US" smtClean="0"/>
-              <a:t>10/22/2018</a:t>
+              <a:t>10/30/2018</a:t>
             </a:fld>
             <a:endParaRPr lang="en-US"/>
           </a:p>
@@ -822,7 +822,7 @@
           <a:p>
             <a:fld id="{78C97017-6FC3-485B-9764-EAC9E56C1D49}" type="datetimeFigureOut">
               <a:rPr lang="en-US" smtClean="0"/>
-              <a:t>10/22/2018</a:t>
+              <a:t>10/30/2018</a:t>
             </a:fld>
             <a:endParaRPr lang="en-US"/>
           </a:p>
@@ -1000,7 +1000,7 @@
           <a:p>
             <a:fld id="{78C97017-6FC3-485B-9764-EAC9E56C1D49}" type="datetimeFigureOut">
               <a:rPr lang="en-US" smtClean="0"/>
-              <a:t>10/22/2018</a:t>
+              <a:t>10/30/2018</a:t>
             </a:fld>
             <a:endParaRPr lang="en-US"/>
           </a:p>
@@ -1168,7 +1168,7 @@
           <a:p>
             <a:fld id="{78C97017-6FC3-485B-9764-EAC9E56C1D49}" type="datetimeFigureOut">
               <a:rPr lang="en-US" smtClean="0"/>
-              <a:t>10/22/2018</a:t>
+              <a:t>10/30/2018</a:t>
             </a:fld>
             <a:endParaRPr lang="en-US"/>
           </a:p>
@@ -1413,7 +1413,7 @@
           <a:p>
             <a:fld id="{78C97017-6FC3-485B-9764-EAC9E56C1D49}" type="datetimeFigureOut">
               <a:rPr lang="en-US" smtClean="0"/>
-              <a:t>10/22/2018</a:t>
+              <a:t>10/30/2018</a:t>
             </a:fld>
             <a:endParaRPr lang="en-US"/>
           </a:p>
@@ -1698,7 +1698,7 @@
           <a:p>
             <a:fld id="{78C97017-6FC3-485B-9764-EAC9E56C1D49}" type="datetimeFigureOut">
               <a:rPr lang="en-US" smtClean="0"/>
-              <a:t>10/22/2018</a:t>
+              <a:t>10/30/2018</a:t>
             </a:fld>
             <a:endParaRPr lang="en-US"/>
           </a:p>
@@ -2117,7 +2117,7 @@
           <a:p>
             <a:fld id="{78C97017-6FC3-485B-9764-EAC9E56C1D49}" type="datetimeFigureOut">
               <a:rPr lang="en-US" smtClean="0"/>
-              <a:t>10/22/2018</a:t>
+              <a:t>10/30/2018</a:t>
             </a:fld>
             <a:endParaRPr lang="en-US"/>
           </a:p>
@@ -2234,7 +2234,7 @@
           <a:p>
             <a:fld id="{78C97017-6FC3-485B-9764-EAC9E56C1D49}" type="datetimeFigureOut">
               <a:rPr lang="en-US" smtClean="0"/>
-              <a:t>10/22/2018</a:t>
+              <a:t>10/30/2018</a:t>
             </a:fld>
             <a:endParaRPr lang="en-US"/>
           </a:p>
@@ -2329,7 +2329,7 @@
           <a:p>
             <a:fld id="{78C97017-6FC3-485B-9764-EAC9E56C1D49}" type="datetimeFigureOut">
               <a:rPr lang="en-US" smtClean="0"/>
-              <a:t>10/22/2018</a:t>
+              <a:t>10/30/2018</a:t>
             </a:fld>
             <a:endParaRPr lang="en-US"/>
           </a:p>
@@ -2604,7 +2604,7 @@
           <a:p>
             <a:fld id="{78C97017-6FC3-485B-9764-EAC9E56C1D49}" type="datetimeFigureOut">
               <a:rPr lang="en-US" smtClean="0"/>
-              <a:t>10/22/2018</a:t>
+              <a:t>10/30/2018</a:t>
             </a:fld>
             <a:endParaRPr lang="en-US"/>
           </a:p>
@@ -2856,7 +2856,7 @@
           <a:p>
             <a:fld id="{78C97017-6FC3-485B-9764-EAC9E56C1D49}" type="datetimeFigureOut">
               <a:rPr lang="en-US" smtClean="0"/>
-              <a:t>10/22/2018</a:t>
+              <a:t>10/30/2018</a:t>
             </a:fld>
             <a:endParaRPr lang="en-US"/>
           </a:p>
@@ -3067,7 +3067,7 @@
           <a:p>
             <a:fld id="{78C97017-6FC3-485B-9764-EAC9E56C1D49}" type="datetimeFigureOut">
               <a:rPr lang="en-US" smtClean="0"/>
-              <a:t>10/22/2018</a:t>
+              <a:t>10/30/2018</a:t>
             </a:fld>
             <a:endParaRPr lang="en-US"/>
           </a:p>
@@ -3450,8 +3450,75 @@
         </p:nvSpPr>
         <p:spPr>
           <a:xfrm>
-            <a:off x="381000" y="1367856"/>
-            <a:ext cx="8458200" cy="3610286"/>
+            <a:off x="381000" y="928700"/>
+            <a:ext cx="8382000" cy="5383200"/>
+          </a:xfrm>
+          <a:prstGeom prst="roundRect">
+            <a:avLst>
+              <a:gd name="adj" fmla="val 3484"/>
+            </a:avLst>
+          </a:prstGeom>
+          <a:solidFill>
+            <a:schemeClr val="accent4">
+              <a:lumMod val="40000"/>
+              <a:lumOff val="60000"/>
+            </a:schemeClr>
+          </a:solidFill>
+          <a:ln w="19050">
+            <a:noFill/>
+          </a:ln>
+          <a:effectLst/>
+        </p:spPr>
+        <p:style>
+          <a:lnRef idx="1">
+            <a:schemeClr val="accent2"/>
+          </a:lnRef>
+          <a:fillRef idx="2">
+            <a:schemeClr val="accent2"/>
+          </a:fillRef>
+          <a:effectRef idx="1">
+            <a:schemeClr val="accent2"/>
+          </a:effectRef>
+          <a:fontRef idx="minor">
+            <a:schemeClr val="dk1"/>
+          </a:fontRef>
+        </p:style>
+        <p:txBody>
+          <a:bodyPr rtlCol="0" anchor="t"/>
+          <a:lstStyle/>
+          <a:p>
+            <a:r>
+              <a:rPr lang="en-US" sz="1200" b="1" dirty="0">
+                <a:solidFill>
+                  <a:srgbClr val="7030A0"/>
+                </a:solidFill>
+              </a:rPr>
+              <a:t>Model</a:t>
+            </a:r>
+            <a:endParaRPr lang="en-SG" sz="1200" b="1" dirty="0">
+              <a:solidFill>
+                <a:srgbClr val="7030A0"/>
+              </a:solidFill>
+            </a:endParaRPr>
+          </a:p>
+        </p:txBody>
+      </p:sp>
+      <p:sp>
+        <p:nvSpPr>
+          <p:cNvPr id="149" name="Rectangle 65">
+            <a:extLst>
+              <a:ext uri="{FF2B5EF4-FFF2-40B4-BE49-F238E27FC236}">
+                <a16:creationId xmlns:a16="http://schemas.microsoft.com/office/drawing/2014/main" id="{4E8DC2C2-173F-410C-8A52-0D47F34BAFE7}"/>
+              </a:ext>
+            </a:extLst>
+          </p:cNvPr>
+          <p:cNvSpPr/>
+          <p:nvPr/>
+        </p:nvSpPr>
+        <p:spPr>
+          <a:xfrm>
+            <a:off x="2376297" y="3124200"/>
+            <a:ext cx="6187588" cy="3048000"/>
           </a:xfrm>
           <a:prstGeom prst="roundRect">
             <a:avLst>
@@ -3465,7 +3532,12 @@
             </a:schemeClr>
           </a:solidFill>
           <a:ln w="19050">
-            <a:noFill/>
+            <a:solidFill>
+              <a:schemeClr val="accent4">
+                <a:lumMod val="60000"/>
+                <a:lumOff val="40000"/>
+              </a:schemeClr>
+            </a:solidFill>
           </a:ln>
           <a:effectLst/>
         </p:spPr>
@@ -3493,7 +3565,7 @@
                   <a:srgbClr val="7030A0"/>
                 </a:solidFill>
               </a:rPr>
-              <a:t>Model</a:t>
+              <a:t>Items</a:t>
             </a:r>
             <a:endParaRPr lang="en-SG" sz="1200" b="1" dirty="0">
               <a:solidFill>
@@ -3505,13 +3577,306 @@
       </p:sp>
       <p:sp>
         <p:nvSpPr>
-          <p:cNvPr id="2" name="Rectangle 8"/>
+          <p:cNvPr id="609" name="Rectangle 65">
+            <a:extLst>
+              <a:ext uri="{FF2B5EF4-FFF2-40B4-BE49-F238E27FC236}">
+                <a16:creationId xmlns:a16="http://schemas.microsoft.com/office/drawing/2014/main" id="{6F157276-BA1F-424F-BB97-837962A0F51D}"/>
+              </a:ext>
+            </a:extLst>
+          </p:cNvPr>
           <p:cNvSpPr/>
           <p:nvPr/>
         </p:nvSpPr>
         <p:spPr>
           <a:xfrm>
-            <a:off x="1742569" y="4393143"/>
+            <a:off x="5519549" y="3635640"/>
+            <a:ext cx="1539124" cy="1406384"/>
+          </a:xfrm>
+          <a:prstGeom prst="roundRect">
+            <a:avLst>
+              <a:gd name="adj" fmla="val 3484"/>
+            </a:avLst>
+          </a:prstGeom>
+          <a:solidFill>
+            <a:srgbClr val="CCECFF">
+              <a:alpha val="49804"/>
+            </a:srgbClr>
+          </a:solidFill>
+          <a:ln w="19050">
+            <a:solidFill>
+              <a:schemeClr val="accent4">
+                <a:lumMod val="60000"/>
+                <a:lumOff val="40000"/>
+              </a:schemeClr>
+            </a:solidFill>
+          </a:ln>
+          <a:effectLst/>
+        </p:spPr>
+        <p:style>
+          <a:lnRef idx="1">
+            <a:schemeClr val="accent2"/>
+          </a:lnRef>
+          <a:fillRef idx="2">
+            <a:schemeClr val="accent2"/>
+          </a:fillRef>
+          <a:effectRef idx="1">
+            <a:schemeClr val="accent2"/>
+          </a:effectRef>
+          <a:fontRef idx="minor">
+            <a:schemeClr val="dk1"/>
+          </a:fontRef>
+        </p:style>
+        <p:txBody>
+          <a:bodyPr rtlCol="0" anchor="t"/>
+          <a:lstStyle/>
+          <a:p>
+            <a:pPr algn="r"/>
+            <a:r>
+              <a:rPr lang="en-US" sz="1200" b="1" dirty="0">
+                <a:solidFill>
+                  <a:srgbClr val="7030A0"/>
+                </a:solidFill>
+              </a:rPr>
+              <a:t>Bike</a:t>
+            </a:r>
+            <a:endParaRPr lang="en-SG" sz="1200" b="1" dirty="0">
+              <a:solidFill>
+                <a:srgbClr val="7030A0"/>
+              </a:solidFill>
+            </a:endParaRPr>
+          </a:p>
+        </p:txBody>
+      </p:sp>
+      <p:sp>
+        <p:nvSpPr>
+          <p:cNvPr id="596" name="Rectangle 65">
+            <a:extLst>
+              <a:ext uri="{FF2B5EF4-FFF2-40B4-BE49-F238E27FC236}">
+                <a16:creationId xmlns:a16="http://schemas.microsoft.com/office/drawing/2014/main" id="{3B20D7E1-943A-440B-B59A-33D61C9F86B4}"/>
+              </a:ext>
+            </a:extLst>
+          </p:cNvPr>
+          <p:cNvSpPr/>
+          <p:nvPr/>
+        </p:nvSpPr>
+        <p:spPr>
+          <a:xfrm>
+            <a:off x="2455702" y="3561100"/>
+            <a:ext cx="2934987" cy="2243991"/>
+          </a:xfrm>
+          <a:prstGeom prst="roundRect">
+            <a:avLst>
+              <a:gd name="adj" fmla="val 3484"/>
+            </a:avLst>
+          </a:prstGeom>
+          <a:solidFill>
+            <a:srgbClr val="FFFFCC">
+              <a:alpha val="50196"/>
+            </a:srgbClr>
+          </a:solidFill>
+          <a:ln w="19050">
+            <a:solidFill>
+              <a:schemeClr val="accent4">
+                <a:lumMod val="60000"/>
+                <a:lumOff val="40000"/>
+              </a:schemeClr>
+            </a:solidFill>
+          </a:ln>
+          <a:effectLst/>
+        </p:spPr>
+        <p:style>
+          <a:lnRef idx="1">
+            <a:schemeClr val="accent2"/>
+          </a:lnRef>
+          <a:fillRef idx="2">
+            <a:schemeClr val="accent2"/>
+          </a:fillRef>
+          <a:effectRef idx="1">
+            <a:schemeClr val="accent2"/>
+          </a:effectRef>
+          <a:fontRef idx="minor">
+            <a:schemeClr val="dk1"/>
+          </a:fontRef>
+        </p:style>
+        <p:txBody>
+          <a:bodyPr rtlCol="0" anchor="t"/>
+          <a:lstStyle/>
+          <a:p>
+            <a:r>
+              <a:rPr lang="en-US" sz="1200" b="1" dirty="0">
+                <a:solidFill>
+                  <a:srgbClr val="7030A0"/>
+                </a:solidFill>
+              </a:rPr>
+              <a:t>Loan</a:t>
+            </a:r>
+            <a:endParaRPr lang="en-SG" sz="1200" b="1" dirty="0">
+              <a:solidFill>
+                <a:srgbClr val="7030A0"/>
+              </a:solidFill>
+            </a:endParaRPr>
+          </a:p>
+        </p:txBody>
+      </p:sp>
+      <p:sp>
+        <p:nvSpPr>
+          <p:cNvPr id="96" name="Rectangle 65">
+            <a:extLst>
+              <a:ext uri="{FF2B5EF4-FFF2-40B4-BE49-F238E27FC236}">
+                <a16:creationId xmlns:a16="http://schemas.microsoft.com/office/drawing/2014/main" id="{B27962FA-3F07-46F0-897C-C694AA0FDF4C}"/>
+              </a:ext>
+            </a:extLst>
+          </p:cNvPr>
+          <p:cNvSpPr/>
+          <p:nvPr/>
+        </p:nvSpPr>
+        <p:spPr>
+          <a:xfrm>
+            <a:off x="533400" y="1295401"/>
+            <a:ext cx="1721191" cy="2971800"/>
+          </a:xfrm>
+          <a:prstGeom prst="roundRect">
+            <a:avLst>
+              <a:gd name="adj" fmla="val 3484"/>
+            </a:avLst>
+          </a:prstGeom>
+          <a:solidFill>
+            <a:schemeClr val="accent4">
+              <a:lumMod val="20000"/>
+              <a:lumOff val="80000"/>
+            </a:schemeClr>
+          </a:solidFill>
+          <a:ln w="19050">
+            <a:solidFill>
+              <a:schemeClr val="accent4">
+                <a:lumMod val="60000"/>
+                <a:lumOff val="40000"/>
+              </a:schemeClr>
+            </a:solidFill>
+          </a:ln>
+          <a:effectLst/>
+        </p:spPr>
+        <p:style>
+          <a:lnRef idx="1">
+            <a:schemeClr val="accent2"/>
+          </a:lnRef>
+          <a:fillRef idx="2">
+            <a:schemeClr val="accent2"/>
+          </a:fillRef>
+          <a:effectRef idx="1">
+            <a:schemeClr val="accent2"/>
+          </a:effectRef>
+          <a:fontRef idx="minor">
+            <a:schemeClr val="dk1"/>
+          </a:fontRef>
+        </p:style>
+        <p:txBody>
+          <a:bodyPr rtlCol="0" anchor="t"/>
+          <a:lstStyle/>
+          <a:p>
+            <a:r>
+              <a:rPr lang="en-US" sz="1200" b="1" dirty="0">
+                <a:solidFill>
+                  <a:srgbClr val="7030A0"/>
+                </a:solidFill>
+              </a:rPr>
+              <a:t>Manager</a:t>
+            </a:r>
+            <a:endParaRPr lang="en-SG" sz="1200" b="1" dirty="0">
+              <a:solidFill>
+                <a:srgbClr val="7030A0"/>
+              </a:solidFill>
+            </a:endParaRPr>
+          </a:p>
+        </p:txBody>
+      </p:sp>
+      <p:sp>
+        <p:nvSpPr>
+          <p:cNvPr id="148" name="Rectangle 65">
+            <a:extLst>
+              <a:ext uri="{FF2B5EF4-FFF2-40B4-BE49-F238E27FC236}">
+                <a16:creationId xmlns:a16="http://schemas.microsoft.com/office/drawing/2014/main" id="{F03496C0-9130-43BD-B796-92BA5D4979F6}"/>
+              </a:ext>
+            </a:extLst>
+          </p:cNvPr>
+          <p:cNvSpPr/>
+          <p:nvPr/>
+        </p:nvSpPr>
+        <p:spPr>
+          <a:xfrm>
+            <a:off x="2353691" y="1052909"/>
+            <a:ext cx="6028309" cy="1972638"/>
+          </a:xfrm>
+          <a:prstGeom prst="roundRect">
+            <a:avLst>
+              <a:gd name="adj" fmla="val 3484"/>
+            </a:avLst>
+          </a:prstGeom>
+          <a:solidFill>
+            <a:schemeClr val="accent4">
+              <a:lumMod val="20000"/>
+              <a:lumOff val="80000"/>
+            </a:schemeClr>
+          </a:solidFill>
+          <a:ln w="19050">
+            <a:solidFill>
+              <a:schemeClr val="accent4">
+                <a:lumMod val="60000"/>
+                <a:lumOff val="40000"/>
+              </a:schemeClr>
+            </a:solidFill>
+          </a:ln>
+          <a:effectLst/>
+        </p:spPr>
+        <p:style>
+          <a:lnRef idx="1">
+            <a:schemeClr val="accent2"/>
+          </a:lnRef>
+          <a:fillRef idx="2">
+            <a:schemeClr val="accent2"/>
+          </a:fillRef>
+          <a:effectRef idx="1">
+            <a:schemeClr val="accent2"/>
+          </a:effectRef>
+          <a:fontRef idx="minor">
+            <a:schemeClr val="dk1"/>
+          </a:fontRef>
+        </p:style>
+        <p:txBody>
+          <a:bodyPr rtlCol="0" anchor="t"/>
+          <a:lstStyle/>
+          <a:p>
+            <a:r>
+              <a:rPr lang="en-US" sz="1200" b="1" dirty="0" err="1">
+                <a:solidFill>
+                  <a:srgbClr val="7030A0"/>
+                </a:solidFill>
+              </a:rPr>
+              <a:t>LoanBook</a:t>
+            </a:r>
+            <a:endParaRPr lang="en-SG" sz="1200" b="1" dirty="0">
+              <a:solidFill>
+                <a:srgbClr val="7030A0"/>
+              </a:solidFill>
+            </a:endParaRPr>
+          </a:p>
+        </p:txBody>
+      </p:sp>
+      <p:sp>
+        <p:nvSpPr>
+          <p:cNvPr id="134" name="Rectangle 8">
+            <a:extLst>
+              <a:ext uri="{FF2B5EF4-FFF2-40B4-BE49-F238E27FC236}">
+                <a16:creationId xmlns:a16="http://schemas.microsoft.com/office/drawing/2014/main" id="{1D589350-E4BA-4C4E-A4C4-70D77DE17DDE}"/>
+              </a:ext>
+            </a:extLst>
+          </p:cNvPr>
+          <p:cNvSpPr/>
+          <p:nvPr/>
+        </p:nvSpPr>
+        <p:spPr>
+          <a:xfrm>
+            <a:off x="658865" y="3851625"/>
             <a:ext cx="797803" cy="275414"/>
           </a:xfrm>
           <a:prstGeom prst="rect">
@@ -3564,13 +3929,19 @@
       </p:sp>
       <p:sp>
         <p:nvSpPr>
-          <p:cNvPr id="9" name="Rectangle 62"/>
+          <p:cNvPr id="135" name="Rectangle 62">
+            <a:extLst>
+              <a:ext uri="{FF2B5EF4-FFF2-40B4-BE49-F238E27FC236}">
+                <a16:creationId xmlns:a16="http://schemas.microsoft.com/office/drawing/2014/main" id="{2A38F75E-C52B-4EE9-99A8-7E1A513F1154}"/>
+              </a:ext>
+            </a:extLst>
+          </p:cNvPr>
           <p:cNvSpPr/>
           <p:nvPr/>
         </p:nvSpPr>
         <p:spPr>
-          <a:xfrm rot="16200000">
-            <a:off x="922683" y="3097750"/>
+          <a:xfrm>
+            <a:off x="833178" y="3005372"/>
             <a:ext cx="1093635" cy="346760"/>
           </a:xfrm>
           <a:prstGeom prst="rect">
@@ -3621,58 +3992,21 @@
           </a:p>
         </p:txBody>
       </p:sp>
-      <p:cxnSp>
-        <p:nvCxnSpPr>
-          <p:cNvPr id="107" name="Elbow Connector 106"/>
-          <p:cNvCxnSpPr>
-            <a:cxnSpLocks/>
-            <a:stCxn id="9" idx="2"/>
-            <a:endCxn id="62" idx="0"/>
-          </p:cNvCxnSpPr>
-          <p:nvPr/>
-        </p:nvCxnSpPr>
+      <p:sp>
+        <p:nvSpPr>
+          <p:cNvPr id="136" name="Rectangle 62">
+            <a:extLst>
+              <a:ext uri="{FF2B5EF4-FFF2-40B4-BE49-F238E27FC236}">
+                <a16:creationId xmlns:a16="http://schemas.microsoft.com/office/drawing/2014/main" id="{085F3ADF-8243-4DFA-8456-1DC445F268FD}"/>
+              </a:ext>
+            </a:extLst>
+          </p:cNvPr>
+          <p:cNvSpPr/>
+          <p:nvPr/>
+        </p:nvSpPr>
         <p:spPr>
           <a:xfrm>
-            <a:off x="1642881" y="3271130"/>
-            <a:ext cx="4417997" cy="288602"/>
-          </a:xfrm>
-          <a:prstGeom prst="bentConnector2">
-            <a:avLst/>
-          </a:prstGeom>
-          <a:ln w="19050">
-            <a:solidFill>
-              <a:srgbClr val="7030A0"/>
-            </a:solidFill>
-            <a:prstDash val="solid"/>
-            <a:headEnd type="none" w="med" len="med"/>
-            <a:tailEnd type="arrow" w="med" len="med"/>
-          </a:ln>
-          <a:effectLst/>
-        </p:spPr>
-        <p:style>
-          <a:lnRef idx="1">
-            <a:schemeClr val="accent2"/>
-          </a:lnRef>
-          <a:fillRef idx="2">
-            <a:schemeClr val="accent2"/>
-          </a:fillRef>
-          <a:effectRef idx="1">
-            <a:schemeClr val="accent2"/>
-          </a:effectRef>
-          <a:fontRef idx="minor">
-            <a:schemeClr val="dk1"/>
-          </a:fontRef>
-        </p:style>
-      </p:cxnSp>
-      <p:sp>
-        <p:nvSpPr>
-          <p:cNvPr id="119" name="Rectangle 62"/>
-          <p:cNvSpPr/>
-          <p:nvPr/>
-        </p:nvSpPr>
-        <p:spPr>
-          <a:xfrm rot="16200000">
-            <a:off x="217337" y="2861202"/>
+            <a:off x="833178" y="2268533"/>
             <a:ext cx="1093635" cy="346760"/>
           </a:xfrm>
           <a:prstGeom prst="rect">
@@ -3736,13 +4070,19 @@
       </p:sp>
       <p:sp>
         <p:nvSpPr>
-          <p:cNvPr id="120" name="Isosceles Triangle 102"/>
+          <p:cNvPr id="137" name="Isosceles Triangle 102">
+            <a:extLst>
+              <a:ext uri="{FF2B5EF4-FFF2-40B4-BE49-F238E27FC236}">
+                <a16:creationId xmlns:a16="http://schemas.microsoft.com/office/drawing/2014/main" id="{C24897B7-F982-4374-A513-39785B3E6A73}"/>
+              </a:ext>
+            </a:extLst>
+          </p:cNvPr>
           <p:cNvSpPr/>
           <p:nvPr/>
         </p:nvSpPr>
         <p:spPr>
-          <a:xfrm rot="16200000">
-            <a:off x="888045" y="2952291"/>
+          <a:xfrm>
+            <a:off x="1244744" y="2636529"/>
             <a:ext cx="270504" cy="175523"/>
           </a:xfrm>
           <a:prstGeom prst="triangle">
@@ -3783,18 +4123,24 @@
       </p:sp>
       <p:cxnSp>
         <p:nvCxnSpPr>
-          <p:cNvPr id="58" name="Straight Arrow Connector 57"/>
+          <p:cNvPr id="138" name="Straight Arrow Connector 57">
+            <a:extLst>
+              <a:ext uri="{FF2B5EF4-FFF2-40B4-BE49-F238E27FC236}">
+                <a16:creationId xmlns:a16="http://schemas.microsoft.com/office/drawing/2014/main" id="{AD8A3785-F73B-4993-B08F-FB96F731620B}"/>
+              </a:ext>
+            </a:extLst>
+          </p:cNvPr>
           <p:cNvCxnSpPr>
             <a:cxnSpLocks/>
-            <a:stCxn id="42" idx="3"/>
-            <a:endCxn id="2" idx="0"/>
+            <a:stCxn id="141" idx="3"/>
+            <a:endCxn id="134" idx="0"/>
           </p:cNvCxnSpPr>
           <p:nvPr/>
         </p:nvCxnSpPr>
         <p:spPr>
-          <a:xfrm rot="16200000" flipH="1">
-            <a:off x="1640636" y="3892308"/>
-            <a:ext cx="330484" cy="671185"/>
+          <a:xfrm rot="5400000">
+            <a:off x="936592" y="3727620"/>
+            <a:ext cx="245180" cy="2830"/>
           </a:xfrm>
           <a:prstGeom prst="bentConnector3">
             <a:avLst>
@@ -3827,14 +4173,23 @@
       </p:cxnSp>
       <p:cxnSp>
         <p:nvCxnSpPr>
-          <p:cNvPr id="75" name="Elbow Connector 122"/>
-          <p:cNvCxnSpPr/>
+          <p:cNvPr id="139" name="Elbow Connector 122">
+            <a:extLst>
+              <a:ext uri="{FF2B5EF4-FFF2-40B4-BE49-F238E27FC236}">
+                <a16:creationId xmlns:a16="http://schemas.microsoft.com/office/drawing/2014/main" id="{DE6AC25D-A47F-42B3-AAB8-6EEE9FAE527C}"/>
+              </a:ext>
+            </a:extLst>
+          </p:cNvPr>
+          <p:cNvCxnSpPr>
+            <a:cxnSpLocks/>
+            <a:endCxn id="136" idx="1"/>
+          </p:cNvCxnSpPr>
           <p:nvPr/>
         </p:nvCxnSpPr>
         <p:spPr>
           <a:xfrm>
-            <a:off x="171226" y="3040053"/>
-            <a:ext cx="419548" cy="2860"/>
+            <a:off x="152400" y="2441913"/>
+            <a:ext cx="680778" cy="12700"/>
           </a:xfrm>
           <a:prstGeom prst="bentConnector3">
             <a:avLst>
@@ -3870,16 +4225,23 @@
       </p:cxnSp>
       <p:cxnSp>
         <p:nvCxnSpPr>
-          <p:cNvPr id="21" name="Straight Connector 20"/>
+          <p:cNvPr id="140" name="Straight Connector 139">
+            <a:extLst>
+              <a:ext uri="{FF2B5EF4-FFF2-40B4-BE49-F238E27FC236}">
+                <a16:creationId xmlns:a16="http://schemas.microsoft.com/office/drawing/2014/main" id="{BE1C3F3D-F7BD-4A5F-A435-2179F9D3C58A}"/>
+              </a:ext>
+            </a:extLst>
+          </p:cNvPr>
           <p:cNvCxnSpPr>
-            <a:stCxn id="120" idx="3"/>
+            <a:cxnSpLocks/>
+            <a:stCxn id="137" idx="3"/>
           </p:cNvCxnSpPr>
           <p:nvPr/>
         </p:nvCxnSpPr>
         <p:spPr>
-          <a:xfrm flipV="1">
-            <a:off x="1111059" y="3040052"/>
-            <a:ext cx="216105" cy="1"/>
+          <a:xfrm flipH="1">
+            <a:off x="1374517" y="2812052"/>
+            <a:ext cx="5479" cy="231549"/>
           </a:xfrm>
           <a:prstGeom prst="line">
             <a:avLst/>
@@ -3911,13 +4273,19 @@
       </p:cxnSp>
       <p:sp>
         <p:nvSpPr>
-          <p:cNvPr id="42" name="Flowchart: Decision 96"/>
+          <p:cNvPr id="141" name="Flowchart: Decision 96">
+            <a:extLst>
+              <a:ext uri="{FF2B5EF4-FFF2-40B4-BE49-F238E27FC236}">
+                <a16:creationId xmlns:a16="http://schemas.microsoft.com/office/drawing/2014/main" id="{8E54DB5D-149B-4399-8E42-066DB0EC7F17}"/>
+              </a:ext>
+            </a:extLst>
+          </p:cNvPr>
           <p:cNvSpPr/>
           <p:nvPr/>
         </p:nvSpPr>
         <p:spPr>
           <a:xfrm rot="5400000">
-            <a:off x="1352262" y="3857945"/>
+            <a:off x="942573" y="3401731"/>
             <a:ext cx="236048" cy="173380"/>
           </a:xfrm>
           <a:prstGeom prst="flowChartDecision">
@@ -3954,16 +4322,123 @@
           </a:p>
         </p:txBody>
       </p:sp>
-      <p:sp>
-        <p:nvSpPr>
-          <p:cNvPr id="46" name="Rectangle 8"/>
+      <p:cxnSp>
+        <p:nvCxnSpPr>
+          <p:cNvPr id="142" name="Straight Arrow Connector 141">
+            <a:extLst>
+              <a:ext uri="{FF2B5EF4-FFF2-40B4-BE49-F238E27FC236}">
+                <a16:creationId xmlns:a16="http://schemas.microsoft.com/office/drawing/2014/main" id="{B2506DF8-DFD1-4E45-8306-73C4CF0E89BB}"/>
+              </a:ext>
+            </a:extLst>
+          </p:cNvPr>
+          <p:cNvCxnSpPr>
+            <a:cxnSpLocks/>
+            <a:stCxn id="143" idx="3"/>
+            <a:endCxn id="155" idx="1"/>
+          </p:cNvCxnSpPr>
+          <p:nvPr/>
+        </p:nvCxnSpPr>
+        <p:spPr>
+          <a:xfrm flipV="1">
+            <a:off x="2175372" y="2026752"/>
+            <a:ext cx="709357" cy="1149999"/>
+          </a:xfrm>
+          <a:prstGeom prst="bentConnector3">
+            <a:avLst>
+              <a:gd name="adj1" fmla="val 50000"/>
+            </a:avLst>
+          </a:prstGeom>
+          <a:ln w="19050" cap="flat">
+            <a:solidFill>
+              <a:srgbClr val="7030A0"/>
+            </a:solidFill>
+            <a:headEnd type="none" w="med" len="med"/>
+            <a:tailEnd type="arrow" w="med" len="med"/>
+          </a:ln>
+          <a:effectLst/>
+        </p:spPr>
+        <p:style>
+          <a:lnRef idx="1">
+            <a:schemeClr val="accent2"/>
+          </a:lnRef>
+          <a:fillRef idx="2">
+            <a:schemeClr val="accent2"/>
+          </a:fillRef>
+          <a:effectRef idx="1">
+            <a:schemeClr val="accent2"/>
+          </a:effectRef>
+          <a:fontRef idx="minor">
+            <a:schemeClr val="dk1"/>
+          </a:fontRef>
+        </p:style>
+      </p:cxnSp>
+      <p:sp>
+        <p:nvSpPr>
+          <p:cNvPr id="143" name="Flowchart: Decision 96">
+            <a:extLst>
+              <a:ext uri="{FF2B5EF4-FFF2-40B4-BE49-F238E27FC236}">
+                <a16:creationId xmlns:a16="http://schemas.microsoft.com/office/drawing/2014/main" id="{0B2F45BF-51B6-41E9-94D7-C4E9B3C33A05}"/>
+              </a:ext>
+            </a:extLst>
+          </p:cNvPr>
           <p:cNvSpPr/>
           <p:nvPr/>
         </p:nvSpPr>
         <p:spPr>
           <a:xfrm>
-            <a:off x="2086415" y="2846162"/>
-            <a:ext cx="1490560" cy="334856"/>
+            <a:off x="1939324" y="3090061"/>
+            <a:ext cx="236048" cy="173380"/>
+          </a:xfrm>
+          <a:prstGeom prst="flowChartDecision">
+            <a:avLst/>
+          </a:prstGeom>
+          <a:noFill/>
+          <a:ln w="19050">
+            <a:solidFill>
+              <a:srgbClr val="7030A0"/>
+            </a:solidFill>
+          </a:ln>
+          <a:effectLst/>
+        </p:spPr>
+        <p:style>
+          <a:lnRef idx="1">
+            <a:schemeClr val="accent6"/>
+          </a:lnRef>
+          <a:fillRef idx="2">
+            <a:schemeClr val="accent6"/>
+          </a:fillRef>
+          <a:effectRef idx="1">
+            <a:schemeClr val="accent6"/>
+          </a:effectRef>
+          <a:fontRef idx="minor">
+            <a:schemeClr val="dk1"/>
+          </a:fontRef>
+        </p:style>
+        <p:txBody>
+          <a:bodyPr rtlCol="0" anchor="ctr"/>
+          <a:lstStyle/>
+          <a:p>
+            <a:pPr algn="ctr"/>
+            <a:endParaRPr lang="en-US" sz="1050"/>
+          </a:p>
+        </p:txBody>
+      </p:sp>
+      <p:sp>
+        <p:nvSpPr>
+          <p:cNvPr id="144" name="Rectangle 8">
+            <a:extLst>
+              <a:ext uri="{FF2B5EF4-FFF2-40B4-BE49-F238E27FC236}">
+                <a16:creationId xmlns:a16="http://schemas.microsoft.com/office/drawing/2014/main" id="{5430F198-614B-4B81-A37D-90A8DDAF4C20}"/>
+              </a:ext>
+            </a:extLst>
+          </p:cNvPr>
+          <p:cNvSpPr/>
+          <p:nvPr/>
+        </p:nvSpPr>
+        <p:spPr>
+          <a:xfrm>
+            <a:off x="852784" y="1607205"/>
+            <a:ext cx="1066800" cy="346760"/>
           </a:xfrm>
           <a:prstGeom prst="rect">
             <a:avLst/>
@@ -3995,12 +4470,27 @@
           <a:p>
             <a:pPr algn="ctr"/>
             <a:r>
+              <a:rPr lang="en-US" sz="1050" dirty="0">
+                <a:solidFill>
+                  <a:srgbClr val="7030A0"/>
+                </a:solidFill>
+              </a:rPr>
+              <a:t>&lt;&lt;interface&gt;&gt;</a:t>
+            </a:r>
+            <a:br>
+              <a:rPr lang="en-US" sz="1050">
+                <a:solidFill>
+                  <a:srgbClr val="7030A0"/>
+                </a:solidFill>
+              </a:rPr>
+            </a:br>
+            <a:r>
               <a:rPr lang="en-US" sz="1050" dirty="0" err="1">
                 <a:solidFill>
                   <a:srgbClr val="7030A0"/>
                 </a:solidFill>
               </a:rPr>
-              <a:t>VersionedLoanBook</a:t>
+              <a:t>ObservableList</a:t>
             </a:r>
             <a:endParaRPr lang="en-SG" sz="1050" dirty="0">
               <a:solidFill>
@@ -4012,25 +4502,35 @@
       </p:sp>
       <p:cxnSp>
         <p:nvCxnSpPr>
-          <p:cNvPr id="47" name="Straight Arrow Connector 46"/>
+          <p:cNvPr id="145" name="Elbow Connector 122">
+            <a:extLst>
+              <a:ext uri="{FF2B5EF4-FFF2-40B4-BE49-F238E27FC236}">
+                <a16:creationId xmlns:a16="http://schemas.microsoft.com/office/drawing/2014/main" id="{450D410A-E6A4-4B22-958B-F9B5003E5089}"/>
+              </a:ext>
+            </a:extLst>
+          </p:cNvPr>
           <p:cNvCxnSpPr>
-            <a:stCxn id="48" idx="3"/>
-            <a:endCxn id="46" idx="1"/>
+            <a:cxnSpLocks/>
+            <a:stCxn id="136" idx="0"/>
+            <a:endCxn id="144" idx="2"/>
           </p:cNvCxnSpPr>
           <p:nvPr/>
         </p:nvCxnSpPr>
         <p:spPr>
-          <a:xfrm>
-            <a:off x="1885495" y="3003033"/>
-            <a:ext cx="200920" cy="10557"/>
-          </a:xfrm>
-          <a:prstGeom prst="straightConnector1">
-            <a:avLst/>
+          <a:xfrm rot="5400000" flipH="1" flipV="1">
+            <a:off x="1225806" y="2108155"/>
+            <a:ext cx="314568" cy="6188"/>
+          </a:xfrm>
+          <a:prstGeom prst="bentConnector3">
+            <a:avLst>
+              <a:gd name="adj1" fmla="val 50000"/>
+            </a:avLst>
           </a:prstGeom>
           <a:ln w="19050">
             <a:solidFill>
               <a:srgbClr val="7030A0"/>
             </a:solidFill>
+            <a:prstDash val="sysDot"/>
             <a:headEnd type="none" w="med" len="med"/>
             <a:tailEnd type="arrow" w="med" len="med"/>
           </a:ln>
@@ -4053,19 +4553,315 @@
       </p:cxnSp>
       <p:sp>
         <p:nvSpPr>
-          <p:cNvPr id="48" name="Flowchart: Decision 96"/>
+          <p:cNvPr id="146" name="TextBox 145">
+            <a:extLst>
+              <a:ext uri="{FF2B5EF4-FFF2-40B4-BE49-F238E27FC236}">
+                <a16:creationId xmlns:a16="http://schemas.microsoft.com/office/drawing/2014/main" id="{343CF8CE-C4C9-47FB-A12C-9D510A829D82}"/>
+              </a:ext>
+            </a:extLst>
+          </p:cNvPr>
+          <p:cNvSpPr txBox="1"/>
+          <p:nvPr/>
+        </p:nvSpPr>
+        <p:spPr>
+          <a:xfrm>
+            <a:off x="2632686" y="1839140"/>
+            <a:ext cx="170110" cy="137542"/>
+          </a:xfrm>
+          <a:prstGeom prst="rect">
+            <a:avLst/>
+          </a:prstGeom>
+          <a:noFill/>
+        </p:spPr>
+        <p:txBody>
+          <a:bodyPr wrap="square" lIns="0" tIns="0" rIns="0" bIns="0" rtlCol="0">
+            <a:noAutofit/>
+          </a:bodyPr>
+          <a:lstStyle/>
+          <a:p>
+            <a:pPr algn="ctr"/>
+            <a:r>
+              <a:rPr lang="en-US" sz="1100" dirty="0">
+                <a:solidFill>
+                  <a:srgbClr val="7030A0"/>
+                </a:solidFill>
+              </a:rPr>
+              <a:t>1</a:t>
+            </a:r>
+            <a:endParaRPr lang="en-SG" sz="1100" dirty="0">
+              <a:solidFill>
+                <a:srgbClr val="7030A0"/>
+              </a:solidFill>
+            </a:endParaRPr>
+          </a:p>
+        </p:txBody>
+      </p:sp>
+      <p:sp>
+        <p:nvSpPr>
+          <p:cNvPr id="147" name="TextBox 146">
+            <a:extLst>
+              <a:ext uri="{FF2B5EF4-FFF2-40B4-BE49-F238E27FC236}">
+                <a16:creationId xmlns:a16="http://schemas.microsoft.com/office/drawing/2014/main" id="{A5F77A19-C1C9-429D-9A59-F025B107CBC0}"/>
+              </a:ext>
+            </a:extLst>
+          </p:cNvPr>
+          <p:cNvSpPr txBox="1"/>
+          <p:nvPr/>
+        </p:nvSpPr>
+        <p:spPr>
+          <a:xfrm>
+            <a:off x="1098504" y="3669502"/>
+            <a:ext cx="189257" cy="178683"/>
+          </a:xfrm>
+          <a:prstGeom prst="rect">
+            <a:avLst/>
+          </a:prstGeom>
+          <a:noFill/>
+        </p:spPr>
+        <p:txBody>
+          <a:bodyPr wrap="square" lIns="0" tIns="0" rIns="0" bIns="0" rtlCol="0">
+            <a:noAutofit/>
+          </a:bodyPr>
+          <a:lstStyle/>
+          <a:p>
+            <a:pPr algn="ctr"/>
+            <a:r>
+              <a:rPr lang="en-US" sz="1100" dirty="0">
+                <a:solidFill>
+                  <a:srgbClr val="7030A0"/>
+                </a:solidFill>
+              </a:rPr>
+              <a:t>1</a:t>
+            </a:r>
+            <a:endParaRPr lang="en-SG" sz="1100" dirty="0">
+              <a:solidFill>
+                <a:srgbClr val="7030A0"/>
+              </a:solidFill>
+            </a:endParaRPr>
+          </a:p>
+        </p:txBody>
+      </p:sp>
+      <p:sp>
+        <p:nvSpPr>
+          <p:cNvPr id="150" name="Isosceles Triangle 102">
+            <a:extLst>
+              <a:ext uri="{FF2B5EF4-FFF2-40B4-BE49-F238E27FC236}">
+                <a16:creationId xmlns:a16="http://schemas.microsoft.com/office/drawing/2014/main" id="{58C8DE33-F915-44E8-A4F7-352A2635095D}"/>
+              </a:ext>
+            </a:extLst>
+          </p:cNvPr>
           <p:cNvSpPr/>
           <p:nvPr/>
         </p:nvSpPr>
         <p:spPr>
+          <a:xfrm rot="10800000" flipV="1">
+            <a:off x="3491111" y="1520417"/>
+            <a:ext cx="282387" cy="157062"/>
+          </a:xfrm>
+          <a:prstGeom prst="triangle">
+            <a:avLst/>
+          </a:prstGeom>
+          <a:ln w="19050">
+            <a:solidFill>
+              <a:srgbClr val="7030A0"/>
+            </a:solidFill>
+          </a:ln>
+          <a:effectLst/>
+        </p:spPr>
+        <p:style>
+          <a:lnRef idx="1">
+            <a:schemeClr val="accent4"/>
+          </a:lnRef>
+          <a:fillRef idx="2">
+            <a:schemeClr val="accent4"/>
+          </a:fillRef>
+          <a:effectRef idx="1">
+            <a:schemeClr val="accent4"/>
+          </a:effectRef>
+          <a:fontRef idx="minor">
+            <a:schemeClr val="dk1"/>
+          </a:fontRef>
+        </p:style>
+        <p:txBody>
+          <a:bodyPr rtlCol="0" anchor="ctr"/>
+          <a:lstStyle/>
+          <a:p>
+            <a:pPr algn="ctr"/>
+            <a:endParaRPr lang="en-SG" sz="1050" b="1">
+              <a:solidFill>
+                <a:srgbClr val="92D050"/>
+              </a:solidFill>
+            </a:endParaRPr>
+          </a:p>
+        </p:txBody>
+      </p:sp>
+      <p:sp>
+        <p:nvSpPr>
+          <p:cNvPr id="151" name="Rectangle 8">
+            <a:extLst>
+              <a:ext uri="{FF2B5EF4-FFF2-40B4-BE49-F238E27FC236}">
+                <a16:creationId xmlns:a16="http://schemas.microsoft.com/office/drawing/2014/main" id="{8D101723-21BD-4CB7-843F-E52E15FCA149}"/>
+              </a:ext>
+            </a:extLst>
+          </p:cNvPr>
+          <p:cNvSpPr/>
+          <p:nvPr/>
+        </p:nvSpPr>
+        <p:spPr>
           <a:xfrm>
-            <a:off x="1649447" y="2916343"/>
-            <a:ext cx="236048" cy="173380"/>
-          </a:xfrm>
-          <a:prstGeom prst="flowChartDecision">
+            <a:off x="4859044" y="1187724"/>
+            <a:ext cx="1443661" cy="364396"/>
+          </a:xfrm>
+          <a:prstGeom prst="rect">
             <a:avLst/>
           </a:prstGeom>
-          <a:noFill/>
+          <a:ln w="19050">
+            <a:solidFill>
+              <a:srgbClr val="7030A0"/>
+            </a:solidFill>
+          </a:ln>
+          <a:effectLst/>
+        </p:spPr>
+        <p:style>
+          <a:lnRef idx="1">
+            <a:schemeClr val="accent4"/>
+          </a:lnRef>
+          <a:fillRef idx="2">
+            <a:schemeClr val="accent4"/>
+          </a:fillRef>
+          <a:effectRef idx="1">
+            <a:schemeClr val="accent4"/>
+          </a:effectRef>
+          <a:fontRef idx="minor">
+            <a:schemeClr val="dk1"/>
+          </a:fontRef>
+        </p:style>
+        <p:txBody>
+          <a:bodyPr rtlCol="0" anchor="ctr"/>
+          <a:lstStyle/>
+          <a:p>
+            <a:pPr algn="ctr"/>
+            <a:r>
+              <a:rPr lang="en-US" sz="1050" dirty="0">
+                <a:solidFill>
+                  <a:srgbClr val="7030A0"/>
+                </a:solidFill>
+              </a:rPr>
+              <a:t>&lt;&lt;interface&gt;&gt;</a:t>
+            </a:r>
+            <a:br>
+              <a:rPr lang="en-US" sz="1050" dirty="0">
+                <a:solidFill>
+                  <a:srgbClr val="7030A0"/>
+                </a:solidFill>
+              </a:rPr>
+            </a:br>
+            <a:r>
+              <a:rPr lang="en-US" sz="1050" dirty="0" err="1">
+                <a:solidFill>
+                  <a:srgbClr val="7030A0"/>
+                </a:solidFill>
+              </a:rPr>
+              <a:t>ReadOnlyLoanBook</a:t>
+            </a:r>
+            <a:endParaRPr lang="en-SG" sz="1050" dirty="0">
+              <a:solidFill>
+                <a:srgbClr val="7030A0"/>
+              </a:solidFill>
+            </a:endParaRPr>
+          </a:p>
+        </p:txBody>
+      </p:sp>
+      <p:sp>
+        <p:nvSpPr>
+          <p:cNvPr id="152" name="Rectangle 8">
+            <a:extLst>
+              <a:ext uri="{FF2B5EF4-FFF2-40B4-BE49-F238E27FC236}">
+                <a16:creationId xmlns:a16="http://schemas.microsoft.com/office/drawing/2014/main" id="{593A4F4C-C2ED-4DD7-BE22-942A7ACCFA1C}"/>
+              </a:ext>
+            </a:extLst>
+          </p:cNvPr>
+          <p:cNvSpPr/>
+          <p:nvPr/>
+        </p:nvSpPr>
+        <p:spPr>
+          <a:xfrm>
+            <a:off x="3285448" y="1206697"/>
+            <a:ext cx="944259" cy="313720"/>
+          </a:xfrm>
+          <a:prstGeom prst="rect">
+            <a:avLst/>
+          </a:prstGeom>
+          <a:ln w="19050">
+            <a:solidFill>
+              <a:srgbClr val="7030A0"/>
+            </a:solidFill>
+          </a:ln>
+          <a:effectLst/>
+        </p:spPr>
+        <p:style>
+          <a:lnRef idx="1">
+            <a:schemeClr val="accent4"/>
+          </a:lnRef>
+          <a:fillRef idx="2">
+            <a:schemeClr val="accent4"/>
+          </a:fillRef>
+          <a:effectRef idx="1">
+            <a:schemeClr val="accent4"/>
+          </a:effectRef>
+          <a:fontRef idx="minor">
+            <a:schemeClr val="dk1"/>
+          </a:fontRef>
+        </p:style>
+        <p:txBody>
+          <a:bodyPr rtlCol="0" anchor="ctr"/>
+          <a:lstStyle/>
+          <a:p>
+            <a:pPr algn="ctr"/>
+            <a:r>
+              <a:rPr lang="en-US" sz="1050" dirty="0" err="1">
+                <a:solidFill>
+                  <a:srgbClr val="7030A0"/>
+                </a:solidFill>
+              </a:rPr>
+              <a:t>LoanBook</a:t>
+            </a:r>
+            <a:endParaRPr lang="en-SG" sz="1050" dirty="0">
+              <a:solidFill>
+                <a:srgbClr val="7030A0"/>
+              </a:solidFill>
+            </a:endParaRPr>
+          </a:p>
+        </p:txBody>
+      </p:sp>
+      <p:sp>
+        <p:nvSpPr>
+          <p:cNvPr id="153" name="Isosceles Triangle 102">
+            <a:extLst>
+              <a:ext uri="{FF2B5EF4-FFF2-40B4-BE49-F238E27FC236}">
+                <a16:creationId xmlns:a16="http://schemas.microsoft.com/office/drawing/2014/main" id="{F08BAE87-FD16-4175-B8F8-2CAB32F65BE5}"/>
+              </a:ext>
+            </a:extLst>
+          </p:cNvPr>
+          <p:cNvSpPr/>
+          <p:nvPr/>
+        </p:nvSpPr>
+        <p:spPr>
+          <a:xfrm rot="5400000">
+            <a:off x="4610230" y="1266546"/>
+            <a:ext cx="271014" cy="187417"/>
+          </a:xfrm>
+          <a:prstGeom prst="triangle">
+            <a:avLst>
+              <a:gd name="adj" fmla="val 50140"/>
+            </a:avLst>
+          </a:prstGeom>
+          <a:solidFill>
+            <a:schemeClr val="accent4">
+              <a:lumMod val="20000"/>
+              <a:lumOff val="80000"/>
+            </a:schemeClr>
+          </a:solidFill>
           <a:ln w="19050">
             <a:solidFill>
               <a:srgbClr val="7030A0"/>
@@ -4092,20 +4888,77 @@
           <a:lstStyle/>
           <a:p>
             <a:pPr algn="ctr"/>
-            <a:endParaRPr lang="en-US" sz="1050"/>
-          </a:p>
-        </p:txBody>
-      </p:sp>
-      <p:sp>
-        <p:nvSpPr>
-          <p:cNvPr id="49" name="Rectangle 8"/>
+            <a:endParaRPr lang="en-SG" sz="1050"/>
+          </a:p>
+        </p:txBody>
+      </p:sp>
+      <p:cxnSp>
+        <p:nvCxnSpPr>
+          <p:cNvPr id="154" name="Elbow Connector 63">
+            <a:extLst>
+              <a:ext uri="{FF2B5EF4-FFF2-40B4-BE49-F238E27FC236}">
+                <a16:creationId xmlns:a16="http://schemas.microsoft.com/office/drawing/2014/main" id="{345E215F-023C-45F7-B3C7-356BE7AC4AB9}"/>
+              </a:ext>
+            </a:extLst>
+          </p:cNvPr>
+          <p:cNvCxnSpPr>
+            <a:cxnSpLocks/>
+            <a:stCxn id="153" idx="3"/>
+            <a:endCxn id="152" idx="3"/>
+          </p:cNvCxnSpPr>
+          <p:nvPr/>
+        </p:nvCxnSpPr>
+        <p:spPr>
+          <a:xfrm rot="10800000" flipV="1">
+            <a:off x="4229707" y="1360633"/>
+            <a:ext cx="422322" cy="2923"/>
+          </a:xfrm>
+          <a:prstGeom prst="bentConnector3">
+            <a:avLst>
+              <a:gd name="adj1" fmla="val 50000"/>
+            </a:avLst>
+          </a:prstGeom>
+          <a:ln w="19050">
+            <a:solidFill>
+              <a:srgbClr val="7030A0"/>
+            </a:solidFill>
+            <a:prstDash val="sysDot"/>
+            <a:headEnd type="none" w="med" len="med"/>
+            <a:tailEnd type="none" w="med" len="med"/>
+          </a:ln>
+          <a:effectLst/>
+        </p:spPr>
+        <p:style>
+          <a:lnRef idx="1">
+            <a:schemeClr val="accent2"/>
+          </a:lnRef>
+          <a:fillRef idx="2">
+            <a:schemeClr val="accent2"/>
+          </a:fillRef>
+          <a:effectRef idx="1">
+            <a:schemeClr val="accent2"/>
+          </a:effectRef>
+          <a:fontRef idx="minor">
+            <a:schemeClr val="dk1"/>
+          </a:fontRef>
+        </p:style>
+      </p:cxnSp>
+      <p:sp>
+        <p:nvSpPr>
+          <p:cNvPr id="155" name="Rectangle 8">
+            <a:extLst>
+              <a:ext uri="{FF2B5EF4-FFF2-40B4-BE49-F238E27FC236}">
+                <a16:creationId xmlns:a16="http://schemas.microsoft.com/office/drawing/2014/main" id="{7621249C-36CD-4636-9038-522DED13ECDC}"/>
+              </a:ext>
+            </a:extLst>
+          </p:cNvPr>
           <p:cNvSpPr/>
           <p:nvPr/>
         </p:nvSpPr>
         <p:spPr>
           <a:xfrm>
-            <a:off x="4111898" y="3550071"/>
-            <a:ext cx="1156969" cy="346760"/>
+            <a:off x="2884729" y="1859324"/>
+            <a:ext cx="1490560" cy="334856"/>
           </a:xfrm>
           <a:prstGeom prst="rect">
             <a:avLst/>
@@ -4142,7 +4995,7 @@
                   <a:srgbClr val="7030A0"/>
                 </a:solidFill>
               </a:rPr>
-              <a:t>UniqueLoanList</a:t>
+              <a:t>VersionedLoanBook</a:t>
             </a:r>
             <a:endParaRPr lang="en-SG" sz="1050" dirty="0">
               <a:solidFill>
@@ -4154,13 +5007,81 @@
       </p:sp>
       <p:sp>
         <p:nvSpPr>
-          <p:cNvPr id="51" name="Flowchart: Decision 96"/>
+          <p:cNvPr id="156" name="Rectangle 8">
+            <a:extLst>
+              <a:ext uri="{FF2B5EF4-FFF2-40B4-BE49-F238E27FC236}">
+                <a16:creationId xmlns:a16="http://schemas.microsoft.com/office/drawing/2014/main" id="{EDB47872-BC84-429C-AB6E-97D14EC4487F}"/>
+              </a:ext>
+            </a:extLst>
+          </p:cNvPr>
           <p:cNvSpPr/>
           <p:nvPr/>
         </p:nvSpPr>
         <p:spPr>
           <a:xfrm>
-            <a:off x="3586107" y="2920532"/>
+            <a:off x="4174791" y="2367314"/>
+            <a:ext cx="1156969" cy="346760"/>
+          </a:xfrm>
+          <a:prstGeom prst="rect">
+            <a:avLst/>
+          </a:prstGeom>
+          <a:ln w="19050">
+            <a:solidFill>
+              <a:srgbClr val="7030A0"/>
+            </a:solidFill>
+          </a:ln>
+          <a:effectLst/>
+        </p:spPr>
+        <p:style>
+          <a:lnRef idx="1">
+            <a:schemeClr val="accent4"/>
+          </a:lnRef>
+          <a:fillRef idx="2">
+            <a:schemeClr val="accent4"/>
+          </a:fillRef>
+          <a:effectRef idx="1">
+            <a:schemeClr val="accent4"/>
+          </a:effectRef>
+          <a:fontRef idx="minor">
+            <a:schemeClr val="dk1"/>
+          </a:fontRef>
+        </p:style>
+        <p:txBody>
+          <a:bodyPr rtlCol="0" anchor="ctr"/>
+          <a:lstStyle/>
+          <a:p>
+            <a:pPr algn="ctr"/>
+            <a:r>
+              <a:rPr lang="en-US" sz="1050" dirty="0" err="1">
+                <a:solidFill>
+                  <a:srgbClr val="7030A0"/>
+                </a:solidFill>
+              </a:rPr>
+              <a:t>UniqueLoanList</a:t>
+            </a:r>
+            <a:endParaRPr lang="en-SG" sz="1050" dirty="0">
+              <a:solidFill>
+                <a:srgbClr val="7030A0"/>
+              </a:solidFill>
+            </a:endParaRPr>
+          </a:p>
+        </p:txBody>
+      </p:sp>
+      <p:sp>
+        <p:nvSpPr>
+          <p:cNvPr id="157" name="Flowchart: Decision 96">
+            <a:extLst>
+              <a:ext uri="{FF2B5EF4-FFF2-40B4-BE49-F238E27FC236}">
+                <a16:creationId xmlns:a16="http://schemas.microsoft.com/office/drawing/2014/main" id="{A5BDF1D8-98D6-432C-8292-1B9E9918B65D}"/>
+              </a:ext>
+            </a:extLst>
+          </p:cNvPr>
+          <p:cNvSpPr/>
+          <p:nvPr/>
+        </p:nvSpPr>
+        <p:spPr>
+          <a:xfrm>
+            <a:off x="4390902" y="1947062"/>
             <a:ext cx="236048" cy="173380"/>
           </a:xfrm>
           <a:prstGeom prst="flowChartDecision">
@@ -4201,14 +5122,113 @@
       </p:sp>
       <p:sp>
         <p:nvSpPr>
-          <p:cNvPr id="62" name="Rectangle 8"/>
+          <p:cNvPr id="158" name="TextBox 157">
+            <a:extLst>
+              <a:ext uri="{FF2B5EF4-FFF2-40B4-BE49-F238E27FC236}">
+                <a16:creationId xmlns:a16="http://schemas.microsoft.com/office/drawing/2014/main" id="{2C04713E-E781-4C34-AE43-E1CC2F702689}"/>
+              </a:ext>
+            </a:extLst>
+          </p:cNvPr>
+          <p:cNvSpPr txBox="1"/>
+          <p:nvPr/>
+        </p:nvSpPr>
+        <p:spPr>
+          <a:xfrm>
+            <a:off x="4755558" y="2153701"/>
+            <a:ext cx="189257" cy="178683"/>
+          </a:xfrm>
+          <a:prstGeom prst="rect">
+            <a:avLst/>
+          </a:prstGeom>
+          <a:noFill/>
+        </p:spPr>
+        <p:txBody>
+          <a:bodyPr wrap="square" lIns="0" tIns="0" rIns="0" bIns="0" rtlCol="0">
+            <a:noAutofit/>
+          </a:bodyPr>
+          <a:lstStyle/>
+          <a:p>
+            <a:pPr algn="ctr"/>
+            <a:r>
+              <a:rPr lang="en-US" sz="1100" dirty="0">
+                <a:solidFill>
+                  <a:srgbClr val="7030A0"/>
+                </a:solidFill>
+              </a:rPr>
+              <a:t>1</a:t>
+            </a:r>
+            <a:endParaRPr lang="en-SG" sz="1100" dirty="0">
+              <a:solidFill>
+                <a:srgbClr val="7030A0"/>
+              </a:solidFill>
+            </a:endParaRPr>
+          </a:p>
+        </p:txBody>
+      </p:sp>
+      <p:cxnSp>
+        <p:nvCxnSpPr>
+          <p:cNvPr id="160" name="Straight Arrow Connector 59">
+            <a:extLst>
+              <a:ext uri="{FF2B5EF4-FFF2-40B4-BE49-F238E27FC236}">
+                <a16:creationId xmlns:a16="http://schemas.microsoft.com/office/drawing/2014/main" id="{70A82C2A-6C3B-4A83-801E-88B6C4A9B2B6}"/>
+              </a:ext>
+            </a:extLst>
+          </p:cNvPr>
+          <p:cNvCxnSpPr>
+            <a:cxnSpLocks/>
+            <a:stCxn id="157" idx="3"/>
+            <a:endCxn id="156" idx="0"/>
+          </p:cNvCxnSpPr>
+          <p:nvPr/>
+        </p:nvCxnSpPr>
+        <p:spPr>
+          <a:xfrm>
+            <a:off x="4626950" y="2033752"/>
+            <a:ext cx="126326" cy="333562"/>
+          </a:xfrm>
+          <a:prstGeom prst="bentConnector2">
+            <a:avLst/>
+          </a:prstGeom>
+          <a:ln w="19050">
+            <a:solidFill>
+              <a:srgbClr val="7030A0"/>
+            </a:solidFill>
+            <a:headEnd type="none" w="med" len="med"/>
+            <a:tailEnd type="arrow" w="med" len="med"/>
+          </a:ln>
+          <a:effectLst/>
+        </p:spPr>
+        <p:style>
+          <a:lnRef idx="1">
+            <a:schemeClr val="accent2"/>
+          </a:lnRef>
+          <a:fillRef idx="2">
+            <a:schemeClr val="accent2"/>
+          </a:fillRef>
+          <a:effectRef idx="1">
+            <a:schemeClr val="accent2"/>
+          </a:effectRef>
+          <a:fontRef idx="minor">
+            <a:schemeClr val="dk1"/>
+          </a:fontRef>
+        </p:style>
+      </p:cxnSp>
+      <p:sp>
+        <p:nvSpPr>
+          <p:cNvPr id="161" name="Rectangle 8">
+            <a:extLst>
+              <a:ext uri="{FF2B5EF4-FFF2-40B4-BE49-F238E27FC236}">
+                <a16:creationId xmlns:a16="http://schemas.microsoft.com/office/drawing/2014/main" id="{EB6C2302-9C6C-4C21-BBA0-D92FF5A59685}"/>
+              </a:ext>
+            </a:extLst>
+          </p:cNvPr>
           <p:cNvSpPr/>
           <p:nvPr/>
         </p:nvSpPr>
         <p:spPr>
           <a:xfrm>
-            <a:off x="5706785" y="3559732"/>
-            <a:ext cx="708186" cy="346760"/>
+            <a:off x="5507557" y="2361846"/>
+            <a:ext cx="1156969" cy="359469"/>
           </a:xfrm>
           <a:prstGeom prst="rect">
             <a:avLst/>
@@ -4240,14 +5260,180 @@
           <a:p>
             <a:pPr algn="ctr"/>
             <a:r>
+              <a:rPr lang="en-US" sz="1050" dirty="0" err="1">
+                <a:solidFill>
+                  <a:srgbClr val="7030A0"/>
+                </a:solidFill>
+              </a:rPr>
+              <a:t>UniqueBikeList</a:t>
+            </a:r>
+            <a:endParaRPr lang="en-SG" sz="1050" dirty="0">
+              <a:solidFill>
+                <a:srgbClr val="7030A0"/>
+              </a:solidFill>
+            </a:endParaRPr>
+          </a:p>
+        </p:txBody>
+      </p:sp>
+      <p:sp>
+        <p:nvSpPr>
+          <p:cNvPr id="162" name="TextBox 161">
+            <a:extLst>
+              <a:ext uri="{FF2B5EF4-FFF2-40B4-BE49-F238E27FC236}">
+                <a16:creationId xmlns:a16="http://schemas.microsoft.com/office/drawing/2014/main" id="{5D836A74-B4B3-42D5-AB46-AEC329861DED}"/>
+              </a:ext>
+            </a:extLst>
+          </p:cNvPr>
+          <p:cNvSpPr txBox="1"/>
+          <p:nvPr/>
+        </p:nvSpPr>
+        <p:spPr>
+          <a:xfrm>
+            <a:off x="6107627" y="2156225"/>
+            <a:ext cx="189257" cy="178683"/>
+          </a:xfrm>
+          <a:prstGeom prst="rect">
+            <a:avLst/>
+          </a:prstGeom>
+          <a:noFill/>
+        </p:spPr>
+        <p:txBody>
+          <a:bodyPr wrap="square" lIns="0" tIns="0" rIns="0" bIns="0" rtlCol="0">
+            <a:noAutofit/>
+          </a:bodyPr>
+          <a:lstStyle/>
+          <a:p>
+            <a:pPr algn="ctr"/>
+            <a:r>
+              <a:rPr lang="en-US" sz="1100" dirty="0">
+                <a:solidFill>
+                  <a:srgbClr val="7030A0"/>
+                </a:solidFill>
+              </a:rPr>
+              <a:t>1</a:t>
+            </a:r>
+            <a:endParaRPr lang="en-SG" sz="1100" dirty="0">
+              <a:solidFill>
+                <a:srgbClr val="7030A0"/>
+              </a:solidFill>
+            </a:endParaRPr>
+          </a:p>
+        </p:txBody>
+      </p:sp>
+      <p:cxnSp>
+        <p:nvCxnSpPr>
+          <p:cNvPr id="163" name="Straight Arrow Connector 59">
+            <a:extLst>
+              <a:ext uri="{FF2B5EF4-FFF2-40B4-BE49-F238E27FC236}">
+                <a16:creationId xmlns:a16="http://schemas.microsoft.com/office/drawing/2014/main" id="{D9767932-D2E5-4355-B1BB-94D66BEEA905}"/>
+              </a:ext>
+            </a:extLst>
+          </p:cNvPr>
+          <p:cNvCxnSpPr>
+            <a:cxnSpLocks/>
+            <a:stCxn id="157" idx="3"/>
+            <a:endCxn id="161" idx="0"/>
+          </p:cNvCxnSpPr>
+          <p:nvPr/>
+        </p:nvCxnSpPr>
+        <p:spPr>
+          <a:xfrm>
+            <a:off x="4626950" y="2033752"/>
+            <a:ext cx="1459092" cy="328094"/>
+          </a:xfrm>
+          <a:prstGeom prst="bentConnector2">
+            <a:avLst/>
+          </a:prstGeom>
+          <a:ln w="19050">
+            <a:solidFill>
+              <a:srgbClr val="7030A0"/>
+            </a:solidFill>
+            <a:headEnd type="none" w="med" len="med"/>
+            <a:tailEnd type="arrow" w="med" len="med"/>
+          </a:ln>
+          <a:effectLst/>
+        </p:spPr>
+        <p:style>
+          <a:lnRef idx="1">
+            <a:schemeClr val="accent2"/>
+          </a:lnRef>
+          <a:fillRef idx="2">
+            <a:schemeClr val="accent2"/>
+          </a:fillRef>
+          <a:effectRef idx="1">
+            <a:schemeClr val="accent2"/>
+          </a:effectRef>
+          <a:fontRef idx="minor">
+            <a:schemeClr val="dk1"/>
+          </a:fontRef>
+        </p:style>
+      </p:cxnSp>
+      <p:sp>
+        <p:nvSpPr>
+          <p:cNvPr id="164" name="Rectangle 8">
+            <a:extLst>
+              <a:ext uri="{FF2B5EF4-FFF2-40B4-BE49-F238E27FC236}">
+                <a16:creationId xmlns:a16="http://schemas.microsoft.com/office/drawing/2014/main" id="{A5410F83-3C33-4DD4-8748-3D8063C68FC2}"/>
+              </a:ext>
+            </a:extLst>
+          </p:cNvPr>
+          <p:cNvSpPr/>
+          <p:nvPr/>
+        </p:nvSpPr>
+        <p:spPr>
+          <a:xfrm>
+            <a:off x="7294271" y="1897576"/>
+            <a:ext cx="797803" cy="442264"/>
+          </a:xfrm>
+          <a:prstGeom prst="rect">
+            <a:avLst/>
+          </a:prstGeom>
+          <a:ln w="19050">
+            <a:solidFill>
+              <a:srgbClr val="7030A0"/>
+            </a:solidFill>
+          </a:ln>
+          <a:effectLst/>
+        </p:spPr>
+        <p:style>
+          <a:lnRef idx="1">
+            <a:schemeClr val="accent4"/>
+          </a:lnRef>
+          <a:fillRef idx="2">
+            <a:schemeClr val="accent4"/>
+          </a:fillRef>
+          <a:effectRef idx="1">
+            <a:schemeClr val="accent4"/>
+          </a:effectRef>
+          <a:fontRef idx="minor">
+            <a:schemeClr val="dk1"/>
+          </a:fontRef>
+        </p:style>
+        <p:txBody>
+          <a:bodyPr rtlCol="0" anchor="ctr"/>
+          <a:lstStyle/>
+          <a:p>
+            <a:pPr algn="ctr"/>
+            <a:r>
               <a:rPr lang="en-US" sz="1050" dirty="0">
                 <a:solidFill>
                   <a:srgbClr val="7030A0"/>
                 </a:solidFill>
               </a:rPr>
-              <a:t>Loan</a:t>
-            </a:r>
-            <a:endParaRPr lang="en-SG" sz="1050" dirty="0">
+              <a:t>{abstract}</a:t>
+            </a:r>
+          </a:p>
+          <a:p>
+            <a:pPr algn="ctr"/>
+            <a:r>
+              <a:rPr lang="en-US" sz="1050" dirty="0" err="1">
+                <a:solidFill>
+                  <a:srgbClr val="7030A0"/>
+                </a:solidFill>
+              </a:rPr>
+              <a:t>UniqueList</a:t>
+            </a:r>
+            <a:endParaRPr lang="en-US" sz="1050" dirty="0">
               <a:solidFill>
                 <a:srgbClr val="7030A0"/>
               </a:solidFill>
@@ -4257,19 +5443,27 @@
       </p:sp>
       <p:sp>
         <p:nvSpPr>
-          <p:cNvPr id="63" name="Flowchart: Decision 96"/>
+          <p:cNvPr id="165" name="Isosceles Triangle 102">
+            <a:extLst>
+              <a:ext uri="{FF2B5EF4-FFF2-40B4-BE49-F238E27FC236}">
+                <a16:creationId xmlns:a16="http://schemas.microsoft.com/office/drawing/2014/main" id="{80AF80C4-B5DF-4AFC-8DA6-9D43AF8E5375}"/>
+              </a:ext>
+            </a:extLst>
+          </p:cNvPr>
           <p:cNvSpPr/>
           <p:nvPr/>
         </p:nvSpPr>
         <p:spPr>
-          <a:xfrm>
-            <a:off x="5277247" y="3646422"/>
-            <a:ext cx="236048" cy="173380"/>
-          </a:xfrm>
-          <a:prstGeom prst="flowChartDecision">
+          <a:xfrm rot="5400000">
+            <a:off x="7052959" y="2032681"/>
+            <a:ext cx="270504" cy="175523"/>
+          </a:xfrm>
+          <a:prstGeom prst="triangle">
             <a:avLst/>
           </a:prstGeom>
-          <a:noFill/>
+          <a:solidFill>
+            <a:srgbClr val="7030A0"/>
+          </a:solidFill>
           <a:ln w="19050">
             <a:solidFill>
               <a:srgbClr val="7030A0"/>
@@ -4296,33 +5490,42 @@
           <a:lstStyle/>
           <a:p>
             <a:pPr algn="ctr"/>
-            <a:endParaRPr lang="en-US" sz="1050"/>
+            <a:endParaRPr lang="en-SG" sz="1050"/>
           </a:p>
         </p:txBody>
       </p:sp>
       <p:cxnSp>
         <p:nvCxnSpPr>
-          <p:cNvPr id="64" name="Elbow Connector 63"/>
+          <p:cNvPr id="166" name="Elbow Connector 106">
+            <a:extLst>
+              <a:ext uri="{FF2B5EF4-FFF2-40B4-BE49-F238E27FC236}">
+                <a16:creationId xmlns:a16="http://schemas.microsoft.com/office/drawing/2014/main" id="{B85B4575-CD9C-4F36-838F-C1E0D2B2F880}"/>
+              </a:ext>
+            </a:extLst>
+          </p:cNvPr>
           <p:cNvCxnSpPr>
-            <a:stCxn id="63" idx="3"/>
-            <a:endCxn id="62" idx="1"/>
+            <a:cxnSpLocks/>
+            <a:endCxn id="165" idx="3"/>
           </p:cNvCxnSpPr>
           <p:nvPr/>
         </p:nvCxnSpPr>
         <p:spPr>
-          <a:xfrm>
-            <a:off x="5513295" y="3733112"/>
-            <a:ext cx="193490" cy="12700"/>
+          <a:xfrm flipV="1">
+            <a:off x="5195150" y="2120443"/>
+            <a:ext cx="1905300" cy="235391"/>
           </a:xfrm>
           <a:prstGeom prst="bentConnector3">
-            <a:avLst/>
+            <a:avLst>
+              <a:gd name="adj1" fmla="val 408"/>
+            </a:avLst>
           </a:prstGeom>
           <a:ln w="19050">
             <a:solidFill>
               <a:srgbClr val="7030A0"/>
             </a:solidFill>
+            <a:prstDash val="solid"/>
             <a:headEnd type="none" w="med" len="med"/>
-            <a:tailEnd type="arrow" w="med" len="med"/>
+            <a:tailEnd type="none" w="med" len="med"/>
           </a:ln>
           <a:effectLst/>
         </p:spPr>
@@ -4341,16 +5544,123 @@
           </a:fontRef>
         </p:style>
       </p:cxnSp>
-      <p:sp>
-        <p:nvSpPr>
-          <p:cNvPr id="76" name="Rectangle 8"/>
+      <p:cxnSp>
+        <p:nvCxnSpPr>
+          <p:cNvPr id="167" name="Elbow Connector 106">
+            <a:extLst>
+              <a:ext uri="{FF2B5EF4-FFF2-40B4-BE49-F238E27FC236}">
+                <a16:creationId xmlns:a16="http://schemas.microsoft.com/office/drawing/2014/main" id="{E353DEEC-5AF1-4D63-B0FA-A119A29B05E2}"/>
+              </a:ext>
+            </a:extLst>
+          </p:cNvPr>
+          <p:cNvCxnSpPr>
+            <a:cxnSpLocks/>
+            <a:endCxn id="165" idx="3"/>
+          </p:cNvCxnSpPr>
+          <p:nvPr/>
+        </p:nvCxnSpPr>
+        <p:spPr>
+          <a:xfrm flipV="1">
+            <a:off x="6578925" y="2120443"/>
+            <a:ext cx="521525" cy="233757"/>
+          </a:xfrm>
+          <a:prstGeom prst="bentConnector3">
+            <a:avLst>
+              <a:gd name="adj1" fmla="val 323"/>
+            </a:avLst>
+          </a:prstGeom>
+          <a:ln w="19050">
+            <a:solidFill>
+              <a:srgbClr val="7030A0"/>
+            </a:solidFill>
+            <a:prstDash val="solid"/>
+            <a:headEnd type="none" w="med" len="med"/>
+            <a:tailEnd type="none" w="med" len="med"/>
+          </a:ln>
+          <a:effectLst/>
+        </p:spPr>
+        <p:style>
+          <a:lnRef idx="1">
+            <a:schemeClr val="accent2"/>
+          </a:lnRef>
+          <a:fillRef idx="2">
+            <a:schemeClr val="accent2"/>
+          </a:fillRef>
+          <a:effectRef idx="1">
+            <a:schemeClr val="accent2"/>
+          </a:effectRef>
+          <a:fontRef idx="minor">
+            <a:schemeClr val="dk1"/>
+          </a:fontRef>
+        </p:style>
+      </p:cxnSp>
+      <p:cxnSp>
+        <p:nvCxnSpPr>
+          <p:cNvPr id="168" name="Elbow Connector 122">
+            <a:extLst>
+              <a:ext uri="{FF2B5EF4-FFF2-40B4-BE49-F238E27FC236}">
+                <a16:creationId xmlns:a16="http://schemas.microsoft.com/office/drawing/2014/main" id="{C58F4A5C-3A9C-43E5-9C7D-763DADF8C2B0}"/>
+              </a:ext>
+            </a:extLst>
+          </p:cNvPr>
+          <p:cNvCxnSpPr>
+            <a:cxnSpLocks/>
+            <a:stCxn id="164" idx="2"/>
+            <a:endCxn id="232" idx="0"/>
+          </p:cNvCxnSpPr>
+          <p:nvPr/>
+        </p:nvCxnSpPr>
+        <p:spPr>
+          <a:xfrm rot="16200000" flipH="1">
+            <a:off x="7205726" y="2827287"/>
+            <a:ext cx="976830" cy="1936"/>
+          </a:xfrm>
+          <a:prstGeom prst="bentConnector3">
+            <a:avLst>
+              <a:gd name="adj1" fmla="val 50000"/>
+            </a:avLst>
+          </a:prstGeom>
+          <a:ln w="19050">
+            <a:solidFill>
+              <a:srgbClr val="7030A0"/>
+            </a:solidFill>
+            <a:prstDash val="sysDot"/>
+            <a:headEnd type="none" w="med" len="med"/>
+            <a:tailEnd type="arrow" w="med" len="med"/>
+          </a:ln>
+          <a:effectLst/>
+        </p:spPr>
+        <p:style>
+          <a:lnRef idx="1">
+            <a:schemeClr val="accent2"/>
+          </a:lnRef>
+          <a:fillRef idx="2">
+            <a:schemeClr val="accent2"/>
+          </a:fillRef>
+          <a:effectRef idx="1">
+            <a:schemeClr val="accent2"/>
+          </a:effectRef>
+          <a:fontRef idx="minor">
+            <a:schemeClr val="dk1"/>
+          </a:fontRef>
+        </p:style>
+      </p:cxnSp>
+      <p:sp>
+        <p:nvSpPr>
+          <p:cNvPr id="169" name="Rectangle 8">
+            <a:extLst>
+              <a:ext uri="{FF2B5EF4-FFF2-40B4-BE49-F238E27FC236}">
+                <a16:creationId xmlns:a16="http://schemas.microsoft.com/office/drawing/2014/main" id="{52982D28-7A74-4AD4-8285-804B3521741A}"/>
+              </a:ext>
+            </a:extLst>
+          </p:cNvPr>
           <p:cNvSpPr/>
           <p:nvPr/>
         </p:nvSpPr>
         <p:spPr>
           <a:xfrm>
-            <a:off x="6973532" y="2564238"/>
-            <a:ext cx="722668" cy="285783"/>
+            <a:off x="2669122" y="2582249"/>
+            <a:ext cx="1228060" cy="285783"/>
           </a:xfrm>
           <a:prstGeom prst="rect">
             <a:avLst/>
@@ -4382,12 +5692,12 @@
           <a:p>
             <a:pPr algn="ctr"/>
             <a:r>
-              <a:rPr lang="en-US" sz="1050" dirty="0">
+              <a:rPr lang="en-US" sz="1050" dirty="0" err="1">
                 <a:solidFill>
                   <a:srgbClr val="7030A0"/>
                 </a:solidFill>
               </a:rPr>
-              <a:t>Name</a:t>
+              <a:t>LoanIDManager</a:t>
             </a:r>
             <a:endParaRPr lang="en-SG" sz="1050" dirty="0">
               <a:solidFill>
@@ -4399,13 +5709,19 @@
       </p:sp>
       <p:sp>
         <p:nvSpPr>
-          <p:cNvPr id="78" name="Flowchart: Decision 96"/>
+          <p:cNvPr id="170" name="Flowchart: Decision 96">
+            <a:extLst>
+              <a:ext uri="{FF2B5EF4-FFF2-40B4-BE49-F238E27FC236}">
+                <a16:creationId xmlns:a16="http://schemas.microsoft.com/office/drawing/2014/main" id="{656FA9B6-9761-41C8-BB03-57152F8D47BC}"/>
+              </a:ext>
+            </a:extLst>
+          </p:cNvPr>
           <p:cNvSpPr/>
           <p:nvPr/>
         </p:nvSpPr>
         <p:spPr>
-          <a:xfrm>
-            <a:off x="6426701" y="3582810"/>
+          <a:xfrm rot="5400000">
+            <a:off x="3166290" y="2244018"/>
             <a:ext cx="236048" cy="173380"/>
           </a:xfrm>
           <a:prstGeom prst="flowChartDecision">
@@ -4446,18 +5762,24 @@
       </p:sp>
       <p:cxnSp>
         <p:nvCxnSpPr>
-          <p:cNvPr id="79" name="Elbow Connector 78"/>
+          <p:cNvPr id="171" name="Straight Arrow Connector 57">
+            <a:extLst>
+              <a:ext uri="{FF2B5EF4-FFF2-40B4-BE49-F238E27FC236}">
+                <a16:creationId xmlns:a16="http://schemas.microsoft.com/office/drawing/2014/main" id="{A36B3F1C-781B-428D-82D9-6B2B0ECE9B33}"/>
+              </a:ext>
+            </a:extLst>
+          </p:cNvPr>
           <p:cNvCxnSpPr>
             <a:cxnSpLocks/>
-            <a:stCxn id="78" idx="3"/>
-            <a:endCxn id="76" idx="1"/>
+            <a:stCxn id="170" idx="3"/>
+            <a:endCxn id="169" idx="0"/>
           </p:cNvCxnSpPr>
           <p:nvPr/>
         </p:nvCxnSpPr>
         <p:spPr>
-          <a:xfrm flipV="1">
-            <a:off x="6662749" y="2707130"/>
-            <a:ext cx="310783" cy="962370"/>
+          <a:xfrm rot="5400000">
+            <a:off x="3216975" y="2514909"/>
+            <a:ext cx="133517" cy="1162"/>
           </a:xfrm>
           <a:prstGeom prst="bentConnector3">
             <a:avLst>
@@ -4490,14 +5812,20 @@
       </p:cxnSp>
       <p:sp>
         <p:nvSpPr>
-          <p:cNvPr id="80" name="Rectangle 8"/>
+          <p:cNvPr id="172" name="Rectangle 8">
+            <a:extLst>
+              <a:ext uri="{FF2B5EF4-FFF2-40B4-BE49-F238E27FC236}">
+                <a16:creationId xmlns:a16="http://schemas.microsoft.com/office/drawing/2014/main" id="{2FE3DADE-9987-4A6F-BE6F-1487D30734A0}"/>
+              </a:ext>
+            </a:extLst>
+          </p:cNvPr>
           <p:cNvSpPr/>
           <p:nvPr/>
         </p:nvSpPr>
         <p:spPr>
           <a:xfrm>
-            <a:off x="6973532" y="2887216"/>
-            <a:ext cx="722668" cy="285783"/>
+            <a:off x="4322500" y="3795170"/>
+            <a:ext cx="859656" cy="267911"/>
           </a:xfrm>
           <a:prstGeom prst="rect">
             <a:avLst/>
@@ -4529,12 +5857,12 @@
           <a:p>
             <a:pPr algn="ctr"/>
             <a:r>
-              <a:rPr lang="en-US" sz="1050" dirty="0" err="1">
+              <a:rPr lang="en-US" sz="1050" dirty="0">
                 <a:solidFill>
                   <a:srgbClr val="7030A0"/>
                 </a:solidFill>
               </a:rPr>
-              <a:t>Nric</a:t>
+              <a:t>Loan</a:t>
             </a:r>
             <a:endParaRPr lang="en-SG" sz="1050" dirty="0">
               <a:solidFill>
@@ -4544,23 +5872,82 @@
           </a:p>
         </p:txBody>
       </p:sp>
+      <p:sp>
+        <p:nvSpPr>
+          <p:cNvPr id="173" name="Flowchart: Decision 96">
+            <a:extLst>
+              <a:ext uri="{FF2B5EF4-FFF2-40B4-BE49-F238E27FC236}">
+                <a16:creationId xmlns:a16="http://schemas.microsoft.com/office/drawing/2014/main" id="{3BA538B7-90DC-43D2-A633-81571AA34287}"/>
+              </a:ext>
+            </a:extLst>
+          </p:cNvPr>
+          <p:cNvSpPr/>
+          <p:nvPr/>
+        </p:nvSpPr>
+        <p:spPr>
+          <a:xfrm rot="5400000">
+            <a:off x="4634604" y="2769497"/>
+            <a:ext cx="236048" cy="173380"/>
+          </a:xfrm>
+          <a:prstGeom prst="flowChartDecision">
+            <a:avLst/>
+          </a:prstGeom>
+          <a:noFill/>
+          <a:ln w="19050">
+            <a:solidFill>
+              <a:srgbClr val="7030A0"/>
+            </a:solidFill>
+          </a:ln>
+          <a:effectLst/>
+        </p:spPr>
+        <p:style>
+          <a:lnRef idx="1">
+            <a:schemeClr val="accent6"/>
+          </a:lnRef>
+          <a:fillRef idx="2">
+            <a:schemeClr val="accent6"/>
+          </a:fillRef>
+          <a:effectRef idx="1">
+            <a:schemeClr val="accent6"/>
+          </a:effectRef>
+          <a:fontRef idx="minor">
+            <a:schemeClr val="dk1"/>
+          </a:fontRef>
+        </p:style>
+        <p:txBody>
+          <a:bodyPr rtlCol="0" anchor="ctr"/>
+          <a:lstStyle/>
+          <a:p>
+            <a:pPr algn="ctr"/>
+            <a:endParaRPr lang="en-US" sz="1050"/>
+          </a:p>
+        </p:txBody>
+      </p:sp>
       <p:cxnSp>
         <p:nvCxnSpPr>
-          <p:cNvPr id="81" name="Elbow Connector 80"/>
+          <p:cNvPr id="174" name="Elbow Connector 63">
+            <a:extLst>
+              <a:ext uri="{FF2B5EF4-FFF2-40B4-BE49-F238E27FC236}">
+                <a16:creationId xmlns:a16="http://schemas.microsoft.com/office/drawing/2014/main" id="{2CCDE8D2-666F-4452-92E0-3D28211A5411}"/>
+              </a:ext>
+            </a:extLst>
+          </p:cNvPr>
           <p:cNvCxnSpPr>
             <a:cxnSpLocks/>
-            <a:stCxn id="78" idx="3"/>
-            <a:endCxn id="80" idx="1"/>
+            <a:stCxn id="173" idx="3"/>
+            <a:endCxn id="172" idx="0"/>
           </p:cNvCxnSpPr>
           <p:nvPr/>
         </p:nvCxnSpPr>
         <p:spPr>
-          <a:xfrm flipV="1">
-            <a:off x="6662749" y="3030108"/>
-            <a:ext cx="310783" cy="639392"/>
+          <a:xfrm rot="5400000">
+            <a:off x="4341999" y="3384540"/>
+            <a:ext cx="820959" cy="300"/>
           </a:xfrm>
           <a:prstGeom prst="bentConnector3">
-            <a:avLst/>
+            <a:avLst>
+              <a:gd name="adj1" fmla="val 50000"/>
+            </a:avLst>
           </a:prstGeom>
           <a:ln w="19050">
             <a:solidFill>
@@ -4588,13 +5975,19 @@
       </p:cxnSp>
       <p:sp>
         <p:nvSpPr>
-          <p:cNvPr id="83" name="Rectangle 8"/>
+          <p:cNvPr id="175" name="Rectangle 8">
+            <a:extLst>
+              <a:ext uri="{FF2B5EF4-FFF2-40B4-BE49-F238E27FC236}">
+                <a16:creationId xmlns:a16="http://schemas.microsoft.com/office/drawing/2014/main" id="{A145DC65-A3AD-4AD9-97A7-ED56887D0C66}"/>
+              </a:ext>
+            </a:extLst>
+          </p:cNvPr>
           <p:cNvSpPr/>
           <p:nvPr/>
         </p:nvSpPr>
         <p:spPr>
           <a:xfrm>
-            <a:off x="6973532" y="3210194"/>
+            <a:off x="2773315" y="4340634"/>
             <a:ext cx="722668" cy="285783"/>
           </a:xfrm>
           <a:prstGeom prst="rect">
@@ -4632,7 +6025,7 @@
                   <a:srgbClr val="7030A0"/>
                 </a:solidFill>
               </a:rPr>
-              <a:t>Phone</a:t>
+              <a:t>Name</a:t>
             </a:r>
             <a:endParaRPr lang="en-SG" sz="1050" dirty="0">
               <a:solidFill>
@@ -4642,23 +6035,84 @@
           </a:p>
         </p:txBody>
       </p:sp>
+      <p:sp>
+        <p:nvSpPr>
+          <p:cNvPr id="176" name="Flowchart: Decision 96">
+            <a:extLst>
+              <a:ext uri="{FF2B5EF4-FFF2-40B4-BE49-F238E27FC236}">
+                <a16:creationId xmlns:a16="http://schemas.microsoft.com/office/drawing/2014/main" id="{73C0D12D-E2BF-4B92-AEB6-8330F75BF708}"/>
+              </a:ext>
+            </a:extLst>
+          </p:cNvPr>
+          <p:cNvSpPr/>
+          <p:nvPr/>
+        </p:nvSpPr>
+        <p:spPr>
+          <a:xfrm rot="5400000">
+            <a:off x="4602891" y="4109404"/>
+            <a:ext cx="236048" cy="173380"/>
+          </a:xfrm>
+          <a:prstGeom prst="flowChartDecision">
+            <a:avLst/>
+          </a:prstGeom>
+          <a:solidFill>
+            <a:srgbClr val="7030A0"/>
+          </a:solidFill>
+          <a:ln w="19050">
+            <a:solidFill>
+              <a:srgbClr val="7030A0"/>
+            </a:solidFill>
+          </a:ln>
+          <a:effectLst/>
+        </p:spPr>
+        <p:style>
+          <a:lnRef idx="1">
+            <a:schemeClr val="accent6"/>
+          </a:lnRef>
+          <a:fillRef idx="2">
+            <a:schemeClr val="accent6"/>
+          </a:fillRef>
+          <a:effectRef idx="1">
+            <a:schemeClr val="accent6"/>
+          </a:effectRef>
+          <a:fontRef idx="minor">
+            <a:schemeClr val="dk1"/>
+          </a:fontRef>
+        </p:style>
+        <p:txBody>
+          <a:bodyPr rtlCol="0" anchor="ctr"/>
+          <a:lstStyle/>
+          <a:p>
+            <a:pPr algn="ctr"/>
+            <a:endParaRPr lang="en-US" sz="1050"/>
+          </a:p>
+        </p:txBody>
+      </p:sp>
       <p:cxnSp>
         <p:nvCxnSpPr>
-          <p:cNvPr id="84" name="Elbow Connector 83"/>
+          <p:cNvPr id="177" name="Elbow Connector 78">
+            <a:extLst>
+              <a:ext uri="{FF2B5EF4-FFF2-40B4-BE49-F238E27FC236}">
+                <a16:creationId xmlns:a16="http://schemas.microsoft.com/office/drawing/2014/main" id="{37FDB8AD-6BA2-44B3-8C17-230DDA56F5EE}"/>
+              </a:ext>
+            </a:extLst>
+          </p:cNvPr>
           <p:cNvCxnSpPr>
             <a:cxnSpLocks/>
-            <a:stCxn id="78" idx="3"/>
-            <a:endCxn id="83" idx="1"/>
+            <a:stCxn id="455" idx="1"/>
+            <a:endCxn id="175" idx="1"/>
           </p:cNvCxnSpPr>
           <p:nvPr/>
         </p:nvCxnSpPr>
         <p:spPr>
-          <a:xfrm flipV="1">
-            <a:off x="6662749" y="3353086"/>
-            <a:ext cx="310783" cy="316414"/>
+          <a:xfrm rot="10800000" flipV="1">
+            <a:off x="2773316" y="3929574"/>
+            <a:ext cx="1296119" cy="553951"/>
           </a:xfrm>
           <a:prstGeom prst="bentConnector3">
-            <a:avLst/>
+            <a:avLst>
+              <a:gd name="adj1" fmla="val 117637"/>
+            </a:avLst>
           </a:prstGeom>
           <a:ln w="19050">
             <a:solidFill>
@@ -4686,13 +6140,19 @@
       </p:cxnSp>
       <p:sp>
         <p:nvSpPr>
-          <p:cNvPr id="85" name="Rectangle 8"/>
+          <p:cNvPr id="178" name="Rectangle 8">
+            <a:extLst>
+              <a:ext uri="{FF2B5EF4-FFF2-40B4-BE49-F238E27FC236}">
+                <a16:creationId xmlns:a16="http://schemas.microsoft.com/office/drawing/2014/main" id="{DE3EC619-D0EF-4574-A359-255EF8E252B2}"/>
+              </a:ext>
+            </a:extLst>
+          </p:cNvPr>
           <p:cNvSpPr/>
           <p:nvPr/>
         </p:nvSpPr>
         <p:spPr>
           <a:xfrm>
-            <a:off x="6973532" y="3533171"/>
+            <a:off x="2772469" y="4687439"/>
             <a:ext cx="722668" cy="285783"/>
           </a:xfrm>
           <a:prstGeom prst="rect">
@@ -4725,12 +6185,12 @@
           <a:p>
             <a:pPr algn="ctr"/>
             <a:r>
-              <a:rPr lang="en-US" sz="1050" dirty="0">
+              <a:rPr lang="en-US" sz="1050" dirty="0" err="1">
                 <a:solidFill>
                   <a:srgbClr val="7030A0"/>
                 </a:solidFill>
               </a:rPr>
-              <a:t>Email</a:t>
+              <a:t>Nric</a:t>
             </a:r>
             <a:endParaRPr lang="en-SG" sz="1050" dirty="0">
               <a:solidFill>
@@ -4742,21 +6202,29 @@
       </p:sp>
       <p:cxnSp>
         <p:nvCxnSpPr>
-          <p:cNvPr id="86" name="Elbow Connector 85"/>
+          <p:cNvPr id="179" name="Elbow Connector 80">
+            <a:extLst>
+              <a:ext uri="{FF2B5EF4-FFF2-40B4-BE49-F238E27FC236}">
+                <a16:creationId xmlns:a16="http://schemas.microsoft.com/office/drawing/2014/main" id="{BBB5A85E-C95C-4330-8FDB-49BB24E2D38F}"/>
+              </a:ext>
+            </a:extLst>
+          </p:cNvPr>
           <p:cNvCxnSpPr>
             <a:cxnSpLocks/>
-            <a:stCxn id="78" idx="3"/>
-            <a:endCxn id="85" idx="1"/>
+            <a:stCxn id="455" idx="1"/>
+            <a:endCxn id="178" idx="1"/>
           </p:cNvCxnSpPr>
           <p:nvPr/>
         </p:nvCxnSpPr>
         <p:spPr>
-          <a:xfrm>
-            <a:off x="6662749" y="3669500"/>
-            <a:ext cx="310783" cy="6563"/>
+          <a:xfrm rot="10800000" flipV="1">
+            <a:off x="2772470" y="3929575"/>
+            <a:ext cx="1296965" cy="900756"/>
           </a:xfrm>
           <a:prstGeom prst="bentConnector3">
-            <a:avLst/>
+            <a:avLst>
+              <a:gd name="adj1" fmla="val 117626"/>
+            </a:avLst>
           </a:prstGeom>
           <a:ln w="19050">
             <a:solidFill>
@@ -4782,61 +6250,24 @@
           </a:fontRef>
         </p:style>
       </p:cxnSp>
-      <p:cxnSp>
-        <p:nvCxnSpPr>
-          <p:cNvPr id="97" name="Elbow Connector 63"/>
-          <p:cNvCxnSpPr>
-            <a:stCxn id="99" idx="3"/>
-          </p:cNvCxnSpPr>
-          <p:nvPr/>
-        </p:nvCxnSpPr>
-        <p:spPr>
-          <a:xfrm rot="5400000">
-            <a:off x="2814746" y="2687559"/>
-            <a:ext cx="293825" cy="5938"/>
-          </a:xfrm>
-          <a:prstGeom prst="bentConnector3">
-            <a:avLst>
-              <a:gd name="adj1" fmla="val 50000"/>
-            </a:avLst>
-          </a:prstGeom>
-          <a:ln w="19050">
-            <a:solidFill>
-              <a:srgbClr val="7030A0"/>
-            </a:solidFill>
-            <a:prstDash val="sysDot"/>
-            <a:headEnd type="none" w="med" len="med"/>
-            <a:tailEnd type="none" w="med" len="med"/>
-          </a:ln>
-          <a:effectLst/>
-        </p:spPr>
-        <p:style>
-          <a:lnRef idx="1">
-            <a:schemeClr val="accent2"/>
-          </a:lnRef>
-          <a:fillRef idx="2">
-            <a:schemeClr val="accent2"/>
-          </a:fillRef>
-          <a:effectRef idx="1">
-            <a:schemeClr val="accent2"/>
-          </a:effectRef>
-          <a:fontRef idx="minor">
-            <a:schemeClr val="dk1"/>
-          </a:fontRef>
-        </p:style>
-      </p:cxnSp>
-      <p:sp>
-        <p:nvSpPr>
-          <p:cNvPr id="99" name="Isosceles Triangle 102"/>
+      <p:sp>
+        <p:nvSpPr>
+          <p:cNvPr id="180" name="Rectangle 8">
+            <a:extLst>
+              <a:ext uri="{FF2B5EF4-FFF2-40B4-BE49-F238E27FC236}">
+                <a16:creationId xmlns:a16="http://schemas.microsoft.com/office/drawing/2014/main" id="{262D2B4D-39CF-4FC9-BFD0-E9301A3C21A2}"/>
+              </a:ext>
+            </a:extLst>
+          </p:cNvPr>
           <p:cNvSpPr/>
           <p:nvPr/>
         </p:nvSpPr>
         <p:spPr>
-          <a:xfrm rot="10800000" flipV="1">
-            <a:off x="2823434" y="2386554"/>
-            <a:ext cx="282387" cy="157062"/>
-          </a:xfrm>
-          <a:prstGeom prst="triangle">
+          <a:xfrm>
+            <a:off x="2772046" y="5042023"/>
+            <a:ext cx="722668" cy="285783"/>
+          </a:xfrm>
+          <a:prstGeom prst="rect">
             <a:avLst/>
           </a:prstGeom>
           <a:ln w="19050">
@@ -4865,24 +6296,88 @@
           <a:lstStyle/>
           <a:p>
             <a:pPr algn="ctr"/>
-            <a:endParaRPr lang="en-SG" sz="1050" b="1">
+            <a:r>
+              <a:rPr lang="en-US" sz="1050" dirty="0">
+                <a:solidFill>
+                  <a:srgbClr val="7030A0"/>
+                </a:solidFill>
+              </a:rPr>
+              <a:t>Phone</a:t>
+            </a:r>
+            <a:endParaRPr lang="en-SG" sz="1050" dirty="0">
               <a:solidFill>
-                <a:srgbClr val="92D050"/>
+                <a:srgbClr val="7030A0"/>
               </a:solidFill>
             </a:endParaRPr>
           </a:p>
         </p:txBody>
       </p:sp>
-      <p:sp>
-        <p:nvSpPr>
-          <p:cNvPr id="100" name="Rectangle 8"/>
+      <p:cxnSp>
+        <p:nvCxnSpPr>
+          <p:cNvPr id="181" name="Elbow Connector 83">
+            <a:extLst>
+              <a:ext uri="{FF2B5EF4-FFF2-40B4-BE49-F238E27FC236}">
+                <a16:creationId xmlns:a16="http://schemas.microsoft.com/office/drawing/2014/main" id="{1AB3AE5D-1BF9-46E3-AD9A-E42F95B0FB78}"/>
+              </a:ext>
+            </a:extLst>
+          </p:cNvPr>
+          <p:cNvCxnSpPr>
+            <a:cxnSpLocks/>
+            <a:stCxn id="455" idx="1"/>
+            <a:endCxn id="180" idx="1"/>
+          </p:cNvCxnSpPr>
+          <p:nvPr/>
+        </p:nvCxnSpPr>
+        <p:spPr>
+          <a:xfrm rot="10800000" flipV="1">
+            <a:off x="2772046" y="3929575"/>
+            <a:ext cx="1297388" cy="1255340"/>
+          </a:xfrm>
+          <a:prstGeom prst="bentConnector3">
+            <a:avLst>
+              <a:gd name="adj1" fmla="val 117620"/>
+            </a:avLst>
+          </a:prstGeom>
+          <a:ln w="19050">
+            <a:solidFill>
+              <a:srgbClr val="7030A0"/>
+            </a:solidFill>
+            <a:headEnd type="none" w="med" len="med"/>
+            <a:tailEnd type="arrow" w="med" len="med"/>
+          </a:ln>
+          <a:effectLst/>
+        </p:spPr>
+        <p:style>
+          <a:lnRef idx="1">
+            <a:schemeClr val="accent2"/>
+          </a:lnRef>
+          <a:fillRef idx="2">
+            <a:schemeClr val="accent2"/>
+          </a:fillRef>
+          <a:effectRef idx="1">
+            <a:schemeClr val="accent2"/>
+          </a:effectRef>
+          <a:fontRef idx="minor">
+            <a:schemeClr val="dk1"/>
+          </a:fontRef>
+        </p:style>
+      </p:cxnSp>
+      <p:sp>
+        <p:nvSpPr>
+          <p:cNvPr id="182" name="Rectangle 8">
+            <a:extLst>
+              <a:ext uri="{FF2B5EF4-FFF2-40B4-BE49-F238E27FC236}">
+                <a16:creationId xmlns:a16="http://schemas.microsoft.com/office/drawing/2014/main" id="{48F3F952-4245-4B35-BBB6-85A142703691}"/>
+              </a:ext>
+            </a:extLst>
+          </p:cNvPr>
           <p:cNvSpPr/>
           <p:nvPr/>
         </p:nvSpPr>
         <p:spPr>
           <a:xfrm>
-            <a:off x="522057" y="1998350"/>
-            <a:ext cx="1443661" cy="364396"/>
+            <a:off x="2772046" y="5388377"/>
+            <a:ext cx="722668" cy="285783"/>
           </a:xfrm>
           <a:prstGeom prst="rect">
             <a:avLst/>
@@ -4919,22 +6414,7 @@
                   <a:srgbClr val="7030A0"/>
                 </a:solidFill>
               </a:rPr>
-              <a:t>&lt;&lt;interface&gt;&gt;</a:t>
-            </a:r>
-            <a:br>
-              <a:rPr lang="en-US" sz="1050" dirty="0">
-                <a:solidFill>
-                  <a:srgbClr val="7030A0"/>
-                </a:solidFill>
-              </a:rPr>
-            </a:br>
-            <a:r>
-              <a:rPr lang="en-US" sz="1050" dirty="0" err="1">
-                <a:solidFill>
-                  <a:srgbClr val="7030A0"/>
-                </a:solidFill>
-              </a:rPr>
-              <a:t>ReadOnlyLoanBook</a:t>
+              <a:t>Email</a:t>
             </a:r>
             <a:endParaRPr lang="en-SG" sz="1050" dirty="0">
               <a:solidFill>
@@ -4944,16 +6424,72 @@
           </a:p>
         </p:txBody>
       </p:sp>
-      <p:sp>
-        <p:nvSpPr>
-          <p:cNvPr id="114" name="TextBox 113"/>
+      <p:cxnSp>
+        <p:nvCxnSpPr>
+          <p:cNvPr id="183" name="Elbow Connector 85">
+            <a:extLst>
+              <a:ext uri="{FF2B5EF4-FFF2-40B4-BE49-F238E27FC236}">
+                <a16:creationId xmlns:a16="http://schemas.microsoft.com/office/drawing/2014/main" id="{C04CFCA5-B47B-4645-A09E-708799AE5B95}"/>
+              </a:ext>
+            </a:extLst>
+          </p:cNvPr>
+          <p:cNvCxnSpPr>
+            <a:cxnSpLocks/>
+            <a:stCxn id="455" idx="1"/>
+            <a:endCxn id="182" idx="1"/>
+          </p:cNvCxnSpPr>
+          <p:nvPr/>
+        </p:nvCxnSpPr>
+        <p:spPr>
+          <a:xfrm rot="10800000" flipV="1">
+            <a:off x="2772046" y="3929575"/>
+            <a:ext cx="1297388" cy="1601694"/>
+          </a:xfrm>
+          <a:prstGeom prst="bentConnector3">
+            <a:avLst>
+              <a:gd name="adj1" fmla="val 117620"/>
+            </a:avLst>
+          </a:prstGeom>
+          <a:ln w="19050">
+            <a:solidFill>
+              <a:srgbClr val="7030A0"/>
+            </a:solidFill>
+            <a:headEnd type="none" w="med" len="med"/>
+            <a:tailEnd type="arrow" w="med" len="med"/>
+          </a:ln>
+          <a:effectLst/>
+        </p:spPr>
+        <p:style>
+          <a:lnRef idx="1">
+            <a:schemeClr val="accent2"/>
+          </a:lnRef>
+          <a:fillRef idx="2">
+            <a:schemeClr val="accent2"/>
+          </a:fillRef>
+          <a:effectRef idx="1">
+            <a:schemeClr val="accent2"/>
+          </a:effectRef>
+          <a:fontRef idx="minor">
+            <a:schemeClr val="dk1"/>
+          </a:fontRef>
+        </p:style>
+      </p:cxnSp>
+      <p:sp>
+        <p:nvSpPr>
+          <p:cNvPr id="184" name="TextBox 183">
+            <a:extLst>
+              <a:ext uri="{FF2B5EF4-FFF2-40B4-BE49-F238E27FC236}">
+                <a16:creationId xmlns:a16="http://schemas.microsoft.com/office/drawing/2014/main" id="{D30C4E67-BFDF-47DB-BFE2-34507386DBA4}"/>
+              </a:ext>
+            </a:extLst>
+          </p:cNvPr>
           <p:cNvSpPr txBox="1"/>
           <p:nvPr/>
         </p:nvSpPr>
         <p:spPr>
           <a:xfrm>
-            <a:off x="6006628" y="3266744"/>
-            <a:ext cx="881018" cy="261610"/>
+            <a:off x="3682049" y="3545247"/>
+            <a:ext cx="819281" cy="261610"/>
           </a:xfrm>
           <a:prstGeom prst="rect">
             <a:avLst/>
@@ -4984,14 +6520,105 @@
       </p:sp>
       <p:sp>
         <p:nvSpPr>
-          <p:cNvPr id="122" name="Rectangle 8"/>
+          <p:cNvPr id="185" name="TextBox 184">
+            <a:extLst>
+              <a:ext uri="{FF2B5EF4-FFF2-40B4-BE49-F238E27FC236}">
+                <a16:creationId xmlns:a16="http://schemas.microsoft.com/office/drawing/2014/main" id="{29E63B43-F321-48A0-8DFD-A39023239825}"/>
+              </a:ext>
+            </a:extLst>
+          </p:cNvPr>
+          <p:cNvSpPr txBox="1"/>
+          <p:nvPr/>
+        </p:nvSpPr>
+        <p:spPr>
+          <a:xfrm>
+            <a:off x="6085960" y="3597195"/>
+            <a:ext cx="189257" cy="178683"/>
+          </a:xfrm>
+          <a:prstGeom prst="rect">
+            <a:avLst/>
+          </a:prstGeom>
+          <a:noFill/>
+        </p:spPr>
+        <p:txBody>
+          <a:bodyPr wrap="square" lIns="0" tIns="0" rIns="0" bIns="0" rtlCol="0">
+            <a:noAutofit/>
+          </a:bodyPr>
+          <a:lstStyle/>
+          <a:p>
+            <a:pPr algn="ctr"/>
+            <a:r>
+              <a:rPr lang="en-US" sz="1100" dirty="0">
+                <a:solidFill>
+                  <a:srgbClr val="7030A0"/>
+                </a:solidFill>
+              </a:rPr>
+              <a:t>*</a:t>
+            </a:r>
+            <a:endParaRPr lang="en-SG" sz="1100" dirty="0">
+              <a:solidFill>
+                <a:srgbClr val="7030A0"/>
+              </a:solidFill>
+            </a:endParaRPr>
+          </a:p>
+        </p:txBody>
+      </p:sp>
+      <p:sp>
+        <p:nvSpPr>
+          <p:cNvPr id="186" name="TextBox 185">
+            <a:extLst>
+              <a:ext uri="{FF2B5EF4-FFF2-40B4-BE49-F238E27FC236}">
+                <a16:creationId xmlns:a16="http://schemas.microsoft.com/office/drawing/2014/main" id="{28454D7A-D20D-4C84-8F46-9FAC278C495F}"/>
+              </a:ext>
+            </a:extLst>
+          </p:cNvPr>
+          <p:cNvSpPr txBox="1"/>
+          <p:nvPr/>
+        </p:nvSpPr>
+        <p:spPr>
+          <a:xfrm>
+            <a:off x="4457889" y="3610890"/>
+            <a:ext cx="189257" cy="178683"/>
+          </a:xfrm>
+          <a:prstGeom prst="rect">
+            <a:avLst/>
+          </a:prstGeom>
+          <a:noFill/>
+        </p:spPr>
+        <p:txBody>
+          <a:bodyPr wrap="square" lIns="0" tIns="0" rIns="0" bIns="0" rtlCol="0">
+            <a:noAutofit/>
+          </a:bodyPr>
+          <a:lstStyle/>
+          <a:p>
+            <a:pPr algn="ctr"/>
+            <a:r>
+              <a:rPr lang="en-SG" sz="1100" dirty="0">
+                <a:solidFill>
+                  <a:srgbClr val="7030A0"/>
+                </a:solidFill>
+              </a:rPr>
+              <a:t>*</a:t>
+            </a:r>
+          </a:p>
+        </p:txBody>
+      </p:sp>
+      <p:sp>
+        <p:nvSpPr>
+          <p:cNvPr id="187" name="Rectangle 8">
+            <a:extLst>
+              <a:ext uri="{FF2B5EF4-FFF2-40B4-BE49-F238E27FC236}">
+                <a16:creationId xmlns:a16="http://schemas.microsoft.com/office/drawing/2014/main" id="{E7FAADAB-42A6-4845-999C-552482073F67}"/>
+              </a:ext>
+            </a:extLst>
+          </p:cNvPr>
           <p:cNvSpPr/>
           <p:nvPr/>
         </p:nvSpPr>
         <p:spPr>
           <a:xfrm>
-            <a:off x="503171" y="4420048"/>
-            <a:ext cx="1066800" cy="346760"/>
+            <a:off x="3782194" y="5379064"/>
+            <a:ext cx="722668" cy="285783"/>
           </a:xfrm>
           <a:prstGeom prst="rect">
             <a:avLst/>
@@ -5028,22 +6655,7 @@
                   <a:srgbClr val="7030A0"/>
                 </a:solidFill>
               </a:rPr>
-              <a:t>&lt;&lt;interface&gt;&gt;</a:t>
-            </a:r>
-            <a:br>
-              <a:rPr lang="en-US" sz="1050">
-                <a:solidFill>
-                  <a:srgbClr val="7030A0"/>
-                </a:solidFill>
-              </a:rPr>
-            </a:br>
-            <a:r>
-              <a:rPr lang="en-US" sz="1050" dirty="0" err="1">
-                <a:solidFill>
-                  <a:srgbClr val="7030A0"/>
-                </a:solidFill>
-              </a:rPr>
-              <a:t>ObservableList</a:t>
+              <a:t>Tag</a:t>
             </a:r>
             <a:endParaRPr lang="en-SG" sz="1050" dirty="0">
               <a:solidFill>
@@ -5055,29 +6667,32 @@
       </p:sp>
       <p:cxnSp>
         <p:nvCxnSpPr>
-          <p:cNvPr id="124" name="Elbow Connector 122"/>
+          <p:cNvPr id="188" name="Elbow Connector 78">
+            <a:extLst>
+              <a:ext uri="{FF2B5EF4-FFF2-40B4-BE49-F238E27FC236}">
+                <a16:creationId xmlns:a16="http://schemas.microsoft.com/office/drawing/2014/main" id="{7557247E-FB5A-4FA0-B750-CB3C1ABCB93C}"/>
+              </a:ext>
+            </a:extLst>
+          </p:cNvPr>
           <p:cNvCxnSpPr>
             <a:cxnSpLocks/>
-            <a:stCxn id="119" idx="1"/>
-            <a:endCxn id="122" idx="0"/>
+            <a:stCxn id="176" idx="3"/>
+            <a:endCxn id="187" idx="3"/>
           </p:cNvCxnSpPr>
           <p:nvPr/>
         </p:nvCxnSpPr>
         <p:spPr>
-          <a:xfrm rot="16200000" flipH="1">
-            <a:off x="481039" y="3864516"/>
-            <a:ext cx="838648" cy="272416"/>
-          </a:xfrm>
-          <a:prstGeom prst="bentConnector3">
-            <a:avLst>
-              <a:gd name="adj1" fmla="val 50000"/>
-            </a:avLst>
+          <a:xfrm rot="5400000">
+            <a:off x="4008970" y="4810011"/>
+            <a:ext cx="1207838" cy="216053"/>
+          </a:xfrm>
+          <a:prstGeom prst="bentConnector2">
+            <a:avLst/>
           </a:prstGeom>
           <a:ln w="19050">
             <a:solidFill>
               <a:srgbClr val="7030A0"/>
             </a:solidFill>
-            <a:prstDash val="sysDot"/>
             <a:headEnd type="none" w="med" len="med"/>
             <a:tailEnd type="arrow" w="med" len="med"/>
           </a:ln>
@@ -5100,52 +6715,19 @@
       </p:cxnSp>
       <p:sp>
         <p:nvSpPr>
-          <p:cNvPr id="54" name="TextBox 53"/>
+          <p:cNvPr id="189" name="TextBox 188">
+            <a:extLst>
+              <a:ext uri="{FF2B5EF4-FFF2-40B4-BE49-F238E27FC236}">
+                <a16:creationId xmlns:a16="http://schemas.microsoft.com/office/drawing/2014/main" id="{70BF5FE6-64C7-4C2C-BBA0-0F72087E655C}"/>
+              </a:ext>
+            </a:extLst>
+          </p:cNvPr>
           <p:cNvSpPr txBox="1"/>
           <p:nvPr/>
         </p:nvSpPr>
         <p:spPr>
           <a:xfrm>
-            <a:off x="3921442" y="3488578"/>
-            <a:ext cx="189257" cy="178683"/>
-          </a:xfrm>
-          <a:prstGeom prst="rect">
-            <a:avLst/>
-          </a:prstGeom>
-          <a:noFill/>
-        </p:spPr>
-        <p:txBody>
-          <a:bodyPr wrap="square" lIns="0" tIns="0" rIns="0" bIns="0" rtlCol="0">
-            <a:noAutofit/>
-          </a:bodyPr>
-          <a:lstStyle/>
-          <a:p>
-            <a:pPr algn="ctr"/>
-            <a:r>
-              <a:rPr lang="en-US" sz="1100" dirty="0">
-                <a:solidFill>
-                  <a:srgbClr val="7030A0"/>
-                </a:solidFill>
-              </a:rPr>
-              <a:t>1</a:t>
-            </a:r>
-            <a:endParaRPr lang="en-SG" sz="1100" dirty="0">
-              <a:solidFill>
-                <a:srgbClr val="7030A0"/>
-              </a:solidFill>
-            </a:endParaRPr>
-          </a:p>
-        </p:txBody>
-      </p:sp>
-      <p:sp>
-        <p:nvSpPr>
-          <p:cNvPr id="61" name="TextBox 60"/>
-          <p:cNvSpPr txBox="1"/>
-          <p:nvPr/>
-        </p:nvSpPr>
-        <p:spPr>
-          <a:xfrm>
-            <a:off x="5532416" y="3557691"/>
+            <a:off x="4531658" y="5339386"/>
             <a:ext cx="189257" cy="178683"/>
           </a:xfrm>
           <a:prstGeom prst="rect">
@@ -5178,137 +6760,20 @@
       </p:sp>
       <p:sp>
         <p:nvSpPr>
-          <p:cNvPr id="65" name="TextBox 64"/>
-          <p:cNvSpPr txBox="1"/>
+          <p:cNvPr id="190" name="Rectangle 8">
+            <a:extLst>
+              <a:ext uri="{FF2B5EF4-FFF2-40B4-BE49-F238E27FC236}">
+                <a16:creationId xmlns:a16="http://schemas.microsoft.com/office/drawing/2014/main" id="{4A793D94-02FE-4D4D-BE51-3C5A78957C9C}"/>
+              </a:ext>
+            </a:extLst>
+          </p:cNvPr>
+          <p:cNvSpPr/>
           <p:nvPr/>
         </p:nvSpPr>
         <p:spPr>
           <a:xfrm>
-            <a:off x="1834529" y="2756715"/>
-            <a:ext cx="170110" cy="137542"/>
-          </a:xfrm>
-          <a:prstGeom prst="rect">
-            <a:avLst/>
-          </a:prstGeom>
-          <a:noFill/>
-        </p:spPr>
-        <p:txBody>
-          <a:bodyPr wrap="square" lIns="0" tIns="0" rIns="0" bIns="0" rtlCol="0">
-            <a:noAutofit/>
-          </a:bodyPr>
-          <a:lstStyle/>
-          <a:p>
-            <a:pPr algn="ctr"/>
-            <a:r>
-              <a:rPr lang="en-US" sz="1100" dirty="0">
-                <a:solidFill>
-                  <a:srgbClr val="7030A0"/>
-                </a:solidFill>
-              </a:rPr>
-              <a:t>1</a:t>
-            </a:r>
-            <a:endParaRPr lang="en-SG" sz="1100" dirty="0">
-              <a:solidFill>
-                <a:srgbClr val="7030A0"/>
-              </a:solidFill>
-            </a:endParaRPr>
-          </a:p>
-        </p:txBody>
-      </p:sp>
-      <p:sp>
-        <p:nvSpPr>
-          <p:cNvPr id="66" name="TextBox 65"/>
-          <p:cNvSpPr txBox="1"/>
-          <p:nvPr/>
-        </p:nvSpPr>
-        <p:spPr>
-          <a:xfrm>
-            <a:off x="2182208" y="4211020"/>
-            <a:ext cx="189257" cy="178683"/>
-          </a:xfrm>
-          <a:prstGeom prst="rect">
-            <a:avLst/>
-          </a:prstGeom>
-          <a:noFill/>
-        </p:spPr>
-        <p:txBody>
-          <a:bodyPr wrap="square" lIns="0" tIns="0" rIns="0" bIns="0" rtlCol="0">
-            <a:noAutofit/>
-          </a:bodyPr>
-          <a:lstStyle/>
-          <a:p>
-            <a:pPr algn="ctr"/>
-            <a:r>
-              <a:rPr lang="en-US" sz="1100" dirty="0">
-                <a:solidFill>
-                  <a:srgbClr val="7030A0"/>
-                </a:solidFill>
-              </a:rPr>
-              <a:t>1</a:t>
-            </a:r>
-            <a:endParaRPr lang="en-SG" sz="1100" dirty="0">
-              <a:solidFill>
-                <a:srgbClr val="7030A0"/>
-              </a:solidFill>
-            </a:endParaRPr>
-          </a:p>
-        </p:txBody>
-      </p:sp>
-      <p:sp>
-        <p:nvSpPr>
-          <p:cNvPr id="70" name="TextBox 69"/>
-          <p:cNvSpPr txBox="1"/>
-          <p:nvPr/>
-        </p:nvSpPr>
-        <p:spPr>
-          <a:xfrm>
-            <a:off x="5874397" y="3361751"/>
-            <a:ext cx="189257" cy="178683"/>
-          </a:xfrm>
-          <a:prstGeom prst="rect">
-            <a:avLst/>
-          </a:prstGeom>
-          <a:noFill/>
-        </p:spPr>
-        <p:txBody>
-          <a:bodyPr wrap="square" lIns="0" tIns="0" rIns="0" bIns="0" rtlCol="0">
-            <a:noAutofit/>
-          </a:bodyPr>
-          <a:lstStyle/>
-          <a:p>
-            <a:pPr algn="ctr"/>
-            <a:r>
-              <a:rPr lang="en-US" sz="1100" dirty="0">
-                <a:solidFill>
-                  <a:srgbClr val="7030A0"/>
-                </a:solidFill>
-              </a:rPr>
-              <a:t>1</a:t>
-            </a:r>
-            <a:endParaRPr lang="en-SG" sz="1100" dirty="0">
-              <a:solidFill>
-                <a:srgbClr val="7030A0"/>
-              </a:solidFill>
-            </a:endParaRPr>
-          </a:p>
-        </p:txBody>
-      </p:sp>
-      <p:sp>
-        <p:nvSpPr>
-          <p:cNvPr id="52" name="Rectangle 8">
-            <a:extLst>
-              <a:ext uri="{FF2B5EF4-FFF2-40B4-BE49-F238E27FC236}">
-                <a16:creationId xmlns:a16="http://schemas.microsoft.com/office/drawing/2014/main" id="{ABDCDBD2-131A-4B66-A2F2-43BBEE82C773}"/>
-              </a:ext>
-            </a:extLst>
-          </p:cNvPr>
-          <p:cNvSpPr/>
-          <p:nvPr/>
-        </p:nvSpPr>
-        <p:spPr>
-          <a:xfrm>
-            <a:off x="6973532" y="2228817"/>
-            <a:ext cx="722668" cy="285783"/>
+            <a:off x="7458899" y="5675100"/>
+            <a:ext cx="803029" cy="378335"/>
           </a:xfrm>
           <a:prstGeom prst="rect">
             <a:avLst/>
@@ -5345,9 +6810,20 @@
                   <a:srgbClr val="7030A0"/>
                 </a:solidFill>
               </a:rPr>
-              <a:t>Tag</a:t>
-            </a:r>
-            <a:endParaRPr lang="en-SG" sz="1050" dirty="0">
+              <a:t>{abstract}</a:t>
+            </a:r>
+          </a:p>
+          <a:p>
+            <a:pPr algn="ctr"/>
+            <a:r>
+              <a:rPr lang="en-US" sz="1050" dirty="0" err="1">
+                <a:solidFill>
+                  <a:srgbClr val="7030A0"/>
+                </a:solidFill>
+              </a:rPr>
+              <a:t>DataField</a:t>
+            </a:r>
+            <a:endParaRPr lang="en-US" sz="1050" dirty="0">
               <a:solidFill>
                 <a:srgbClr val="7030A0"/>
               </a:solidFill>
@@ -5357,36 +6833,37 @@
       </p:sp>
       <p:cxnSp>
         <p:nvCxnSpPr>
-          <p:cNvPr id="53" name="Elbow Connector 78">
-            <a:extLst>
-              <a:ext uri="{FF2B5EF4-FFF2-40B4-BE49-F238E27FC236}">
-                <a16:creationId xmlns:a16="http://schemas.microsoft.com/office/drawing/2014/main" id="{B97967F8-618A-448B-81FD-CDFD4AF0EC64}"/>
+          <p:cNvPr id="191" name="Elbow Connector 106">
+            <a:extLst>
+              <a:ext uri="{FF2B5EF4-FFF2-40B4-BE49-F238E27FC236}">
+                <a16:creationId xmlns:a16="http://schemas.microsoft.com/office/drawing/2014/main" id="{B31D3B78-9F46-4AD3-A2E9-AAF3A66534DA}"/>
               </a:ext>
             </a:extLst>
           </p:cNvPr>
           <p:cNvCxnSpPr>
             <a:cxnSpLocks/>
-            <a:stCxn id="78" idx="3"/>
-            <a:endCxn id="52" idx="1"/>
+            <a:stCxn id="187" idx="1"/>
+            <a:endCxn id="190" idx="1"/>
           </p:cNvCxnSpPr>
           <p:nvPr/>
         </p:nvCxnSpPr>
         <p:spPr>
-          <a:xfrm flipV="1">
-            <a:off x="6662749" y="2371709"/>
-            <a:ext cx="310783" cy="1297791"/>
+          <a:xfrm rot="10800000" flipH="1" flipV="1">
+            <a:off x="3782193" y="5521956"/>
+            <a:ext cx="3676705" cy="342312"/>
           </a:xfrm>
           <a:prstGeom prst="bentConnector3">
             <a:avLst>
-              <a:gd name="adj1" fmla="val 50000"/>
+              <a:gd name="adj1" fmla="val -4146"/>
             </a:avLst>
           </a:prstGeom>
           <a:ln w="19050">
             <a:solidFill>
               <a:srgbClr val="7030A0"/>
             </a:solidFill>
+            <a:prstDash val="solid"/>
             <a:headEnd type="none" w="med" len="med"/>
-            <a:tailEnd type="arrow" w="med" len="med"/>
+            <a:tailEnd type="triangle" w="med" len="med"/>
           </a:ln>
           <a:effectLst/>
         </p:spPr>
@@ -5405,61 +6882,226 @@
           </a:fontRef>
         </p:style>
       </p:cxnSp>
-      <p:sp>
-        <p:nvSpPr>
-          <p:cNvPr id="50" name="TextBox 49">
-            <a:extLst>
-              <a:ext uri="{FF2B5EF4-FFF2-40B4-BE49-F238E27FC236}">
-                <a16:creationId xmlns:a16="http://schemas.microsoft.com/office/drawing/2014/main" id="{B3FA9D57-880F-49C4-AD0B-A64E30D6F403}"/>
-              </a:ext>
-            </a:extLst>
-          </p:cNvPr>
-          <p:cNvSpPr txBox="1"/>
-          <p:nvPr/>
-        </p:nvSpPr>
+      <p:cxnSp>
+        <p:nvCxnSpPr>
+          <p:cNvPr id="201" name="Elbow Connector 106">
+            <a:extLst>
+              <a:ext uri="{FF2B5EF4-FFF2-40B4-BE49-F238E27FC236}">
+                <a16:creationId xmlns:a16="http://schemas.microsoft.com/office/drawing/2014/main" id="{CAC228FD-612D-4E9B-8BAB-DA1B5530C8D3}"/>
+              </a:ext>
+            </a:extLst>
+          </p:cNvPr>
+          <p:cNvCxnSpPr>
+            <a:cxnSpLocks/>
+            <a:stCxn id="175" idx="3"/>
+            <a:endCxn id="190" idx="1"/>
+          </p:cNvCxnSpPr>
+          <p:nvPr/>
+        </p:nvCxnSpPr>
         <p:spPr>
           <a:xfrm>
-            <a:off x="6727378" y="2255711"/>
-            <a:ext cx="189257" cy="178683"/>
-          </a:xfrm>
-          <a:prstGeom prst="rect">
-            <a:avLst/>
-          </a:prstGeom>
-          <a:noFill/>
-        </p:spPr>
-        <p:txBody>
-          <a:bodyPr wrap="square" lIns="0" tIns="0" rIns="0" bIns="0" rtlCol="0">
-            <a:noAutofit/>
-          </a:bodyPr>
-          <a:lstStyle/>
-          <a:p>
-            <a:pPr algn="ctr"/>
-            <a:r>
-              <a:rPr lang="en-US" sz="1100" dirty="0">
-                <a:solidFill>
-                  <a:srgbClr val="7030A0"/>
-                </a:solidFill>
-              </a:rPr>
-              <a:t>*</a:t>
-            </a:r>
-            <a:endParaRPr lang="en-SG" sz="1100" dirty="0">
-              <a:solidFill>
-                <a:srgbClr val="7030A0"/>
-              </a:solidFill>
-            </a:endParaRPr>
-          </a:p>
-        </p:txBody>
-      </p:sp>
-      <p:sp>
-        <p:nvSpPr>
-          <p:cNvPr id="55" name="Rectangle 8"/>
+            <a:off x="3495983" y="4483526"/>
+            <a:ext cx="3962916" cy="1380742"/>
+          </a:xfrm>
+          <a:prstGeom prst="bentConnector3">
+            <a:avLst>
+              <a:gd name="adj1" fmla="val 3468"/>
+            </a:avLst>
+          </a:prstGeom>
+          <a:ln w="19050">
+            <a:solidFill>
+              <a:srgbClr val="7030A0"/>
+            </a:solidFill>
+            <a:prstDash val="solid"/>
+            <a:headEnd type="none" w="med" len="med"/>
+            <a:tailEnd type="triangle" w="med" len="med"/>
+          </a:ln>
+          <a:effectLst/>
+        </p:spPr>
+        <p:style>
+          <a:lnRef idx="1">
+            <a:schemeClr val="accent2"/>
+          </a:lnRef>
+          <a:fillRef idx="2">
+            <a:schemeClr val="accent2"/>
+          </a:fillRef>
+          <a:effectRef idx="1">
+            <a:schemeClr val="accent2"/>
+          </a:effectRef>
+          <a:fontRef idx="minor">
+            <a:schemeClr val="dk1"/>
+          </a:fontRef>
+        </p:style>
+      </p:cxnSp>
+      <p:cxnSp>
+        <p:nvCxnSpPr>
+          <p:cNvPr id="203" name="Elbow Connector 106">
+            <a:extLst>
+              <a:ext uri="{FF2B5EF4-FFF2-40B4-BE49-F238E27FC236}">
+                <a16:creationId xmlns:a16="http://schemas.microsoft.com/office/drawing/2014/main" id="{CA62D201-367D-49ED-B623-3288C633282E}"/>
+              </a:ext>
+            </a:extLst>
+          </p:cNvPr>
+          <p:cNvCxnSpPr>
+            <a:cxnSpLocks/>
+            <a:stCxn id="178" idx="3"/>
+            <a:endCxn id="190" idx="1"/>
+          </p:cNvCxnSpPr>
+          <p:nvPr/>
+        </p:nvCxnSpPr>
+        <p:spPr>
+          <a:xfrm>
+            <a:off x="3495137" y="4830331"/>
+            <a:ext cx="3963762" cy="1033937"/>
+          </a:xfrm>
+          <a:prstGeom prst="bentConnector3">
+            <a:avLst>
+              <a:gd name="adj1" fmla="val 3478"/>
+            </a:avLst>
+          </a:prstGeom>
+          <a:ln w="19050">
+            <a:solidFill>
+              <a:srgbClr val="7030A0"/>
+            </a:solidFill>
+            <a:prstDash val="solid"/>
+            <a:headEnd type="none" w="med" len="med"/>
+            <a:tailEnd type="triangle" w="med" len="med"/>
+          </a:ln>
+          <a:effectLst/>
+        </p:spPr>
+        <p:style>
+          <a:lnRef idx="1">
+            <a:schemeClr val="accent2"/>
+          </a:lnRef>
+          <a:fillRef idx="2">
+            <a:schemeClr val="accent2"/>
+          </a:fillRef>
+          <a:effectRef idx="1">
+            <a:schemeClr val="accent2"/>
+          </a:effectRef>
+          <a:fontRef idx="minor">
+            <a:schemeClr val="dk1"/>
+          </a:fontRef>
+        </p:style>
+      </p:cxnSp>
+      <p:cxnSp>
+        <p:nvCxnSpPr>
+          <p:cNvPr id="204" name="Elbow Connector 106">
+            <a:extLst>
+              <a:ext uri="{FF2B5EF4-FFF2-40B4-BE49-F238E27FC236}">
+                <a16:creationId xmlns:a16="http://schemas.microsoft.com/office/drawing/2014/main" id="{D6DB0631-9A08-4268-B8F6-0589EF48E3FB}"/>
+              </a:ext>
+            </a:extLst>
+          </p:cNvPr>
+          <p:cNvCxnSpPr>
+            <a:cxnSpLocks/>
+            <a:stCxn id="180" idx="3"/>
+            <a:endCxn id="190" idx="1"/>
+          </p:cNvCxnSpPr>
+          <p:nvPr/>
+        </p:nvCxnSpPr>
+        <p:spPr>
+          <a:xfrm>
+            <a:off x="3494714" y="5184915"/>
+            <a:ext cx="3964185" cy="679353"/>
+          </a:xfrm>
+          <a:prstGeom prst="bentConnector3">
+            <a:avLst>
+              <a:gd name="adj1" fmla="val 3483"/>
+            </a:avLst>
+          </a:prstGeom>
+          <a:ln w="19050">
+            <a:solidFill>
+              <a:srgbClr val="7030A0"/>
+            </a:solidFill>
+            <a:prstDash val="solid"/>
+            <a:headEnd type="none" w="med" len="med"/>
+            <a:tailEnd type="triangle" w="med" len="med"/>
+          </a:ln>
+          <a:effectLst/>
+        </p:spPr>
+        <p:style>
+          <a:lnRef idx="1">
+            <a:schemeClr val="accent2"/>
+          </a:lnRef>
+          <a:fillRef idx="2">
+            <a:schemeClr val="accent2"/>
+          </a:fillRef>
+          <a:effectRef idx="1">
+            <a:schemeClr val="accent2"/>
+          </a:effectRef>
+          <a:fontRef idx="minor">
+            <a:schemeClr val="dk1"/>
+          </a:fontRef>
+        </p:style>
+      </p:cxnSp>
+      <p:cxnSp>
+        <p:nvCxnSpPr>
+          <p:cNvPr id="205" name="Elbow Connector 106">
+            <a:extLst>
+              <a:ext uri="{FF2B5EF4-FFF2-40B4-BE49-F238E27FC236}">
+                <a16:creationId xmlns:a16="http://schemas.microsoft.com/office/drawing/2014/main" id="{2769A3AD-7107-4428-A773-9DF8C0120AE1}"/>
+              </a:ext>
+            </a:extLst>
+          </p:cNvPr>
+          <p:cNvCxnSpPr>
+            <a:cxnSpLocks/>
+            <a:stCxn id="182" idx="3"/>
+            <a:endCxn id="190" idx="1"/>
+          </p:cNvCxnSpPr>
+          <p:nvPr/>
+        </p:nvCxnSpPr>
+        <p:spPr>
+          <a:xfrm>
+            <a:off x="3494714" y="5531269"/>
+            <a:ext cx="3964185" cy="332999"/>
+          </a:xfrm>
+          <a:prstGeom prst="bentConnector3">
+            <a:avLst>
+              <a:gd name="adj1" fmla="val 3290"/>
+            </a:avLst>
+          </a:prstGeom>
+          <a:ln w="19050">
+            <a:solidFill>
+              <a:srgbClr val="7030A0"/>
+            </a:solidFill>
+            <a:prstDash val="solid"/>
+            <a:headEnd type="none" w="med" len="med"/>
+            <a:tailEnd type="triangle" w="med" len="med"/>
+          </a:ln>
+          <a:effectLst/>
+        </p:spPr>
+        <p:style>
+          <a:lnRef idx="1">
+            <a:schemeClr val="accent2"/>
+          </a:lnRef>
+          <a:fillRef idx="2">
+            <a:schemeClr val="accent2"/>
+          </a:fillRef>
+          <a:effectRef idx="1">
+            <a:schemeClr val="accent2"/>
+          </a:effectRef>
+          <a:fontRef idx="minor">
+            <a:schemeClr val="dk1"/>
+          </a:fontRef>
+        </p:style>
+      </p:cxnSp>
+      <p:sp>
+        <p:nvSpPr>
+          <p:cNvPr id="207" name="Rectangle 8">
+            <a:extLst>
+              <a:ext uri="{FF2B5EF4-FFF2-40B4-BE49-F238E27FC236}">
+                <a16:creationId xmlns:a16="http://schemas.microsoft.com/office/drawing/2014/main" id="{CF331939-309B-4005-B928-B393D07A74AE}"/>
+              </a:ext>
+            </a:extLst>
+          </p:cNvPr>
           <p:cNvSpPr/>
           <p:nvPr/>
         </p:nvSpPr>
         <p:spPr>
           <a:xfrm>
-            <a:off x="2431316" y="1998350"/>
-            <a:ext cx="1060683" cy="364396"/>
+            <a:off x="3772250" y="4341046"/>
+            <a:ext cx="722668" cy="285783"/>
           </a:xfrm>
           <a:prstGeom prst="rect">
             <a:avLst/>
@@ -5496,7 +7138,7 @@
                   <a:srgbClr val="7030A0"/>
                 </a:solidFill>
               </a:rPr>
-              <a:t>LoanBook</a:t>
+              <a:t>LoanID</a:t>
             </a:r>
             <a:endParaRPr lang="en-SG" sz="1050" dirty="0">
               <a:solidFill>
@@ -5506,25 +7148,306 @@
           </a:p>
         </p:txBody>
       </p:sp>
+      <p:sp>
+        <p:nvSpPr>
+          <p:cNvPr id="208" name="Rectangle 8">
+            <a:extLst>
+              <a:ext uri="{FF2B5EF4-FFF2-40B4-BE49-F238E27FC236}">
+                <a16:creationId xmlns:a16="http://schemas.microsoft.com/office/drawing/2014/main" id="{1B0FBF26-3761-479B-81C8-A5E4910D568B}"/>
+              </a:ext>
+            </a:extLst>
+          </p:cNvPr>
+          <p:cNvSpPr/>
+          <p:nvPr/>
+        </p:nvSpPr>
+        <p:spPr>
+          <a:xfrm>
+            <a:off x="3776297" y="5044016"/>
+            <a:ext cx="722668" cy="285783"/>
+          </a:xfrm>
+          <a:prstGeom prst="rect">
+            <a:avLst/>
+          </a:prstGeom>
+          <a:ln w="19050">
+            <a:solidFill>
+              <a:srgbClr val="7030A0"/>
+            </a:solidFill>
+          </a:ln>
+          <a:effectLst/>
+        </p:spPr>
+        <p:style>
+          <a:lnRef idx="1">
+            <a:schemeClr val="accent4"/>
+          </a:lnRef>
+          <a:fillRef idx="2">
+            <a:schemeClr val="accent4"/>
+          </a:fillRef>
+          <a:effectRef idx="1">
+            <a:schemeClr val="accent4"/>
+          </a:effectRef>
+          <a:fontRef idx="minor">
+            <a:schemeClr val="dk1"/>
+          </a:fontRef>
+        </p:style>
+        <p:txBody>
+          <a:bodyPr rtlCol="0" anchor="ctr"/>
+          <a:lstStyle/>
+          <a:p>
+            <a:pPr algn="ctr"/>
+            <a:r>
+              <a:rPr lang="en-US" sz="1050" dirty="0" err="1">
+                <a:solidFill>
+                  <a:srgbClr val="7030A0"/>
+                </a:solidFill>
+              </a:rPr>
+              <a:t>LoanTime</a:t>
+            </a:r>
+            <a:endParaRPr lang="en-SG" sz="1050" dirty="0">
+              <a:solidFill>
+                <a:srgbClr val="7030A0"/>
+              </a:solidFill>
+            </a:endParaRPr>
+          </a:p>
+        </p:txBody>
+      </p:sp>
+      <p:sp>
+        <p:nvSpPr>
+          <p:cNvPr id="209" name="Rectangle 8">
+            <a:extLst>
+              <a:ext uri="{FF2B5EF4-FFF2-40B4-BE49-F238E27FC236}">
+                <a16:creationId xmlns:a16="http://schemas.microsoft.com/office/drawing/2014/main" id="{AB78880F-29F4-4929-9EE7-1514DC936232}"/>
+              </a:ext>
+            </a:extLst>
+          </p:cNvPr>
+          <p:cNvSpPr/>
+          <p:nvPr/>
+        </p:nvSpPr>
+        <p:spPr>
+          <a:xfrm>
+            <a:off x="3771404" y="4683568"/>
+            <a:ext cx="722668" cy="285783"/>
+          </a:xfrm>
+          <a:prstGeom prst="rect">
+            <a:avLst/>
+          </a:prstGeom>
+          <a:ln w="19050">
+            <a:solidFill>
+              <a:srgbClr val="7030A0"/>
+            </a:solidFill>
+          </a:ln>
+          <a:effectLst/>
+        </p:spPr>
+        <p:style>
+          <a:lnRef idx="1">
+            <a:schemeClr val="accent4"/>
+          </a:lnRef>
+          <a:fillRef idx="2">
+            <a:schemeClr val="accent4"/>
+          </a:fillRef>
+          <a:effectRef idx="1">
+            <a:schemeClr val="accent4"/>
+          </a:effectRef>
+          <a:fontRef idx="minor">
+            <a:schemeClr val="dk1"/>
+          </a:fontRef>
+        </p:style>
+        <p:txBody>
+          <a:bodyPr rtlCol="0" anchor="ctr"/>
+          <a:lstStyle/>
+          <a:p>
+            <a:pPr algn="ctr"/>
+            <a:r>
+              <a:rPr lang="en-US" sz="1050" dirty="0" err="1">
+                <a:solidFill>
+                  <a:srgbClr val="7030A0"/>
+                </a:solidFill>
+              </a:rPr>
+              <a:t>LoanRate</a:t>
+            </a:r>
+            <a:endParaRPr lang="en-SG" sz="1050" dirty="0">
+              <a:solidFill>
+                <a:srgbClr val="7030A0"/>
+              </a:solidFill>
+            </a:endParaRPr>
+          </a:p>
+        </p:txBody>
+      </p:sp>
       <p:cxnSp>
         <p:nvCxnSpPr>
-          <p:cNvPr id="60" name="Straight Arrow Connector 59"/>
+          <p:cNvPr id="210" name="Elbow Connector 106">
+            <a:extLst>
+              <a:ext uri="{FF2B5EF4-FFF2-40B4-BE49-F238E27FC236}">
+                <a16:creationId xmlns:a16="http://schemas.microsoft.com/office/drawing/2014/main" id="{C7C9986A-0460-4456-A236-212BA712F9F8}"/>
+              </a:ext>
+            </a:extLst>
+          </p:cNvPr>
           <p:cNvCxnSpPr>
             <a:cxnSpLocks/>
-            <a:stCxn id="51" idx="3"/>
-            <a:endCxn id="49" idx="1"/>
+            <a:stCxn id="207" idx="1"/>
+            <a:endCxn id="190" idx="1"/>
           </p:cNvCxnSpPr>
           <p:nvPr/>
         </p:nvCxnSpPr>
         <p:spPr>
-          <a:xfrm>
-            <a:off x="3822155" y="3007222"/>
-            <a:ext cx="289743" cy="716229"/>
+          <a:xfrm rot="10800000" flipH="1" flipV="1">
+            <a:off x="3772249" y="4483938"/>
+            <a:ext cx="3686649" cy="1380330"/>
           </a:xfrm>
           <a:prstGeom prst="bentConnector3">
             <a:avLst>
-              <a:gd name="adj1" fmla="val 42110"/>
+              <a:gd name="adj1" fmla="val -3927"/>
             </a:avLst>
+          </a:prstGeom>
+          <a:ln w="19050">
+            <a:solidFill>
+              <a:srgbClr val="7030A0"/>
+            </a:solidFill>
+            <a:prstDash val="solid"/>
+            <a:headEnd type="none" w="med" len="med"/>
+            <a:tailEnd type="triangle" w="med" len="med"/>
+          </a:ln>
+          <a:effectLst/>
+        </p:spPr>
+        <p:style>
+          <a:lnRef idx="1">
+            <a:schemeClr val="accent2"/>
+          </a:lnRef>
+          <a:fillRef idx="2">
+            <a:schemeClr val="accent2"/>
+          </a:fillRef>
+          <a:effectRef idx="1">
+            <a:schemeClr val="accent2"/>
+          </a:effectRef>
+          <a:fontRef idx="minor">
+            <a:schemeClr val="dk1"/>
+          </a:fontRef>
+        </p:style>
+      </p:cxnSp>
+      <p:cxnSp>
+        <p:nvCxnSpPr>
+          <p:cNvPr id="211" name="Elbow Connector 106">
+            <a:extLst>
+              <a:ext uri="{FF2B5EF4-FFF2-40B4-BE49-F238E27FC236}">
+                <a16:creationId xmlns:a16="http://schemas.microsoft.com/office/drawing/2014/main" id="{3A6590C4-FAAB-4EAE-847D-D50EB895B71E}"/>
+              </a:ext>
+            </a:extLst>
+          </p:cNvPr>
+          <p:cNvCxnSpPr>
+            <a:cxnSpLocks/>
+            <a:stCxn id="208" idx="1"/>
+            <a:endCxn id="190" idx="1"/>
+          </p:cNvCxnSpPr>
+          <p:nvPr/>
+        </p:nvCxnSpPr>
+        <p:spPr>
+          <a:xfrm rot="10800000" flipH="1" flipV="1">
+            <a:off x="3776297" y="5186908"/>
+            <a:ext cx="3682602" cy="677360"/>
+          </a:xfrm>
+          <a:prstGeom prst="bentConnector3">
+            <a:avLst>
+              <a:gd name="adj1" fmla="val -4139"/>
+            </a:avLst>
+          </a:prstGeom>
+          <a:ln w="19050">
+            <a:solidFill>
+              <a:srgbClr val="7030A0"/>
+            </a:solidFill>
+            <a:prstDash val="solid"/>
+            <a:headEnd type="none" w="med" len="med"/>
+            <a:tailEnd type="triangle" w="med" len="med"/>
+          </a:ln>
+          <a:effectLst/>
+        </p:spPr>
+        <p:style>
+          <a:lnRef idx="1">
+            <a:schemeClr val="accent2"/>
+          </a:lnRef>
+          <a:fillRef idx="2">
+            <a:schemeClr val="accent2"/>
+          </a:fillRef>
+          <a:effectRef idx="1">
+            <a:schemeClr val="accent2"/>
+          </a:effectRef>
+          <a:fontRef idx="minor">
+            <a:schemeClr val="dk1"/>
+          </a:fontRef>
+        </p:style>
+      </p:cxnSp>
+      <p:cxnSp>
+        <p:nvCxnSpPr>
+          <p:cNvPr id="212" name="Elbow Connector 106">
+            <a:extLst>
+              <a:ext uri="{FF2B5EF4-FFF2-40B4-BE49-F238E27FC236}">
+                <a16:creationId xmlns:a16="http://schemas.microsoft.com/office/drawing/2014/main" id="{DF9208FD-0DA4-490F-8C5D-4AAC7C46951E}"/>
+              </a:ext>
+            </a:extLst>
+          </p:cNvPr>
+          <p:cNvCxnSpPr>
+            <a:cxnSpLocks/>
+            <a:stCxn id="209" idx="1"/>
+            <a:endCxn id="190" idx="1"/>
+          </p:cNvCxnSpPr>
+          <p:nvPr/>
+        </p:nvCxnSpPr>
+        <p:spPr>
+          <a:xfrm rot="10800000" flipH="1" flipV="1">
+            <a:off x="3771403" y="4826460"/>
+            <a:ext cx="3687495" cy="1037808"/>
+          </a:xfrm>
+          <a:prstGeom prst="bentConnector3">
+            <a:avLst>
+              <a:gd name="adj1" fmla="val -3926"/>
+            </a:avLst>
+          </a:prstGeom>
+          <a:ln w="19050">
+            <a:solidFill>
+              <a:srgbClr val="7030A0"/>
+            </a:solidFill>
+            <a:prstDash val="solid"/>
+            <a:headEnd type="none" w="med" len="med"/>
+            <a:tailEnd type="triangle" w="med" len="med"/>
+          </a:ln>
+          <a:effectLst/>
+        </p:spPr>
+        <p:style>
+          <a:lnRef idx="1">
+            <a:schemeClr val="accent2"/>
+          </a:lnRef>
+          <a:fillRef idx="2">
+            <a:schemeClr val="accent2"/>
+          </a:fillRef>
+          <a:effectRef idx="1">
+            <a:schemeClr val="accent2"/>
+          </a:effectRef>
+          <a:fontRef idx="minor">
+            <a:schemeClr val="dk1"/>
+          </a:fontRef>
+        </p:style>
+      </p:cxnSp>
+      <p:cxnSp>
+        <p:nvCxnSpPr>
+          <p:cNvPr id="213" name="Elbow Connector 85">
+            <a:extLst>
+              <a:ext uri="{FF2B5EF4-FFF2-40B4-BE49-F238E27FC236}">
+                <a16:creationId xmlns:a16="http://schemas.microsoft.com/office/drawing/2014/main" id="{C9B91018-B72B-4EB9-8889-4C768C66BA5A}"/>
+              </a:ext>
+            </a:extLst>
+          </p:cNvPr>
+          <p:cNvCxnSpPr>
+            <a:cxnSpLocks/>
+            <a:stCxn id="176" idx="3"/>
+            <a:endCxn id="207" idx="3"/>
+          </p:cNvCxnSpPr>
+          <p:nvPr/>
+        </p:nvCxnSpPr>
+        <p:spPr>
+          <a:xfrm rot="5400000">
+            <a:off x="4523007" y="4286030"/>
+            <a:ext cx="169820" cy="225997"/>
+          </a:xfrm>
+          <a:prstGeom prst="bentConnector2">
+            <a:avLst/>
           </a:prstGeom>
           <a:ln w="19050">
             <a:solidFill>
@@ -5550,28 +7473,185 @@
           </a:fontRef>
         </p:style>
       </p:cxnSp>
-      <p:sp>
-        <p:nvSpPr>
-          <p:cNvPr id="68" name="Isosceles Triangle 102"/>
+      <p:cxnSp>
+        <p:nvCxnSpPr>
+          <p:cNvPr id="214" name="Elbow Connector 85">
+            <a:extLst>
+              <a:ext uri="{FF2B5EF4-FFF2-40B4-BE49-F238E27FC236}">
+                <a16:creationId xmlns:a16="http://schemas.microsoft.com/office/drawing/2014/main" id="{B9B9F892-96EE-4AAD-8A85-806EE00C2CAD}"/>
+              </a:ext>
+            </a:extLst>
+          </p:cNvPr>
+          <p:cNvCxnSpPr>
+            <a:cxnSpLocks/>
+            <a:stCxn id="176" idx="3"/>
+            <a:endCxn id="208" idx="3"/>
+          </p:cNvCxnSpPr>
+          <p:nvPr/>
+        </p:nvCxnSpPr>
+        <p:spPr>
+          <a:xfrm rot="5400000">
+            <a:off x="4173545" y="4639538"/>
+            <a:ext cx="872790" cy="221950"/>
+          </a:xfrm>
+          <a:prstGeom prst="bentConnector2">
+            <a:avLst/>
+          </a:prstGeom>
+          <a:ln w="19050">
+            <a:solidFill>
+              <a:srgbClr val="7030A0"/>
+            </a:solidFill>
+            <a:headEnd type="none" w="med" len="med"/>
+            <a:tailEnd type="arrow" w="med" len="med"/>
+          </a:ln>
+          <a:effectLst/>
+        </p:spPr>
+        <p:style>
+          <a:lnRef idx="1">
+            <a:schemeClr val="accent2"/>
+          </a:lnRef>
+          <a:fillRef idx="2">
+            <a:schemeClr val="accent2"/>
+          </a:fillRef>
+          <a:effectRef idx="1">
+            <a:schemeClr val="accent2"/>
+          </a:effectRef>
+          <a:fontRef idx="minor">
+            <a:schemeClr val="dk1"/>
+          </a:fontRef>
+        </p:style>
+      </p:cxnSp>
+      <p:cxnSp>
+        <p:nvCxnSpPr>
+          <p:cNvPr id="215" name="Elbow Connector 85">
+            <a:extLst>
+              <a:ext uri="{FF2B5EF4-FFF2-40B4-BE49-F238E27FC236}">
+                <a16:creationId xmlns:a16="http://schemas.microsoft.com/office/drawing/2014/main" id="{99AEE384-01E8-4CAD-AF35-A2F2503ECAD0}"/>
+              </a:ext>
+            </a:extLst>
+          </p:cNvPr>
+          <p:cNvCxnSpPr>
+            <a:cxnSpLocks/>
+            <a:stCxn id="176" idx="3"/>
+            <a:endCxn id="209" idx="3"/>
+          </p:cNvCxnSpPr>
+          <p:nvPr/>
+        </p:nvCxnSpPr>
+        <p:spPr>
+          <a:xfrm rot="5400000">
+            <a:off x="4351323" y="4456868"/>
+            <a:ext cx="512342" cy="226843"/>
+          </a:xfrm>
+          <a:prstGeom prst="bentConnector2">
+            <a:avLst/>
+          </a:prstGeom>
+          <a:ln w="19050">
+            <a:solidFill>
+              <a:srgbClr val="7030A0"/>
+            </a:solidFill>
+            <a:headEnd type="none" w="med" len="med"/>
+            <a:tailEnd type="arrow" w="med" len="med"/>
+          </a:ln>
+          <a:effectLst/>
+        </p:spPr>
+        <p:style>
+          <a:lnRef idx="1">
+            <a:schemeClr val="accent2"/>
+          </a:lnRef>
+          <a:fillRef idx="2">
+            <a:schemeClr val="accent2"/>
+          </a:fillRef>
+          <a:effectRef idx="1">
+            <a:schemeClr val="accent2"/>
+          </a:effectRef>
+          <a:fontRef idx="minor">
+            <a:schemeClr val="dk1"/>
+          </a:fontRef>
+        </p:style>
+      </p:cxnSp>
+      <p:sp>
+        <p:nvSpPr>
+          <p:cNvPr id="216" name="Rectangle 8">
+            <a:extLst>
+              <a:ext uri="{FF2B5EF4-FFF2-40B4-BE49-F238E27FC236}">
+                <a16:creationId xmlns:a16="http://schemas.microsoft.com/office/drawing/2014/main" id="{A06BECD0-03EB-447D-978C-1F76C7E31D0D}"/>
+              </a:ext>
+            </a:extLst>
+          </p:cNvPr>
           <p:cNvSpPr/>
           <p:nvPr/>
         </p:nvSpPr>
         <p:spPr>
-          <a:xfrm rot="16200000">
-            <a:off x="1930208" y="2069158"/>
-            <a:ext cx="271014" cy="187417"/>
-          </a:xfrm>
-          <a:prstGeom prst="triangle">
-            <a:avLst>
-              <a:gd name="adj" fmla="val 44517"/>
-            </a:avLst>
-          </a:prstGeom>
-          <a:solidFill>
-            <a:schemeClr val="accent4">
-              <a:lumMod val="20000"/>
-              <a:lumOff val="80000"/>
-            </a:schemeClr>
-          </a:solidFill>
+          <a:xfrm>
+            <a:off x="5620860" y="3783524"/>
+            <a:ext cx="930202" cy="269937"/>
+          </a:xfrm>
+          <a:prstGeom prst="rect">
+            <a:avLst/>
+          </a:prstGeom>
+          <a:ln w="19050">
+            <a:solidFill>
+              <a:srgbClr val="7030A0"/>
+            </a:solidFill>
+          </a:ln>
+          <a:effectLst/>
+        </p:spPr>
+        <p:style>
+          <a:lnRef idx="1">
+            <a:schemeClr val="accent4"/>
+          </a:lnRef>
+          <a:fillRef idx="2">
+            <a:schemeClr val="accent4"/>
+          </a:fillRef>
+          <a:effectRef idx="1">
+            <a:schemeClr val="accent4"/>
+          </a:effectRef>
+          <a:fontRef idx="minor">
+            <a:schemeClr val="dk1"/>
+          </a:fontRef>
+        </p:style>
+        <p:txBody>
+          <a:bodyPr rtlCol="0" anchor="ctr"/>
+          <a:lstStyle/>
+          <a:p>
+            <a:pPr algn="ctr"/>
+            <a:r>
+              <a:rPr lang="en-US" sz="1050" dirty="0">
+                <a:solidFill>
+                  <a:srgbClr val="7030A0"/>
+                </a:solidFill>
+              </a:rPr>
+              <a:t>Bike</a:t>
+            </a:r>
+            <a:endParaRPr lang="en-SG" sz="1050" dirty="0">
+              <a:solidFill>
+                <a:srgbClr val="7030A0"/>
+              </a:solidFill>
+            </a:endParaRPr>
+          </a:p>
+        </p:txBody>
+      </p:sp>
+      <p:sp>
+        <p:nvSpPr>
+          <p:cNvPr id="217" name="Flowchart: Decision 96">
+            <a:extLst>
+              <a:ext uri="{FF2B5EF4-FFF2-40B4-BE49-F238E27FC236}">
+                <a16:creationId xmlns:a16="http://schemas.microsoft.com/office/drawing/2014/main" id="{BC1CE801-0FF7-47A7-B59A-AC47ADB2C1E5}"/>
+              </a:ext>
+            </a:extLst>
+          </p:cNvPr>
+          <p:cNvSpPr/>
+          <p:nvPr/>
+        </p:nvSpPr>
+        <p:spPr>
+          <a:xfrm rot="5400000">
+            <a:off x="5968017" y="2763959"/>
+            <a:ext cx="236048" cy="173380"/>
+          </a:xfrm>
+          <a:prstGeom prst="flowChartDecision">
+            <a:avLst/>
+          </a:prstGeom>
+          <a:noFill/>
           <a:ln w="19050">
             <a:solidFill>
               <a:srgbClr val="7030A0"/>
@@ -5598,23 +7678,164 @@
           <a:lstStyle/>
           <a:p>
             <a:pPr algn="ctr"/>
-            <a:endParaRPr lang="en-SG" sz="1050"/>
+            <a:endParaRPr lang="en-US" sz="1050"/>
+          </a:p>
+        </p:txBody>
+      </p:sp>
+      <p:sp>
+        <p:nvSpPr>
+          <p:cNvPr id="218" name="TextBox 217">
+            <a:extLst>
+              <a:ext uri="{FF2B5EF4-FFF2-40B4-BE49-F238E27FC236}">
+                <a16:creationId xmlns:a16="http://schemas.microsoft.com/office/drawing/2014/main" id="{A8954FBF-F4B0-4E15-9873-5E0D1932582B}"/>
+              </a:ext>
+            </a:extLst>
+          </p:cNvPr>
+          <p:cNvSpPr txBox="1"/>
+          <p:nvPr/>
+        </p:nvSpPr>
+        <p:spPr>
+          <a:xfrm>
+            <a:off x="5162232" y="3189638"/>
+            <a:ext cx="819281" cy="261610"/>
+          </a:xfrm>
+          <a:prstGeom prst="rect">
+            <a:avLst/>
+          </a:prstGeom>
+          <a:noFill/>
+        </p:spPr>
+        <p:txBody>
+          <a:bodyPr wrap="square" rtlCol="0">
+            <a:spAutoFit/>
+          </a:bodyPr>
+          <a:lstStyle/>
+          <a:p>
+            <a:r>
+              <a:rPr lang="en-US" sz="1100" dirty="0">
+                <a:solidFill>
+                  <a:srgbClr val="7030A0"/>
+                </a:solidFill>
+              </a:rPr>
+              <a:t>filtered list</a:t>
+            </a:r>
+            <a:endParaRPr lang="en-SG" sz="1100" dirty="0">
+              <a:solidFill>
+                <a:srgbClr val="7030A0"/>
+              </a:solidFill>
+            </a:endParaRPr>
+          </a:p>
+        </p:txBody>
+      </p:sp>
+      <p:sp>
+        <p:nvSpPr>
+          <p:cNvPr id="219" name="TextBox 218">
+            <a:extLst>
+              <a:ext uri="{FF2B5EF4-FFF2-40B4-BE49-F238E27FC236}">
+                <a16:creationId xmlns:a16="http://schemas.microsoft.com/office/drawing/2014/main" id="{AD7BE5F5-CD43-4F9D-B45F-B33E48413C87}"/>
+              </a:ext>
+            </a:extLst>
+          </p:cNvPr>
+          <p:cNvSpPr txBox="1"/>
+          <p:nvPr/>
+        </p:nvSpPr>
+        <p:spPr>
+          <a:xfrm>
+            <a:off x="4760964" y="3611575"/>
+            <a:ext cx="189257" cy="178683"/>
+          </a:xfrm>
+          <a:prstGeom prst="rect">
+            <a:avLst/>
+          </a:prstGeom>
+          <a:noFill/>
+        </p:spPr>
+        <p:txBody>
+          <a:bodyPr wrap="square" lIns="0" tIns="0" rIns="0" bIns="0" rtlCol="0">
+            <a:noAutofit/>
+          </a:bodyPr>
+          <a:lstStyle/>
+          <a:p>
+            <a:pPr algn="ctr"/>
+            <a:r>
+              <a:rPr lang="en-US" sz="1100" dirty="0">
+                <a:solidFill>
+                  <a:srgbClr val="7030A0"/>
+                </a:solidFill>
+              </a:rPr>
+              <a:t>*</a:t>
+            </a:r>
+            <a:endParaRPr lang="en-SG" sz="1100" dirty="0">
+              <a:solidFill>
+                <a:srgbClr val="7030A0"/>
+              </a:solidFill>
+            </a:endParaRPr>
+          </a:p>
+        </p:txBody>
+      </p:sp>
+      <p:sp>
+        <p:nvSpPr>
+          <p:cNvPr id="220" name="TextBox 219">
+            <a:extLst>
+              <a:ext uri="{FF2B5EF4-FFF2-40B4-BE49-F238E27FC236}">
+                <a16:creationId xmlns:a16="http://schemas.microsoft.com/office/drawing/2014/main" id="{249111E3-85B3-49D2-AF4E-69711437590D}"/>
+              </a:ext>
+            </a:extLst>
+          </p:cNvPr>
+          <p:cNvSpPr txBox="1"/>
+          <p:nvPr/>
+        </p:nvSpPr>
+        <p:spPr>
+          <a:xfrm>
+            <a:off x="5779183" y="3605880"/>
+            <a:ext cx="189257" cy="178683"/>
+          </a:xfrm>
+          <a:prstGeom prst="rect">
+            <a:avLst/>
+          </a:prstGeom>
+          <a:noFill/>
+        </p:spPr>
+        <p:txBody>
+          <a:bodyPr wrap="square" lIns="0" tIns="0" rIns="0" bIns="0" rtlCol="0">
+            <a:noAutofit/>
+          </a:bodyPr>
+          <a:lstStyle/>
+          <a:p>
+            <a:pPr algn="ctr"/>
+            <a:r>
+              <a:rPr lang="en-US" sz="1100" dirty="0">
+                <a:solidFill>
+                  <a:srgbClr val="7030A0"/>
+                </a:solidFill>
+              </a:rPr>
+              <a:t>*</a:t>
+            </a:r>
+            <a:endParaRPr lang="en-SG" sz="1100" dirty="0">
+              <a:solidFill>
+                <a:srgbClr val="7030A0"/>
+              </a:solidFill>
+            </a:endParaRPr>
           </a:p>
         </p:txBody>
       </p:sp>
       <p:cxnSp>
         <p:nvCxnSpPr>
-          <p:cNvPr id="69" name="Elbow Connector 63"/>
+          <p:cNvPr id="221" name="Elbow Connector 63">
+            <a:extLst>
+              <a:ext uri="{FF2B5EF4-FFF2-40B4-BE49-F238E27FC236}">
+                <a16:creationId xmlns:a16="http://schemas.microsoft.com/office/drawing/2014/main" id="{30154552-064B-465F-AEEC-DAA5A945C854}"/>
+              </a:ext>
+            </a:extLst>
+          </p:cNvPr>
           <p:cNvCxnSpPr>
-            <a:stCxn id="68" idx="3"/>
-            <a:endCxn id="55" idx="1"/>
+            <a:cxnSpLocks/>
+            <a:stCxn id="217" idx="3"/>
+            <a:endCxn id="216" idx="0"/>
           </p:cNvCxnSpPr>
           <p:nvPr/>
         </p:nvCxnSpPr>
         <p:spPr>
-          <a:xfrm>
-            <a:off x="2159424" y="2177727"/>
-            <a:ext cx="271892" cy="2821"/>
+          <a:xfrm rot="5400000">
+            <a:off x="5678576" y="3376058"/>
+            <a:ext cx="814851" cy="80"/>
           </a:xfrm>
           <a:prstGeom prst="bentConnector3">
             <a:avLst>
@@ -5625,9 +7846,8 @@
             <a:solidFill>
               <a:srgbClr val="7030A0"/>
             </a:solidFill>
-            <a:prstDash val="sysDot"/>
             <a:headEnd type="none" w="med" len="med"/>
-            <a:tailEnd type="none" w="med" len="med"/>
+            <a:tailEnd type="arrow" w="med" len="med"/>
           </a:ln>
           <a:effectLst/>
         </p:spPr>
@@ -5648,10 +7868,10 @@
       </p:cxnSp>
       <p:sp>
         <p:nvSpPr>
-          <p:cNvPr id="56" name="Rectangle 8">
-            <a:extLst>
-              <a:ext uri="{FF2B5EF4-FFF2-40B4-BE49-F238E27FC236}">
-                <a16:creationId xmlns:a16="http://schemas.microsoft.com/office/drawing/2014/main" id="{7C242852-2260-4B53-B3D0-1F9D384D8359}"/>
+          <p:cNvPr id="222" name="Flowchart: Decision 96">
+            <a:extLst>
+              <a:ext uri="{FF2B5EF4-FFF2-40B4-BE49-F238E27FC236}">
+                <a16:creationId xmlns:a16="http://schemas.microsoft.com/office/drawing/2014/main" id="{180330A7-111F-4901-9356-94B827878D12}"/>
               </a:ext>
             </a:extLst>
           </p:cNvPr>
@@ -5659,9 +7879,62 @@
           <p:nvPr/>
         </p:nvSpPr>
         <p:spPr>
+          <a:xfrm rot="5400000">
+            <a:off x="5967936" y="4100581"/>
+            <a:ext cx="236048" cy="173380"/>
+          </a:xfrm>
+          <a:prstGeom prst="flowChartDecision">
+            <a:avLst/>
+          </a:prstGeom>
+          <a:solidFill>
+            <a:srgbClr val="7030A0"/>
+          </a:solidFill>
+          <a:ln w="19050">
+            <a:solidFill>
+              <a:srgbClr val="7030A0"/>
+            </a:solidFill>
+          </a:ln>
+          <a:effectLst/>
+        </p:spPr>
+        <p:style>
+          <a:lnRef idx="1">
+            <a:schemeClr val="accent6"/>
+          </a:lnRef>
+          <a:fillRef idx="2">
+            <a:schemeClr val="accent6"/>
+          </a:fillRef>
+          <a:effectRef idx="1">
+            <a:schemeClr val="accent6"/>
+          </a:effectRef>
+          <a:fontRef idx="minor">
+            <a:schemeClr val="dk1"/>
+          </a:fontRef>
+        </p:style>
+        <p:txBody>
+          <a:bodyPr rtlCol="0" anchor="ctr"/>
+          <a:lstStyle/>
+          <a:p>
+            <a:pPr algn="ctr"/>
+            <a:endParaRPr lang="en-US" sz="1050"/>
+          </a:p>
+        </p:txBody>
+      </p:sp>
+      <p:sp>
+        <p:nvSpPr>
+          <p:cNvPr id="226" name="Rectangle 8">
+            <a:extLst>
+              <a:ext uri="{FF2B5EF4-FFF2-40B4-BE49-F238E27FC236}">
+                <a16:creationId xmlns:a16="http://schemas.microsoft.com/office/drawing/2014/main" id="{D8ADD95D-E8D2-4017-9468-630363BF3E99}"/>
+              </a:ext>
+            </a:extLst>
+          </p:cNvPr>
+          <p:cNvSpPr/>
+          <p:nvPr/>
+        </p:nvSpPr>
+        <p:spPr>
           <a:xfrm>
-            <a:off x="7608038" y="1594426"/>
-            <a:ext cx="998782" cy="442264"/>
+            <a:off x="5836373" y="4594319"/>
+            <a:ext cx="714689" cy="295700"/>
           </a:xfrm>
           <a:prstGeom prst="rect">
             <a:avLst/>
@@ -5698,20 +7971,9 @@
                   <a:srgbClr val="7030A0"/>
                 </a:solidFill>
               </a:rPr>
-              <a:t>{abstract}</a:t>
-            </a:r>
-          </a:p>
-          <a:p>
-            <a:pPr algn="ctr"/>
-            <a:r>
-              <a:rPr lang="en-US" sz="1050" dirty="0" err="1">
-                <a:solidFill>
-                  <a:srgbClr val="7030A0"/>
-                </a:solidFill>
-              </a:rPr>
-              <a:t>DataField</a:t>
-            </a:r>
-            <a:endParaRPr lang="en-US" sz="1050" dirty="0">
+              <a:t>Name</a:t>
+            </a:r>
+            <a:endParaRPr lang="en-SG" sz="1050" dirty="0">
               <a:solidFill>
                 <a:srgbClr val="7030A0"/>
               </a:solidFill>
@@ -5721,24 +7983,74 @@
       </p:sp>
       <p:cxnSp>
         <p:nvCxnSpPr>
-          <p:cNvPr id="57" name="Elbow Connector 106">
-            <a:extLst>
-              <a:ext uri="{FF2B5EF4-FFF2-40B4-BE49-F238E27FC236}">
-                <a16:creationId xmlns:a16="http://schemas.microsoft.com/office/drawing/2014/main" id="{07D7295B-5C2D-425A-9895-0197F8048D91}"/>
+          <p:cNvPr id="227" name="Elbow Connector 78">
+            <a:extLst>
+              <a:ext uri="{FF2B5EF4-FFF2-40B4-BE49-F238E27FC236}">
+                <a16:creationId xmlns:a16="http://schemas.microsoft.com/office/drawing/2014/main" id="{1035994A-B03C-4345-9E85-DFC5D254F133}"/>
               </a:ext>
             </a:extLst>
           </p:cNvPr>
           <p:cNvCxnSpPr>
             <a:cxnSpLocks/>
-            <a:stCxn id="52" idx="3"/>
-            <a:endCxn id="56" idx="2"/>
+            <a:stCxn id="222" idx="3"/>
+            <a:endCxn id="226" idx="0"/>
           </p:cNvCxnSpPr>
           <p:nvPr/>
         </p:nvCxnSpPr>
         <p:spPr>
-          <a:xfrm flipV="1">
-            <a:off x="7696200" y="2036690"/>
-            <a:ext cx="411229" cy="335019"/>
+          <a:xfrm rot="16200000" flipH="1">
+            <a:off x="5995327" y="4395928"/>
+            <a:ext cx="289024" cy="107758"/>
+          </a:xfrm>
+          <a:prstGeom prst="bentConnector3">
+            <a:avLst>
+              <a:gd name="adj1" fmla="val 50000"/>
+            </a:avLst>
+          </a:prstGeom>
+          <a:ln w="19050">
+            <a:solidFill>
+              <a:srgbClr val="7030A0"/>
+            </a:solidFill>
+            <a:headEnd type="none" w="med" len="med"/>
+            <a:tailEnd type="arrow" w="med" len="med"/>
+          </a:ln>
+          <a:effectLst/>
+        </p:spPr>
+        <p:style>
+          <a:lnRef idx="1">
+            <a:schemeClr val="accent2"/>
+          </a:lnRef>
+          <a:fillRef idx="2">
+            <a:schemeClr val="accent2"/>
+          </a:fillRef>
+          <a:effectRef idx="1">
+            <a:schemeClr val="accent2"/>
+          </a:effectRef>
+          <a:fontRef idx="minor">
+            <a:schemeClr val="dk1"/>
+          </a:fontRef>
+        </p:style>
+      </p:cxnSp>
+      <p:cxnSp>
+        <p:nvCxnSpPr>
+          <p:cNvPr id="229" name="Elbow Connector 106">
+            <a:extLst>
+              <a:ext uri="{FF2B5EF4-FFF2-40B4-BE49-F238E27FC236}">
+                <a16:creationId xmlns:a16="http://schemas.microsoft.com/office/drawing/2014/main" id="{A5408A4B-0665-49CF-BC2F-00FF99BECE93}"/>
+              </a:ext>
+            </a:extLst>
+          </p:cNvPr>
+          <p:cNvCxnSpPr>
+            <a:cxnSpLocks/>
+            <a:stCxn id="226" idx="2"/>
+            <a:endCxn id="190" idx="1"/>
+          </p:cNvCxnSpPr>
+          <p:nvPr/>
+        </p:nvCxnSpPr>
+        <p:spPr>
+          <a:xfrm rot="16200000" flipH="1">
+            <a:off x="6339184" y="4744552"/>
+            <a:ext cx="974249" cy="1265181"/>
           </a:xfrm>
           <a:prstGeom prst="bentConnector2">
             <a:avLst/>
@@ -5768,208 +8080,12 @@
           </a:fontRef>
         </p:style>
       </p:cxnSp>
-      <p:cxnSp>
-        <p:nvCxnSpPr>
-          <p:cNvPr id="71" name="Elbow Connector 106">
-            <a:extLst>
-              <a:ext uri="{FF2B5EF4-FFF2-40B4-BE49-F238E27FC236}">
-                <a16:creationId xmlns:a16="http://schemas.microsoft.com/office/drawing/2014/main" id="{BB44A3CD-63F5-4EEE-9102-3051C3296A6B}"/>
-              </a:ext>
-            </a:extLst>
-          </p:cNvPr>
-          <p:cNvCxnSpPr>
-            <a:cxnSpLocks/>
-            <a:stCxn id="76" idx="3"/>
-            <a:endCxn id="56" idx="2"/>
-          </p:cNvCxnSpPr>
-          <p:nvPr/>
-        </p:nvCxnSpPr>
-        <p:spPr>
-          <a:xfrm flipV="1">
-            <a:off x="7696200" y="2036690"/>
-            <a:ext cx="411229" cy="670440"/>
-          </a:xfrm>
-          <a:prstGeom prst="bentConnector2">
-            <a:avLst/>
-          </a:prstGeom>
-          <a:ln w="19050">
-            <a:solidFill>
-              <a:srgbClr val="7030A0"/>
-            </a:solidFill>
-            <a:prstDash val="solid"/>
-            <a:headEnd type="none" w="med" len="med"/>
-            <a:tailEnd type="triangle" w="med" len="med"/>
-          </a:ln>
-          <a:effectLst/>
-        </p:spPr>
-        <p:style>
-          <a:lnRef idx="1">
-            <a:schemeClr val="accent2"/>
-          </a:lnRef>
-          <a:fillRef idx="2">
-            <a:schemeClr val="accent2"/>
-          </a:fillRef>
-          <a:effectRef idx="1">
-            <a:schemeClr val="accent2"/>
-          </a:effectRef>
-          <a:fontRef idx="minor">
-            <a:schemeClr val="dk1"/>
-          </a:fontRef>
-        </p:style>
-      </p:cxnSp>
-      <p:cxnSp>
-        <p:nvCxnSpPr>
-          <p:cNvPr id="72" name="Elbow Connector 106">
-            <a:extLst>
-              <a:ext uri="{FF2B5EF4-FFF2-40B4-BE49-F238E27FC236}">
-                <a16:creationId xmlns:a16="http://schemas.microsoft.com/office/drawing/2014/main" id="{FD78641A-8B9A-4AA5-B198-8676613C093F}"/>
-              </a:ext>
-            </a:extLst>
-          </p:cNvPr>
-          <p:cNvCxnSpPr>
-            <a:cxnSpLocks/>
-            <a:stCxn id="80" idx="3"/>
-            <a:endCxn id="56" idx="2"/>
-          </p:cNvCxnSpPr>
-          <p:nvPr/>
-        </p:nvCxnSpPr>
-        <p:spPr>
-          <a:xfrm flipV="1">
-            <a:off x="7696200" y="2036690"/>
-            <a:ext cx="411229" cy="993418"/>
-          </a:xfrm>
-          <a:prstGeom prst="bentConnector2">
-            <a:avLst/>
-          </a:prstGeom>
-          <a:ln w="19050">
-            <a:solidFill>
-              <a:srgbClr val="7030A0"/>
-            </a:solidFill>
-            <a:prstDash val="solid"/>
-            <a:headEnd type="none" w="med" len="med"/>
-            <a:tailEnd type="triangle" w="med" len="med"/>
-          </a:ln>
-          <a:effectLst/>
-        </p:spPr>
-        <p:style>
-          <a:lnRef idx="1">
-            <a:schemeClr val="accent2"/>
-          </a:lnRef>
-          <a:fillRef idx="2">
-            <a:schemeClr val="accent2"/>
-          </a:fillRef>
-          <a:effectRef idx="1">
-            <a:schemeClr val="accent2"/>
-          </a:effectRef>
-          <a:fontRef idx="minor">
-            <a:schemeClr val="dk1"/>
-          </a:fontRef>
-        </p:style>
-      </p:cxnSp>
-      <p:cxnSp>
-        <p:nvCxnSpPr>
-          <p:cNvPr id="73" name="Elbow Connector 106">
-            <a:extLst>
-              <a:ext uri="{FF2B5EF4-FFF2-40B4-BE49-F238E27FC236}">
-                <a16:creationId xmlns:a16="http://schemas.microsoft.com/office/drawing/2014/main" id="{5CFC7354-B732-4B87-A033-0A8A7E51163B}"/>
-              </a:ext>
-            </a:extLst>
-          </p:cNvPr>
-          <p:cNvCxnSpPr>
-            <a:cxnSpLocks/>
-            <a:stCxn id="83" idx="3"/>
-            <a:endCxn id="56" idx="2"/>
-          </p:cNvCxnSpPr>
-          <p:nvPr/>
-        </p:nvCxnSpPr>
-        <p:spPr>
-          <a:xfrm flipV="1">
-            <a:off x="7696200" y="2036690"/>
-            <a:ext cx="411229" cy="1316396"/>
-          </a:xfrm>
-          <a:prstGeom prst="bentConnector2">
-            <a:avLst/>
-          </a:prstGeom>
-          <a:ln w="19050">
-            <a:solidFill>
-              <a:srgbClr val="7030A0"/>
-            </a:solidFill>
-            <a:prstDash val="solid"/>
-            <a:headEnd type="none" w="med" len="med"/>
-            <a:tailEnd type="triangle" w="med" len="med"/>
-          </a:ln>
-          <a:effectLst/>
-        </p:spPr>
-        <p:style>
-          <a:lnRef idx="1">
-            <a:schemeClr val="accent2"/>
-          </a:lnRef>
-          <a:fillRef idx="2">
-            <a:schemeClr val="accent2"/>
-          </a:fillRef>
-          <a:effectRef idx="1">
-            <a:schemeClr val="accent2"/>
-          </a:effectRef>
-          <a:fontRef idx="minor">
-            <a:schemeClr val="dk1"/>
-          </a:fontRef>
-        </p:style>
-      </p:cxnSp>
-      <p:cxnSp>
-        <p:nvCxnSpPr>
-          <p:cNvPr id="74" name="Elbow Connector 106">
-            <a:extLst>
-              <a:ext uri="{FF2B5EF4-FFF2-40B4-BE49-F238E27FC236}">
-                <a16:creationId xmlns:a16="http://schemas.microsoft.com/office/drawing/2014/main" id="{4216EDB4-D77D-4B3D-A69B-CB5669B42D79}"/>
-              </a:ext>
-            </a:extLst>
-          </p:cNvPr>
-          <p:cNvCxnSpPr>
-            <a:cxnSpLocks/>
-            <a:stCxn id="85" idx="3"/>
-            <a:endCxn id="56" idx="2"/>
-          </p:cNvCxnSpPr>
-          <p:nvPr/>
-        </p:nvCxnSpPr>
-        <p:spPr>
-          <a:xfrm flipV="1">
-            <a:off x="7696200" y="2036690"/>
-            <a:ext cx="411229" cy="1639373"/>
-          </a:xfrm>
-          <a:prstGeom prst="bentConnector2">
-            <a:avLst/>
-          </a:prstGeom>
-          <a:ln w="19050">
-            <a:solidFill>
-              <a:srgbClr val="7030A0"/>
-            </a:solidFill>
-            <a:prstDash val="solid"/>
-            <a:headEnd type="none" w="med" len="med"/>
-            <a:tailEnd type="triangle" w="med" len="med"/>
-          </a:ln>
-          <a:effectLst/>
-        </p:spPr>
-        <p:style>
-          <a:lnRef idx="1">
-            <a:schemeClr val="accent2"/>
-          </a:lnRef>
-          <a:fillRef idx="2">
-            <a:schemeClr val="accent2"/>
-          </a:fillRef>
-          <a:effectRef idx="1">
-            <a:schemeClr val="accent2"/>
-          </a:effectRef>
-          <a:fontRef idx="minor">
-            <a:schemeClr val="dk1"/>
-          </a:fontRef>
-        </p:style>
-      </p:cxnSp>
-      <p:sp>
-        <p:nvSpPr>
-          <p:cNvPr id="67" name="Isosceles Triangle 102">
-            <a:extLst>
-              <a:ext uri="{FF2B5EF4-FFF2-40B4-BE49-F238E27FC236}">
-                <a16:creationId xmlns:a16="http://schemas.microsoft.com/office/drawing/2014/main" id="{1FF4CB8B-8CEC-447C-9C68-562E5B836F78}"/>
+      <p:sp>
+        <p:nvSpPr>
+          <p:cNvPr id="230" name="Isosceles Triangle 102">
+            <a:extLst>
+              <a:ext uri="{FF2B5EF4-FFF2-40B4-BE49-F238E27FC236}">
+                <a16:creationId xmlns:a16="http://schemas.microsoft.com/office/drawing/2014/main" id="{A678EB4C-3871-429C-B378-832EF25EBCEB}"/>
               </a:ext>
             </a:extLst>
           </p:cNvPr>
@@ -5977,8 +8093,8 @@
           <p:nvPr/>
         </p:nvSpPr>
         <p:spPr>
-          <a:xfrm>
-            <a:off x="7972177" y="2060773"/>
+          <a:xfrm rot="5400000">
+            <a:off x="7216042" y="5774468"/>
             <a:ext cx="270504" cy="175523"/>
           </a:xfrm>
           <a:prstGeom prst="triangle">
@@ -6019,10 +8135,10 @@
       </p:sp>
       <p:sp>
         <p:nvSpPr>
-          <p:cNvPr id="82" name="Rectangle 8">
-            <a:extLst>
-              <a:ext uri="{FF2B5EF4-FFF2-40B4-BE49-F238E27FC236}">
-                <a16:creationId xmlns:a16="http://schemas.microsoft.com/office/drawing/2014/main" id="{32456900-D996-4562-ADB9-236D632995B8}"/>
+          <p:cNvPr id="232" name="Rectangle 8">
+            <a:extLst>
+              <a:ext uri="{FF2B5EF4-FFF2-40B4-BE49-F238E27FC236}">
+                <a16:creationId xmlns:a16="http://schemas.microsoft.com/office/drawing/2014/main" id="{34A021CA-9CC3-424F-BBD8-106AA4EC6D76}"/>
               </a:ext>
             </a:extLst>
           </p:cNvPr>
@@ -6031,8 +8147,8 @@
         </p:nvSpPr>
         <p:spPr>
           <a:xfrm>
-            <a:off x="6973532" y="3849742"/>
-            <a:ext cx="722668" cy="285783"/>
+            <a:off x="7190742" y="3316670"/>
+            <a:ext cx="1008734" cy="346760"/>
           </a:xfrm>
           <a:prstGeom prst="rect">
             <a:avLst/>
@@ -6069,7 +8185,22 @@
                   <a:srgbClr val="7030A0"/>
                 </a:solidFill>
               </a:rPr>
-              <a:t>Address</a:t>
+              <a:t>&lt;&lt;interface&gt;&gt;</a:t>
+            </a:r>
+            <a:br>
+              <a:rPr lang="en-US" sz="1050" dirty="0">
+                <a:solidFill>
+                  <a:srgbClr val="7030A0"/>
+                </a:solidFill>
+              </a:rPr>
+            </a:br>
+            <a:r>
+              <a:rPr lang="en-US" sz="1050" dirty="0" err="1">
+                <a:solidFill>
+                  <a:srgbClr val="7030A0"/>
+                </a:solidFill>
+              </a:rPr>
+              <a:t>UniqueListItem</a:t>
             </a:r>
             <a:endParaRPr lang="en-SG" sz="1050" dirty="0">
               <a:solidFill>
@@ -6081,10 +8212,10 @@
       </p:sp>
       <p:sp>
         <p:nvSpPr>
-          <p:cNvPr id="87" name="Rectangle 8">
-            <a:extLst>
-              <a:ext uri="{FF2B5EF4-FFF2-40B4-BE49-F238E27FC236}">
-                <a16:creationId xmlns:a16="http://schemas.microsoft.com/office/drawing/2014/main" id="{4F0A7961-0E4C-4FE2-9F3F-9C535A9EB40D}"/>
+          <p:cNvPr id="233" name="Isosceles Triangle 102">
+            <a:extLst>
+              <a:ext uri="{FF2B5EF4-FFF2-40B4-BE49-F238E27FC236}">
+                <a16:creationId xmlns:a16="http://schemas.microsoft.com/office/drawing/2014/main" id="{7C1E4F14-8C61-4D28-A8EA-198D43291433}"/>
               </a:ext>
             </a:extLst>
           </p:cNvPr>
@@ -6092,11 +8223,11 @@
           <p:nvPr/>
         </p:nvSpPr>
         <p:spPr>
-          <a:xfrm>
-            <a:off x="6973532" y="4172720"/>
-            <a:ext cx="722668" cy="285783"/>
-          </a:xfrm>
-          <a:prstGeom prst="rect">
+          <a:xfrm rot="16200000" flipV="1">
+            <a:off x="6955517" y="3405352"/>
+            <a:ext cx="282387" cy="157062"/>
+          </a:xfrm>
+          <a:prstGeom prst="triangle">
             <a:avLst/>
           </a:prstGeom>
           <a:ln w="19050">
@@ -6125,115 +8256,46 @@
           <a:lstStyle/>
           <a:p>
             <a:pPr algn="ctr"/>
-            <a:r>
-              <a:rPr lang="en-US" sz="1050" dirty="0" err="1">
-                <a:solidFill>
-                  <a:srgbClr val="7030A0"/>
-                </a:solidFill>
-              </a:rPr>
-              <a:t>LoanTime</a:t>
-            </a:r>
-            <a:endParaRPr lang="en-SG" sz="1050" dirty="0">
+            <a:endParaRPr lang="en-SG" sz="1050" b="1">
               <a:solidFill>
-                <a:srgbClr val="7030A0"/>
+                <a:srgbClr val="92D050"/>
               </a:solidFill>
             </a:endParaRPr>
           </a:p>
         </p:txBody>
       </p:sp>
-      <p:sp>
-        <p:nvSpPr>
-          <p:cNvPr id="88" name="Rectangle 8">
-            <a:extLst>
-              <a:ext uri="{FF2B5EF4-FFF2-40B4-BE49-F238E27FC236}">
-                <a16:creationId xmlns:a16="http://schemas.microsoft.com/office/drawing/2014/main" id="{10CCB02B-907B-4C48-8BEE-9D892D2FBB6B}"/>
-              </a:ext>
-            </a:extLst>
-          </p:cNvPr>
-          <p:cNvSpPr/>
-          <p:nvPr/>
-        </p:nvSpPr>
-        <p:spPr>
-          <a:xfrm>
-            <a:off x="6973532" y="4495697"/>
-            <a:ext cx="722668" cy="285783"/>
-          </a:xfrm>
-          <a:prstGeom prst="rect">
-            <a:avLst/>
+      <p:cxnSp>
+        <p:nvCxnSpPr>
+          <p:cNvPr id="234" name="Elbow Connector 63">
+            <a:extLst>
+              <a:ext uri="{FF2B5EF4-FFF2-40B4-BE49-F238E27FC236}">
+                <a16:creationId xmlns:a16="http://schemas.microsoft.com/office/drawing/2014/main" id="{EE09D06A-9127-4D39-A3E7-D6221A4764AD}"/>
+              </a:ext>
+            </a:extLst>
+          </p:cNvPr>
+          <p:cNvCxnSpPr>
+            <a:cxnSpLocks/>
+            <a:endCxn id="233" idx="3"/>
+          </p:cNvCxnSpPr>
+          <p:nvPr/>
+        </p:nvCxnSpPr>
+        <p:spPr>
+          <a:xfrm flipV="1">
+            <a:off x="5047463" y="3483883"/>
+            <a:ext cx="1970717" cy="314814"/>
+          </a:xfrm>
+          <a:prstGeom prst="bentConnector3">
+            <a:avLst>
+              <a:gd name="adj1" fmla="val -1040"/>
+            </a:avLst>
           </a:prstGeom>
           <a:ln w="19050">
             <a:solidFill>
               <a:srgbClr val="7030A0"/>
             </a:solidFill>
-          </a:ln>
-          <a:effectLst/>
-        </p:spPr>
-        <p:style>
-          <a:lnRef idx="1">
-            <a:schemeClr val="accent4"/>
-          </a:lnRef>
-          <a:fillRef idx="2">
-            <a:schemeClr val="accent4"/>
-          </a:fillRef>
-          <a:effectRef idx="1">
-            <a:schemeClr val="accent4"/>
-          </a:effectRef>
-          <a:fontRef idx="minor">
-            <a:schemeClr val="dk1"/>
-          </a:fontRef>
-        </p:style>
-        <p:txBody>
-          <a:bodyPr rtlCol="0" anchor="ctr"/>
-          <a:lstStyle/>
-          <a:p>
-            <a:pPr algn="ctr"/>
-            <a:r>
-              <a:rPr lang="en-US" sz="1050" dirty="0" err="1">
-                <a:solidFill>
-                  <a:srgbClr val="7030A0"/>
-                </a:solidFill>
-              </a:rPr>
-              <a:t>LoanRate</a:t>
-            </a:r>
-            <a:endParaRPr lang="en-SG" sz="1050" dirty="0">
-              <a:solidFill>
-                <a:srgbClr val="7030A0"/>
-              </a:solidFill>
-            </a:endParaRPr>
-          </a:p>
-        </p:txBody>
-      </p:sp>
-      <p:cxnSp>
-        <p:nvCxnSpPr>
-          <p:cNvPr id="89" name="Elbow Connector 106">
-            <a:extLst>
-              <a:ext uri="{FF2B5EF4-FFF2-40B4-BE49-F238E27FC236}">
-                <a16:creationId xmlns:a16="http://schemas.microsoft.com/office/drawing/2014/main" id="{126BE35D-76B3-4EC2-B273-5E1241448300}"/>
-              </a:ext>
-            </a:extLst>
-          </p:cNvPr>
-          <p:cNvCxnSpPr>
-            <a:cxnSpLocks/>
-            <a:stCxn id="82" idx="3"/>
-            <a:endCxn id="56" idx="2"/>
-          </p:cNvCxnSpPr>
-          <p:nvPr/>
-        </p:nvCxnSpPr>
-        <p:spPr>
-          <a:xfrm flipV="1">
-            <a:off x="7696200" y="2036690"/>
-            <a:ext cx="411229" cy="1955944"/>
-          </a:xfrm>
-          <a:prstGeom prst="bentConnector2">
-            <a:avLst/>
-          </a:prstGeom>
-          <a:ln w="19050">
-            <a:solidFill>
-              <a:srgbClr val="7030A0"/>
-            </a:solidFill>
-            <a:prstDash val="solid"/>
+            <a:prstDash val="sysDot"/>
             <a:headEnd type="none" w="med" len="med"/>
-            <a:tailEnd type="triangle" w="med" len="med"/>
+            <a:tailEnd type="none" w="med" len="med"/>
           </a:ln>
           <a:effectLst/>
         </p:spPr>
@@ -6254,35 +8316,176 @@
       </p:cxnSp>
       <p:cxnSp>
         <p:nvCxnSpPr>
-          <p:cNvPr id="90" name="Elbow Connector 106">
-            <a:extLst>
-              <a:ext uri="{FF2B5EF4-FFF2-40B4-BE49-F238E27FC236}">
-                <a16:creationId xmlns:a16="http://schemas.microsoft.com/office/drawing/2014/main" id="{75382193-8255-42B3-937A-A65A0DBC5925}"/>
+          <p:cNvPr id="235" name="Elbow Connector 63">
+            <a:extLst>
+              <a:ext uri="{FF2B5EF4-FFF2-40B4-BE49-F238E27FC236}">
+                <a16:creationId xmlns:a16="http://schemas.microsoft.com/office/drawing/2014/main" id="{2B1AAA55-8F37-45FB-BDFB-AD35D6F22456}"/>
               </a:ext>
             </a:extLst>
           </p:cNvPr>
           <p:cNvCxnSpPr>
             <a:cxnSpLocks/>
-            <a:stCxn id="87" idx="3"/>
-            <a:endCxn id="56" idx="2"/>
+            <a:endCxn id="233" idx="3"/>
           </p:cNvCxnSpPr>
           <p:nvPr/>
         </p:nvCxnSpPr>
         <p:spPr>
           <a:xfrm flipV="1">
-            <a:off x="7696200" y="2036690"/>
-            <a:ext cx="411229" cy="2278922"/>
-          </a:xfrm>
-          <a:prstGeom prst="bentConnector2">
-            <a:avLst/>
+            <a:off x="6361827" y="3483883"/>
+            <a:ext cx="656353" cy="306375"/>
+          </a:xfrm>
+          <a:prstGeom prst="bentConnector3">
+            <a:avLst>
+              <a:gd name="adj1" fmla="val 2401"/>
+            </a:avLst>
           </a:prstGeom>
           <a:ln w="19050">
             <a:solidFill>
               <a:srgbClr val="7030A0"/>
             </a:solidFill>
-            <a:prstDash val="solid"/>
+            <a:prstDash val="sysDot"/>
             <a:headEnd type="none" w="med" len="med"/>
-            <a:tailEnd type="triangle" w="med" len="med"/>
+            <a:tailEnd type="none" w="med" len="med"/>
+          </a:ln>
+          <a:effectLst/>
+        </p:spPr>
+        <p:style>
+          <a:lnRef idx="1">
+            <a:schemeClr val="accent2"/>
+          </a:lnRef>
+          <a:fillRef idx="2">
+            <a:schemeClr val="accent2"/>
+          </a:fillRef>
+          <a:effectRef idx="1">
+            <a:schemeClr val="accent2"/>
+          </a:effectRef>
+          <a:fontRef idx="minor">
+            <a:schemeClr val="dk1"/>
+          </a:fontRef>
+        </p:style>
+      </p:cxnSp>
+      <p:sp>
+        <p:nvSpPr>
+          <p:cNvPr id="236" name="TextBox 235">
+            <a:extLst>
+              <a:ext uri="{FF2B5EF4-FFF2-40B4-BE49-F238E27FC236}">
+                <a16:creationId xmlns:a16="http://schemas.microsoft.com/office/drawing/2014/main" id="{7E2878BC-F116-4A7C-BBD4-0C6150AB3D49}"/>
+              </a:ext>
+            </a:extLst>
+          </p:cNvPr>
+          <p:cNvSpPr txBox="1"/>
+          <p:nvPr/>
+        </p:nvSpPr>
+        <p:spPr>
+          <a:xfrm>
+            <a:off x="4531658" y="4974442"/>
+            <a:ext cx="189257" cy="178683"/>
+          </a:xfrm>
+          <a:prstGeom prst="rect">
+            <a:avLst/>
+          </a:prstGeom>
+          <a:noFill/>
+        </p:spPr>
+        <p:txBody>
+          <a:bodyPr wrap="square" lIns="0" tIns="0" rIns="0" bIns="0" rtlCol="0">
+            <a:noAutofit/>
+          </a:bodyPr>
+          <a:lstStyle/>
+          <a:p>
+            <a:pPr algn="ctr"/>
+            <a:r>
+              <a:rPr lang="en-US" sz="1100" dirty="0">
+                <a:solidFill>
+                  <a:srgbClr val="7030A0"/>
+                </a:solidFill>
+              </a:rPr>
+              <a:t>2</a:t>
+            </a:r>
+            <a:endParaRPr lang="en-SG" sz="1100" dirty="0">
+              <a:solidFill>
+                <a:srgbClr val="7030A0"/>
+              </a:solidFill>
+            </a:endParaRPr>
+          </a:p>
+        </p:txBody>
+      </p:sp>
+      <p:sp>
+        <p:nvSpPr>
+          <p:cNvPr id="237" name="TextBox 236">
+            <a:extLst>
+              <a:ext uri="{FF2B5EF4-FFF2-40B4-BE49-F238E27FC236}">
+                <a16:creationId xmlns:a16="http://schemas.microsoft.com/office/drawing/2014/main" id="{43018BDB-08FC-43C1-914B-B89BC51F061C}"/>
+              </a:ext>
+            </a:extLst>
+          </p:cNvPr>
+          <p:cNvSpPr txBox="1"/>
+          <p:nvPr/>
+        </p:nvSpPr>
+        <p:spPr>
+          <a:xfrm rot="18026597">
+            <a:off x="4432157" y="4552762"/>
+            <a:ext cx="1250473" cy="261610"/>
+          </a:xfrm>
+          <a:prstGeom prst="rect">
+            <a:avLst/>
+          </a:prstGeom>
+          <a:noFill/>
+        </p:spPr>
+        <p:txBody>
+          <a:bodyPr wrap="square" rtlCol="0">
+            <a:spAutoFit/>
+          </a:bodyPr>
+          <a:lstStyle/>
+          <a:p>
+            <a:r>
+              <a:rPr lang="en-US" sz="1100" dirty="0">
+                <a:solidFill>
+                  <a:srgbClr val="7030A0"/>
+                </a:solidFill>
+              </a:rPr>
+              <a:t>Start and end time</a:t>
+            </a:r>
+            <a:endParaRPr lang="en-SG" sz="1100" dirty="0">
+              <a:solidFill>
+                <a:srgbClr val="7030A0"/>
+              </a:solidFill>
+            </a:endParaRPr>
+          </a:p>
+        </p:txBody>
+      </p:sp>
+      <p:cxnSp>
+        <p:nvCxnSpPr>
+          <p:cNvPr id="243" name="Elbow Connector 63">
+            <a:extLst>
+              <a:ext uri="{FF2B5EF4-FFF2-40B4-BE49-F238E27FC236}">
+                <a16:creationId xmlns:a16="http://schemas.microsoft.com/office/drawing/2014/main" id="{4E887501-0359-4C98-A61D-081CF5E60E7C}"/>
+              </a:ext>
+            </a:extLst>
+          </p:cNvPr>
+          <p:cNvCxnSpPr>
+            <a:cxnSpLocks/>
+            <a:stCxn id="150" idx="3"/>
+            <a:endCxn id="155" idx="0"/>
+          </p:cNvCxnSpPr>
+          <p:nvPr/>
+        </p:nvCxnSpPr>
+        <p:spPr>
+          <a:xfrm rot="5400000">
+            <a:off x="3540235" y="1767254"/>
+            <a:ext cx="181845" cy="2295"/>
+          </a:xfrm>
+          <a:prstGeom prst="bentConnector3">
+            <a:avLst>
+              <a:gd name="adj1" fmla="val 50000"/>
+            </a:avLst>
+          </a:prstGeom>
+          <a:ln w="19050">
+            <a:solidFill>
+              <a:srgbClr val="7030A0"/>
+            </a:solidFill>
+            <a:prstDash val="sysDot"/>
+            <a:headEnd type="none" w="med" len="med"/>
+            <a:tailEnd type="none" w="med" len="med"/>
           </a:ln>
           <a:effectLst/>
         </p:spPr>
@@ -6303,226 +8506,29 @@
       </p:cxnSp>
       <p:cxnSp>
         <p:nvCxnSpPr>
-          <p:cNvPr id="91" name="Elbow Connector 106">
-            <a:extLst>
-              <a:ext uri="{FF2B5EF4-FFF2-40B4-BE49-F238E27FC236}">
-                <a16:creationId xmlns:a16="http://schemas.microsoft.com/office/drawing/2014/main" id="{96D27E4F-2307-4395-B103-FFF66FED1410}"/>
+          <p:cNvPr id="307" name="Elbow Connector 106">
+            <a:extLst>
+              <a:ext uri="{FF2B5EF4-FFF2-40B4-BE49-F238E27FC236}">
+                <a16:creationId xmlns:a16="http://schemas.microsoft.com/office/drawing/2014/main" id="{7B372279-37DB-4C14-B9B5-60B48CDD7E29}"/>
               </a:ext>
             </a:extLst>
           </p:cNvPr>
           <p:cNvCxnSpPr>
             <a:cxnSpLocks/>
-            <a:stCxn id="88" idx="3"/>
-            <a:endCxn id="56" idx="2"/>
+            <a:stCxn id="321" idx="2"/>
+            <a:endCxn id="319" idx="0"/>
           </p:cNvCxnSpPr>
           <p:nvPr/>
         </p:nvCxnSpPr>
         <p:spPr>
-          <a:xfrm flipV="1">
-            <a:off x="7696200" y="2036690"/>
-            <a:ext cx="411229" cy="2601899"/>
-          </a:xfrm>
-          <a:prstGeom prst="bentConnector2">
-            <a:avLst/>
-          </a:prstGeom>
-          <a:ln w="19050">
-            <a:solidFill>
-              <a:srgbClr val="7030A0"/>
-            </a:solidFill>
-            <a:prstDash val="solid"/>
-            <a:headEnd type="none" w="med" len="med"/>
-            <a:tailEnd type="triangle" w="med" len="med"/>
-          </a:ln>
-          <a:effectLst/>
-        </p:spPr>
-        <p:style>
-          <a:lnRef idx="1">
-            <a:schemeClr val="accent2"/>
-          </a:lnRef>
-          <a:fillRef idx="2">
-            <a:schemeClr val="accent2"/>
-          </a:fillRef>
-          <a:effectRef idx="1">
-            <a:schemeClr val="accent2"/>
-          </a:effectRef>
-          <a:fontRef idx="minor">
-            <a:schemeClr val="dk1"/>
-          </a:fontRef>
-        </p:style>
-      </p:cxnSp>
-      <p:cxnSp>
-        <p:nvCxnSpPr>
-          <p:cNvPr id="101" name="Elbow Connector 85">
-            <a:extLst>
-              <a:ext uri="{FF2B5EF4-FFF2-40B4-BE49-F238E27FC236}">
-                <a16:creationId xmlns:a16="http://schemas.microsoft.com/office/drawing/2014/main" id="{E15EE972-CAFD-41AE-ABB3-0E65A0F91BE5}"/>
-              </a:ext>
-            </a:extLst>
-          </p:cNvPr>
-          <p:cNvCxnSpPr>
-            <a:cxnSpLocks/>
-            <a:stCxn id="78" idx="3"/>
-            <a:endCxn id="82" idx="1"/>
-          </p:cNvCxnSpPr>
-          <p:nvPr/>
-        </p:nvCxnSpPr>
-        <p:spPr>
-          <a:xfrm>
-            <a:off x="6662749" y="3669500"/>
-            <a:ext cx="310783" cy="323134"/>
+          <a:xfrm rot="16200000" flipH="1">
+            <a:off x="2906985" y="2247689"/>
+            <a:ext cx="427704" cy="2657434"/>
           </a:xfrm>
           <a:prstGeom prst="bentConnector3">
             <a:avLst>
-              <a:gd name="adj1" fmla="val 50000"/>
+              <a:gd name="adj1" fmla="val 10805"/>
             </a:avLst>
-          </a:prstGeom>
-          <a:ln w="19050">
-            <a:solidFill>
-              <a:srgbClr val="7030A0"/>
-            </a:solidFill>
-            <a:headEnd type="none" w="med" len="med"/>
-            <a:tailEnd type="arrow" w="med" len="med"/>
-          </a:ln>
-          <a:effectLst/>
-        </p:spPr>
-        <p:style>
-          <a:lnRef idx="1">
-            <a:schemeClr val="accent2"/>
-          </a:lnRef>
-          <a:fillRef idx="2">
-            <a:schemeClr val="accent2"/>
-          </a:fillRef>
-          <a:effectRef idx="1">
-            <a:schemeClr val="accent2"/>
-          </a:effectRef>
-          <a:fontRef idx="minor">
-            <a:schemeClr val="dk1"/>
-          </a:fontRef>
-        </p:style>
-      </p:cxnSp>
-      <p:cxnSp>
-        <p:nvCxnSpPr>
-          <p:cNvPr id="103" name="Elbow Connector 85">
-            <a:extLst>
-              <a:ext uri="{FF2B5EF4-FFF2-40B4-BE49-F238E27FC236}">
-                <a16:creationId xmlns:a16="http://schemas.microsoft.com/office/drawing/2014/main" id="{4D4ACC97-F85C-43F5-8F9F-C002799A989E}"/>
-              </a:ext>
-            </a:extLst>
-          </p:cNvPr>
-          <p:cNvCxnSpPr>
-            <a:cxnSpLocks/>
-            <a:stCxn id="78" idx="3"/>
-            <a:endCxn id="87" idx="1"/>
-          </p:cNvCxnSpPr>
-          <p:nvPr/>
-        </p:nvCxnSpPr>
-        <p:spPr>
-          <a:xfrm>
-            <a:off x="6662749" y="3669500"/>
-            <a:ext cx="310783" cy="646112"/>
-          </a:xfrm>
-          <a:prstGeom prst="bentConnector3">
-            <a:avLst>
-              <a:gd name="adj1" fmla="val 50000"/>
-            </a:avLst>
-          </a:prstGeom>
-          <a:ln w="19050">
-            <a:solidFill>
-              <a:srgbClr val="7030A0"/>
-            </a:solidFill>
-            <a:headEnd type="none" w="med" len="med"/>
-            <a:tailEnd type="arrow" w="med" len="med"/>
-          </a:ln>
-          <a:effectLst/>
-        </p:spPr>
-        <p:style>
-          <a:lnRef idx="1">
-            <a:schemeClr val="accent2"/>
-          </a:lnRef>
-          <a:fillRef idx="2">
-            <a:schemeClr val="accent2"/>
-          </a:fillRef>
-          <a:effectRef idx="1">
-            <a:schemeClr val="accent2"/>
-          </a:effectRef>
-          <a:fontRef idx="minor">
-            <a:schemeClr val="dk1"/>
-          </a:fontRef>
-        </p:style>
-      </p:cxnSp>
-      <p:cxnSp>
-        <p:nvCxnSpPr>
-          <p:cNvPr id="106" name="Elbow Connector 85">
-            <a:extLst>
-              <a:ext uri="{FF2B5EF4-FFF2-40B4-BE49-F238E27FC236}">
-                <a16:creationId xmlns:a16="http://schemas.microsoft.com/office/drawing/2014/main" id="{8125435C-BC6A-4FED-BB59-BF180944EB08}"/>
-              </a:ext>
-            </a:extLst>
-          </p:cNvPr>
-          <p:cNvCxnSpPr>
-            <a:cxnSpLocks/>
-            <a:stCxn id="78" idx="3"/>
-            <a:endCxn id="88" idx="1"/>
-          </p:cNvCxnSpPr>
-          <p:nvPr/>
-        </p:nvCxnSpPr>
-        <p:spPr>
-          <a:xfrm>
-            <a:off x="6662749" y="3669500"/>
-            <a:ext cx="310783" cy="969089"/>
-          </a:xfrm>
-          <a:prstGeom prst="bentConnector3">
-            <a:avLst>
-              <a:gd name="adj1" fmla="val 50000"/>
-            </a:avLst>
-          </a:prstGeom>
-          <a:ln w="19050">
-            <a:solidFill>
-              <a:srgbClr val="7030A0"/>
-            </a:solidFill>
-            <a:headEnd type="none" w="med" len="med"/>
-            <a:tailEnd type="arrow" w="med" len="med"/>
-          </a:ln>
-          <a:effectLst/>
-        </p:spPr>
-        <p:style>
-          <a:lnRef idx="1">
-            <a:schemeClr val="accent2"/>
-          </a:lnRef>
-          <a:fillRef idx="2">
-            <a:schemeClr val="accent2"/>
-          </a:fillRef>
-          <a:effectRef idx="1">
-            <a:schemeClr val="accent2"/>
-          </a:effectRef>
-          <a:fontRef idx="minor">
-            <a:schemeClr val="dk1"/>
-          </a:fontRef>
-        </p:style>
-      </p:cxnSp>
-      <p:cxnSp>
-        <p:nvCxnSpPr>
-          <p:cNvPr id="192" name="Elbow Connector 106">
-            <a:extLst>
-              <a:ext uri="{FF2B5EF4-FFF2-40B4-BE49-F238E27FC236}">
-                <a16:creationId xmlns:a16="http://schemas.microsoft.com/office/drawing/2014/main" id="{03F511F5-5D2B-4DE1-B668-2CDD9F46E4D6}"/>
-              </a:ext>
-            </a:extLst>
-          </p:cNvPr>
-          <p:cNvCxnSpPr>
-            <a:cxnSpLocks/>
-            <a:stCxn id="9" idx="2"/>
-            <a:endCxn id="194" idx="2"/>
-          </p:cNvCxnSpPr>
-          <p:nvPr/>
-        </p:nvCxnSpPr>
-        <p:spPr>
-          <a:xfrm flipV="1">
-            <a:off x="1642881" y="3027918"/>
-            <a:ext cx="4417997" cy="243212"/>
-          </a:xfrm>
-          <a:prstGeom prst="bentConnector2">
-            <a:avLst/>
           </a:prstGeom>
           <a:ln w="19050">
             <a:solidFill>
@@ -6551,10 +8557,10 @@
       </p:cxnSp>
       <p:sp>
         <p:nvSpPr>
-          <p:cNvPr id="193" name="Rectangle 8">
-            <a:extLst>
-              <a:ext uri="{FF2B5EF4-FFF2-40B4-BE49-F238E27FC236}">
-                <a16:creationId xmlns:a16="http://schemas.microsoft.com/office/drawing/2014/main" id="{0ACE7F62-86AC-4C3C-A304-6EA192EF91C6}"/>
+          <p:cNvPr id="319" name="Rectangle 318">
+            <a:extLst>
+              <a:ext uri="{FF2B5EF4-FFF2-40B4-BE49-F238E27FC236}">
+                <a16:creationId xmlns:a16="http://schemas.microsoft.com/office/drawing/2014/main" id="{BA3449A5-9230-4E9E-9133-440873465936}"/>
               </a:ext>
             </a:extLst>
           </p:cNvPr>
@@ -6563,60 +8569,211 @@
         </p:nvSpPr>
         <p:spPr>
           <a:xfrm>
-            <a:off x="4092812" y="2676731"/>
-            <a:ext cx="1156969" cy="346760"/>
+            <a:off x="4314861" y="3790258"/>
+            <a:ext cx="269386" cy="263203"/>
           </a:xfrm>
           <a:prstGeom prst="rect">
             <a:avLst/>
+          </a:prstGeom>
+          <a:solidFill>
+            <a:srgbClr val="000000">
+              <a:alpha val="0"/>
+            </a:srgbClr>
+          </a:solidFill>
+          <a:ln>
+            <a:noFill/>
+          </a:ln>
+        </p:spPr>
+        <p:style>
+          <a:lnRef idx="2">
+            <a:schemeClr val="accent1">
+              <a:shade val="50000"/>
+            </a:schemeClr>
+          </a:lnRef>
+          <a:fillRef idx="1">
+            <a:schemeClr val="accent1"/>
+          </a:fillRef>
+          <a:effectRef idx="0">
+            <a:schemeClr val="accent1"/>
+          </a:effectRef>
+          <a:fontRef idx="minor">
+            <a:schemeClr val="lt1"/>
+          </a:fontRef>
+        </p:style>
+        <p:txBody>
+          <a:bodyPr rtlCol="0" anchor="ctr"/>
+          <a:lstStyle/>
+          <a:p>
+            <a:pPr algn="ctr"/>
+            <a:endParaRPr lang="en-SG"/>
+          </a:p>
+        </p:txBody>
+      </p:sp>
+      <p:sp>
+        <p:nvSpPr>
+          <p:cNvPr id="321" name="Rectangle 320">
+            <a:extLst>
+              <a:ext uri="{FF2B5EF4-FFF2-40B4-BE49-F238E27FC236}">
+                <a16:creationId xmlns:a16="http://schemas.microsoft.com/office/drawing/2014/main" id="{C977C9B2-EAF9-48CF-B095-545E2908364D}"/>
+              </a:ext>
+            </a:extLst>
+          </p:cNvPr>
+          <p:cNvSpPr/>
+          <p:nvPr/>
+        </p:nvSpPr>
+        <p:spPr>
+          <a:xfrm>
+            <a:off x="1657427" y="3099351"/>
+            <a:ext cx="269386" cy="263203"/>
+          </a:xfrm>
+          <a:prstGeom prst="rect">
+            <a:avLst/>
+          </a:prstGeom>
+          <a:solidFill>
+            <a:srgbClr val="000000">
+              <a:alpha val="0"/>
+            </a:srgbClr>
+          </a:solidFill>
+          <a:ln>
+            <a:noFill/>
+          </a:ln>
+        </p:spPr>
+        <p:style>
+          <a:lnRef idx="2">
+            <a:schemeClr val="accent1">
+              <a:shade val="50000"/>
+            </a:schemeClr>
+          </a:lnRef>
+          <a:fillRef idx="1">
+            <a:schemeClr val="accent1"/>
+          </a:fillRef>
+          <a:effectRef idx="0">
+            <a:schemeClr val="accent1"/>
+          </a:effectRef>
+          <a:fontRef idx="minor">
+            <a:schemeClr val="lt1"/>
+          </a:fontRef>
+        </p:style>
+        <p:txBody>
+          <a:bodyPr rtlCol="0" anchor="ctr"/>
+          <a:lstStyle/>
+          <a:p>
+            <a:pPr algn="ctr"/>
+            <a:endParaRPr lang="en-SG"/>
+          </a:p>
+        </p:txBody>
+      </p:sp>
+      <p:sp>
+        <p:nvSpPr>
+          <p:cNvPr id="328" name="Rectangle 327">
+            <a:extLst>
+              <a:ext uri="{FF2B5EF4-FFF2-40B4-BE49-F238E27FC236}">
+                <a16:creationId xmlns:a16="http://schemas.microsoft.com/office/drawing/2014/main" id="{A414E5A9-FCFC-4C6D-84E4-D1B30882FA08}"/>
+              </a:ext>
+            </a:extLst>
+          </p:cNvPr>
+          <p:cNvSpPr/>
+          <p:nvPr/>
+        </p:nvSpPr>
+        <p:spPr>
+          <a:xfrm>
+            <a:off x="5639618" y="3774513"/>
+            <a:ext cx="269386" cy="263203"/>
+          </a:xfrm>
+          <a:prstGeom prst="rect">
+            <a:avLst/>
+          </a:prstGeom>
+          <a:solidFill>
+            <a:srgbClr val="000000">
+              <a:alpha val="0"/>
+            </a:srgbClr>
+          </a:solidFill>
+          <a:ln>
+            <a:noFill/>
+          </a:ln>
+        </p:spPr>
+        <p:style>
+          <a:lnRef idx="2">
+            <a:schemeClr val="accent1">
+              <a:shade val="50000"/>
+            </a:schemeClr>
+          </a:lnRef>
+          <a:fillRef idx="1">
+            <a:schemeClr val="accent1"/>
+          </a:fillRef>
+          <a:effectRef idx="0">
+            <a:schemeClr val="accent1"/>
+          </a:effectRef>
+          <a:fontRef idx="minor">
+            <a:schemeClr val="lt1"/>
+          </a:fontRef>
+        </p:style>
+        <p:txBody>
+          <a:bodyPr rtlCol="0" anchor="ctr"/>
+          <a:lstStyle/>
+          <a:p>
+            <a:pPr algn="ctr"/>
+            <a:endParaRPr lang="en-SG"/>
+          </a:p>
+        </p:txBody>
+      </p:sp>
+      <p:cxnSp>
+        <p:nvCxnSpPr>
+          <p:cNvPr id="330" name="Elbow Connector 106">
+            <a:extLst>
+              <a:ext uri="{FF2B5EF4-FFF2-40B4-BE49-F238E27FC236}">
+                <a16:creationId xmlns:a16="http://schemas.microsoft.com/office/drawing/2014/main" id="{2331AE3E-8703-4849-A3F9-01B102D58056}"/>
+              </a:ext>
+            </a:extLst>
+          </p:cNvPr>
+          <p:cNvCxnSpPr>
+            <a:cxnSpLocks/>
+            <a:stCxn id="321" idx="2"/>
+            <a:endCxn id="328" idx="0"/>
+          </p:cNvCxnSpPr>
+          <p:nvPr/>
+        </p:nvCxnSpPr>
+        <p:spPr>
+          <a:xfrm rot="16200000" flipH="1">
+            <a:off x="3577236" y="1577437"/>
+            <a:ext cx="411959" cy="3982191"/>
+          </a:xfrm>
+          <a:prstGeom prst="bentConnector3">
+            <a:avLst>
+              <a:gd name="adj1" fmla="val 11157"/>
+            </a:avLst>
           </a:prstGeom>
           <a:ln w="19050">
             <a:solidFill>
               <a:srgbClr val="7030A0"/>
             </a:solidFill>
+            <a:prstDash val="solid"/>
+            <a:headEnd type="none" w="med" len="med"/>
+            <a:tailEnd type="arrow" w="med" len="med"/>
           </a:ln>
           <a:effectLst/>
         </p:spPr>
         <p:style>
           <a:lnRef idx="1">
-            <a:schemeClr val="accent4"/>
+            <a:schemeClr val="accent2"/>
           </a:lnRef>
           <a:fillRef idx="2">
-            <a:schemeClr val="accent4"/>
+            <a:schemeClr val="accent2"/>
           </a:fillRef>
           <a:effectRef idx="1">
-            <a:schemeClr val="accent4"/>
+            <a:schemeClr val="accent2"/>
           </a:effectRef>
           <a:fontRef idx="minor">
             <a:schemeClr val="dk1"/>
           </a:fontRef>
         </p:style>
-        <p:txBody>
-          <a:bodyPr rtlCol="0" anchor="ctr"/>
-          <a:lstStyle/>
-          <a:p>
-            <a:pPr algn="ctr"/>
-            <a:r>
-              <a:rPr lang="en-US" sz="1050" dirty="0" err="1">
-                <a:solidFill>
-                  <a:srgbClr val="7030A0"/>
-                </a:solidFill>
-              </a:rPr>
-              <a:t>UniqueBikeList</a:t>
-            </a:r>
-            <a:endParaRPr lang="en-SG" sz="1050" dirty="0">
-              <a:solidFill>
-                <a:srgbClr val="7030A0"/>
-              </a:solidFill>
-            </a:endParaRPr>
-          </a:p>
-        </p:txBody>
-      </p:sp>
-      <p:sp>
-        <p:nvSpPr>
-          <p:cNvPr id="194" name="Rectangle 8">
-            <a:extLst>
-              <a:ext uri="{FF2B5EF4-FFF2-40B4-BE49-F238E27FC236}">
-                <a16:creationId xmlns:a16="http://schemas.microsoft.com/office/drawing/2014/main" id="{7EBA1755-EA7F-4D76-A423-DBAA91D0CE9D}"/>
+      </p:cxnSp>
+      <p:sp>
+        <p:nvSpPr>
+          <p:cNvPr id="455" name="Flowchart: Decision 96">
+            <a:extLst>
+              <a:ext uri="{FF2B5EF4-FFF2-40B4-BE49-F238E27FC236}">
+                <a16:creationId xmlns:a16="http://schemas.microsoft.com/office/drawing/2014/main" id="{6572C71D-6CD1-485A-A176-70B8BCB1489A}"/>
               </a:ext>
             </a:extLst>
           </p:cNvPr>
@@ -6625,75 +8782,15 @@
         </p:nvSpPr>
         <p:spPr>
           <a:xfrm>
-            <a:off x="5706785" y="2681158"/>
-            <a:ext cx="708186" cy="346760"/>
-          </a:xfrm>
-          <a:prstGeom prst="rect">
-            <a:avLst/>
-          </a:prstGeom>
-          <a:ln w="19050">
-            <a:solidFill>
-              <a:srgbClr val="7030A0"/>
-            </a:solidFill>
-          </a:ln>
-          <a:effectLst/>
-        </p:spPr>
-        <p:style>
-          <a:lnRef idx="1">
-            <a:schemeClr val="accent4"/>
-          </a:lnRef>
-          <a:fillRef idx="2">
-            <a:schemeClr val="accent4"/>
-          </a:fillRef>
-          <a:effectRef idx="1">
-            <a:schemeClr val="accent4"/>
-          </a:effectRef>
-          <a:fontRef idx="minor">
-            <a:schemeClr val="dk1"/>
-          </a:fontRef>
-        </p:style>
-        <p:txBody>
-          <a:bodyPr rtlCol="0" anchor="ctr"/>
-          <a:lstStyle/>
-          <a:p>
-            <a:pPr algn="ctr"/>
-            <a:r>
-              <a:rPr lang="en-US" sz="1050" dirty="0">
-                <a:solidFill>
-                  <a:srgbClr val="7030A0"/>
-                </a:solidFill>
-              </a:rPr>
-              <a:t>Bike</a:t>
-            </a:r>
-            <a:endParaRPr lang="en-SG" sz="1050" dirty="0">
-              <a:solidFill>
-                <a:srgbClr val="7030A0"/>
-              </a:solidFill>
-            </a:endParaRPr>
-          </a:p>
-        </p:txBody>
-      </p:sp>
-      <p:sp>
-        <p:nvSpPr>
-          <p:cNvPr id="195" name="Flowchart: Decision 96">
-            <a:extLst>
-              <a:ext uri="{FF2B5EF4-FFF2-40B4-BE49-F238E27FC236}">
-                <a16:creationId xmlns:a16="http://schemas.microsoft.com/office/drawing/2014/main" id="{27834B1E-03BA-4FBD-BA8E-51A99407E359}"/>
-              </a:ext>
-            </a:extLst>
-          </p:cNvPr>
-          <p:cNvSpPr/>
-          <p:nvPr/>
-        </p:nvSpPr>
-        <p:spPr>
-          <a:xfrm>
-            <a:off x="5251979" y="2756715"/>
+            <a:off x="4069434" y="3842885"/>
             <a:ext cx="236048" cy="173380"/>
           </a:xfrm>
           <a:prstGeom prst="flowChartDecision">
             <a:avLst/>
           </a:prstGeom>
-          <a:noFill/>
+          <a:solidFill>
+            <a:srgbClr val="7030A0"/>
+          </a:solidFill>
           <a:ln w="19050">
             <a:solidFill>
               <a:srgbClr val="7030A0"/>
@@ -6724,473 +8821,30 @@
           </a:p>
         </p:txBody>
       </p:sp>
-      <p:sp>
-        <p:nvSpPr>
-          <p:cNvPr id="196" name="TextBox 195">
-            <a:extLst>
-              <a:ext uri="{FF2B5EF4-FFF2-40B4-BE49-F238E27FC236}">
-                <a16:creationId xmlns:a16="http://schemas.microsoft.com/office/drawing/2014/main" id="{895C7683-EADF-43EB-ADE4-F8AD59361D9F}"/>
-              </a:ext>
-            </a:extLst>
-          </p:cNvPr>
-          <p:cNvSpPr txBox="1"/>
-          <p:nvPr/>
-        </p:nvSpPr>
-        <p:spPr>
-          <a:xfrm>
-            <a:off x="6016426" y="3036658"/>
-            <a:ext cx="881018" cy="261610"/>
-          </a:xfrm>
-          <a:prstGeom prst="rect">
-            <a:avLst/>
-          </a:prstGeom>
-          <a:noFill/>
-        </p:spPr>
-        <p:txBody>
-          <a:bodyPr wrap="square" rtlCol="0">
-            <a:spAutoFit/>
-          </a:bodyPr>
-          <a:lstStyle/>
-          <a:p>
-            <a:r>
-              <a:rPr lang="en-US" sz="1100" dirty="0">
-                <a:solidFill>
-                  <a:srgbClr val="7030A0"/>
-                </a:solidFill>
-              </a:rPr>
-              <a:t>filtered list</a:t>
-            </a:r>
-            <a:endParaRPr lang="en-SG" sz="1100" dirty="0">
-              <a:solidFill>
-                <a:srgbClr val="7030A0"/>
-              </a:solidFill>
-            </a:endParaRPr>
-          </a:p>
-        </p:txBody>
-      </p:sp>
-      <p:sp>
-        <p:nvSpPr>
-          <p:cNvPr id="197" name="TextBox 196">
-            <a:extLst>
-              <a:ext uri="{FF2B5EF4-FFF2-40B4-BE49-F238E27FC236}">
-                <a16:creationId xmlns:a16="http://schemas.microsoft.com/office/drawing/2014/main" id="{8ADB86F3-4A2C-44DE-A681-0FA50CF1F255}"/>
-              </a:ext>
-            </a:extLst>
-          </p:cNvPr>
-          <p:cNvSpPr txBox="1"/>
-          <p:nvPr/>
-        </p:nvSpPr>
-        <p:spPr>
-          <a:xfrm>
-            <a:off x="3938536" y="2607618"/>
-            <a:ext cx="189257" cy="178683"/>
-          </a:xfrm>
-          <a:prstGeom prst="rect">
-            <a:avLst/>
-          </a:prstGeom>
-          <a:noFill/>
-        </p:spPr>
-        <p:txBody>
-          <a:bodyPr wrap="square" lIns="0" tIns="0" rIns="0" bIns="0" rtlCol="0">
-            <a:noAutofit/>
-          </a:bodyPr>
-          <a:lstStyle/>
-          <a:p>
-            <a:pPr algn="ctr"/>
-            <a:r>
-              <a:rPr lang="en-US" sz="1100" dirty="0">
-                <a:solidFill>
-                  <a:srgbClr val="7030A0"/>
-                </a:solidFill>
-              </a:rPr>
-              <a:t>1</a:t>
-            </a:r>
-            <a:endParaRPr lang="en-SG" sz="1100" dirty="0">
-              <a:solidFill>
-                <a:srgbClr val="7030A0"/>
-              </a:solidFill>
-            </a:endParaRPr>
-          </a:p>
-        </p:txBody>
-      </p:sp>
-      <p:sp>
-        <p:nvSpPr>
-          <p:cNvPr id="198" name="TextBox 197">
-            <a:extLst>
-              <a:ext uri="{FF2B5EF4-FFF2-40B4-BE49-F238E27FC236}">
-                <a16:creationId xmlns:a16="http://schemas.microsoft.com/office/drawing/2014/main" id="{4E25F253-888C-4C75-A4D7-A12691FB9FF1}"/>
-              </a:ext>
-            </a:extLst>
-          </p:cNvPr>
-          <p:cNvSpPr txBox="1"/>
-          <p:nvPr/>
-        </p:nvSpPr>
-        <p:spPr>
-          <a:xfrm>
-            <a:off x="5549510" y="2676731"/>
-            <a:ext cx="189257" cy="178683"/>
-          </a:xfrm>
-          <a:prstGeom prst="rect">
-            <a:avLst/>
-          </a:prstGeom>
-          <a:noFill/>
-        </p:spPr>
-        <p:txBody>
-          <a:bodyPr wrap="square" lIns="0" tIns="0" rIns="0" bIns="0" rtlCol="0">
-            <a:noAutofit/>
-          </a:bodyPr>
-          <a:lstStyle/>
-          <a:p>
-            <a:pPr algn="ctr"/>
-            <a:r>
-              <a:rPr lang="en-US" sz="1100" dirty="0">
-                <a:solidFill>
-                  <a:srgbClr val="7030A0"/>
-                </a:solidFill>
-              </a:rPr>
-              <a:t>*</a:t>
-            </a:r>
-            <a:endParaRPr lang="en-SG" sz="1100" dirty="0">
-              <a:solidFill>
-                <a:srgbClr val="7030A0"/>
-              </a:solidFill>
-            </a:endParaRPr>
-          </a:p>
-        </p:txBody>
-      </p:sp>
-      <p:sp>
-        <p:nvSpPr>
-          <p:cNvPr id="199" name="TextBox 198">
-            <a:extLst>
-              <a:ext uri="{FF2B5EF4-FFF2-40B4-BE49-F238E27FC236}">
-                <a16:creationId xmlns:a16="http://schemas.microsoft.com/office/drawing/2014/main" id="{2F74CAC8-6D96-4372-96BA-62B213BA1C1B}"/>
-              </a:ext>
-            </a:extLst>
-          </p:cNvPr>
-          <p:cNvSpPr txBox="1"/>
-          <p:nvPr/>
-        </p:nvSpPr>
-        <p:spPr>
-          <a:xfrm>
-            <a:off x="5869882" y="3036659"/>
-            <a:ext cx="189257" cy="178683"/>
-          </a:xfrm>
-          <a:prstGeom prst="rect">
-            <a:avLst/>
-          </a:prstGeom>
-          <a:noFill/>
-        </p:spPr>
-        <p:txBody>
-          <a:bodyPr wrap="square" lIns="0" tIns="0" rIns="0" bIns="0" rtlCol="0">
-            <a:noAutofit/>
-          </a:bodyPr>
-          <a:lstStyle/>
-          <a:p>
-            <a:pPr algn="ctr"/>
-            <a:r>
-              <a:rPr lang="en-US" sz="1100" dirty="0">
-                <a:solidFill>
-                  <a:srgbClr val="7030A0"/>
-                </a:solidFill>
-              </a:rPr>
-              <a:t>1</a:t>
-            </a:r>
-            <a:endParaRPr lang="en-SG" sz="1100" dirty="0">
-              <a:solidFill>
-                <a:srgbClr val="7030A0"/>
-              </a:solidFill>
-            </a:endParaRPr>
-          </a:p>
-        </p:txBody>
-      </p:sp>
       <p:cxnSp>
         <p:nvCxnSpPr>
-          <p:cNvPr id="200" name="Straight Arrow Connector 59">
-            <a:extLst>
-              <a:ext uri="{FF2B5EF4-FFF2-40B4-BE49-F238E27FC236}">
-                <a16:creationId xmlns:a16="http://schemas.microsoft.com/office/drawing/2014/main" id="{3476F70C-B3ED-4FD1-87C1-4F79ABEC1350}"/>
+          <p:cNvPr id="572" name="Elbow Connector 122">
+            <a:extLst>
+              <a:ext uri="{FF2B5EF4-FFF2-40B4-BE49-F238E27FC236}">
+                <a16:creationId xmlns:a16="http://schemas.microsoft.com/office/drawing/2014/main" id="{C2999572-EEF9-441D-884C-40DE9A9CEB0D}"/>
               </a:ext>
             </a:extLst>
           </p:cNvPr>
           <p:cNvCxnSpPr>
             <a:cxnSpLocks/>
-            <a:stCxn id="51" idx="3"/>
-            <a:endCxn id="193" idx="1"/>
+            <a:endCxn id="207" idx="0"/>
           </p:cNvCxnSpPr>
           <p:nvPr/>
         </p:nvCxnSpPr>
         <p:spPr>
-          <a:xfrm flipV="1">
-            <a:off x="3822155" y="2850111"/>
-            <a:ext cx="270657" cy="157111"/>
+          <a:xfrm rot="16200000" flipH="1">
+            <a:off x="3145290" y="3352752"/>
+            <a:ext cx="1473014" cy="503574"/>
           </a:xfrm>
           <a:prstGeom prst="bentConnector3">
             <a:avLst>
-              <a:gd name="adj1" fmla="val 44369"/>
+              <a:gd name="adj1" fmla="val 88798"/>
             </a:avLst>
-          </a:prstGeom>
-          <a:ln w="19050">
-            <a:solidFill>
-              <a:srgbClr val="7030A0"/>
-            </a:solidFill>
-            <a:headEnd type="none" w="med" len="med"/>
-            <a:tailEnd type="arrow" w="med" len="med"/>
-          </a:ln>
-          <a:effectLst/>
-        </p:spPr>
-        <p:style>
-          <a:lnRef idx="1">
-            <a:schemeClr val="accent2"/>
-          </a:lnRef>
-          <a:fillRef idx="2">
-            <a:schemeClr val="accent2"/>
-          </a:fillRef>
-          <a:effectRef idx="1">
-            <a:schemeClr val="accent2"/>
-          </a:effectRef>
-          <a:fontRef idx="minor">
-            <a:schemeClr val="dk1"/>
-          </a:fontRef>
-        </p:style>
-      </p:cxnSp>
-      <p:cxnSp>
-        <p:nvCxnSpPr>
-          <p:cNvPr id="202" name="Elbow Connector 63">
-            <a:extLst>
-              <a:ext uri="{FF2B5EF4-FFF2-40B4-BE49-F238E27FC236}">
-                <a16:creationId xmlns:a16="http://schemas.microsoft.com/office/drawing/2014/main" id="{1A4BC96D-DB1A-45CA-A8CD-78CB9198399E}"/>
-              </a:ext>
-            </a:extLst>
-          </p:cNvPr>
-          <p:cNvCxnSpPr>
-            <a:cxnSpLocks/>
-            <a:stCxn id="195" idx="3"/>
-            <a:endCxn id="194" idx="1"/>
-          </p:cNvCxnSpPr>
-          <p:nvPr/>
-        </p:nvCxnSpPr>
-        <p:spPr>
-          <a:xfrm>
-            <a:off x="5488027" y="2843405"/>
-            <a:ext cx="218758" cy="11133"/>
-          </a:xfrm>
-          <a:prstGeom prst="bentConnector3">
-            <a:avLst>
-              <a:gd name="adj1" fmla="val 50000"/>
-            </a:avLst>
-          </a:prstGeom>
-          <a:ln w="19050">
-            <a:solidFill>
-              <a:srgbClr val="7030A0"/>
-            </a:solidFill>
-            <a:headEnd type="none" w="med" len="med"/>
-            <a:tailEnd type="arrow" w="med" len="med"/>
-          </a:ln>
-          <a:effectLst/>
-        </p:spPr>
-        <p:style>
-          <a:lnRef idx="1">
-            <a:schemeClr val="accent2"/>
-          </a:lnRef>
-          <a:fillRef idx="2">
-            <a:schemeClr val="accent2"/>
-          </a:fillRef>
-          <a:effectRef idx="1">
-            <a:schemeClr val="accent2"/>
-          </a:effectRef>
-          <a:fontRef idx="minor">
-            <a:schemeClr val="dk1"/>
-          </a:fontRef>
-        </p:style>
-      </p:cxnSp>
-      <p:sp>
-        <p:nvSpPr>
-          <p:cNvPr id="223" name="Flowchart: Decision 96">
-            <a:extLst>
-              <a:ext uri="{FF2B5EF4-FFF2-40B4-BE49-F238E27FC236}">
-                <a16:creationId xmlns:a16="http://schemas.microsoft.com/office/drawing/2014/main" id="{5A9C98A5-E955-4A1B-9188-E503035A567C}"/>
-              </a:ext>
-            </a:extLst>
-          </p:cNvPr>
-          <p:cNvSpPr/>
-          <p:nvPr/>
-        </p:nvSpPr>
-        <p:spPr>
-          <a:xfrm rot="16200000">
-            <a:off x="5941115" y="2463292"/>
-            <a:ext cx="236048" cy="173380"/>
-          </a:xfrm>
-          <a:prstGeom prst="flowChartDecision">
-            <a:avLst/>
-          </a:prstGeom>
-          <a:solidFill>
-            <a:srgbClr val="7030A0"/>
-          </a:solidFill>
-          <a:ln w="19050">
-            <a:solidFill>
-              <a:srgbClr val="7030A0"/>
-            </a:solidFill>
-          </a:ln>
-          <a:effectLst/>
-        </p:spPr>
-        <p:style>
-          <a:lnRef idx="1">
-            <a:schemeClr val="accent6"/>
-          </a:lnRef>
-          <a:fillRef idx="2">
-            <a:schemeClr val="accent6"/>
-          </a:fillRef>
-          <a:effectRef idx="1">
-            <a:schemeClr val="accent6"/>
-          </a:effectRef>
-          <a:fontRef idx="minor">
-            <a:schemeClr val="dk1"/>
-          </a:fontRef>
-        </p:style>
-        <p:txBody>
-          <a:bodyPr rtlCol="0" anchor="ctr"/>
-          <a:lstStyle/>
-          <a:p>
-            <a:pPr algn="ctr"/>
-            <a:endParaRPr lang="en-US" sz="1050"/>
-          </a:p>
-        </p:txBody>
-      </p:sp>
-      <p:sp>
-        <p:nvSpPr>
-          <p:cNvPr id="224" name="Rectangle 8">
-            <a:extLst>
-              <a:ext uri="{FF2B5EF4-FFF2-40B4-BE49-F238E27FC236}">
-                <a16:creationId xmlns:a16="http://schemas.microsoft.com/office/drawing/2014/main" id="{6C4CB348-157C-4131-9A59-4EE41BA5D228}"/>
-              </a:ext>
-            </a:extLst>
-          </p:cNvPr>
-          <p:cNvSpPr/>
-          <p:nvPr/>
-        </p:nvSpPr>
-        <p:spPr>
-          <a:xfrm>
-            <a:off x="6363624" y="1877260"/>
-            <a:ext cx="524021" cy="285783"/>
-          </a:xfrm>
-          <a:prstGeom prst="rect">
-            <a:avLst/>
-          </a:prstGeom>
-          <a:ln w="19050">
-            <a:solidFill>
-              <a:srgbClr val="7030A0"/>
-            </a:solidFill>
-          </a:ln>
-          <a:effectLst/>
-        </p:spPr>
-        <p:style>
-          <a:lnRef idx="1">
-            <a:schemeClr val="accent4"/>
-          </a:lnRef>
-          <a:fillRef idx="2">
-            <a:schemeClr val="accent4"/>
-          </a:fillRef>
-          <a:effectRef idx="1">
-            <a:schemeClr val="accent4"/>
-          </a:effectRef>
-          <a:fontRef idx="minor">
-            <a:schemeClr val="dk1"/>
-          </a:fontRef>
-        </p:style>
-        <p:txBody>
-          <a:bodyPr rtlCol="0" anchor="ctr"/>
-          <a:lstStyle/>
-          <a:p>
-            <a:pPr algn="ctr"/>
-            <a:r>
-              <a:rPr lang="en-US" sz="1050" dirty="0">
-                <a:solidFill>
-                  <a:srgbClr val="7030A0"/>
-                </a:solidFill>
-              </a:rPr>
-              <a:t>Name</a:t>
-            </a:r>
-            <a:endParaRPr lang="en-SG" sz="1050" dirty="0">
-              <a:solidFill>
-                <a:srgbClr val="7030A0"/>
-              </a:solidFill>
-            </a:endParaRPr>
-          </a:p>
-        </p:txBody>
-      </p:sp>
-      <p:cxnSp>
-        <p:nvCxnSpPr>
-          <p:cNvPr id="225" name="Elbow Connector 78">
-            <a:extLst>
-              <a:ext uri="{FF2B5EF4-FFF2-40B4-BE49-F238E27FC236}">
-                <a16:creationId xmlns:a16="http://schemas.microsoft.com/office/drawing/2014/main" id="{5CF8D0BA-480C-41C3-BFFA-85C2033E5998}"/>
-              </a:ext>
-            </a:extLst>
-          </p:cNvPr>
-          <p:cNvCxnSpPr>
-            <a:cxnSpLocks/>
-            <a:stCxn id="223" idx="3"/>
-            <a:endCxn id="224" idx="2"/>
-          </p:cNvCxnSpPr>
-          <p:nvPr/>
-        </p:nvCxnSpPr>
-        <p:spPr>
-          <a:xfrm rot="5400000" flipH="1" flipV="1">
-            <a:off x="6207930" y="2014253"/>
-            <a:ext cx="268915" cy="566496"/>
-          </a:xfrm>
-          <a:prstGeom prst="bentConnector3">
-            <a:avLst>
-              <a:gd name="adj1" fmla="val 50000"/>
-            </a:avLst>
-          </a:prstGeom>
-          <a:ln w="19050">
-            <a:solidFill>
-              <a:srgbClr val="7030A0"/>
-            </a:solidFill>
-            <a:headEnd type="none" w="med" len="med"/>
-            <a:tailEnd type="arrow" w="med" len="med"/>
-          </a:ln>
-          <a:effectLst/>
-        </p:spPr>
-        <p:style>
-          <a:lnRef idx="1">
-            <a:schemeClr val="accent2"/>
-          </a:lnRef>
-          <a:fillRef idx="2">
-            <a:schemeClr val="accent2"/>
-          </a:fillRef>
-          <a:effectRef idx="1">
-            <a:schemeClr val="accent2"/>
-          </a:effectRef>
-          <a:fontRef idx="minor">
-            <a:schemeClr val="dk1"/>
-          </a:fontRef>
-        </p:style>
-      </p:cxnSp>
-      <p:cxnSp>
-        <p:nvCxnSpPr>
-          <p:cNvPr id="228" name="Elbow Connector 106">
-            <a:extLst>
-              <a:ext uri="{FF2B5EF4-FFF2-40B4-BE49-F238E27FC236}">
-                <a16:creationId xmlns:a16="http://schemas.microsoft.com/office/drawing/2014/main" id="{EA070AC3-539D-44E1-B543-A0F514BE18E9}"/>
-              </a:ext>
-            </a:extLst>
-          </p:cNvPr>
-          <p:cNvCxnSpPr>
-            <a:cxnSpLocks/>
-            <a:stCxn id="224" idx="0"/>
-            <a:endCxn id="56" idx="1"/>
-          </p:cNvCxnSpPr>
-          <p:nvPr/>
-        </p:nvCxnSpPr>
-        <p:spPr>
-          <a:xfrm rot="5400000" flipH="1" flipV="1">
-            <a:off x="7085985" y="1355208"/>
-            <a:ext cx="61702" cy="982403"/>
-          </a:xfrm>
-          <a:prstGeom prst="bentConnector2">
-            <a:avLst/>
           </a:prstGeom>
           <a:ln w="19050">
             <a:solidFill>
@@ -7198,568 +8852,7 @@
             </a:solidFill>
             <a:prstDash val="solid"/>
             <a:headEnd type="none" w="med" len="med"/>
-            <a:tailEnd type="triangle" w="med" len="med"/>
-          </a:ln>
-          <a:effectLst/>
-        </p:spPr>
-        <p:style>
-          <a:lnRef idx="1">
-            <a:schemeClr val="accent2"/>
-          </a:lnRef>
-          <a:fillRef idx="2">
-            <a:schemeClr val="accent2"/>
-          </a:fillRef>
-          <a:effectRef idx="1">
-            <a:schemeClr val="accent2"/>
-          </a:effectRef>
-          <a:fontRef idx="minor">
-            <a:schemeClr val="dk1"/>
-          </a:fontRef>
-        </p:style>
-      </p:cxnSp>
-      <p:sp>
-        <p:nvSpPr>
-          <p:cNvPr id="231" name="Isosceles Triangle 102">
-            <a:extLst>
-              <a:ext uri="{FF2B5EF4-FFF2-40B4-BE49-F238E27FC236}">
-                <a16:creationId xmlns:a16="http://schemas.microsoft.com/office/drawing/2014/main" id="{CFD29677-8250-4BD5-995C-38762DDE8327}"/>
-              </a:ext>
-            </a:extLst>
-          </p:cNvPr>
-          <p:cNvSpPr/>
-          <p:nvPr/>
-        </p:nvSpPr>
-        <p:spPr>
-          <a:xfrm rot="5400000">
-            <a:off x="7367899" y="1727797"/>
-            <a:ext cx="270504" cy="175523"/>
-          </a:xfrm>
-          <a:prstGeom prst="triangle">
-            <a:avLst/>
-          </a:prstGeom>
-          <a:solidFill>
-            <a:srgbClr val="7030A0"/>
-          </a:solidFill>
-          <a:ln w="19050">
-            <a:solidFill>
-              <a:srgbClr val="7030A0"/>
-            </a:solidFill>
-          </a:ln>
-          <a:effectLst/>
-        </p:spPr>
-        <p:style>
-          <a:lnRef idx="1">
-            <a:schemeClr val="accent6"/>
-          </a:lnRef>
-          <a:fillRef idx="2">
-            <a:schemeClr val="accent6"/>
-          </a:fillRef>
-          <a:effectRef idx="1">
-            <a:schemeClr val="accent6"/>
-          </a:effectRef>
-          <a:fontRef idx="minor">
-            <a:schemeClr val="dk1"/>
-          </a:fontRef>
-        </p:style>
-        <p:txBody>
-          <a:bodyPr rtlCol="0" anchor="ctr"/>
-          <a:lstStyle/>
-          <a:p>
-            <a:pPr algn="ctr"/>
-            <a:endParaRPr lang="en-SG" sz="1050"/>
-          </a:p>
-        </p:txBody>
-      </p:sp>
-      <p:sp>
-        <p:nvSpPr>
-          <p:cNvPr id="92" name="Rectangle 8">
-            <a:extLst>
-              <a:ext uri="{FF2B5EF4-FFF2-40B4-BE49-F238E27FC236}">
-                <a16:creationId xmlns:a16="http://schemas.microsoft.com/office/drawing/2014/main" id="{9FAFC4EC-F7C4-4A87-AE1A-F06695D2C825}"/>
-              </a:ext>
-            </a:extLst>
-          </p:cNvPr>
-          <p:cNvSpPr/>
-          <p:nvPr/>
-        </p:nvSpPr>
-        <p:spPr>
-          <a:xfrm>
-            <a:off x="3473948" y="4297712"/>
-            <a:ext cx="797803" cy="442264"/>
-          </a:xfrm>
-          <a:prstGeom prst="rect">
-            <a:avLst/>
-          </a:prstGeom>
-          <a:ln w="19050">
-            <a:solidFill>
-              <a:srgbClr val="7030A0"/>
-            </a:solidFill>
-          </a:ln>
-          <a:effectLst/>
-        </p:spPr>
-        <p:style>
-          <a:lnRef idx="1">
-            <a:schemeClr val="accent4"/>
-          </a:lnRef>
-          <a:fillRef idx="2">
-            <a:schemeClr val="accent4"/>
-          </a:fillRef>
-          <a:effectRef idx="1">
-            <a:schemeClr val="accent4"/>
-          </a:effectRef>
-          <a:fontRef idx="minor">
-            <a:schemeClr val="dk1"/>
-          </a:fontRef>
-        </p:style>
-        <p:txBody>
-          <a:bodyPr rtlCol="0" anchor="ctr"/>
-          <a:lstStyle/>
-          <a:p>
-            <a:pPr algn="ctr"/>
-            <a:r>
-              <a:rPr lang="en-US" sz="1050" dirty="0">
-                <a:solidFill>
-                  <a:srgbClr val="7030A0"/>
-                </a:solidFill>
-              </a:rPr>
-              <a:t>{abstract}</a:t>
-            </a:r>
-          </a:p>
-          <a:p>
-            <a:pPr algn="ctr"/>
-            <a:r>
-              <a:rPr lang="en-US" sz="1050" dirty="0" err="1">
-                <a:solidFill>
-                  <a:srgbClr val="7030A0"/>
-                </a:solidFill>
-              </a:rPr>
-              <a:t>UniqueList</a:t>
-            </a:r>
-            <a:endParaRPr lang="en-US" sz="1050" dirty="0">
-              <a:solidFill>
-                <a:srgbClr val="7030A0"/>
-              </a:solidFill>
-            </a:endParaRPr>
-          </a:p>
-        </p:txBody>
-      </p:sp>
-      <p:sp>
-        <p:nvSpPr>
-          <p:cNvPr id="93" name="Isosceles Triangle 102">
-            <a:extLst>
-              <a:ext uri="{FF2B5EF4-FFF2-40B4-BE49-F238E27FC236}">
-                <a16:creationId xmlns:a16="http://schemas.microsoft.com/office/drawing/2014/main" id="{F7D0CA35-4414-49F4-A21B-8633FFFB4BB7}"/>
-              </a:ext>
-            </a:extLst>
-          </p:cNvPr>
-          <p:cNvSpPr/>
-          <p:nvPr/>
-        </p:nvSpPr>
-        <p:spPr>
-          <a:xfrm rot="10800000">
-            <a:off x="3739804" y="4116305"/>
-            <a:ext cx="270504" cy="175523"/>
-          </a:xfrm>
-          <a:prstGeom prst="triangle">
-            <a:avLst/>
-          </a:prstGeom>
-          <a:solidFill>
-            <a:srgbClr val="7030A0"/>
-          </a:solidFill>
-          <a:ln w="19050">
-            <a:solidFill>
-              <a:srgbClr val="7030A0"/>
-            </a:solidFill>
-          </a:ln>
-          <a:effectLst/>
-        </p:spPr>
-        <p:style>
-          <a:lnRef idx="1">
-            <a:schemeClr val="accent6"/>
-          </a:lnRef>
-          <a:fillRef idx="2">
-            <a:schemeClr val="accent6"/>
-          </a:fillRef>
-          <a:effectRef idx="1">
-            <a:schemeClr val="accent6"/>
-          </a:effectRef>
-          <a:fontRef idx="minor">
-            <a:schemeClr val="dk1"/>
-          </a:fontRef>
-        </p:style>
-        <p:txBody>
-          <a:bodyPr rtlCol="0" anchor="ctr"/>
-          <a:lstStyle/>
-          <a:p>
-            <a:pPr algn="ctr"/>
-            <a:endParaRPr lang="en-SG" sz="1050"/>
-          </a:p>
-        </p:txBody>
-      </p:sp>
-      <p:sp>
-        <p:nvSpPr>
-          <p:cNvPr id="94" name="Rectangle 8">
-            <a:extLst>
-              <a:ext uri="{FF2B5EF4-FFF2-40B4-BE49-F238E27FC236}">
-                <a16:creationId xmlns:a16="http://schemas.microsoft.com/office/drawing/2014/main" id="{EF8876E1-E3D1-4911-B3DB-05EDBAF5442A}"/>
-              </a:ext>
-            </a:extLst>
-          </p:cNvPr>
-          <p:cNvSpPr/>
-          <p:nvPr/>
-        </p:nvSpPr>
-        <p:spPr>
-          <a:xfrm>
-            <a:off x="4911376" y="4326404"/>
-            <a:ext cx="1008734" cy="346760"/>
-          </a:xfrm>
-          <a:prstGeom prst="rect">
-            <a:avLst/>
-          </a:prstGeom>
-          <a:ln w="19050">
-            <a:solidFill>
-              <a:srgbClr val="7030A0"/>
-            </a:solidFill>
-          </a:ln>
-          <a:effectLst/>
-        </p:spPr>
-        <p:style>
-          <a:lnRef idx="1">
-            <a:schemeClr val="accent4"/>
-          </a:lnRef>
-          <a:fillRef idx="2">
-            <a:schemeClr val="accent4"/>
-          </a:fillRef>
-          <a:effectRef idx="1">
-            <a:schemeClr val="accent4"/>
-          </a:effectRef>
-          <a:fontRef idx="minor">
-            <a:schemeClr val="dk1"/>
-          </a:fontRef>
-        </p:style>
-        <p:txBody>
-          <a:bodyPr rtlCol="0" anchor="ctr"/>
-          <a:lstStyle/>
-          <a:p>
-            <a:pPr algn="ctr"/>
-            <a:r>
-              <a:rPr lang="en-US" sz="1050" dirty="0">
-                <a:solidFill>
-                  <a:srgbClr val="7030A0"/>
-                </a:solidFill>
-              </a:rPr>
-              <a:t>&lt;&lt;interface&gt;&gt;</a:t>
-            </a:r>
-            <a:br>
-              <a:rPr lang="en-US" sz="1050" dirty="0">
-                <a:solidFill>
-                  <a:srgbClr val="7030A0"/>
-                </a:solidFill>
-              </a:rPr>
-            </a:br>
-            <a:r>
-              <a:rPr lang="en-US" sz="1050" dirty="0" err="1">
-                <a:solidFill>
-                  <a:srgbClr val="7030A0"/>
-                </a:solidFill>
-              </a:rPr>
-              <a:t>UniqueListItem</a:t>
-            </a:r>
-            <a:endParaRPr lang="en-SG" sz="1050" dirty="0">
-              <a:solidFill>
-                <a:srgbClr val="7030A0"/>
-              </a:solidFill>
-            </a:endParaRPr>
-          </a:p>
-        </p:txBody>
-      </p:sp>
-      <p:cxnSp>
-        <p:nvCxnSpPr>
-          <p:cNvPr id="95" name="Elbow Connector 106">
-            <a:extLst>
-              <a:ext uri="{FF2B5EF4-FFF2-40B4-BE49-F238E27FC236}">
-                <a16:creationId xmlns:a16="http://schemas.microsoft.com/office/drawing/2014/main" id="{F54E8C7B-4D38-41B3-B1C1-7F17E384D2BD}"/>
-              </a:ext>
-            </a:extLst>
-          </p:cNvPr>
-          <p:cNvCxnSpPr>
-            <a:cxnSpLocks/>
-            <a:endCxn id="93" idx="3"/>
-          </p:cNvCxnSpPr>
-          <p:nvPr/>
-        </p:nvCxnSpPr>
-        <p:spPr>
-          <a:xfrm rot="5400000">
-            <a:off x="3424631" y="3453459"/>
-            <a:ext cx="1113272" cy="212421"/>
-          </a:xfrm>
-          <a:prstGeom prst="bentConnector3">
-            <a:avLst>
-              <a:gd name="adj1" fmla="val -5442"/>
-            </a:avLst>
-          </a:prstGeom>
-          <a:ln w="19050">
-            <a:solidFill>
-              <a:srgbClr val="7030A0"/>
-            </a:solidFill>
-            <a:prstDash val="solid"/>
-            <a:headEnd type="none" w="med" len="med"/>
-            <a:tailEnd type="none" w="med" len="med"/>
-          </a:ln>
-          <a:effectLst/>
-        </p:spPr>
-        <p:style>
-          <a:lnRef idx="1">
-            <a:schemeClr val="accent2"/>
-          </a:lnRef>
-          <a:fillRef idx="2">
-            <a:schemeClr val="accent2"/>
-          </a:fillRef>
-          <a:effectRef idx="1">
-            <a:schemeClr val="accent2"/>
-          </a:effectRef>
-          <a:fontRef idx="minor">
-            <a:schemeClr val="dk1"/>
-          </a:fontRef>
-        </p:style>
-      </p:cxnSp>
-      <p:cxnSp>
-        <p:nvCxnSpPr>
-          <p:cNvPr id="98" name="Elbow Connector 106">
-            <a:extLst>
-              <a:ext uri="{FF2B5EF4-FFF2-40B4-BE49-F238E27FC236}">
-                <a16:creationId xmlns:a16="http://schemas.microsoft.com/office/drawing/2014/main" id="{6B8C2F4C-7BB0-4F19-8516-42CF82F25BDE}"/>
-              </a:ext>
-            </a:extLst>
-          </p:cNvPr>
-          <p:cNvCxnSpPr>
-            <a:cxnSpLocks/>
-            <a:endCxn id="93" idx="3"/>
-          </p:cNvCxnSpPr>
-          <p:nvPr/>
-        </p:nvCxnSpPr>
-        <p:spPr>
-          <a:xfrm rot="5400000">
-            <a:off x="3863106" y="3856574"/>
-            <a:ext cx="271682" cy="247781"/>
-          </a:xfrm>
-          <a:prstGeom prst="bentConnector3">
-            <a:avLst>
-              <a:gd name="adj1" fmla="val -486"/>
-            </a:avLst>
-          </a:prstGeom>
-          <a:ln w="19050">
-            <a:solidFill>
-              <a:srgbClr val="7030A0"/>
-            </a:solidFill>
-            <a:prstDash val="solid"/>
-            <a:headEnd type="none" w="med" len="med"/>
-            <a:tailEnd type="none" w="med" len="med"/>
-          </a:ln>
-          <a:effectLst/>
-        </p:spPr>
-        <p:style>
-          <a:lnRef idx="1">
-            <a:schemeClr val="accent2"/>
-          </a:lnRef>
-          <a:fillRef idx="2">
-            <a:schemeClr val="accent2"/>
-          </a:fillRef>
-          <a:effectRef idx="1">
-            <a:schemeClr val="accent2"/>
-          </a:effectRef>
-          <a:fontRef idx="minor">
-            <a:schemeClr val="dk1"/>
-          </a:fontRef>
-        </p:style>
-      </p:cxnSp>
-      <p:cxnSp>
-        <p:nvCxnSpPr>
-          <p:cNvPr id="109" name="Elbow Connector 122">
-            <a:extLst>
-              <a:ext uri="{FF2B5EF4-FFF2-40B4-BE49-F238E27FC236}">
-                <a16:creationId xmlns:a16="http://schemas.microsoft.com/office/drawing/2014/main" id="{4B5D03A6-B6C4-4C2E-B196-414DAC4AB8D7}"/>
-              </a:ext>
-            </a:extLst>
-          </p:cNvPr>
-          <p:cNvCxnSpPr>
-            <a:cxnSpLocks/>
-            <a:stCxn id="92" idx="3"/>
-            <a:endCxn id="94" idx="1"/>
-          </p:cNvCxnSpPr>
-          <p:nvPr/>
-        </p:nvCxnSpPr>
-        <p:spPr>
-          <a:xfrm flipV="1">
-            <a:off x="4271751" y="4499784"/>
-            <a:ext cx="639625" cy="19060"/>
-          </a:xfrm>
-          <a:prstGeom prst="bentConnector3">
-            <a:avLst>
-              <a:gd name="adj1" fmla="val 50000"/>
-            </a:avLst>
-          </a:prstGeom>
-          <a:ln w="19050">
-            <a:solidFill>
-              <a:srgbClr val="7030A0"/>
-            </a:solidFill>
-            <a:prstDash val="sysDot"/>
-            <a:headEnd type="none" w="med" len="med"/>
             <a:tailEnd type="arrow" w="med" len="med"/>
-          </a:ln>
-          <a:effectLst/>
-        </p:spPr>
-        <p:style>
-          <a:lnRef idx="1">
-            <a:schemeClr val="accent2"/>
-          </a:lnRef>
-          <a:fillRef idx="2">
-            <a:schemeClr val="accent2"/>
-          </a:fillRef>
-          <a:effectRef idx="1">
-            <a:schemeClr val="accent2"/>
-          </a:effectRef>
-          <a:fontRef idx="minor">
-            <a:schemeClr val="dk1"/>
-          </a:fontRef>
-        </p:style>
-      </p:cxnSp>
-      <p:sp>
-        <p:nvSpPr>
-          <p:cNvPr id="113" name="Isosceles Triangle 102">
-            <a:extLst>
-              <a:ext uri="{FF2B5EF4-FFF2-40B4-BE49-F238E27FC236}">
-                <a16:creationId xmlns:a16="http://schemas.microsoft.com/office/drawing/2014/main" id="{7C5E2AC6-E7DC-4B01-B955-FD66591FADF0}"/>
-              </a:ext>
-            </a:extLst>
-          </p:cNvPr>
-          <p:cNvSpPr/>
-          <p:nvPr/>
-        </p:nvSpPr>
-        <p:spPr>
-          <a:xfrm flipV="1">
-            <a:off x="5391222" y="4169342"/>
-            <a:ext cx="282387" cy="157062"/>
-          </a:xfrm>
-          <a:prstGeom prst="triangle">
-            <a:avLst/>
-          </a:prstGeom>
-          <a:ln w="19050">
-            <a:solidFill>
-              <a:srgbClr val="7030A0"/>
-            </a:solidFill>
-          </a:ln>
-          <a:effectLst/>
-        </p:spPr>
-        <p:style>
-          <a:lnRef idx="1">
-            <a:schemeClr val="accent4"/>
-          </a:lnRef>
-          <a:fillRef idx="2">
-            <a:schemeClr val="accent4"/>
-          </a:fillRef>
-          <a:effectRef idx="1">
-            <a:schemeClr val="accent4"/>
-          </a:effectRef>
-          <a:fontRef idx="minor">
-            <a:schemeClr val="dk1"/>
-          </a:fontRef>
-        </p:style>
-        <p:txBody>
-          <a:bodyPr rtlCol="0" anchor="ctr"/>
-          <a:lstStyle/>
-          <a:p>
-            <a:pPr algn="ctr"/>
-            <a:endParaRPr lang="en-SG" sz="1050" b="1">
-              <a:solidFill>
-                <a:srgbClr val="92D050"/>
-              </a:solidFill>
-            </a:endParaRPr>
-          </a:p>
-        </p:txBody>
-      </p:sp>
-      <p:cxnSp>
-        <p:nvCxnSpPr>
-          <p:cNvPr id="115" name="Elbow Connector 63">
-            <a:extLst>
-              <a:ext uri="{FF2B5EF4-FFF2-40B4-BE49-F238E27FC236}">
-                <a16:creationId xmlns:a16="http://schemas.microsoft.com/office/drawing/2014/main" id="{76C0288F-388A-4546-921E-EA9097F44541}"/>
-              </a:ext>
-            </a:extLst>
-          </p:cNvPr>
-          <p:cNvCxnSpPr>
-            <a:cxnSpLocks/>
-            <a:endCxn id="113" idx="3"/>
-          </p:cNvCxnSpPr>
-          <p:nvPr/>
-        </p:nvCxnSpPr>
-        <p:spPr>
-          <a:xfrm rot="5400000">
-            <a:off x="5028052" y="3490605"/>
-            <a:ext cx="1183101" cy="174372"/>
-          </a:xfrm>
-          <a:prstGeom prst="bentConnector3">
-            <a:avLst>
-              <a:gd name="adj1" fmla="val -238"/>
-            </a:avLst>
-          </a:prstGeom>
-          <a:ln w="19050">
-            <a:solidFill>
-              <a:srgbClr val="7030A0"/>
-            </a:solidFill>
-            <a:prstDash val="sysDot"/>
-            <a:headEnd type="none" w="med" len="med"/>
-            <a:tailEnd type="none" w="med" len="med"/>
-          </a:ln>
-          <a:effectLst/>
-        </p:spPr>
-        <p:style>
-          <a:lnRef idx="1">
-            <a:schemeClr val="accent2"/>
-          </a:lnRef>
-          <a:fillRef idx="2">
-            <a:schemeClr val="accent2"/>
-          </a:fillRef>
-          <a:effectRef idx="1">
-            <a:schemeClr val="accent2"/>
-          </a:effectRef>
-          <a:fontRef idx="minor">
-            <a:schemeClr val="dk1"/>
-          </a:fontRef>
-        </p:style>
-      </p:cxnSp>
-      <p:cxnSp>
-        <p:nvCxnSpPr>
-          <p:cNvPr id="121" name="Elbow Connector 63">
-            <a:extLst>
-              <a:ext uri="{FF2B5EF4-FFF2-40B4-BE49-F238E27FC236}">
-                <a16:creationId xmlns:a16="http://schemas.microsoft.com/office/drawing/2014/main" id="{9CC24216-58E6-4BCC-9FF6-A704D6B90FFF}"/>
-              </a:ext>
-            </a:extLst>
-          </p:cNvPr>
-          <p:cNvCxnSpPr>
-            <a:cxnSpLocks/>
-            <a:endCxn id="113" idx="3"/>
-          </p:cNvCxnSpPr>
-          <p:nvPr/>
-        </p:nvCxnSpPr>
-        <p:spPr>
-          <a:xfrm rot="5400000">
-            <a:off x="5485575" y="3943675"/>
-            <a:ext cx="272509" cy="178825"/>
-          </a:xfrm>
-          <a:prstGeom prst="bentConnector3">
-            <a:avLst>
-              <a:gd name="adj1" fmla="val -5925"/>
-            </a:avLst>
-          </a:prstGeom>
-          <a:ln w="19050">
-            <a:solidFill>
-              <a:srgbClr val="7030A0"/>
-            </a:solidFill>
-            <a:prstDash val="sysDot"/>
-            <a:headEnd type="none" w="med" len="med"/>
-            <a:tailEnd type="none" w="med" len="med"/>
           </a:ln>
           <a:effectLst/>
         </p:spPr>
@@ -7781,7 +8874,7 @@
     </p:spTree>
     <p:extLst>
       <p:ext uri="{BB962C8B-B14F-4D97-AF65-F5344CB8AC3E}">
-        <p14:creationId xmlns:p14="http://schemas.microsoft.com/office/powerpoint/2010/main" val="2396968029"/>
+        <p14:creationId xmlns:p14="http://schemas.microsoft.com/office/powerpoint/2010/main" val="1992406899"/>
       </p:ext>
     </p:extLst>
   </p:cSld>

--- a/docs/diagrams/ModelComponentClassDiagram.pptx
+++ b/docs/diagrams/ModelComponentClassDiagram.pptx
@@ -208,7 +208,7 @@
           <a:p>
             <a:fld id="{F5CC4B3F-88C1-4FFA-B1B6-F41C21DC6924}" type="datetimeFigureOut">
               <a:rPr lang="en-US" smtClean="0"/>
-              <a:t>10/30/2018</a:t>
+              <a:t>11/1/2018</a:t>
             </a:fld>
             <a:endParaRPr lang="en-US"/>
           </a:p>
@@ -654,7 +654,7 @@
           <a:p>
             <a:fld id="{78C97017-6FC3-485B-9764-EAC9E56C1D49}" type="datetimeFigureOut">
               <a:rPr lang="en-US" smtClean="0"/>
-              <a:t>10/30/2018</a:t>
+              <a:t>11/1/2018</a:t>
             </a:fld>
             <a:endParaRPr lang="en-US"/>
           </a:p>
@@ -822,7 +822,7 @@
           <a:p>
             <a:fld id="{78C97017-6FC3-485B-9764-EAC9E56C1D49}" type="datetimeFigureOut">
               <a:rPr lang="en-US" smtClean="0"/>
-              <a:t>10/30/2018</a:t>
+              <a:t>11/1/2018</a:t>
             </a:fld>
             <a:endParaRPr lang="en-US"/>
           </a:p>
@@ -1000,7 +1000,7 @@
           <a:p>
             <a:fld id="{78C97017-6FC3-485B-9764-EAC9E56C1D49}" type="datetimeFigureOut">
               <a:rPr lang="en-US" smtClean="0"/>
-              <a:t>10/30/2018</a:t>
+              <a:t>11/1/2018</a:t>
             </a:fld>
             <a:endParaRPr lang="en-US"/>
           </a:p>
@@ -1168,7 +1168,7 @@
           <a:p>
             <a:fld id="{78C97017-6FC3-485B-9764-EAC9E56C1D49}" type="datetimeFigureOut">
               <a:rPr lang="en-US" smtClean="0"/>
-              <a:t>10/30/2018</a:t>
+              <a:t>11/1/2018</a:t>
             </a:fld>
             <a:endParaRPr lang="en-US"/>
           </a:p>
@@ -1413,7 +1413,7 @@
           <a:p>
             <a:fld id="{78C97017-6FC3-485B-9764-EAC9E56C1D49}" type="datetimeFigureOut">
               <a:rPr lang="en-US" smtClean="0"/>
-              <a:t>10/30/2018</a:t>
+              <a:t>11/1/2018</a:t>
             </a:fld>
             <a:endParaRPr lang="en-US"/>
           </a:p>
@@ -1698,7 +1698,7 @@
           <a:p>
             <a:fld id="{78C97017-6FC3-485B-9764-EAC9E56C1D49}" type="datetimeFigureOut">
               <a:rPr lang="en-US" smtClean="0"/>
-              <a:t>10/30/2018</a:t>
+              <a:t>11/1/2018</a:t>
             </a:fld>
             <a:endParaRPr lang="en-US"/>
           </a:p>
@@ -2117,7 +2117,7 @@
           <a:p>
             <a:fld id="{78C97017-6FC3-485B-9764-EAC9E56C1D49}" type="datetimeFigureOut">
               <a:rPr lang="en-US" smtClean="0"/>
-              <a:t>10/30/2018</a:t>
+              <a:t>11/1/2018</a:t>
             </a:fld>
             <a:endParaRPr lang="en-US"/>
           </a:p>
@@ -2234,7 +2234,7 @@
           <a:p>
             <a:fld id="{78C97017-6FC3-485B-9764-EAC9E56C1D49}" type="datetimeFigureOut">
               <a:rPr lang="en-US" smtClean="0"/>
-              <a:t>10/30/2018</a:t>
+              <a:t>11/1/2018</a:t>
             </a:fld>
             <a:endParaRPr lang="en-US"/>
           </a:p>
@@ -2329,7 +2329,7 @@
           <a:p>
             <a:fld id="{78C97017-6FC3-485B-9764-EAC9E56C1D49}" type="datetimeFigureOut">
               <a:rPr lang="en-US" smtClean="0"/>
-              <a:t>10/30/2018</a:t>
+              <a:t>11/1/2018</a:t>
             </a:fld>
             <a:endParaRPr lang="en-US"/>
           </a:p>
@@ -2604,7 +2604,7 @@
           <a:p>
             <a:fld id="{78C97017-6FC3-485B-9764-EAC9E56C1D49}" type="datetimeFigureOut">
               <a:rPr lang="en-US" smtClean="0"/>
-              <a:t>10/30/2018</a:t>
+              <a:t>11/1/2018</a:t>
             </a:fld>
             <a:endParaRPr lang="en-US"/>
           </a:p>
@@ -2856,7 +2856,7 @@
           <a:p>
             <a:fld id="{78C97017-6FC3-485B-9764-EAC9E56C1D49}" type="datetimeFigureOut">
               <a:rPr lang="en-US" smtClean="0"/>
-              <a:t>10/30/2018</a:t>
+              <a:t>11/1/2018</a:t>
             </a:fld>
             <a:endParaRPr lang="en-US"/>
           </a:p>
@@ -3067,7 +3067,7 @@
           <a:p>
             <a:fld id="{78C97017-6FC3-485B-9764-EAC9E56C1D49}" type="datetimeFigureOut">
               <a:rPr lang="en-US" smtClean="0"/>
-              <a:t>10/30/2018</a:t>
+              <a:t>11/1/2018</a:t>
             </a:fld>
             <a:endParaRPr lang="en-US"/>
           </a:p>
@@ -5697,7 +5697,7 @@
                   <a:srgbClr val="7030A0"/>
                 </a:solidFill>
               </a:rPr>
-              <a:t>LoanIDManager</a:t>
+              <a:t>LoanIdManager</a:t>
             </a:r>
             <a:endParaRPr lang="en-SG" sz="1050" dirty="0">
               <a:solidFill>
@@ -7138,7 +7138,7 @@
                   <a:srgbClr val="7030A0"/>
                 </a:solidFill>
               </a:rPr>
-              <a:t>LoanID</a:t>
+              <a:t>LoanId</a:t>
             </a:r>
             <a:endParaRPr lang="en-SG" sz="1050" dirty="0">
               <a:solidFill>

--- a/docs/diagrams/ModelComponentClassDiagram.pptx
+++ b/docs/diagrams/ModelComponentClassDiagram.pptx
@@ -8871,6 +8871,152 @@
           </a:fontRef>
         </p:style>
       </p:cxnSp>
+      <p:sp>
+        <p:nvSpPr>
+          <p:cNvPr id="101" name="Flowchart: Decision 96">
+            <a:extLst>
+              <a:ext uri="{FF2B5EF4-FFF2-40B4-BE49-F238E27FC236}">
+                <a16:creationId xmlns:a16="http://schemas.microsoft.com/office/drawing/2014/main" id="{1DB613A4-D88F-4C09-A760-52CB8F3D334A}"/>
+              </a:ext>
+            </a:extLst>
+          </p:cNvPr>
+          <p:cNvSpPr/>
+          <p:nvPr/>
+        </p:nvSpPr>
+        <p:spPr>
+          <a:xfrm>
+            <a:off x="5159479" y="3826804"/>
+            <a:ext cx="236048" cy="173380"/>
+          </a:xfrm>
+          <a:prstGeom prst="flowChartDecision">
+            <a:avLst/>
+          </a:prstGeom>
+          <a:noFill/>
+          <a:ln w="19050">
+            <a:solidFill>
+              <a:srgbClr val="7030A0"/>
+            </a:solidFill>
+          </a:ln>
+          <a:effectLst/>
+        </p:spPr>
+        <p:style>
+          <a:lnRef idx="1">
+            <a:schemeClr val="accent6"/>
+          </a:lnRef>
+          <a:fillRef idx="2">
+            <a:schemeClr val="accent6"/>
+          </a:fillRef>
+          <a:effectRef idx="1">
+            <a:schemeClr val="accent6"/>
+          </a:effectRef>
+          <a:fontRef idx="minor">
+            <a:schemeClr val="dk1"/>
+          </a:fontRef>
+        </p:style>
+        <p:txBody>
+          <a:bodyPr rtlCol="0" anchor="ctr"/>
+          <a:lstStyle/>
+          <a:p>
+            <a:pPr algn="ctr"/>
+            <a:endParaRPr lang="en-US" sz="1050"/>
+          </a:p>
+        </p:txBody>
+      </p:sp>
+      <p:cxnSp>
+        <p:nvCxnSpPr>
+          <p:cNvPr id="102" name="Elbow Connector 63">
+            <a:extLst>
+              <a:ext uri="{FF2B5EF4-FFF2-40B4-BE49-F238E27FC236}">
+                <a16:creationId xmlns:a16="http://schemas.microsoft.com/office/drawing/2014/main" id="{744F89C8-F729-4A40-ADF1-497CD98CD99C}"/>
+              </a:ext>
+            </a:extLst>
+          </p:cNvPr>
+          <p:cNvCxnSpPr>
+            <a:cxnSpLocks/>
+            <a:stCxn id="101" idx="3"/>
+            <a:endCxn id="216" idx="1"/>
+          </p:cNvCxnSpPr>
+          <p:nvPr/>
+        </p:nvCxnSpPr>
+        <p:spPr>
+          <a:xfrm>
+            <a:off x="5395527" y="3913494"/>
+            <a:ext cx="225333" cy="4999"/>
+          </a:xfrm>
+          <a:prstGeom prst="bentConnector3">
+            <a:avLst>
+              <a:gd name="adj1" fmla="val 50000"/>
+            </a:avLst>
+          </a:prstGeom>
+          <a:ln w="19050">
+            <a:solidFill>
+              <a:srgbClr val="7030A0"/>
+            </a:solidFill>
+            <a:headEnd type="none" w="med" len="med"/>
+            <a:tailEnd type="arrow" w="med" len="med"/>
+          </a:ln>
+          <a:effectLst/>
+        </p:spPr>
+        <p:style>
+          <a:lnRef idx="1">
+            <a:schemeClr val="accent2"/>
+          </a:lnRef>
+          <a:fillRef idx="2">
+            <a:schemeClr val="accent2"/>
+          </a:fillRef>
+          <a:effectRef idx="1">
+            <a:schemeClr val="accent2"/>
+          </a:effectRef>
+          <a:fontRef idx="minor">
+            <a:schemeClr val="dk1"/>
+          </a:fontRef>
+        </p:style>
+      </p:cxnSp>
+      <p:sp>
+        <p:nvSpPr>
+          <p:cNvPr id="105" name="TextBox 104">
+            <a:extLst>
+              <a:ext uri="{FF2B5EF4-FFF2-40B4-BE49-F238E27FC236}">
+                <a16:creationId xmlns:a16="http://schemas.microsoft.com/office/drawing/2014/main" id="{A846C247-5BE8-453B-94A4-F8D56DD4F771}"/>
+              </a:ext>
+            </a:extLst>
+          </p:cNvPr>
+          <p:cNvSpPr txBox="1"/>
+          <p:nvPr/>
+        </p:nvSpPr>
+        <p:spPr>
+          <a:xfrm>
+            <a:off x="5440463" y="3714522"/>
+            <a:ext cx="189257" cy="178683"/>
+          </a:xfrm>
+          <a:prstGeom prst="rect">
+            <a:avLst/>
+          </a:prstGeom>
+          <a:noFill/>
+        </p:spPr>
+        <p:txBody>
+          <a:bodyPr wrap="square" lIns="0" tIns="0" rIns="0" bIns="0" rtlCol="0">
+            <a:noAutofit/>
+          </a:bodyPr>
+          <a:lstStyle/>
+          <a:p>
+            <a:pPr algn="ctr"/>
+            <a:r>
+              <a:rPr lang="en-US" sz="1100" dirty="0">
+                <a:solidFill>
+                  <a:srgbClr val="7030A0"/>
+                </a:solidFill>
+              </a:rPr>
+              <a:t>1</a:t>
+            </a:r>
+            <a:endParaRPr lang="en-SG" sz="1100" dirty="0">
+              <a:solidFill>
+                <a:srgbClr val="7030A0"/>
+              </a:solidFill>
+            </a:endParaRPr>
+          </a:p>
+        </p:txBody>
+      </p:sp>
     </p:spTree>
     <p:extLst>
       <p:ext uri="{BB962C8B-B14F-4D97-AF65-F5344CB8AC3E}">

--- a/docs/diagrams/ModelComponentClassDiagram.pptx
+++ b/docs/diagrams/ModelComponentClassDiagram.pptx
@@ -3451,7 +3451,7 @@
         <p:spPr>
           <a:xfrm>
             <a:off x="381000" y="928700"/>
-            <a:ext cx="8382000" cy="5383200"/>
+            <a:ext cx="8382000" cy="5624500"/>
           </a:xfrm>
           <a:prstGeom prst="roundRect">
             <a:avLst>
@@ -3518,7 +3518,7 @@
         <p:spPr>
           <a:xfrm>
             <a:off x="2376297" y="3124200"/>
-            <a:ext cx="6187588" cy="3048000"/>
+            <a:ext cx="6187588" cy="3276600"/>
           </a:xfrm>
           <a:prstGeom prst="roundRect">
             <a:avLst>
@@ -3662,7 +3662,7 @@
         <p:spPr>
           <a:xfrm>
             <a:off x="2455702" y="3561100"/>
-            <a:ext cx="2934987" cy="2243991"/>
+            <a:ext cx="2934987" cy="2492335"/>
           </a:xfrm>
           <a:prstGeom prst="roundRect">
             <a:avLst>
@@ -6617,7 +6617,7 @@
         </p:nvSpPr>
         <p:spPr>
           <a:xfrm>
-            <a:off x="3782194" y="5379064"/>
+            <a:off x="3789452" y="5626840"/>
             <a:ext cx="722668" cy="285783"/>
           </a:xfrm>
           <a:prstGeom prst="rect">
@@ -6683,8 +6683,8 @@
         </p:nvCxnSpPr>
         <p:spPr>
           <a:xfrm rot="5400000">
-            <a:off x="4008970" y="4810011"/>
-            <a:ext cx="1207838" cy="216053"/>
+            <a:off x="3888711" y="4937528"/>
+            <a:ext cx="1455614" cy="208795"/>
           </a:xfrm>
           <a:prstGeom prst="bentConnector2">
             <a:avLst/>
@@ -6727,7 +6727,7 @@
         </p:nvSpPr>
         <p:spPr>
           <a:xfrm>
-            <a:off x="4531658" y="5339386"/>
+            <a:off x="4538916" y="5587162"/>
             <a:ext cx="189257" cy="178683"/>
           </a:xfrm>
           <a:prstGeom prst="rect">
@@ -6772,7 +6772,7 @@
         </p:nvSpPr>
         <p:spPr>
           <a:xfrm>
-            <a:off x="7458899" y="5675100"/>
+            <a:off x="7396447" y="5972008"/>
             <a:ext cx="803029" cy="378335"/>
           </a:xfrm>
           <a:prstGeom prst="rect">
@@ -6849,12 +6849,12 @@
         </p:nvCxnSpPr>
         <p:spPr>
           <a:xfrm rot="10800000" flipH="1" flipV="1">
-            <a:off x="3782193" y="5521956"/>
-            <a:ext cx="3676705" cy="342312"/>
+            <a:off x="3789451" y="5769732"/>
+            <a:ext cx="3606995" cy="391444"/>
           </a:xfrm>
           <a:prstGeom prst="bentConnector3">
             <a:avLst>
-              <a:gd name="adj1" fmla="val -4146"/>
+              <a:gd name="adj1" fmla="val -4437"/>
             </a:avLst>
           </a:prstGeom>
           <a:ln w="19050">
@@ -6901,11 +6901,11 @@
         <p:spPr>
           <a:xfrm>
             <a:off x="3495983" y="4483526"/>
-            <a:ext cx="3962916" cy="1380742"/>
+            <a:ext cx="3900464" cy="1677650"/>
           </a:xfrm>
           <a:prstGeom prst="bentConnector3">
             <a:avLst>
-              <a:gd name="adj1" fmla="val 3468"/>
+              <a:gd name="adj1" fmla="val 3699"/>
             </a:avLst>
           </a:prstGeom>
           <a:ln w="19050">
@@ -6952,11 +6952,11 @@
         <p:spPr>
           <a:xfrm>
             <a:off x="3495137" y="4830331"/>
-            <a:ext cx="3963762" cy="1033937"/>
+            <a:ext cx="3901310" cy="1330845"/>
           </a:xfrm>
           <a:prstGeom prst="bentConnector3">
             <a:avLst>
-              <a:gd name="adj1" fmla="val 3478"/>
+              <a:gd name="adj1" fmla="val 3514"/>
             </a:avLst>
           </a:prstGeom>
           <a:ln w="19050">
@@ -7003,11 +7003,11 @@
         <p:spPr>
           <a:xfrm>
             <a:off x="3494714" y="5184915"/>
-            <a:ext cx="3964185" cy="679353"/>
+            <a:ext cx="3901733" cy="976261"/>
           </a:xfrm>
           <a:prstGeom prst="bentConnector3">
             <a:avLst>
-              <a:gd name="adj1" fmla="val 3483"/>
+              <a:gd name="adj1" fmla="val 3324"/>
             </a:avLst>
           </a:prstGeom>
           <a:ln w="19050">
@@ -7054,11 +7054,11 @@
         <p:spPr>
           <a:xfrm>
             <a:off x="3494714" y="5531269"/>
-            <a:ext cx="3964185" cy="332999"/>
+            <a:ext cx="3901733" cy="629907"/>
           </a:xfrm>
           <a:prstGeom prst="bentConnector3">
             <a:avLst>
-              <a:gd name="adj1" fmla="val 3290"/>
+              <a:gd name="adj1" fmla="val 3324"/>
             </a:avLst>
           </a:prstGeom>
           <a:ln w="19050">
@@ -7100,7 +7100,7 @@
         </p:nvSpPr>
         <p:spPr>
           <a:xfrm>
-            <a:off x="3772250" y="4341046"/>
+            <a:off x="3772251" y="4211431"/>
             <a:ext cx="722668" cy="285783"/>
           </a:xfrm>
           <a:prstGeom prst="rect">
@@ -7162,7 +7162,7 @@
         </p:nvSpPr>
         <p:spPr>
           <a:xfrm>
-            <a:off x="3776297" y="5044016"/>
+            <a:off x="3783555" y="5291792"/>
             <a:ext cx="722668" cy="285783"/>
           </a:xfrm>
           <a:prstGeom prst="rect">
@@ -7224,7 +7224,7 @@
         </p:nvSpPr>
         <p:spPr>
           <a:xfrm>
-            <a:off x="3771404" y="4683568"/>
+            <a:off x="3778662" y="4931344"/>
             <a:ext cx="722668" cy="285783"/>
           </a:xfrm>
           <a:prstGeom prst="rect">
@@ -7290,12 +7290,12 @@
         </p:nvCxnSpPr>
         <p:spPr>
           <a:xfrm rot="10800000" flipH="1" flipV="1">
-            <a:off x="3772249" y="4483938"/>
-            <a:ext cx="3686649" cy="1380330"/>
+            <a:off x="3772251" y="4354322"/>
+            <a:ext cx="3624196" cy="1806853"/>
           </a:xfrm>
           <a:prstGeom prst="bentConnector3">
             <a:avLst>
-              <a:gd name="adj1" fmla="val -3927"/>
+              <a:gd name="adj1" fmla="val -3364"/>
             </a:avLst>
           </a:prstGeom>
           <a:ln w="19050">
@@ -7341,12 +7341,12 @@
         </p:nvCxnSpPr>
         <p:spPr>
           <a:xfrm rot="10800000" flipH="1" flipV="1">
-            <a:off x="3776297" y="5186908"/>
-            <a:ext cx="3682602" cy="677360"/>
+            <a:off x="3783555" y="5434684"/>
+            <a:ext cx="3612892" cy="726492"/>
           </a:xfrm>
           <a:prstGeom prst="bentConnector3">
             <a:avLst>
-              <a:gd name="adj1" fmla="val -4139"/>
+              <a:gd name="adj1" fmla="val -4218"/>
             </a:avLst>
           </a:prstGeom>
           <a:ln w="19050">
@@ -7392,12 +7392,12 @@
         </p:nvCxnSpPr>
         <p:spPr>
           <a:xfrm rot="10800000" flipH="1" flipV="1">
-            <a:off x="3771403" y="4826460"/>
-            <a:ext cx="3687495" cy="1037808"/>
+            <a:off x="3778661" y="5074236"/>
+            <a:ext cx="3617785" cy="1086940"/>
           </a:xfrm>
           <a:prstGeom prst="bentConnector3">
             <a:avLst>
-              <a:gd name="adj1" fmla="val -3926"/>
+              <a:gd name="adj1" fmla="val -3581"/>
             </a:avLst>
           </a:prstGeom>
           <a:ln w="19050">
@@ -7443,8 +7443,8 @@
         </p:nvCxnSpPr>
         <p:spPr>
           <a:xfrm rot="5400000">
-            <a:off x="4523007" y="4286030"/>
-            <a:ext cx="169820" cy="225997"/>
+            <a:off x="4587815" y="4221222"/>
+            <a:ext cx="40205" cy="225996"/>
           </a:xfrm>
           <a:prstGeom prst="bentConnector2">
             <a:avLst/>
@@ -7491,8 +7491,8 @@
         </p:nvCxnSpPr>
         <p:spPr>
           <a:xfrm rot="5400000">
-            <a:off x="4173545" y="4639538"/>
-            <a:ext cx="872790" cy="221950"/>
+            <a:off x="4053286" y="4767055"/>
+            <a:ext cx="1120566" cy="214692"/>
           </a:xfrm>
           <a:prstGeom prst="bentConnector2">
             <a:avLst/>
@@ -7539,8 +7539,8 @@
         </p:nvCxnSpPr>
         <p:spPr>
           <a:xfrm rot="5400000">
-            <a:off x="4351323" y="4456868"/>
-            <a:ext cx="512342" cy="226843"/>
+            <a:off x="4231064" y="4584385"/>
+            <a:ext cx="760118" cy="219585"/>
           </a:xfrm>
           <a:prstGeom prst="bentConnector2">
             <a:avLst/>
@@ -8049,8 +8049,8 @@
         </p:nvCxnSpPr>
         <p:spPr>
           <a:xfrm rot="16200000" flipH="1">
-            <a:off x="6339184" y="4744552"/>
-            <a:ext cx="974249" cy="1265181"/>
+            <a:off x="6159504" y="4924232"/>
+            <a:ext cx="1271157" cy="1202729"/>
           </a:xfrm>
           <a:prstGeom prst="bentConnector2">
             <a:avLst/>
@@ -8094,7 +8094,7 @@
         </p:nvSpPr>
         <p:spPr>
           <a:xfrm rot="5400000">
-            <a:off x="7216042" y="5774468"/>
+            <a:off x="7162972" y="6067366"/>
             <a:ext cx="270504" cy="175523"/>
           </a:xfrm>
           <a:prstGeom prst="triangle">
@@ -8378,7 +8378,7 @@
         </p:nvSpPr>
         <p:spPr>
           <a:xfrm>
-            <a:off x="4531658" y="4974442"/>
+            <a:off x="4538916" y="5222218"/>
             <a:ext cx="189257" cy="178683"/>
           </a:xfrm>
           <a:prstGeom prst="rect">
@@ -8423,7 +8423,7 @@
         </p:nvSpPr>
         <p:spPr>
           <a:xfrm rot="18026597">
-            <a:off x="4432157" y="4552762"/>
+            <a:off x="4439415" y="4800538"/>
             <a:ext cx="1250473" cy="261610"/>
           </a:xfrm>
           <a:prstGeom prst="rect">
@@ -8838,7 +8838,7 @@
         </p:nvCxnSpPr>
         <p:spPr>
           <a:xfrm rot="16200000" flipH="1">
-            <a:off x="3145290" y="3352752"/>
+            <a:off x="3145291" y="3223137"/>
             <a:ext cx="1473014" cy="503574"/>
           </a:xfrm>
           <a:prstGeom prst="bentConnector3">
@@ -9017,6 +9017,167 @@
           </a:p>
         </p:txBody>
       </p:sp>
+      <p:sp>
+        <p:nvSpPr>
+          <p:cNvPr id="119" name="Rectangle 8">
+            <a:extLst>
+              <a:ext uri="{FF2B5EF4-FFF2-40B4-BE49-F238E27FC236}">
+                <a16:creationId xmlns:a16="http://schemas.microsoft.com/office/drawing/2014/main" id="{7C377596-E861-41BA-92F8-FB0DEFB5F5A9}"/>
+              </a:ext>
+            </a:extLst>
+          </p:cNvPr>
+          <p:cNvSpPr/>
+          <p:nvPr/>
+        </p:nvSpPr>
+        <p:spPr>
+          <a:xfrm>
+            <a:off x="3765267" y="4574115"/>
+            <a:ext cx="818980" cy="285783"/>
+          </a:xfrm>
+          <a:prstGeom prst="rect">
+            <a:avLst/>
+          </a:prstGeom>
+          <a:ln w="19050">
+            <a:solidFill>
+              <a:srgbClr val="7030A0"/>
+            </a:solidFill>
+          </a:ln>
+          <a:effectLst/>
+        </p:spPr>
+        <p:style>
+          <a:lnRef idx="1">
+            <a:schemeClr val="accent4"/>
+          </a:lnRef>
+          <a:fillRef idx="2">
+            <a:schemeClr val="accent4"/>
+          </a:fillRef>
+          <a:effectRef idx="1">
+            <a:schemeClr val="accent4"/>
+          </a:effectRef>
+          <a:fontRef idx="minor">
+            <a:schemeClr val="dk1"/>
+          </a:fontRef>
+        </p:style>
+        <p:txBody>
+          <a:bodyPr rtlCol="0" anchor="ctr"/>
+          <a:lstStyle/>
+          <a:p>
+            <a:pPr algn="ctr"/>
+            <a:r>
+              <a:rPr lang="en-US" sz="1050" dirty="0" err="1">
+                <a:solidFill>
+                  <a:srgbClr val="7030A0"/>
+                </a:solidFill>
+              </a:rPr>
+              <a:t>LoanStatus</a:t>
+            </a:r>
+            <a:endParaRPr lang="en-SG" sz="1050" dirty="0">
+              <a:solidFill>
+                <a:srgbClr val="7030A0"/>
+              </a:solidFill>
+            </a:endParaRPr>
+          </a:p>
+        </p:txBody>
+      </p:sp>
+      <p:cxnSp>
+        <p:nvCxnSpPr>
+          <p:cNvPr id="192" name="Elbow Connector 106">
+            <a:extLst>
+              <a:ext uri="{FF2B5EF4-FFF2-40B4-BE49-F238E27FC236}">
+                <a16:creationId xmlns:a16="http://schemas.microsoft.com/office/drawing/2014/main" id="{43BE3477-AF70-411F-A7C8-1BA6322922F2}"/>
+              </a:ext>
+            </a:extLst>
+          </p:cNvPr>
+          <p:cNvCxnSpPr>
+            <a:cxnSpLocks/>
+            <a:stCxn id="119" idx="1"/>
+            <a:endCxn id="190" idx="1"/>
+          </p:cNvCxnSpPr>
+          <p:nvPr/>
+        </p:nvCxnSpPr>
+        <p:spPr>
+          <a:xfrm rot="10800000" flipH="1" flipV="1">
+            <a:off x="3765267" y="4717006"/>
+            <a:ext cx="3631180" cy="1444169"/>
+          </a:xfrm>
+          <a:prstGeom prst="bentConnector3">
+            <a:avLst>
+              <a:gd name="adj1" fmla="val -3357"/>
+            </a:avLst>
+          </a:prstGeom>
+          <a:ln w="19050">
+            <a:solidFill>
+              <a:srgbClr val="7030A0"/>
+            </a:solidFill>
+            <a:prstDash val="solid"/>
+            <a:headEnd type="none" w="med" len="med"/>
+            <a:tailEnd type="triangle" w="med" len="med"/>
+          </a:ln>
+          <a:effectLst/>
+        </p:spPr>
+        <p:style>
+          <a:lnRef idx="1">
+            <a:schemeClr val="accent2"/>
+          </a:lnRef>
+          <a:fillRef idx="2">
+            <a:schemeClr val="accent2"/>
+          </a:fillRef>
+          <a:effectRef idx="1">
+            <a:schemeClr val="accent2"/>
+          </a:effectRef>
+          <a:fontRef idx="minor">
+            <a:schemeClr val="dk1"/>
+          </a:fontRef>
+        </p:style>
+      </p:cxnSp>
+      <p:cxnSp>
+        <p:nvCxnSpPr>
+          <p:cNvPr id="194" name="Elbow Connector 85">
+            <a:extLst>
+              <a:ext uri="{FF2B5EF4-FFF2-40B4-BE49-F238E27FC236}">
+                <a16:creationId xmlns:a16="http://schemas.microsoft.com/office/drawing/2014/main" id="{ABF032A2-D4AE-4AFA-AED2-456F7E127068}"/>
+              </a:ext>
+            </a:extLst>
+          </p:cNvPr>
+          <p:cNvCxnSpPr>
+            <a:cxnSpLocks/>
+            <a:stCxn id="176" idx="3"/>
+            <a:endCxn id="119" idx="3"/>
+          </p:cNvCxnSpPr>
+          <p:nvPr/>
+        </p:nvCxnSpPr>
+        <p:spPr>
+          <a:xfrm rot="5400000">
+            <a:off x="4451137" y="4447228"/>
+            <a:ext cx="402889" cy="136668"/>
+          </a:xfrm>
+          <a:prstGeom prst="bentConnector2">
+            <a:avLst/>
+          </a:prstGeom>
+          <a:ln w="19050">
+            <a:solidFill>
+              <a:srgbClr val="7030A0"/>
+            </a:solidFill>
+            <a:headEnd type="none" w="med" len="med"/>
+            <a:tailEnd type="arrow" w="med" len="med"/>
+          </a:ln>
+          <a:effectLst/>
+        </p:spPr>
+        <p:style>
+          <a:lnRef idx="1">
+            <a:schemeClr val="accent2"/>
+          </a:lnRef>
+          <a:fillRef idx="2">
+            <a:schemeClr val="accent2"/>
+          </a:fillRef>
+          <a:effectRef idx="1">
+            <a:schemeClr val="accent2"/>
+          </a:effectRef>
+          <a:fontRef idx="minor">
+            <a:schemeClr val="dk1"/>
+          </a:fontRef>
+        </p:style>
+      </p:cxnSp>
     </p:spTree>
     <p:extLst>
       <p:ext uri="{BB962C8B-B14F-4D97-AF65-F5344CB8AC3E}">

--- a/docs/diagrams/ModelComponentClassDiagram.pptx
+++ b/docs/diagrams/ModelComponentClassDiagram.pptx
@@ -208,7 +208,7 @@
           <a:p>
             <a:fld id="{F5CC4B3F-88C1-4FFA-B1B6-F41C21DC6924}" type="datetimeFigureOut">
               <a:rPr lang="en-US" smtClean="0"/>
-              <a:t>11/1/2018</a:t>
+              <a:t>11/11/2018</a:t>
             </a:fld>
             <a:endParaRPr lang="en-US"/>
           </a:p>
@@ -654,7 +654,7 @@
           <a:p>
             <a:fld id="{78C97017-6FC3-485B-9764-EAC9E56C1D49}" type="datetimeFigureOut">
               <a:rPr lang="en-US" smtClean="0"/>
-              <a:t>11/1/2018</a:t>
+              <a:t>11/11/2018</a:t>
             </a:fld>
             <a:endParaRPr lang="en-US"/>
           </a:p>
@@ -822,7 +822,7 @@
           <a:p>
             <a:fld id="{78C97017-6FC3-485B-9764-EAC9E56C1D49}" type="datetimeFigureOut">
               <a:rPr lang="en-US" smtClean="0"/>
-              <a:t>11/1/2018</a:t>
+              <a:t>11/11/2018</a:t>
             </a:fld>
             <a:endParaRPr lang="en-US"/>
           </a:p>
@@ -1000,7 +1000,7 @@
           <a:p>
             <a:fld id="{78C97017-6FC3-485B-9764-EAC9E56C1D49}" type="datetimeFigureOut">
               <a:rPr lang="en-US" smtClean="0"/>
-              <a:t>11/1/2018</a:t>
+              <a:t>11/11/2018</a:t>
             </a:fld>
             <a:endParaRPr lang="en-US"/>
           </a:p>
@@ -1168,7 +1168,7 @@
           <a:p>
             <a:fld id="{78C97017-6FC3-485B-9764-EAC9E56C1D49}" type="datetimeFigureOut">
               <a:rPr lang="en-US" smtClean="0"/>
-              <a:t>11/1/2018</a:t>
+              <a:t>11/11/2018</a:t>
             </a:fld>
             <a:endParaRPr lang="en-US"/>
           </a:p>
@@ -1413,7 +1413,7 @@
           <a:p>
             <a:fld id="{78C97017-6FC3-485B-9764-EAC9E56C1D49}" type="datetimeFigureOut">
               <a:rPr lang="en-US" smtClean="0"/>
-              <a:t>11/1/2018</a:t>
+              <a:t>11/11/2018</a:t>
             </a:fld>
             <a:endParaRPr lang="en-US"/>
           </a:p>
@@ -1698,7 +1698,7 @@
           <a:p>
             <a:fld id="{78C97017-6FC3-485B-9764-EAC9E56C1D49}" type="datetimeFigureOut">
               <a:rPr lang="en-US" smtClean="0"/>
-              <a:t>11/1/2018</a:t>
+              <a:t>11/11/2018</a:t>
             </a:fld>
             <a:endParaRPr lang="en-US"/>
           </a:p>
@@ -2117,7 +2117,7 @@
           <a:p>
             <a:fld id="{78C97017-6FC3-485B-9764-EAC9E56C1D49}" type="datetimeFigureOut">
               <a:rPr lang="en-US" smtClean="0"/>
-              <a:t>11/1/2018</a:t>
+              <a:t>11/11/2018</a:t>
             </a:fld>
             <a:endParaRPr lang="en-US"/>
           </a:p>
@@ -2234,7 +2234,7 @@
           <a:p>
             <a:fld id="{78C97017-6FC3-485B-9764-EAC9E56C1D49}" type="datetimeFigureOut">
               <a:rPr lang="en-US" smtClean="0"/>
-              <a:t>11/1/2018</a:t>
+              <a:t>11/11/2018</a:t>
             </a:fld>
             <a:endParaRPr lang="en-US"/>
           </a:p>
@@ -2329,7 +2329,7 @@
           <a:p>
             <a:fld id="{78C97017-6FC3-485B-9764-EAC9E56C1D49}" type="datetimeFigureOut">
               <a:rPr lang="en-US" smtClean="0"/>
-              <a:t>11/1/2018</a:t>
+              <a:t>11/11/2018</a:t>
             </a:fld>
             <a:endParaRPr lang="en-US"/>
           </a:p>
@@ -2604,7 +2604,7 @@
           <a:p>
             <a:fld id="{78C97017-6FC3-485B-9764-EAC9E56C1D49}" type="datetimeFigureOut">
               <a:rPr lang="en-US" smtClean="0"/>
-              <a:t>11/1/2018</a:t>
+              <a:t>11/11/2018</a:t>
             </a:fld>
             <a:endParaRPr lang="en-US"/>
           </a:p>
@@ -2856,7 +2856,7 @@
           <a:p>
             <a:fld id="{78C97017-6FC3-485B-9764-EAC9E56C1D49}" type="datetimeFigureOut">
               <a:rPr lang="en-US" smtClean="0"/>
-              <a:t>11/1/2018</a:t>
+              <a:t>11/11/2018</a:t>
             </a:fld>
             <a:endParaRPr lang="en-US"/>
           </a:p>
@@ -3067,7 +3067,7 @@
           <a:p>
             <a:fld id="{78C97017-6FC3-485B-9764-EAC9E56C1D49}" type="datetimeFigureOut">
               <a:rPr lang="en-US" smtClean="0"/>
-              <a:t>11/1/2018</a:t>
+              <a:t>11/11/2018</a:t>
             </a:fld>
             <a:endParaRPr lang="en-US"/>
           </a:p>
@@ -3589,8 +3589,8 @@
         </p:nvSpPr>
         <p:spPr>
           <a:xfrm>
-            <a:off x="5519549" y="3635640"/>
-            <a:ext cx="1539124" cy="1406384"/>
+            <a:off x="5519548" y="3635640"/>
+            <a:ext cx="2934986" cy="1433657"/>
           </a:xfrm>
           <a:prstGeom prst="roundRect">
             <a:avLst>
@@ -7933,7 +7933,7 @@
         </p:nvSpPr>
         <p:spPr>
           <a:xfrm>
-            <a:off x="5836373" y="4594319"/>
+            <a:off x="5594638" y="4594319"/>
             <a:ext cx="714689" cy="295700"/>
           </a:xfrm>
           <a:prstGeom prst="rect">
@@ -7998,9 +7998,9 @@
           <p:nvPr/>
         </p:nvCxnSpPr>
         <p:spPr>
-          <a:xfrm rot="16200000" flipH="1">
-            <a:off x="5995327" y="4395928"/>
-            <a:ext cx="289024" cy="107758"/>
+          <a:xfrm rot="5400000">
+            <a:off x="5874460" y="4382819"/>
+            <a:ext cx="289024" cy="133977"/>
           </a:xfrm>
           <a:prstGeom prst="bentConnector3">
             <a:avLst>
@@ -8049,8 +8049,8 @@
         </p:nvCxnSpPr>
         <p:spPr>
           <a:xfrm rot="16200000" flipH="1">
-            <a:off x="6159504" y="4924232"/>
-            <a:ext cx="1271157" cy="1202729"/>
+            <a:off x="6038637" y="4803365"/>
+            <a:ext cx="1271157" cy="1444464"/>
           </a:xfrm>
           <a:prstGeom prst="bentConnector2">
             <a:avLst/>
@@ -8838,12 +8838,12 @@
         </p:nvCxnSpPr>
         <p:spPr>
           <a:xfrm rot="16200000" flipH="1">
-            <a:off x="3145291" y="3223137"/>
-            <a:ext cx="1473014" cy="503574"/>
+            <a:off x="3219393" y="3297238"/>
+            <a:ext cx="1343399" cy="484985"/>
           </a:xfrm>
           <a:prstGeom prst="bentConnector3">
             <a:avLst>
-              <a:gd name="adj1" fmla="val 88798"/>
+              <a:gd name="adj1" fmla="val 89590"/>
             </a:avLst>
           </a:prstGeom>
           <a:ln w="19050">
@@ -8871,12 +8871,107 @@
           </a:fontRef>
         </p:style>
       </p:cxnSp>
-      <p:sp>
-        <p:nvSpPr>
-          <p:cNvPr id="101" name="Flowchart: Decision 96">
-            <a:extLst>
-              <a:ext uri="{FF2B5EF4-FFF2-40B4-BE49-F238E27FC236}">
-                <a16:creationId xmlns:a16="http://schemas.microsoft.com/office/drawing/2014/main" id="{1DB613A4-D88F-4C09-A760-52CB8F3D334A}"/>
+      <p:cxnSp>
+        <p:nvCxnSpPr>
+          <p:cNvPr id="102" name="Elbow Connector 63">
+            <a:extLst>
+              <a:ext uri="{FF2B5EF4-FFF2-40B4-BE49-F238E27FC236}">
+                <a16:creationId xmlns:a16="http://schemas.microsoft.com/office/drawing/2014/main" id="{744F89C8-F729-4A40-ADF1-497CD98CD99C}"/>
+              </a:ext>
+            </a:extLst>
+          </p:cNvPr>
+          <p:cNvCxnSpPr>
+            <a:cxnSpLocks/>
+            <a:stCxn id="172" idx="3"/>
+            <a:endCxn id="216" idx="1"/>
+          </p:cNvCxnSpPr>
+          <p:nvPr/>
+        </p:nvCxnSpPr>
+        <p:spPr>
+          <a:xfrm flipV="1">
+            <a:off x="5182156" y="3918493"/>
+            <a:ext cx="438704" cy="10633"/>
+          </a:xfrm>
+          <a:prstGeom prst="bentConnector3">
+            <a:avLst>
+              <a:gd name="adj1" fmla="val 50000"/>
+            </a:avLst>
+          </a:prstGeom>
+          <a:ln w="19050">
+            <a:solidFill>
+              <a:srgbClr val="7030A0"/>
+            </a:solidFill>
+            <a:headEnd type="none" w="med" len="med"/>
+            <a:tailEnd type="arrow" w="med" len="med"/>
+          </a:ln>
+          <a:effectLst/>
+        </p:spPr>
+        <p:style>
+          <a:lnRef idx="1">
+            <a:schemeClr val="accent2"/>
+          </a:lnRef>
+          <a:fillRef idx="2">
+            <a:schemeClr val="accent2"/>
+          </a:fillRef>
+          <a:effectRef idx="1">
+            <a:schemeClr val="accent2"/>
+          </a:effectRef>
+          <a:fontRef idx="minor">
+            <a:schemeClr val="dk1"/>
+          </a:fontRef>
+        </p:style>
+      </p:cxnSp>
+      <p:sp>
+        <p:nvSpPr>
+          <p:cNvPr id="105" name="TextBox 104">
+            <a:extLst>
+              <a:ext uri="{FF2B5EF4-FFF2-40B4-BE49-F238E27FC236}">
+                <a16:creationId xmlns:a16="http://schemas.microsoft.com/office/drawing/2014/main" id="{A846C247-5BE8-453B-94A4-F8D56DD4F771}"/>
+              </a:ext>
+            </a:extLst>
+          </p:cNvPr>
+          <p:cNvSpPr txBox="1"/>
+          <p:nvPr/>
+        </p:nvSpPr>
+        <p:spPr>
+          <a:xfrm>
+            <a:off x="5459721" y="3714930"/>
+            <a:ext cx="189257" cy="178683"/>
+          </a:xfrm>
+          <a:prstGeom prst="rect">
+            <a:avLst/>
+          </a:prstGeom>
+          <a:noFill/>
+        </p:spPr>
+        <p:txBody>
+          <a:bodyPr wrap="square" lIns="0" tIns="0" rIns="0" bIns="0" rtlCol="0">
+            <a:noAutofit/>
+          </a:bodyPr>
+          <a:lstStyle/>
+          <a:p>
+            <a:pPr algn="ctr"/>
+            <a:r>
+              <a:rPr lang="en-US" sz="1100" dirty="0">
+                <a:solidFill>
+                  <a:srgbClr val="7030A0"/>
+                </a:solidFill>
+              </a:rPr>
+              <a:t>1</a:t>
+            </a:r>
+            <a:endParaRPr lang="en-SG" sz="1100" dirty="0">
+              <a:solidFill>
+                <a:srgbClr val="7030A0"/>
+              </a:solidFill>
+            </a:endParaRPr>
+          </a:p>
+        </p:txBody>
+      </p:sp>
+      <p:sp>
+        <p:nvSpPr>
+          <p:cNvPr id="119" name="Rectangle 8">
+            <a:extLst>
+              <a:ext uri="{FF2B5EF4-FFF2-40B4-BE49-F238E27FC236}">
+                <a16:creationId xmlns:a16="http://schemas.microsoft.com/office/drawing/2014/main" id="{7C377596-E861-41BA-92F8-FB0DEFB5F5A9}"/>
               </a:ext>
             </a:extLst>
           </p:cNvPr>
@@ -8885,13 +8980,775 @@
         </p:nvSpPr>
         <p:spPr>
           <a:xfrm>
-            <a:off x="5159479" y="3826804"/>
+            <a:off x="3765267" y="4574115"/>
+            <a:ext cx="818980" cy="285783"/>
+          </a:xfrm>
+          <a:prstGeom prst="rect">
+            <a:avLst/>
+          </a:prstGeom>
+          <a:ln w="19050">
+            <a:solidFill>
+              <a:srgbClr val="7030A0"/>
+            </a:solidFill>
+          </a:ln>
+          <a:effectLst/>
+        </p:spPr>
+        <p:style>
+          <a:lnRef idx="1">
+            <a:schemeClr val="accent4"/>
+          </a:lnRef>
+          <a:fillRef idx="2">
+            <a:schemeClr val="accent4"/>
+          </a:fillRef>
+          <a:effectRef idx="1">
+            <a:schemeClr val="accent4"/>
+          </a:effectRef>
+          <a:fontRef idx="minor">
+            <a:schemeClr val="dk1"/>
+          </a:fontRef>
+        </p:style>
+        <p:txBody>
+          <a:bodyPr rtlCol="0" anchor="ctr"/>
+          <a:lstStyle/>
+          <a:p>
+            <a:pPr algn="ctr"/>
+            <a:r>
+              <a:rPr lang="en-US" sz="1050" dirty="0" err="1">
+                <a:solidFill>
+                  <a:srgbClr val="7030A0"/>
+                </a:solidFill>
+              </a:rPr>
+              <a:t>LoanStatus</a:t>
+            </a:r>
+            <a:endParaRPr lang="en-SG" sz="1050" dirty="0">
+              <a:solidFill>
+                <a:srgbClr val="7030A0"/>
+              </a:solidFill>
+            </a:endParaRPr>
+          </a:p>
+        </p:txBody>
+      </p:sp>
+      <p:cxnSp>
+        <p:nvCxnSpPr>
+          <p:cNvPr id="192" name="Elbow Connector 106">
+            <a:extLst>
+              <a:ext uri="{FF2B5EF4-FFF2-40B4-BE49-F238E27FC236}">
+                <a16:creationId xmlns:a16="http://schemas.microsoft.com/office/drawing/2014/main" id="{43BE3477-AF70-411F-A7C8-1BA6322922F2}"/>
+              </a:ext>
+            </a:extLst>
+          </p:cNvPr>
+          <p:cNvCxnSpPr>
+            <a:cxnSpLocks/>
+            <a:stCxn id="119" idx="1"/>
+            <a:endCxn id="190" idx="1"/>
+          </p:cNvCxnSpPr>
+          <p:nvPr/>
+        </p:nvCxnSpPr>
+        <p:spPr>
+          <a:xfrm rot="10800000" flipH="1" flipV="1">
+            <a:off x="3765267" y="4717006"/>
+            <a:ext cx="3631180" cy="1444169"/>
+          </a:xfrm>
+          <a:prstGeom prst="bentConnector3">
+            <a:avLst>
+              <a:gd name="adj1" fmla="val -3357"/>
+            </a:avLst>
+          </a:prstGeom>
+          <a:ln w="19050">
+            <a:solidFill>
+              <a:srgbClr val="7030A0"/>
+            </a:solidFill>
+            <a:prstDash val="solid"/>
+            <a:headEnd type="none" w="med" len="med"/>
+            <a:tailEnd type="triangle" w="med" len="med"/>
+          </a:ln>
+          <a:effectLst/>
+        </p:spPr>
+        <p:style>
+          <a:lnRef idx="1">
+            <a:schemeClr val="accent2"/>
+          </a:lnRef>
+          <a:fillRef idx="2">
+            <a:schemeClr val="accent2"/>
+          </a:fillRef>
+          <a:effectRef idx="1">
+            <a:schemeClr val="accent2"/>
+          </a:effectRef>
+          <a:fontRef idx="minor">
+            <a:schemeClr val="dk1"/>
+          </a:fontRef>
+        </p:style>
+      </p:cxnSp>
+      <p:cxnSp>
+        <p:nvCxnSpPr>
+          <p:cNvPr id="194" name="Elbow Connector 85">
+            <a:extLst>
+              <a:ext uri="{FF2B5EF4-FFF2-40B4-BE49-F238E27FC236}">
+                <a16:creationId xmlns:a16="http://schemas.microsoft.com/office/drawing/2014/main" id="{ABF032A2-D4AE-4AFA-AED2-456F7E127068}"/>
+              </a:ext>
+            </a:extLst>
+          </p:cNvPr>
+          <p:cNvCxnSpPr>
+            <a:cxnSpLocks/>
+            <a:stCxn id="176" idx="3"/>
+            <a:endCxn id="119" idx="3"/>
+          </p:cNvCxnSpPr>
+          <p:nvPr/>
+        </p:nvCxnSpPr>
+        <p:spPr>
+          <a:xfrm rot="5400000">
+            <a:off x="4451137" y="4447228"/>
+            <a:ext cx="402889" cy="136668"/>
+          </a:xfrm>
+          <a:prstGeom prst="bentConnector2">
+            <a:avLst/>
+          </a:prstGeom>
+          <a:ln w="19050">
+            <a:solidFill>
+              <a:srgbClr val="7030A0"/>
+            </a:solidFill>
+            <a:headEnd type="none" w="med" len="med"/>
+            <a:tailEnd type="arrow" w="med" len="med"/>
+          </a:ln>
+          <a:effectLst/>
+        </p:spPr>
+        <p:style>
+          <a:lnRef idx="1">
+            <a:schemeClr val="accent2"/>
+          </a:lnRef>
+          <a:fillRef idx="2">
+            <a:schemeClr val="accent2"/>
+          </a:fillRef>
+          <a:effectRef idx="1">
+            <a:schemeClr val="accent2"/>
+          </a:effectRef>
+          <a:fontRef idx="minor">
+            <a:schemeClr val="dk1"/>
+          </a:fontRef>
+        </p:style>
+      </p:cxnSp>
+      <p:sp>
+        <p:nvSpPr>
+          <p:cNvPr id="111" name="Rectangle 8">
+            <a:extLst>
+              <a:ext uri="{FF2B5EF4-FFF2-40B4-BE49-F238E27FC236}">
+                <a16:creationId xmlns:a16="http://schemas.microsoft.com/office/drawing/2014/main" id="{DE5264E6-5216-413D-BB0C-966C0343ACCB}"/>
+              </a:ext>
+            </a:extLst>
+          </p:cNvPr>
+          <p:cNvSpPr/>
+          <p:nvPr/>
+        </p:nvSpPr>
+        <p:spPr>
+          <a:xfrm>
+            <a:off x="7032934" y="4174870"/>
+            <a:ext cx="1259378" cy="346760"/>
+          </a:xfrm>
+          <a:prstGeom prst="rect">
+            <a:avLst/>
+          </a:prstGeom>
+          <a:ln w="19050">
+            <a:solidFill>
+              <a:srgbClr val="7030A0"/>
+            </a:solidFill>
+          </a:ln>
+          <a:effectLst/>
+        </p:spPr>
+        <p:style>
+          <a:lnRef idx="1">
+            <a:schemeClr val="accent4"/>
+          </a:lnRef>
+          <a:fillRef idx="2">
+            <a:schemeClr val="accent4"/>
+          </a:fillRef>
+          <a:effectRef idx="1">
+            <a:schemeClr val="accent4"/>
+          </a:effectRef>
+          <a:fontRef idx="minor">
+            <a:schemeClr val="dk1"/>
+          </a:fontRef>
+        </p:style>
+        <p:txBody>
+          <a:bodyPr rtlCol="0" anchor="ctr"/>
+          <a:lstStyle/>
+          <a:p>
+            <a:pPr algn="ctr"/>
+            <a:r>
+              <a:rPr lang="en-US" sz="1050" dirty="0">
+                <a:solidFill>
+                  <a:srgbClr val="7030A0"/>
+                </a:solidFill>
+              </a:rPr>
+              <a:t>&lt;&lt;enumeration&gt;&gt;</a:t>
+            </a:r>
+          </a:p>
+          <a:p>
+            <a:pPr algn="ctr"/>
+            <a:r>
+              <a:rPr lang="en-US" sz="1050" dirty="0" err="1">
+                <a:solidFill>
+                  <a:srgbClr val="7030A0"/>
+                </a:solidFill>
+              </a:rPr>
+              <a:t>BikeStatus</a:t>
+            </a:r>
+            <a:endParaRPr lang="en-SG" sz="1050" dirty="0">
+              <a:solidFill>
+                <a:srgbClr val="7030A0"/>
+              </a:solidFill>
+            </a:endParaRPr>
+          </a:p>
+        </p:txBody>
+      </p:sp>
+      <p:cxnSp>
+        <p:nvCxnSpPr>
+          <p:cNvPr id="112" name="Elbow Connector 78">
+            <a:extLst>
+              <a:ext uri="{FF2B5EF4-FFF2-40B4-BE49-F238E27FC236}">
+                <a16:creationId xmlns:a16="http://schemas.microsoft.com/office/drawing/2014/main" id="{2096373F-C461-44DE-A761-B7FBDF254831}"/>
+              </a:ext>
+            </a:extLst>
+          </p:cNvPr>
+          <p:cNvCxnSpPr>
+            <a:cxnSpLocks/>
+            <a:stCxn id="131" idx="3"/>
+            <a:endCxn id="111" idx="0"/>
+          </p:cNvCxnSpPr>
+          <p:nvPr/>
+        </p:nvCxnSpPr>
+        <p:spPr>
+          <a:xfrm>
+            <a:off x="6792239" y="3919921"/>
+            <a:ext cx="870384" cy="254949"/>
+          </a:xfrm>
+          <a:prstGeom prst="bentConnector2">
+            <a:avLst/>
+          </a:prstGeom>
+          <a:ln w="19050">
+            <a:solidFill>
+              <a:srgbClr val="7030A0"/>
+            </a:solidFill>
+            <a:headEnd type="none" w="med" len="med"/>
+            <a:tailEnd type="arrow" w="med" len="med"/>
+          </a:ln>
+          <a:effectLst/>
+        </p:spPr>
+        <p:style>
+          <a:lnRef idx="1">
+            <a:schemeClr val="accent2"/>
+          </a:lnRef>
+          <a:fillRef idx="2">
+            <a:schemeClr val="accent2"/>
+          </a:fillRef>
+          <a:effectRef idx="1">
+            <a:schemeClr val="accent2"/>
+          </a:effectRef>
+          <a:fontRef idx="minor">
+            <a:schemeClr val="dk1"/>
+          </a:fontRef>
+        </p:style>
+      </p:cxnSp>
+      <p:sp>
+        <p:nvSpPr>
+          <p:cNvPr id="121" name="Rectangle 8">
+            <a:extLst>
+              <a:ext uri="{FF2B5EF4-FFF2-40B4-BE49-F238E27FC236}">
+                <a16:creationId xmlns:a16="http://schemas.microsoft.com/office/drawing/2014/main" id="{E1D8FF43-086A-4D08-AADB-69C071BE4C54}"/>
+              </a:ext>
+            </a:extLst>
+          </p:cNvPr>
+          <p:cNvSpPr/>
+          <p:nvPr/>
+        </p:nvSpPr>
+        <p:spPr>
+          <a:xfrm>
+            <a:off x="7036294" y="4532193"/>
+            <a:ext cx="1259378" cy="385040"/>
+          </a:xfrm>
+          <a:prstGeom prst="rect">
+            <a:avLst/>
+          </a:prstGeom>
+          <a:ln w="19050">
+            <a:solidFill>
+              <a:srgbClr val="7030A0"/>
+            </a:solidFill>
+          </a:ln>
+          <a:effectLst/>
+        </p:spPr>
+        <p:style>
+          <a:lnRef idx="1">
+            <a:schemeClr val="accent4"/>
+          </a:lnRef>
+          <a:fillRef idx="2">
+            <a:schemeClr val="accent4"/>
+          </a:fillRef>
+          <a:effectRef idx="1">
+            <a:schemeClr val="accent4"/>
+          </a:effectRef>
+          <a:fontRef idx="minor">
+            <a:schemeClr val="dk1"/>
+          </a:fontRef>
+        </p:style>
+        <p:txBody>
+          <a:bodyPr rtlCol="0" anchor="ctr"/>
+          <a:lstStyle/>
+          <a:p>
+            <a:pPr algn="ctr"/>
+            <a:r>
+              <a:rPr lang="en-US" sz="1050" dirty="0">
+                <a:solidFill>
+                  <a:srgbClr val="7030A0"/>
+                </a:solidFill>
+              </a:rPr>
+              <a:t>AVAILABLE,</a:t>
+            </a:r>
+          </a:p>
+          <a:p>
+            <a:pPr algn="ctr"/>
+            <a:r>
+              <a:rPr lang="en-US" sz="1050" dirty="0">
+                <a:solidFill>
+                  <a:srgbClr val="7030A0"/>
+                </a:solidFill>
+              </a:rPr>
+              <a:t>LOANED_OUT</a:t>
+            </a:r>
+            <a:endParaRPr lang="en-SG" sz="1050" dirty="0">
+              <a:solidFill>
+                <a:srgbClr val="7030A0"/>
+              </a:solidFill>
+            </a:endParaRPr>
+          </a:p>
+        </p:txBody>
+      </p:sp>
+      <p:sp>
+        <p:nvSpPr>
+          <p:cNvPr id="122" name="TextBox 121">
+            <a:extLst>
+              <a:ext uri="{FF2B5EF4-FFF2-40B4-BE49-F238E27FC236}">
+                <a16:creationId xmlns:a16="http://schemas.microsoft.com/office/drawing/2014/main" id="{7245396D-5AF5-4B00-A7AC-5395BAB97E38}"/>
+              </a:ext>
+            </a:extLst>
+          </p:cNvPr>
+          <p:cNvSpPr txBox="1"/>
+          <p:nvPr/>
+        </p:nvSpPr>
+        <p:spPr>
+          <a:xfrm>
+            <a:off x="2535608" y="4318531"/>
+            <a:ext cx="189257" cy="178683"/>
+          </a:xfrm>
+          <a:prstGeom prst="rect">
+            <a:avLst/>
+          </a:prstGeom>
+          <a:noFill/>
+        </p:spPr>
+        <p:txBody>
+          <a:bodyPr wrap="square" lIns="0" tIns="0" rIns="0" bIns="0" rtlCol="0">
+            <a:noAutofit/>
+          </a:bodyPr>
+          <a:lstStyle/>
+          <a:p>
+            <a:pPr algn="ctr"/>
+            <a:r>
+              <a:rPr lang="en-US" sz="1100" dirty="0">
+                <a:solidFill>
+                  <a:srgbClr val="7030A0"/>
+                </a:solidFill>
+              </a:rPr>
+              <a:t>1</a:t>
+            </a:r>
+            <a:endParaRPr lang="en-SG" sz="1100" dirty="0">
+              <a:solidFill>
+                <a:srgbClr val="7030A0"/>
+              </a:solidFill>
+            </a:endParaRPr>
+          </a:p>
+        </p:txBody>
+      </p:sp>
+      <p:sp>
+        <p:nvSpPr>
+          <p:cNvPr id="123" name="TextBox 122">
+            <a:extLst>
+              <a:ext uri="{FF2B5EF4-FFF2-40B4-BE49-F238E27FC236}">
+                <a16:creationId xmlns:a16="http://schemas.microsoft.com/office/drawing/2014/main" id="{C2D77291-D46B-4C9F-884E-D4BDEC44664F}"/>
+              </a:ext>
+            </a:extLst>
+          </p:cNvPr>
+          <p:cNvSpPr txBox="1"/>
+          <p:nvPr/>
+        </p:nvSpPr>
+        <p:spPr>
+          <a:xfrm>
+            <a:off x="2539283" y="4639097"/>
+            <a:ext cx="189257" cy="178683"/>
+          </a:xfrm>
+          <a:prstGeom prst="rect">
+            <a:avLst/>
+          </a:prstGeom>
+          <a:noFill/>
+        </p:spPr>
+        <p:txBody>
+          <a:bodyPr wrap="square" lIns="0" tIns="0" rIns="0" bIns="0" rtlCol="0">
+            <a:noAutofit/>
+          </a:bodyPr>
+          <a:lstStyle/>
+          <a:p>
+            <a:pPr algn="ctr"/>
+            <a:r>
+              <a:rPr lang="en-US" sz="1100" dirty="0">
+                <a:solidFill>
+                  <a:srgbClr val="7030A0"/>
+                </a:solidFill>
+              </a:rPr>
+              <a:t>1</a:t>
+            </a:r>
+            <a:endParaRPr lang="en-SG" sz="1100" dirty="0">
+              <a:solidFill>
+                <a:srgbClr val="7030A0"/>
+              </a:solidFill>
+            </a:endParaRPr>
+          </a:p>
+        </p:txBody>
+      </p:sp>
+      <p:sp>
+        <p:nvSpPr>
+          <p:cNvPr id="124" name="TextBox 123">
+            <a:extLst>
+              <a:ext uri="{FF2B5EF4-FFF2-40B4-BE49-F238E27FC236}">
+                <a16:creationId xmlns:a16="http://schemas.microsoft.com/office/drawing/2014/main" id="{D10F9C31-81DC-471B-B3F9-EF36A8C6BFA8}"/>
+              </a:ext>
+            </a:extLst>
+          </p:cNvPr>
+          <p:cNvSpPr txBox="1"/>
+          <p:nvPr/>
+        </p:nvSpPr>
+        <p:spPr>
+          <a:xfrm>
+            <a:off x="2539283" y="5021786"/>
+            <a:ext cx="189257" cy="178683"/>
+          </a:xfrm>
+          <a:prstGeom prst="rect">
+            <a:avLst/>
+          </a:prstGeom>
+          <a:noFill/>
+        </p:spPr>
+        <p:txBody>
+          <a:bodyPr wrap="square" lIns="0" tIns="0" rIns="0" bIns="0" rtlCol="0">
+            <a:noAutofit/>
+          </a:bodyPr>
+          <a:lstStyle/>
+          <a:p>
+            <a:pPr algn="ctr"/>
+            <a:r>
+              <a:rPr lang="en-US" sz="1100" dirty="0">
+                <a:solidFill>
+                  <a:srgbClr val="7030A0"/>
+                </a:solidFill>
+              </a:rPr>
+              <a:t>1</a:t>
+            </a:r>
+            <a:endParaRPr lang="en-SG" sz="1100" dirty="0">
+              <a:solidFill>
+                <a:srgbClr val="7030A0"/>
+              </a:solidFill>
+            </a:endParaRPr>
+          </a:p>
+        </p:txBody>
+      </p:sp>
+      <p:sp>
+        <p:nvSpPr>
+          <p:cNvPr id="125" name="TextBox 124">
+            <a:extLst>
+              <a:ext uri="{FF2B5EF4-FFF2-40B4-BE49-F238E27FC236}">
+                <a16:creationId xmlns:a16="http://schemas.microsoft.com/office/drawing/2014/main" id="{731B4A54-E321-42DD-96E4-6497C3A72F70}"/>
+              </a:ext>
+            </a:extLst>
+          </p:cNvPr>
+          <p:cNvSpPr txBox="1"/>
+          <p:nvPr/>
+        </p:nvSpPr>
+        <p:spPr>
+          <a:xfrm>
+            <a:off x="2539283" y="5345341"/>
+            <a:ext cx="189257" cy="178683"/>
+          </a:xfrm>
+          <a:prstGeom prst="rect">
+            <a:avLst/>
+          </a:prstGeom>
+          <a:noFill/>
+        </p:spPr>
+        <p:txBody>
+          <a:bodyPr wrap="square" lIns="0" tIns="0" rIns="0" bIns="0" rtlCol="0">
+            <a:noAutofit/>
+          </a:bodyPr>
+          <a:lstStyle/>
+          <a:p>
+            <a:pPr algn="ctr"/>
+            <a:r>
+              <a:rPr lang="en-US" sz="1100" dirty="0">
+                <a:solidFill>
+                  <a:srgbClr val="7030A0"/>
+                </a:solidFill>
+              </a:rPr>
+              <a:t>1</a:t>
+            </a:r>
+            <a:endParaRPr lang="en-SG" sz="1100" dirty="0">
+              <a:solidFill>
+                <a:srgbClr val="7030A0"/>
+              </a:solidFill>
+            </a:endParaRPr>
+          </a:p>
+        </p:txBody>
+      </p:sp>
+      <p:sp>
+        <p:nvSpPr>
+          <p:cNvPr id="126" name="TextBox 125">
+            <a:extLst>
+              <a:ext uri="{FF2B5EF4-FFF2-40B4-BE49-F238E27FC236}">
+                <a16:creationId xmlns:a16="http://schemas.microsoft.com/office/drawing/2014/main" id="{11D3223B-8099-46C5-A3A8-84F59C487ADF}"/>
+              </a:ext>
+            </a:extLst>
+          </p:cNvPr>
+          <p:cNvSpPr txBox="1"/>
+          <p:nvPr/>
+        </p:nvSpPr>
+        <p:spPr>
+          <a:xfrm>
+            <a:off x="4526657" y="4890614"/>
+            <a:ext cx="189257" cy="178683"/>
+          </a:xfrm>
+          <a:prstGeom prst="rect">
+            <a:avLst/>
+          </a:prstGeom>
+          <a:noFill/>
+        </p:spPr>
+        <p:txBody>
+          <a:bodyPr wrap="square" lIns="0" tIns="0" rIns="0" bIns="0" rtlCol="0">
+            <a:noAutofit/>
+          </a:bodyPr>
+          <a:lstStyle/>
+          <a:p>
+            <a:pPr algn="ctr"/>
+            <a:r>
+              <a:rPr lang="en-US" sz="1100" dirty="0">
+                <a:solidFill>
+                  <a:srgbClr val="7030A0"/>
+                </a:solidFill>
+              </a:rPr>
+              <a:t>1</a:t>
+            </a:r>
+            <a:endParaRPr lang="en-SG" sz="1100" dirty="0">
+              <a:solidFill>
+                <a:srgbClr val="7030A0"/>
+              </a:solidFill>
+            </a:endParaRPr>
+          </a:p>
+        </p:txBody>
+      </p:sp>
+      <p:sp>
+        <p:nvSpPr>
+          <p:cNvPr id="127" name="TextBox 126">
+            <a:extLst>
+              <a:ext uri="{FF2B5EF4-FFF2-40B4-BE49-F238E27FC236}">
+                <a16:creationId xmlns:a16="http://schemas.microsoft.com/office/drawing/2014/main" id="{A93A550E-E0C5-4042-A0FE-4F31FF23BC3A}"/>
+              </a:ext>
+            </a:extLst>
+          </p:cNvPr>
+          <p:cNvSpPr txBox="1"/>
+          <p:nvPr/>
+        </p:nvSpPr>
+        <p:spPr>
+          <a:xfrm>
+            <a:off x="4488796" y="4154163"/>
+            <a:ext cx="189257" cy="178683"/>
+          </a:xfrm>
+          <a:prstGeom prst="rect">
+            <a:avLst/>
+          </a:prstGeom>
+          <a:noFill/>
+        </p:spPr>
+        <p:txBody>
+          <a:bodyPr wrap="square" lIns="0" tIns="0" rIns="0" bIns="0" rtlCol="0">
+            <a:noAutofit/>
+          </a:bodyPr>
+          <a:lstStyle/>
+          <a:p>
+            <a:pPr algn="ctr"/>
+            <a:r>
+              <a:rPr lang="en-US" sz="1100" dirty="0">
+                <a:solidFill>
+                  <a:srgbClr val="7030A0"/>
+                </a:solidFill>
+              </a:rPr>
+              <a:t>1</a:t>
+            </a:r>
+            <a:endParaRPr lang="en-SG" sz="1100" dirty="0">
+              <a:solidFill>
+                <a:srgbClr val="7030A0"/>
+              </a:solidFill>
+            </a:endParaRPr>
+          </a:p>
+        </p:txBody>
+      </p:sp>
+      <p:sp>
+        <p:nvSpPr>
+          <p:cNvPr id="128" name="TextBox 127">
+            <a:extLst>
+              <a:ext uri="{FF2B5EF4-FFF2-40B4-BE49-F238E27FC236}">
+                <a16:creationId xmlns:a16="http://schemas.microsoft.com/office/drawing/2014/main" id="{EDC7036B-433A-455E-B6BA-61E21E1B7575}"/>
+              </a:ext>
+            </a:extLst>
+          </p:cNvPr>
+          <p:cNvSpPr txBox="1"/>
+          <p:nvPr/>
+        </p:nvSpPr>
+        <p:spPr>
+          <a:xfrm>
+            <a:off x="4544321" y="4517416"/>
+            <a:ext cx="189257" cy="178683"/>
+          </a:xfrm>
+          <a:prstGeom prst="rect">
+            <a:avLst/>
+          </a:prstGeom>
+          <a:noFill/>
+        </p:spPr>
+        <p:txBody>
+          <a:bodyPr wrap="square" lIns="0" tIns="0" rIns="0" bIns="0" rtlCol="0">
+            <a:noAutofit/>
+          </a:bodyPr>
+          <a:lstStyle/>
+          <a:p>
+            <a:pPr algn="ctr"/>
+            <a:r>
+              <a:rPr lang="en-US" sz="1100" dirty="0">
+                <a:solidFill>
+                  <a:srgbClr val="7030A0"/>
+                </a:solidFill>
+              </a:rPr>
+              <a:t>1</a:t>
+            </a:r>
+            <a:endParaRPr lang="en-SG" sz="1100" dirty="0">
+              <a:solidFill>
+                <a:srgbClr val="7030A0"/>
+              </a:solidFill>
+            </a:endParaRPr>
+          </a:p>
+        </p:txBody>
+      </p:sp>
+      <p:sp>
+        <p:nvSpPr>
+          <p:cNvPr id="129" name="TextBox 128">
+            <a:extLst>
+              <a:ext uri="{FF2B5EF4-FFF2-40B4-BE49-F238E27FC236}">
+                <a16:creationId xmlns:a16="http://schemas.microsoft.com/office/drawing/2014/main" id="{D3820B48-DEE0-4344-8827-640B02ABEF15}"/>
+              </a:ext>
+            </a:extLst>
+          </p:cNvPr>
+          <p:cNvSpPr txBox="1"/>
+          <p:nvPr/>
+        </p:nvSpPr>
+        <p:spPr>
+          <a:xfrm>
+            <a:off x="5750062" y="4415250"/>
+            <a:ext cx="189257" cy="178683"/>
+          </a:xfrm>
+          <a:prstGeom prst="rect">
+            <a:avLst/>
+          </a:prstGeom>
+          <a:noFill/>
+        </p:spPr>
+        <p:txBody>
+          <a:bodyPr wrap="square" lIns="0" tIns="0" rIns="0" bIns="0" rtlCol="0">
+            <a:noAutofit/>
+          </a:bodyPr>
+          <a:lstStyle/>
+          <a:p>
+            <a:pPr algn="ctr"/>
+            <a:r>
+              <a:rPr lang="en-US" sz="1100">
+                <a:solidFill>
+                  <a:srgbClr val="7030A0"/>
+                </a:solidFill>
+              </a:rPr>
+              <a:t>1</a:t>
+            </a:r>
+            <a:endParaRPr lang="en-SG" sz="1100" dirty="0">
+              <a:solidFill>
+                <a:srgbClr val="7030A0"/>
+              </a:solidFill>
+            </a:endParaRPr>
+          </a:p>
+        </p:txBody>
+      </p:sp>
+      <p:sp>
+        <p:nvSpPr>
+          <p:cNvPr id="130" name="TextBox 129">
+            <a:extLst>
+              <a:ext uri="{FF2B5EF4-FFF2-40B4-BE49-F238E27FC236}">
+                <a16:creationId xmlns:a16="http://schemas.microsoft.com/office/drawing/2014/main" id="{804597DA-2E13-48E2-A30D-6AAC6C9E9415}"/>
+              </a:ext>
+            </a:extLst>
+          </p:cNvPr>
+          <p:cNvSpPr txBox="1"/>
+          <p:nvPr/>
+        </p:nvSpPr>
+        <p:spPr>
+          <a:xfrm>
+            <a:off x="7661475" y="3975480"/>
+            <a:ext cx="189257" cy="178683"/>
+          </a:xfrm>
+          <a:prstGeom prst="rect">
+            <a:avLst/>
+          </a:prstGeom>
+          <a:noFill/>
+        </p:spPr>
+        <p:txBody>
+          <a:bodyPr wrap="square" lIns="0" tIns="0" rIns="0" bIns="0" rtlCol="0">
+            <a:noAutofit/>
+          </a:bodyPr>
+          <a:lstStyle/>
+          <a:p>
+            <a:pPr algn="ctr"/>
+            <a:r>
+              <a:rPr lang="en-US" sz="1100" dirty="0">
+                <a:solidFill>
+                  <a:srgbClr val="7030A0"/>
+                </a:solidFill>
+              </a:rPr>
+              <a:t>1</a:t>
+            </a:r>
+            <a:endParaRPr lang="en-SG" sz="1100" dirty="0">
+              <a:solidFill>
+                <a:srgbClr val="7030A0"/>
+              </a:solidFill>
+            </a:endParaRPr>
+          </a:p>
+        </p:txBody>
+      </p:sp>
+      <p:sp>
+        <p:nvSpPr>
+          <p:cNvPr id="131" name="Flowchart: Decision 96">
+            <a:extLst>
+              <a:ext uri="{FF2B5EF4-FFF2-40B4-BE49-F238E27FC236}">
+                <a16:creationId xmlns:a16="http://schemas.microsoft.com/office/drawing/2014/main" id="{4A226395-608B-4C53-A219-B63833EE68B2}"/>
+              </a:ext>
+            </a:extLst>
+          </p:cNvPr>
+          <p:cNvSpPr/>
+          <p:nvPr/>
+        </p:nvSpPr>
+        <p:spPr>
+          <a:xfrm>
+            <a:off x="6556191" y="3833231"/>
             <a:ext cx="236048" cy="173380"/>
           </a:xfrm>
           <a:prstGeom prst="flowChartDecision">
             <a:avLst/>
           </a:prstGeom>
-          <a:noFill/>
+          <a:solidFill>
+            <a:srgbClr val="7030A0"/>
+          </a:solidFill>
           <a:ln w="19050">
             <a:solidFill>
               <a:srgbClr val="7030A0"/>
@@ -8922,262 +9779,6 @@
           </a:p>
         </p:txBody>
       </p:sp>
-      <p:cxnSp>
-        <p:nvCxnSpPr>
-          <p:cNvPr id="102" name="Elbow Connector 63">
-            <a:extLst>
-              <a:ext uri="{FF2B5EF4-FFF2-40B4-BE49-F238E27FC236}">
-                <a16:creationId xmlns:a16="http://schemas.microsoft.com/office/drawing/2014/main" id="{744F89C8-F729-4A40-ADF1-497CD98CD99C}"/>
-              </a:ext>
-            </a:extLst>
-          </p:cNvPr>
-          <p:cNvCxnSpPr>
-            <a:cxnSpLocks/>
-            <a:stCxn id="101" idx="3"/>
-            <a:endCxn id="216" idx="1"/>
-          </p:cNvCxnSpPr>
-          <p:nvPr/>
-        </p:nvCxnSpPr>
-        <p:spPr>
-          <a:xfrm>
-            <a:off x="5395527" y="3913494"/>
-            <a:ext cx="225333" cy="4999"/>
-          </a:xfrm>
-          <a:prstGeom prst="bentConnector3">
-            <a:avLst>
-              <a:gd name="adj1" fmla="val 50000"/>
-            </a:avLst>
-          </a:prstGeom>
-          <a:ln w="19050">
-            <a:solidFill>
-              <a:srgbClr val="7030A0"/>
-            </a:solidFill>
-            <a:headEnd type="none" w="med" len="med"/>
-            <a:tailEnd type="arrow" w="med" len="med"/>
-          </a:ln>
-          <a:effectLst/>
-        </p:spPr>
-        <p:style>
-          <a:lnRef idx="1">
-            <a:schemeClr val="accent2"/>
-          </a:lnRef>
-          <a:fillRef idx="2">
-            <a:schemeClr val="accent2"/>
-          </a:fillRef>
-          <a:effectRef idx="1">
-            <a:schemeClr val="accent2"/>
-          </a:effectRef>
-          <a:fontRef idx="minor">
-            <a:schemeClr val="dk1"/>
-          </a:fontRef>
-        </p:style>
-      </p:cxnSp>
-      <p:sp>
-        <p:nvSpPr>
-          <p:cNvPr id="105" name="TextBox 104">
-            <a:extLst>
-              <a:ext uri="{FF2B5EF4-FFF2-40B4-BE49-F238E27FC236}">
-                <a16:creationId xmlns:a16="http://schemas.microsoft.com/office/drawing/2014/main" id="{A846C247-5BE8-453B-94A4-F8D56DD4F771}"/>
-              </a:ext>
-            </a:extLst>
-          </p:cNvPr>
-          <p:cNvSpPr txBox="1"/>
-          <p:nvPr/>
-        </p:nvSpPr>
-        <p:spPr>
-          <a:xfrm>
-            <a:off x="5440463" y="3714522"/>
-            <a:ext cx="189257" cy="178683"/>
-          </a:xfrm>
-          <a:prstGeom prst="rect">
-            <a:avLst/>
-          </a:prstGeom>
-          <a:noFill/>
-        </p:spPr>
-        <p:txBody>
-          <a:bodyPr wrap="square" lIns="0" tIns="0" rIns="0" bIns="0" rtlCol="0">
-            <a:noAutofit/>
-          </a:bodyPr>
-          <a:lstStyle/>
-          <a:p>
-            <a:pPr algn="ctr"/>
-            <a:r>
-              <a:rPr lang="en-US" sz="1100" dirty="0">
-                <a:solidFill>
-                  <a:srgbClr val="7030A0"/>
-                </a:solidFill>
-              </a:rPr>
-              <a:t>1</a:t>
-            </a:r>
-            <a:endParaRPr lang="en-SG" sz="1100" dirty="0">
-              <a:solidFill>
-                <a:srgbClr val="7030A0"/>
-              </a:solidFill>
-            </a:endParaRPr>
-          </a:p>
-        </p:txBody>
-      </p:sp>
-      <p:sp>
-        <p:nvSpPr>
-          <p:cNvPr id="119" name="Rectangle 8">
-            <a:extLst>
-              <a:ext uri="{FF2B5EF4-FFF2-40B4-BE49-F238E27FC236}">
-                <a16:creationId xmlns:a16="http://schemas.microsoft.com/office/drawing/2014/main" id="{7C377596-E861-41BA-92F8-FB0DEFB5F5A9}"/>
-              </a:ext>
-            </a:extLst>
-          </p:cNvPr>
-          <p:cNvSpPr/>
-          <p:nvPr/>
-        </p:nvSpPr>
-        <p:spPr>
-          <a:xfrm>
-            <a:off x="3765267" y="4574115"/>
-            <a:ext cx="818980" cy="285783"/>
-          </a:xfrm>
-          <a:prstGeom prst="rect">
-            <a:avLst/>
-          </a:prstGeom>
-          <a:ln w="19050">
-            <a:solidFill>
-              <a:srgbClr val="7030A0"/>
-            </a:solidFill>
-          </a:ln>
-          <a:effectLst/>
-        </p:spPr>
-        <p:style>
-          <a:lnRef idx="1">
-            <a:schemeClr val="accent4"/>
-          </a:lnRef>
-          <a:fillRef idx="2">
-            <a:schemeClr val="accent4"/>
-          </a:fillRef>
-          <a:effectRef idx="1">
-            <a:schemeClr val="accent4"/>
-          </a:effectRef>
-          <a:fontRef idx="minor">
-            <a:schemeClr val="dk1"/>
-          </a:fontRef>
-        </p:style>
-        <p:txBody>
-          <a:bodyPr rtlCol="0" anchor="ctr"/>
-          <a:lstStyle/>
-          <a:p>
-            <a:pPr algn="ctr"/>
-            <a:r>
-              <a:rPr lang="en-US" sz="1050" dirty="0" err="1">
-                <a:solidFill>
-                  <a:srgbClr val="7030A0"/>
-                </a:solidFill>
-              </a:rPr>
-              <a:t>LoanStatus</a:t>
-            </a:r>
-            <a:endParaRPr lang="en-SG" sz="1050" dirty="0">
-              <a:solidFill>
-                <a:srgbClr val="7030A0"/>
-              </a:solidFill>
-            </a:endParaRPr>
-          </a:p>
-        </p:txBody>
-      </p:sp>
-      <p:cxnSp>
-        <p:nvCxnSpPr>
-          <p:cNvPr id="192" name="Elbow Connector 106">
-            <a:extLst>
-              <a:ext uri="{FF2B5EF4-FFF2-40B4-BE49-F238E27FC236}">
-                <a16:creationId xmlns:a16="http://schemas.microsoft.com/office/drawing/2014/main" id="{43BE3477-AF70-411F-A7C8-1BA6322922F2}"/>
-              </a:ext>
-            </a:extLst>
-          </p:cNvPr>
-          <p:cNvCxnSpPr>
-            <a:cxnSpLocks/>
-            <a:stCxn id="119" idx="1"/>
-            <a:endCxn id="190" idx="1"/>
-          </p:cNvCxnSpPr>
-          <p:nvPr/>
-        </p:nvCxnSpPr>
-        <p:spPr>
-          <a:xfrm rot="10800000" flipH="1" flipV="1">
-            <a:off x="3765267" y="4717006"/>
-            <a:ext cx="3631180" cy="1444169"/>
-          </a:xfrm>
-          <a:prstGeom prst="bentConnector3">
-            <a:avLst>
-              <a:gd name="adj1" fmla="val -3357"/>
-            </a:avLst>
-          </a:prstGeom>
-          <a:ln w="19050">
-            <a:solidFill>
-              <a:srgbClr val="7030A0"/>
-            </a:solidFill>
-            <a:prstDash val="solid"/>
-            <a:headEnd type="none" w="med" len="med"/>
-            <a:tailEnd type="triangle" w="med" len="med"/>
-          </a:ln>
-          <a:effectLst/>
-        </p:spPr>
-        <p:style>
-          <a:lnRef idx="1">
-            <a:schemeClr val="accent2"/>
-          </a:lnRef>
-          <a:fillRef idx="2">
-            <a:schemeClr val="accent2"/>
-          </a:fillRef>
-          <a:effectRef idx="1">
-            <a:schemeClr val="accent2"/>
-          </a:effectRef>
-          <a:fontRef idx="minor">
-            <a:schemeClr val="dk1"/>
-          </a:fontRef>
-        </p:style>
-      </p:cxnSp>
-      <p:cxnSp>
-        <p:nvCxnSpPr>
-          <p:cNvPr id="194" name="Elbow Connector 85">
-            <a:extLst>
-              <a:ext uri="{FF2B5EF4-FFF2-40B4-BE49-F238E27FC236}">
-                <a16:creationId xmlns:a16="http://schemas.microsoft.com/office/drawing/2014/main" id="{ABF032A2-D4AE-4AFA-AED2-456F7E127068}"/>
-              </a:ext>
-            </a:extLst>
-          </p:cNvPr>
-          <p:cNvCxnSpPr>
-            <a:cxnSpLocks/>
-            <a:stCxn id="176" idx="3"/>
-            <a:endCxn id="119" idx="3"/>
-          </p:cNvCxnSpPr>
-          <p:nvPr/>
-        </p:nvCxnSpPr>
-        <p:spPr>
-          <a:xfrm rot="5400000">
-            <a:off x="4451137" y="4447228"/>
-            <a:ext cx="402889" cy="136668"/>
-          </a:xfrm>
-          <a:prstGeom prst="bentConnector2">
-            <a:avLst/>
-          </a:prstGeom>
-          <a:ln w="19050">
-            <a:solidFill>
-              <a:srgbClr val="7030A0"/>
-            </a:solidFill>
-            <a:headEnd type="none" w="med" len="med"/>
-            <a:tailEnd type="arrow" w="med" len="med"/>
-          </a:ln>
-          <a:effectLst/>
-        </p:spPr>
-        <p:style>
-          <a:lnRef idx="1">
-            <a:schemeClr val="accent2"/>
-          </a:lnRef>
-          <a:fillRef idx="2">
-            <a:schemeClr val="accent2"/>
-          </a:fillRef>
-          <a:effectRef idx="1">
-            <a:schemeClr val="accent2"/>
-          </a:effectRef>
-          <a:fontRef idx="minor">
-            <a:schemeClr val="dk1"/>
-          </a:fontRef>
-        </p:style>
-      </p:cxnSp>
     </p:spTree>
     <p:extLst>
       <p:ext uri="{BB962C8B-B14F-4D97-AF65-F5344CB8AC3E}">
